--- a/Amazon Sales Analysis.pptx
+++ b/Amazon Sales Analysis.pptx
@@ -11,6 +11,16 @@
     <p:sldId id="259" r:id="rId5"/>
     <p:sldId id="260" r:id="rId6"/>
     <p:sldId id="261" r:id="rId7"/>
+    <p:sldId id="262" r:id="rId8"/>
+    <p:sldId id="263" r:id="rId9"/>
+    <p:sldId id="264" r:id="rId10"/>
+    <p:sldId id="265" r:id="rId11"/>
+    <p:sldId id="266" r:id="rId12"/>
+    <p:sldId id="267" r:id="rId13"/>
+    <p:sldId id="270" r:id="rId14"/>
+    <p:sldId id="268" r:id="rId15"/>
+    <p:sldId id="269" r:id="rId16"/>
+    <p:sldId id="271" r:id="rId17"/>
   </p:sldIdLst>
   <p:sldSz cx="12192000" cy="6858000"/>
   <p:notesSz cx="6858000" cy="9144000"/>
@@ -4384,7 +4394,7 @@
           <a:p>
             <a:fld id="{7DE75820-1E16-4B92-989B-B7184BA5CDFD}" type="datetimeFigureOut">
               <a:rPr lang="en-IN" smtClean="0"/>
-              <a:t>14-11-2024</a:t>
+              <a:t>16-11-2024</a:t>
             </a:fld>
             <a:endParaRPr lang="en-IN"/>
           </a:p>
@@ -4584,7 +4594,7 @@
           <a:p>
             <a:fld id="{7DE75820-1E16-4B92-989B-B7184BA5CDFD}" type="datetimeFigureOut">
               <a:rPr lang="en-IN" smtClean="0"/>
-              <a:t>14-11-2024</a:t>
+              <a:t>16-11-2024</a:t>
             </a:fld>
             <a:endParaRPr lang="en-IN"/>
           </a:p>
@@ -4794,7 +4804,7 @@
           <a:p>
             <a:fld id="{7DE75820-1E16-4B92-989B-B7184BA5CDFD}" type="datetimeFigureOut">
               <a:rPr lang="en-IN" smtClean="0"/>
-              <a:t>14-11-2024</a:t>
+              <a:t>16-11-2024</a:t>
             </a:fld>
             <a:endParaRPr lang="en-IN"/>
           </a:p>
@@ -4994,7 +5004,7 @@
           <a:p>
             <a:fld id="{7DE75820-1E16-4B92-989B-B7184BA5CDFD}" type="datetimeFigureOut">
               <a:rPr lang="en-IN" smtClean="0"/>
-              <a:t>14-11-2024</a:t>
+              <a:t>16-11-2024</a:t>
             </a:fld>
             <a:endParaRPr lang="en-IN"/>
           </a:p>
@@ -5270,7 +5280,7 @@
           <a:p>
             <a:fld id="{7DE75820-1E16-4B92-989B-B7184BA5CDFD}" type="datetimeFigureOut">
               <a:rPr lang="en-IN" smtClean="0"/>
-              <a:t>14-11-2024</a:t>
+              <a:t>16-11-2024</a:t>
             </a:fld>
             <a:endParaRPr lang="en-IN"/>
           </a:p>
@@ -5538,7 +5548,7 @@
           <a:p>
             <a:fld id="{7DE75820-1E16-4B92-989B-B7184BA5CDFD}" type="datetimeFigureOut">
               <a:rPr lang="en-IN" smtClean="0"/>
-              <a:t>14-11-2024</a:t>
+              <a:t>16-11-2024</a:t>
             </a:fld>
             <a:endParaRPr lang="en-IN"/>
           </a:p>
@@ -5953,7 +5963,7 @@
           <a:p>
             <a:fld id="{7DE75820-1E16-4B92-989B-B7184BA5CDFD}" type="datetimeFigureOut">
               <a:rPr lang="en-IN" smtClean="0"/>
-              <a:t>14-11-2024</a:t>
+              <a:t>16-11-2024</a:t>
             </a:fld>
             <a:endParaRPr lang="en-IN"/>
           </a:p>
@@ -6095,7 +6105,7 @@
           <a:p>
             <a:fld id="{7DE75820-1E16-4B92-989B-B7184BA5CDFD}" type="datetimeFigureOut">
               <a:rPr lang="en-IN" smtClean="0"/>
-              <a:t>14-11-2024</a:t>
+              <a:t>16-11-2024</a:t>
             </a:fld>
             <a:endParaRPr lang="en-IN"/>
           </a:p>
@@ -6208,7 +6218,7 @@
           <a:p>
             <a:fld id="{7DE75820-1E16-4B92-989B-B7184BA5CDFD}" type="datetimeFigureOut">
               <a:rPr lang="en-IN" smtClean="0"/>
-              <a:t>14-11-2024</a:t>
+              <a:t>16-11-2024</a:t>
             </a:fld>
             <a:endParaRPr lang="en-IN"/>
           </a:p>
@@ -6521,7 +6531,7 @@
           <a:p>
             <a:fld id="{7DE75820-1E16-4B92-989B-B7184BA5CDFD}" type="datetimeFigureOut">
               <a:rPr lang="en-IN" smtClean="0"/>
-              <a:t>14-11-2024</a:t>
+              <a:t>16-11-2024</a:t>
             </a:fld>
             <a:endParaRPr lang="en-IN"/>
           </a:p>
@@ -6810,7 +6820,7 @@
           <a:p>
             <a:fld id="{7DE75820-1E16-4B92-989B-B7184BA5CDFD}" type="datetimeFigureOut">
               <a:rPr lang="en-IN" smtClean="0"/>
-              <a:t>14-11-2024</a:t>
+              <a:t>16-11-2024</a:t>
             </a:fld>
             <a:endParaRPr lang="en-IN"/>
           </a:p>
@@ -7053,7 +7063,7 @@
           <a:p>
             <a:fld id="{7DE75820-1E16-4B92-989B-B7184BA5CDFD}" type="datetimeFigureOut">
               <a:rPr lang="en-IN" smtClean="0"/>
-              <a:t>14-11-2024</a:t>
+              <a:t>16-11-2024</a:t>
             </a:fld>
             <a:endParaRPr lang="en-IN"/>
           </a:p>
@@ -7552,6 +7562,1360 @@
 </p:sld>
 </file>
 
+<file path=ppt/slides/slide10.xml><?xml version="1.0" encoding="utf-8"?>
+<p:sld xmlns:a="http://schemas.openxmlformats.org/drawingml/2006/main" xmlns:r="http://schemas.openxmlformats.org/officeDocument/2006/relationships" xmlns:p="http://schemas.openxmlformats.org/presentationml/2006/main">
+  <p:cSld>
+    <p:spTree>
+      <p:nvGrpSpPr>
+        <p:cNvPr id="1" name=""/>
+        <p:cNvGrpSpPr/>
+        <p:nvPr/>
+      </p:nvGrpSpPr>
+      <p:grpSpPr>
+        <a:xfrm>
+          <a:off x="0" y="0"/>
+          <a:ext cx="0" cy="0"/>
+          <a:chOff x="0" y="0"/>
+          <a:chExt cx="0" cy="0"/>
+        </a:xfrm>
+      </p:grpSpPr>
+      <p:sp>
+        <p:nvSpPr>
+          <p:cNvPr id="2" name="Title 1">
+            <a:extLst>
+              <a:ext uri="{FF2B5EF4-FFF2-40B4-BE49-F238E27FC236}">
+                <a16:creationId xmlns:a16="http://schemas.microsoft.com/office/drawing/2014/main" id="{5EBA2E77-334D-75A3-4894-6B248EA6406C}"/>
+              </a:ext>
+            </a:extLst>
+          </p:cNvPr>
+          <p:cNvSpPr>
+            <a:spLocks noGrp="1"/>
+          </p:cNvSpPr>
+          <p:nvPr>
+            <p:ph type="title"/>
+          </p:nvPr>
+        </p:nvSpPr>
+        <p:spPr>
+          <a:xfrm>
+            <a:off x="838200" y="2498725"/>
+            <a:ext cx="10515600" cy="1325563"/>
+          </a:xfrm>
+        </p:spPr>
+        <p:txBody>
+          <a:bodyPr/>
+          <a:lstStyle/>
+          <a:p>
+            <a:pPr algn="ctr"/>
+            <a:r>
+              <a:rPr lang="en-US" dirty="0"/>
+              <a:t>Insights</a:t>
+            </a:r>
+            <a:endParaRPr lang="en-IN" dirty="0"/>
+          </a:p>
+        </p:txBody>
+      </p:sp>
+    </p:spTree>
+    <p:extLst>
+      <p:ext uri="{BB962C8B-B14F-4D97-AF65-F5344CB8AC3E}">
+        <p14:creationId xmlns:p14="http://schemas.microsoft.com/office/powerpoint/2010/main" val="2215156248"/>
+      </p:ext>
+    </p:extLst>
+  </p:cSld>
+  <p:clrMapOvr>
+    <a:masterClrMapping/>
+  </p:clrMapOvr>
+</p:sld>
+</file>
+
+<file path=ppt/slides/slide11.xml><?xml version="1.0" encoding="utf-8"?>
+<p:sld xmlns:a="http://schemas.openxmlformats.org/drawingml/2006/main" xmlns:r="http://schemas.openxmlformats.org/officeDocument/2006/relationships" xmlns:p="http://schemas.openxmlformats.org/presentationml/2006/main">
+  <p:cSld>
+    <p:spTree>
+      <p:nvGrpSpPr>
+        <p:cNvPr id="1" name=""/>
+        <p:cNvGrpSpPr/>
+        <p:nvPr/>
+      </p:nvGrpSpPr>
+      <p:grpSpPr>
+        <a:xfrm>
+          <a:off x="0" y="0"/>
+          <a:ext cx="0" cy="0"/>
+          <a:chOff x="0" y="0"/>
+          <a:chExt cx="0" cy="0"/>
+        </a:xfrm>
+      </p:grpSpPr>
+      <p:sp>
+        <p:nvSpPr>
+          <p:cNvPr id="2" name="Title 1">
+            <a:extLst>
+              <a:ext uri="{FF2B5EF4-FFF2-40B4-BE49-F238E27FC236}">
+                <a16:creationId xmlns:a16="http://schemas.microsoft.com/office/drawing/2014/main" id="{34E04B07-C782-2E8B-ED42-22E8AD82DE25}"/>
+              </a:ext>
+            </a:extLst>
+          </p:cNvPr>
+          <p:cNvSpPr>
+            <a:spLocks noGrp="1"/>
+          </p:cNvSpPr>
+          <p:nvPr>
+            <p:ph type="title"/>
+          </p:nvPr>
+        </p:nvSpPr>
+        <p:spPr/>
+        <p:txBody>
+          <a:bodyPr/>
+          <a:lstStyle/>
+          <a:p>
+            <a:pPr algn="ctr"/>
+            <a:r>
+              <a:rPr lang="en-US" b="1" dirty="0">
+                <a:latin typeface="Aptos" panose="020B0004020202020204" pitchFamily="34" charset="0"/>
+              </a:rPr>
+              <a:t>Sales Overview</a:t>
+            </a:r>
+            <a:endParaRPr lang="en-IN" b="1" dirty="0">
+              <a:latin typeface="Aptos" panose="020B0004020202020204" pitchFamily="34" charset="0"/>
+            </a:endParaRPr>
+          </a:p>
+        </p:txBody>
+      </p:sp>
+      <p:sp>
+        <p:nvSpPr>
+          <p:cNvPr id="3" name="Content Placeholder 2">
+            <a:extLst>
+              <a:ext uri="{FF2B5EF4-FFF2-40B4-BE49-F238E27FC236}">
+                <a16:creationId xmlns:a16="http://schemas.microsoft.com/office/drawing/2014/main" id="{7B381A56-2300-FC4B-3260-D91F7D85BDBB}"/>
+              </a:ext>
+            </a:extLst>
+          </p:cNvPr>
+          <p:cNvSpPr>
+            <a:spLocks noGrp="1"/>
+          </p:cNvSpPr>
+          <p:nvPr>
+            <p:ph idx="1"/>
+          </p:nvPr>
+        </p:nvSpPr>
+        <p:spPr>
+          <a:xfrm>
+            <a:off x="838200" y="1690689"/>
+            <a:ext cx="10724535" cy="1416306"/>
+          </a:xfrm>
+        </p:spPr>
+        <p:txBody>
+          <a:bodyPr>
+            <a:normAutofit/>
+          </a:bodyPr>
+          <a:lstStyle/>
+          <a:p>
+            <a:r>
+              <a:rPr lang="en-US" sz="2400" dirty="0"/>
+              <a:t>Around </a:t>
+            </a:r>
+            <a:r>
+              <a:rPr lang="en-US" sz="2400" b="1" dirty="0"/>
+              <a:t>114K</a:t>
+            </a:r>
+            <a:r>
+              <a:rPr lang="en-US" sz="2400" dirty="0"/>
+              <a:t> units are sold out with an amount of </a:t>
+            </a:r>
+            <a:r>
+              <a:rPr lang="en-US" sz="2400" b="1" dirty="0"/>
+              <a:t>₹78.57 </a:t>
+            </a:r>
+            <a:r>
+              <a:rPr lang="en-US" sz="2400" dirty="0"/>
+              <a:t>Million and through </a:t>
+            </a:r>
+            <a:r>
+              <a:rPr lang="en-US" sz="2400" b="1" dirty="0"/>
+              <a:t>1,10,519 </a:t>
+            </a:r>
+            <a:r>
+              <a:rPr lang="en-US" sz="2400" dirty="0"/>
+              <a:t>orders.</a:t>
+            </a:r>
+          </a:p>
+          <a:p>
+            <a:r>
+              <a:rPr lang="en-US" sz="2400" dirty="0"/>
+              <a:t>Around </a:t>
+            </a:r>
+            <a:r>
+              <a:rPr lang="en-US" sz="2400" b="1" dirty="0"/>
+              <a:t>11K</a:t>
+            </a:r>
+            <a:r>
+              <a:rPr lang="en-US" sz="2400" dirty="0"/>
+              <a:t> Orders are cancelled, which is around </a:t>
+            </a:r>
+            <a:r>
+              <a:rPr lang="en-US" sz="2400" b="1" dirty="0"/>
+              <a:t>9% </a:t>
+            </a:r>
+            <a:r>
+              <a:rPr lang="en-US" sz="2400" dirty="0"/>
+              <a:t>of whole orders.</a:t>
+            </a:r>
+          </a:p>
+          <a:p>
+            <a:endParaRPr lang="en-US" dirty="0"/>
+          </a:p>
+          <a:p>
+            <a:endParaRPr lang="en-US" dirty="0"/>
+          </a:p>
+          <a:p>
+            <a:pPr marL="0" indent="0">
+              <a:buNone/>
+            </a:pPr>
+            <a:endParaRPr lang="en-US" dirty="0"/>
+          </a:p>
+          <a:p>
+            <a:endParaRPr lang="en-US" dirty="0"/>
+          </a:p>
+        </p:txBody>
+      </p:sp>
+      <p:pic>
+        <p:nvPicPr>
+          <p:cNvPr id="5" name="Picture 4">
+            <a:extLst>
+              <a:ext uri="{FF2B5EF4-FFF2-40B4-BE49-F238E27FC236}">
+                <a16:creationId xmlns:a16="http://schemas.microsoft.com/office/drawing/2014/main" id="{7CC49CFB-F357-67E8-A51A-901384131BBD}"/>
+              </a:ext>
+            </a:extLst>
+          </p:cNvPr>
+          <p:cNvPicPr>
+            <a:picLocks noChangeAspect="1"/>
+          </p:cNvPicPr>
+          <p:nvPr/>
+        </p:nvPicPr>
+        <p:blipFill>
+          <a:blip r:embed="rId2"/>
+          <a:stretch>
+            <a:fillRect/>
+          </a:stretch>
+        </p:blipFill>
+        <p:spPr>
+          <a:xfrm>
+            <a:off x="3687097" y="3370006"/>
+            <a:ext cx="7322872" cy="2822425"/>
+          </a:xfrm>
+          <a:prstGeom prst="rect">
+            <a:avLst/>
+          </a:prstGeom>
+        </p:spPr>
+      </p:pic>
+      <p:pic>
+        <p:nvPicPr>
+          <p:cNvPr id="7" name="Picture 6">
+            <a:extLst>
+              <a:ext uri="{FF2B5EF4-FFF2-40B4-BE49-F238E27FC236}">
+                <a16:creationId xmlns:a16="http://schemas.microsoft.com/office/drawing/2014/main" id="{57303EA6-0EBB-4BF5-F785-ABDCE98A67AD}"/>
+              </a:ext>
+            </a:extLst>
+          </p:cNvPr>
+          <p:cNvPicPr>
+            <a:picLocks noChangeAspect="1"/>
+          </p:cNvPicPr>
+          <p:nvPr/>
+        </p:nvPicPr>
+        <p:blipFill>
+          <a:blip r:embed="rId3"/>
+          <a:stretch>
+            <a:fillRect/>
+          </a:stretch>
+        </p:blipFill>
+        <p:spPr>
+          <a:xfrm>
+            <a:off x="1096471" y="4214277"/>
+            <a:ext cx="2467060" cy="1243346"/>
+          </a:xfrm>
+          <a:prstGeom prst="rect">
+            <a:avLst/>
+          </a:prstGeom>
+        </p:spPr>
+      </p:pic>
+    </p:spTree>
+    <p:extLst>
+      <p:ext uri="{BB962C8B-B14F-4D97-AF65-F5344CB8AC3E}">
+        <p14:creationId xmlns:p14="http://schemas.microsoft.com/office/powerpoint/2010/main" val="2791663988"/>
+      </p:ext>
+    </p:extLst>
+  </p:cSld>
+  <p:clrMapOvr>
+    <a:masterClrMapping/>
+  </p:clrMapOvr>
+</p:sld>
+</file>
+
+<file path=ppt/slides/slide12.xml><?xml version="1.0" encoding="utf-8"?>
+<p:sld xmlns:a="http://schemas.openxmlformats.org/drawingml/2006/main" xmlns:r="http://schemas.openxmlformats.org/officeDocument/2006/relationships" xmlns:p="http://schemas.openxmlformats.org/presentationml/2006/main">
+  <p:cSld>
+    <p:spTree>
+      <p:nvGrpSpPr>
+        <p:cNvPr id="1" name=""/>
+        <p:cNvGrpSpPr/>
+        <p:nvPr/>
+      </p:nvGrpSpPr>
+      <p:grpSpPr>
+        <a:xfrm>
+          <a:off x="0" y="0"/>
+          <a:ext cx="0" cy="0"/>
+          <a:chOff x="0" y="0"/>
+          <a:chExt cx="0" cy="0"/>
+        </a:xfrm>
+      </p:grpSpPr>
+      <p:pic>
+        <p:nvPicPr>
+          <p:cNvPr id="5" name="Picture 4">
+            <a:extLst>
+              <a:ext uri="{FF2B5EF4-FFF2-40B4-BE49-F238E27FC236}">
+                <a16:creationId xmlns:a16="http://schemas.microsoft.com/office/drawing/2014/main" id="{8BE8354F-DDD0-0D9A-A1B2-9EE481503B94}"/>
+              </a:ext>
+            </a:extLst>
+          </p:cNvPr>
+          <p:cNvPicPr>
+            <a:picLocks noChangeAspect="1"/>
+          </p:cNvPicPr>
+          <p:nvPr/>
+        </p:nvPicPr>
+        <p:blipFill>
+          <a:blip r:embed="rId2"/>
+          <a:srcRect l="279" r="-279"/>
+          <a:stretch/>
+        </p:blipFill>
+        <p:spPr>
+          <a:xfrm>
+            <a:off x="561667" y="1101214"/>
+            <a:ext cx="11068665" cy="5587202"/>
+          </a:xfrm>
+          <a:prstGeom prst="rect">
+            <a:avLst/>
+          </a:prstGeom>
+        </p:spPr>
+      </p:pic>
+      <p:sp>
+        <p:nvSpPr>
+          <p:cNvPr id="2" name="Title 1">
+            <a:extLst>
+              <a:ext uri="{FF2B5EF4-FFF2-40B4-BE49-F238E27FC236}">
+                <a16:creationId xmlns:a16="http://schemas.microsoft.com/office/drawing/2014/main" id="{6BEFE8CC-0B77-1F8B-4A18-7F4D1B1AC49D}"/>
+              </a:ext>
+            </a:extLst>
+          </p:cNvPr>
+          <p:cNvSpPr>
+            <a:spLocks noGrp="1"/>
+          </p:cNvSpPr>
+          <p:nvPr>
+            <p:ph type="title"/>
+          </p:nvPr>
+        </p:nvSpPr>
+        <p:spPr>
+          <a:xfrm>
+            <a:off x="838200" y="365126"/>
+            <a:ext cx="10515600" cy="736088"/>
+          </a:xfrm>
+        </p:spPr>
+        <p:txBody>
+          <a:bodyPr/>
+          <a:lstStyle/>
+          <a:p>
+            <a:pPr algn="ctr"/>
+            <a:r>
+              <a:rPr lang="en-US" b="1" dirty="0">
+                <a:latin typeface="Aptos" panose="020B0004020202020204" pitchFamily="34" charset="0"/>
+              </a:rPr>
+              <a:t>Product Analysis</a:t>
+            </a:r>
+            <a:endParaRPr lang="en-IN" b="1" dirty="0">
+              <a:latin typeface="Aptos" panose="020B0004020202020204" pitchFamily="34" charset="0"/>
+            </a:endParaRPr>
+          </a:p>
+        </p:txBody>
+      </p:sp>
+      <p:sp>
+        <p:nvSpPr>
+          <p:cNvPr id="3" name="Content Placeholder 2">
+            <a:extLst>
+              <a:ext uri="{FF2B5EF4-FFF2-40B4-BE49-F238E27FC236}">
+                <a16:creationId xmlns:a16="http://schemas.microsoft.com/office/drawing/2014/main" id="{3DEBDAA7-0A4D-32CA-E461-08E8DB185EDE}"/>
+              </a:ext>
+            </a:extLst>
+          </p:cNvPr>
+          <p:cNvSpPr>
+            <a:spLocks noGrp="1"/>
+          </p:cNvSpPr>
+          <p:nvPr>
+            <p:ph idx="1"/>
+          </p:nvPr>
+        </p:nvSpPr>
+        <p:spPr>
+          <a:xfrm>
+            <a:off x="7524136" y="1837302"/>
+            <a:ext cx="3399503" cy="2686665"/>
+          </a:xfrm>
+        </p:spPr>
+        <p:txBody>
+          <a:bodyPr>
+            <a:normAutofit/>
+          </a:bodyPr>
+          <a:lstStyle/>
+          <a:p>
+            <a:r>
+              <a:rPr lang="en-US" sz="2400" b="1" dirty="0"/>
+              <a:t>M,L </a:t>
+            </a:r>
+            <a:r>
+              <a:rPr lang="en-US" sz="2400" dirty="0"/>
+              <a:t>and </a:t>
+            </a:r>
+            <a:r>
+              <a:rPr lang="en-US" sz="2400" b="1" dirty="0"/>
+              <a:t>XL</a:t>
+            </a:r>
+            <a:r>
+              <a:rPr lang="en-US" sz="2400" dirty="0"/>
+              <a:t> are the most sold sizes.</a:t>
+            </a:r>
+          </a:p>
+          <a:p>
+            <a:r>
+              <a:rPr lang="en-US" sz="2400" dirty="0"/>
+              <a:t>Almost </a:t>
+            </a:r>
+            <a:r>
+              <a:rPr lang="en-US" sz="2400" b="1" dirty="0"/>
+              <a:t>50% </a:t>
+            </a:r>
+            <a:r>
+              <a:rPr lang="en-US" sz="2400" dirty="0"/>
+              <a:t>of Total Revenue is contributed by M,L and XL Sizes.</a:t>
+            </a:r>
+            <a:endParaRPr lang="en-IN" sz="2400" dirty="0"/>
+          </a:p>
+        </p:txBody>
+      </p:sp>
+    </p:spTree>
+    <p:extLst>
+      <p:ext uri="{BB962C8B-B14F-4D97-AF65-F5344CB8AC3E}">
+        <p14:creationId xmlns:p14="http://schemas.microsoft.com/office/powerpoint/2010/main" val="4114180535"/>
+      </p:ext>
+    </p:extLst>
+  </p:cSld>
+  <p:clrMapOvr>
+    <a:masterClrMapping/>
+  </p:clrMapOvr>
+</p:sld>
+</file>
+
+<file path=ppt/slides/slide13.xml><?xml version="1.0" encoding="utf-8"?>
+<p:sld xmlns:a="http://schemas.openxmlformats.org/drawingml/2006/main" xmlns:r="http://schemas.openxmlformats.org/officeDocument/2006/relationships" xmlns:p="http://schemas.openxmlformats.org/presentationml/2006/main">
+  <p:cSld>
+    <p:spTree>
+      <p:nvGrpSpPr>
+        <p:cNvPr id="1" name=""/>
+        <p:cNvGrpSpPr/>
+        <p:nvPr/>
+      </p:nvGrpSpPr>
+      <p:grpSpPr>
+        <a:xfrm>
+          <a:off x="0" y="0"/>
+          <a:ext cx="0" cy="0"/>
+          <a:chOff x="0" y="0"/>
+          <a:chExt cx="0" cy="0"/>
+        </a:xfrm>
+      </p:grpSpPr>
+      <p:sp>
+        <p:nvSpPr>
+          <p:cNvPr id="2" name="Title 1">
+            <a:extLst>
+              <a:ext uri="{FF2B5EF4-FFF2-40B4-BE49-F238E27FC236}">
+                <a16:creationId xmlns:a16="http://schemas.microsoft.com/office/drawing/2014/main" id="{C6340461-D5BA-A626-65DB-A04CF22DE857}"/>
+              </a:ext>
+            </a:extLst>
+          </p:cNvPr>
+          <p:cNvSpPr>
+            <a:spLocks noGrp="1"/>
+          </p:cNvSpPr>
+          <p:nvPr>
+            <p:ph type="title"/>
+          </p:nvPr>
+        </p:nvSpPr>
+        <p:spPr>
+          <a:xfrm>
+            <a:off x="838200" y="365126"/>
+            <a:ext cx="10515600" cy="782910"/>
+          </a:xfrm>
+        </p:spPr>
+        <p:txBody>
+          <a:bodyPr/>
+          <a:lstStyle/>
+          <a:p>
+            <a:pPr algn="ctr"/>
+            <a:r>
+              <a:rPr lang="en-US" b="1" dirty="0">
+                <a:latin typeface="Aptos" panose="020B0004020202020204" pitchFamily="34" charset="0"/>
+              </a:rPr>
+              <a:t>Product Analysis</a:t>
+            </a:r>
+            <a:endParaRPr lang="en-IN" b="1" dirty="0">
+              <a:latin typeface="Aptos" panose="020B0004020202020204" pitchFamily="34" charset="0"/>
+            </a:endParaRPr>
+          </a:p>
+        </p:txBody>
+      </p:sp>
+      <p:pic>
+        <p:nvPicPr>
+          <p:cNvPr id="5" name="Content Placeholder 4">
+            <a:extLst>
+              <a:ext uri="{FF2B5EF4-FFF2-40B4-BE49-F238E27FC236}">
+                <a16:creationId xmlns:a16="http://schemas.microsoft.com/office/drawing/2014/main" id="{7D548AF2-A3D3-FFCE-0EB3-E9015A3F7DFA}"/>
+              </a:ext>
+            </a:extLst>
+          </p:cNvPr>
+          <p:cNvPicPr>
+            <a:picLocks noGrp="1" noChangeAspect="1"/>
+          </p:cNvPicPr>
+          <p:nvPr>
+            <p:ph idx="1"/>
+          </p:nvPr>
+        </p:nvPicPr>
+        <p:blipFill>
+          <a:blip r:embed="rId2"/>
+          <a:stretch>
+            <a:fillRect/>
+          </a:stretch>
+        </p:blipFill>
+        <p:spPr>
+          <a:xfrm>
+            <a:off x="550607" y="1049714"/>
+            <a:ext cx="11090786" cy="5636561"/>
+          </a:xfrm>
+        </p:spPr>
+      </p:pic>
+      <p:sp>
+        <p:nvSpPr>
+          <p:cNvPr id="9" name="TextBox 8">
+            <a:extLst>
+              <a:ext uri="{FF2B5EF4-FFF2-40B4-BE49-F238E27FC236}">
+                <a16:creationId xmlns:a16="http://schemas.microsoft.com/office/drawing/2014/main" id="{BBF31E3D-A97E-4C91-CF28-B61B581460DF}"/>
+              </a:ext>
+            </a:extLst>
+          </p:cNvPr>
+          <p:cNvSpPr txBox="1"/>
+          <p:nvPr/>
+        </p:nvSpPr>
+        <p:spPr>
+          <a:xfrm>
+            <a:off x="5496232" y="3429000"/>
+            <a:ext cx="5388078" cy="1631216"/>
+          </a:xfrm>
+          <a:prstGeom prst="rect">
+            <a:avLst/>
+          </a:prstGeom>
+          <a:noFill/>
+        </p:spPr>
+        <p:txBody>
+          <a:bodyPr wrap="square">
+            <a:spAutoFit/>
+          </a:bodyPr>
+          <a:lstStyle/>
+          <a:p>
+            <a:pPr marL="285750" indent="-285750">
+              <a:buFont typeface="Arial" panose="020B0604020202020204" pitchFamily="34" charset="0"/>
+              <a:buChar char="•"/>
+            </a:pPr>
+            <a:r>
+              <a:rPr lang="en-US" sz="2000" b="1" dirty="0"/>
+              <a:t>T- shirts </a:t>
+            </a:r>
+            <a:r>
+              <a:rPr lang="en-US" sz="2000" dirty="0"/>
+              <a:t>and </a:t>
+            </a:r>
+            <a:r>
+              <a:rPr lang="en-US" sz="2000" b="1" dirty="0"/>
+              <a:t>Shirts</a:t>
+            </a:r>
+            <a:r>
+              <a:rPr lang="en-US" sz="2000" dirty="0"/>
+              <a:t> are the most sold among all categories with the total amount of </a:t>
+            </a:r>
+            <a:r>
+              <a:rPr lang="en-US" sz="2000" b="1" dirty="0"/>
+              <a:t>₹39.2M </a:t>
+            </a:r>
+            <a:r>
+              <a:rPr lang="en-US" sz="2000" dirty="0"/>
+              <a:t>and </a:t>
+            </a:r>
+            <a:r>
+              <a:rPr lang="en-US" sz="2000" b="1" dirty="0"/>
+              <a:t>₹21.29M </a:t>
+            </a:r>
+            <a:r>
+              <a:rPr lang="en-US" sz="2000" dirty="0"/>
+              <a:t>respectively.</a:t>
+            </a:r>
+          </a:p>
+          <a:p>
+            <a:pPr marL="285750" indent="-285750">
+              <a:buFont typeface="Arial" panose="020B0604020202020204" pitchFamily="34" charset="0"/>
+              <a:buChar char="•"/>
+            </a:pPr>
+            <a:r>
+              <a:rPr lang="en-US" sz="2000" dirty="0"/>
+              <a:t>T-shirts and Shirts are contributing </a:t>
+            </a:r>
+            <a:r>
+              <a:rPr lang="en-US" sz="2000" b="1" dirty="0"/>
+              <a:t>77% </a:t>
+            </a:r>
+            <a:r>
+              <a:rPr lang="en-US" sz="2000" dirty="0"/>
+              <a:t>of Total Revenue</a:t>
+            </a:r>
+            <a:r>
+              <a:rPr lang="en-US" dirty="0"/>
+              <a:t>.</a:t>
+            </a:r>
+          </a:p>
+        </p:txBody>
+      </p:sp>
+    </p:spTree>
+    <p:extLst>
+      <p:ext uri="{BB962C8B-B14F-4D97-AF65-F5344CB8AC3E}">
+        <p14:creationId xmlns:p14="http://schemas.microsoft.com/office/powerpoint/2010/main" val="1535086055"/>
+      </p:ext>
+    </p:extLst>
+  </p:cSld>
+  <p:clrMapOvr>
+    <a:masterClrMapping/>
+  </p:clrMapOvr>
+</p:sld>
+</file>
+
+<file path=ppt/slides/slide14.xml><?xml version="1.0" encoding="utf-8"?>
+<p:sld xmlns:a="http://schemas.openxmlformats.org/drawingml/2006/main" xmlns:r="http://schemas.openxmlformats.org/officeDocument/2006/relationships" xmlns:p="http://schemas.openxmlformats.org/presentationml/2006/main">
+  <p:cSld>
+    <p:spTree>
+      <p:nvGrpSpPr>
+        <p:cNvPr id="1" name=""/>
+        <p:cNvGrpSpPr/>
+        <p:nvPr/>
+      </p:nvGrpSpPr>
+      <p:grpSpPr>
+        <a:xfrm>
+          <a:off x="0" y="0"/>
+          <a:ext cx="0" cy="0"/>
+          <a:chOff x="0" y="0"/>
+          <a:chExt cx="0" cy="0"/>
+        </a:xfrm>
+      </p:grpSpPr>
+      <p:pic>
+        <p:nvPicPr>
+          <p:cNvPr id="13" name="Picture 12">
+            <a:extLst>
+              <a:ext uri="{FF2B5EF4-FFF2-40B4-BE49-F238E27FC236}">
+                <a16:creationId xmlns:a16="http://schemas.microsoft.com/office/drawing/2014/main" id="{9B289B44-B12D-4E3E-6DCE-CEF89C2CE39C}"/>
+              </a:ext>
+            </a:extLst>
+          </p:cNvPr>
+          <p:cNvPicPr>
+            <a:picLocks noChangeAspect="1"/>
+          </p:cNvPicPr>
+          <p:nvPr/>
+        </p:nvPicPr>
+        <p:blipFill>
+          <a:blip r:embed="rId2"/>
+          <a:stretch>
+            <a:fillRect/>
+          </a:stretch>
+        </p:blipFill>
+        <p:spPr>
+          <a:xfrm>
+            <a:off x="3064264" y="1236792"/>
+            <a:ext cx="6075290" cy="3597687"/>
+          </a:xfrm>
+          <a:prstGeom prst="rect">
+            <a:avLst/>
+          </a:prstGeom>
+        </p:spPr>
+      </p:pic>
+      <p:sp>
+        <p:nvSpPr>
+          <p:cNvPr id="2" name="Title 1">
+            <a:extLst>
+              <a:ext uri="{FF2B5EF4-FFF2-40B4-BE49-F238E27FC236}">
+                <a16:creationId xmlns:a16="http://schemas.microsoft.com/office/drawing/2014/main" id="{78A0E6F6-4ED5-8BFE-4339-B9303DC7E36A}"/>
+              </a:ext>
+            </a:extLst>
+          </p:cNvPr>
+          <p:cNvSpPr>
+            <a:spLocks noGrp="1"/>
+          </p:cNvSpPr>
+          <p:nvPr>
+            <p:ph type="title"/>
+          </p:nvPr>
+        </p:nvSpPr>
+        <p:spPr>
+          <a:xfrm>
+            <a:off x="838200" y="365125"/>
+            <a:ext cx="10515600" cy="539443"/>
+          </a:xfrm>
+        </p:spPr>
+        <p:txBody>
+          <a:bodyPr>
+            <a:normAutofit fontScale="90000"/>
+          </a:bodyPr>
+          <a:lstStyle/>
+          <a:p>
+            <a:pPr algn="ctr"/>
+            <a:r>
+              <a:rPr lang="en-US" b="1" dirty="0">
+                <a:latin typeface="Aptos" panose="020B0004020202020204" pitchFamily="34" charset="0"/>
+              </a:rPr>
+              <a:t>Fulfillment Analysis</a:t>
+            </a:r>
+            <a:endParaRPr lang="en-IN" b="1" dirty="0">
+              <a:latin typeface="Aptos" panose="020B0004020202020204" pitchFamily="34" charset="0"/>
+            </a:endParaRPr>
+          </a:p>
+        </p:txBody>
+      </p:sp>
+      <p:sp>
+        <p:nvSpPr>
+          <p:cNvPr id="3" name="Content Placeholder 2">
+            <a:extLst>
+              <a:ext uri="{FF2B5EF4-FFF2-40B4-BE49-F238E27FC236}">
+                <a16:creationId xmlns:a16="http://schemas.microsoft.com/office/drawing/2014/main" id="{72585F27-64EC-94B3-DB12-BBDB0C4ABD13}"/>
+              </a:ext>
+            </a:extLst>
+          </p:cNvPr>
+          <p:cNvSpPr>
+            <a:spLocks noGrp="1"/>
+          </p:cNvSpPr>
+          <p:nvPr>
+            <p:ph idx="1"/>
+          </p:nvPr>
+        </p:nvSpPr>
+        <p:spPr>
+          <a:xfrm>
+            <a:off x="661221" y="5220632"/>
+            <a:ext cx="11019502" cy="1219200"/>
+          </a:xfrm>
+        </p:spPr>
+        <p:txBody>
+          <a:bodyPr/>
+          <a:lstStyle/>
+          <a:p>
+            <a:r>
+              <a:rPr lang="en-US" b="1" dirty="0"/>
+              <a:t>76670</a:t>
+            </a:r>
+            <a:r>
+              <a:rPr lang="en-US" dirty="0"/>
+              <a:t> orders </a:t>
+            </a:r>
+            <a:r>
+              <a:rPr lang="en-US" b="1" dirty="0"/>
+              <a:t>(69%) </a:t>
+            </a:r>
+            <a:r>
+              <a:rPr lang="en-US" dirty="0"/>
+              <a:t>are fulfilled by Amazon and rest are fulfilled by their merchants.</a:t>
+            </a:r>
+          </a:p>
+          <a:p>
+            <a:pPr marL="0" indent="0">
+              <a:buNone/>
+            </a:pPr>
+            <a:endParaRPr lang="en-US" dirty="0"/>
+          </a:p>
+          <a:p>
+            <a:endParaRPr lang="en-IN" dirty="0"/>
+          </a:p>
+        </p:txBody>
+      </p:sp>
+      <p:pic>
+        <p:nvPicPr>
+          <p:cNvPr id="15" name="Picture 14">
+            <a:extLst>
+              <a:ext uri="{FF2B5EF4-FFF2-40B4-BE49-F238E27FC236}">
+                <a16:creationId xmlns:a16="http://schemas.microsoft.com/office/drawing/2014/main" id="{45846DA3-B2F4-166E-B390-1A2A69484462}"/>
+              </a:ext>
+            </a:extLst>
+          </p:cNvPr>
+          <p:cNvPicPr>
+            <a:picLocks noChangeAspect="1"/>
+          </p:cNvPicPr>
+          <p:nvPr/>
+        </p:nvPicPr>
+        <p:blipFill>
+          <a:blip r:embed="rId3"/>
+          <a:stretch>
+            <a:fillRect/>
+          </a:stretch>
+        </p:blipFill>
+        <p:spPr>
+          <a:xfrm>
+            <a:off x="803192" y="1584409"/>
+            <a:ext cx="2086350" cy="3250070"/>
+          </a:xfrm>
+          <a:prstGeom prst="rect">
+            <a:avLst/>
+          </a:prstGeom>
+        </p:spPr>
+      </p:pic>
+      <p:pic>
+        <p:nvPicPr>
+          <p:cNvPr id="17" name="Picture 16">
+            <a:extLst>
+              <a:ext uri="{FF2B5EF4-FFF2-40B4-BE49-F238E27FC236}">
+                <a16:creationId xmlns:a16="http://schemas.microsoft.com/office/drawing/2014/main" id="{79932637-310A-5A4F-91A6-BDF4A0612FF0}"/>
+              </a:ext>
+            </a:extLst>
+          </p:cNvPr>
+          <p:cNvPicPr>
+            <a:picLocks noChangeAspect="1"/>
+          </p:cNvPicPr>
+          <p:nvPr/>
+        </p:nvPicPr>
+        <p:blipFill>
+          <a:blip r:embed="rId4"/>
+          <a:stretch>
+            <a:fillRect/>
+          </a:stretch>
+        </p:blipFill>
+        <p:spPr>
+          <a:xfrm>
+            <a:off x="9269469" y="1655302"/>
+            <a:ext cx="2084331" cy="3179177"/>
+          </a:xfrm>
+          <a:prstGeom prst="rect">
+            <a:avLst/>
+          </a:prstGeom>
+        </p:spPr>
+      </p:pic>
+      <p:sp>
+        <p:nvSpPr>
+          <p:cNvPr id="18" name="TextBox 17">
+            <a:extLst>
+              <a:ext uri="{FF2B5EF4-FFF2-40B4-BE49-F238E27FC236}">
+                <a16:creationId xmlns:a16="http://schemas.microsoft.com/office/drawing/2014/main" id="{158972F0-582E-9F96-C097-E1FC4916E99D}"/>
+              </a:ext>
+            </a:extLst>
+          </p:cNvPr>
+          <p:cNvSpPr txBox="1"/>
+          <p:nvPr/>
+        </p:nvSpPr>
+        <p:spPr>
+          <a:xfrm>
+            <a:off x="9568857" y="1008971"/>
+            <a:ext cx="1485553" cy="646331"/>
+          </a:xfrm>
+          <a:prstGeom prst="rect">
+            <a:avLst/>
+          </a:prstGeom>
+          <a:noFill/>
+        </p:spPr>
+        <p:txBody>
+          <a:bodyPr wrap="square" rtlCol="0">
+            <a:spAutoFit/>
+          </a:bodyPr>
+          <a:lstStyle/>
+          <a:p>
+            <a:pPr algn="ctr"/>
+            <a:r>
+              <a:rPr lang="en-US" dirty="0"/>
+              <a:t>Fulfilled by Amazon</a:t>
+            </a:r>
+            <a:endParaRPr lang="en-IN" dirty="0"/>
+          </a:p>
+        </p:txBody>
+      </p:sp>
+      <p:sp>
+        <p:nvSpPr>
+          <p:cNvPr id="19" name="TextBox 18">
+            <a:extLst>
+              <a:ext uri="{FF2B5EF4-FFF2-40B4-BE49-F238E27FC236}">
+                <a16:creationId xmlns:a16="http://schemas.microsoft.com/office/drawing/2014/main" id="{1B9F01C7-FA7D-48A8-C892-D6E3328832D7}"/>
+              </a:ext>
+            </a:extLst>
+          </p:cNvPr>
+          <p:cNvSpPr txBox="1"/>
+          <p:nvPr/>
+        </p:nvSpPr>
+        <p:spPr>
+          <a:xfrm>
+            <a:off x="640286" y="972682"/>
+            <a:ext cx="2412162" cy="646331"/>
+          </a:xfrm>
+          <a:prstGeom prst="rect">
+            <a:avLst/>
+          </a:prstGeom>
+          <a:noFill/>
+        </p:spPr>
+        <p:txBody>
+          <a:bodyPr wrap="square" rtlCol="0">
+            <a:spAutoFit/>
+          </a:bodyPr>
+          <a:lstStyle/>
+          <a:p>
+            <a:pPr algn="ctr"/>
+            <a:r>
+              <a:rPr lang="en-US" dirty="0"/>
+              <a:t>Fulfilled by both Amazon and Merchants</a:t>
+            </a:r>
+            <a:endParaRPr lang="en-IN" dirty="0"/>
+          </a:p>
+        </p:txBody>
+      </p:sp>
+    </p:spTree>
+    <p:extLst>
+      <p:ext uri="{BB962C8B-B14F-4D97-AF65-F5344CB8AC3E}">
+        <p14:creationId xmlns:p14="http://schemas.microsoft.com/office/powerpoint/2010/main" val="447108976"/>
+      </p:ext>
+    </p:extLst>
+  </p:cSld>
+  <p:clrMapOvr>
+    <a:masterClrMapping/>
+  </p:clrMapOvr>
+</p:sld>
+</file>
+
+<file path=ppt/slides/slide15.xml><?xml version="1.0" encoding="utf-8"?>
+<p:sld xmlns:a="http://schemas.openxmlformats.org/drawingml/2006/main" xmlns:r="http://schemas.openxmlformats.org/officeDocument/2006/relationships" xmlns:p="http://schemas.openxmlformats.org/presentationml/2006/main">
+  <p:cSld>
+    <p:spTree>
+      <p:nvGrpSpPr>
+        <p:cNvPr id="1" name=""/>
+        <p:cNvGrpSpPr/>
+        <p:nvPr/>
+      </p:nvGrpSpPr>
+      <p:grpSpPr>
+        <a:xfrm>
+          <a:off x="0" y="0"/>
+          <a:ext cx="0" cy="0"/>
+          <a:chOff x="0" y="0"/>
+          <a:chExt cx="0" cy="0"/>
+        </a:xfrm>
+      </p:grpSpPr>
+      <p:sp>
+        <p:nvSpPr>
+          <p:cNvPr id="2" name="Title 1">
+            <a:extLst>
+              <a:ext uri="{FF2B5EF4-FFF2-40B4-BE49-F238E27FC236}">
+                <a16:creationId xmlns:a16="http://schemas.microsoft.com/office/drawing/2014/main" id="{DA07D83A-1547-931B-1504-453B68ED8475}"/>
+              </a:ext>
+            </a:extLst>
+          </p:cNvPr>
+          <p:cNvSpPr>
+            <a:spLocks noGrp="1"/>
+          </p:cNvSpPr>
+          <p:nvPr>
+            <p:ph type="title"/>
+          </p:nvPr>
+        </p:nvSpPr>
+        <p:spPr>
+          <a:xfrm>
+            <a:off x="838200" y="365125"/>
+            <a:ext cx="10515600" cy="795081"/>
+          </a:xfrm>
+        </p:spPr>
+        <p:txBody>
+          <a:bodyPr/>
+          <a:lstStyle/>
+          <a:p>
+            <a:pPr algn="ctr"/>
+            <a:r>
+              <a:rPr lang="en-US" b="1" dirty="0">
+                <a:latin typeface="Aptos" panose="020B0004020202020204" pitchFamily="34" charset="0"/>
+              </a:rPr>
+              <a:t>Fulfilment Analysis</a:t>
+            </a:r>
+            <a:endParaRPr lang="en-IN" b="1" dirty="0">
+              <a:latin typeface="Aptos" panose="020B0004020202020204" pitchFamily="34" charset="0"/>
+            </a:endParaRPr>
+          </a:p>
+        </p:txBody>
+      </p:sp>
+      <p:sp>
+        <p:nvSpPr>
+          <p:cNvPr id="3" name="Content Placeholder 2">
+            <a:extLst>
+              <a:ext uri="{FF2B5EF4-FFF2-40B4-BE49-F238E27FC236}">
+                <a16:creationId xmlns:a16="http://schemas.microsoft.com/office/drawing/2014/main" id="{852BB500-238B-DA5E-0E2C-33FD971995D3}"/>
+              </a:ext>
+            </a:extLst>
+          </p:cNvPr>
+          <p:cNvSpPr>
+            <a:spLocks noGrp="1"/>
+          </p:cNvSpPr>
+          <p:nvPr>
+            <p:ph idx="1"/>
+          </p:nvPr>
+        </p:nvSpPr>
+        <p:spPr>
+          <a:xfrm>
+            <a:off x="838200" y="1229032"/>
+            <a:ext cx="10515600" cy="5093110"/>
+          </a:xfrm>
+        </p:spPr>
+        <p:txBody>
+          <a:bodyPr/>
+          <a:lstStyle/>
+          <a:p>
+            <a:r>
+              <a:rPr lang="en-US" dirty="0"/>
+              <a:t>Almost </a:t>
+            </a:r>
+            <a:r>
+              <a:rPr lang="en-US" b="1" dirty="0"/>
+              <a:t>14% </a:t>
+            </a:r>
+            <a:r>
+              <a:rPr lang="en-US" dirty="0"/>
+              <a:t>of orders are cancelled through the </a:t>
+            </a:r>
+            <a:r>
+              <a:rPr lang="en-US" b="1" dirty="0"/>
+              <a:t>Merchant</a:t>
+            </a:r>
+            <a:r>
+              <a:rPr lang="en-US" dirty="0"/>
+              <a:t> fulfilment which is significantly high.</a:t>
+            </a:r>
+          </a:p>
+          <a:p>
+            <a:endParaRPr lang="en-IN" dirty="0"/>
+          </a:p>
+        </p:txBody>
+      </p:sp>
+      <p:pic>
+        <p:nvPicPr>
+          <p:cNvPr id="5" name="Picture 4">
+            <a:extLst>
+              <a:ext uri="{FF2B5EF4-FFF2-40B4-BE49-F238E27FC236}">
+                <a16:creationId xmlns:a16="http://schemas.microsoft.com/office/drawing/2014/main" id="{2BB01E4E-F24F-C0B9-736A-AE5CCBB432EB}"/>
+              </a:ext>
+            </a:extLst>
+          </p:cNvPr>
+          <p:cNvPicPr>
+            <a:picLocks noChangeAspect="1"/>
+          </p:cNvPicPr>
+          <p:nvPr/>
+        </p:nvPicPr>
+        <p:blipFill>
+          <a:blip r:embed="rId2"/>
+          <a:stretch>
+            <a:fillRect/>
+          </a:stretch>
+        </p:blipFill>
+        <p:spPr>
+          <a:xfrm>
+            <a:off x="3842939" y="2805684"/>
+            <a:ext cx="7542596" cy="2823284"/>
+          </a:xfrm>
+          <a:prstGeom prst="rect">
+            <a:avLst/>
+          </a:prstGeom>
+        </p:spPr>
+      </p:pic>
+      <p:pic>
+        <p:nvPicPr>
+          <p:cNvPr id="7" name="Picture 6">
+            <a:extLst>
+              <a:ext uri="{FF2B5EF4-FFF2-40B4-BE49-F238E27FC236}">
+                <a16:creationId xmlns:a16="http://schemas.microsoft.com/office/drawing/2014/main" id="{BEE1B094-DB69-DDBB-F1DA-25B217EEC53F}"/>
+              </a:ext>
+            </a:extLst>
+          </p:cNvPr>
+          <p:cNvPicPr>
+            <a:picLocks noChangeAspect="1"/>
+          </p:cNvPicPr>
+          <p:nvPr/>
+        </p:nvPicPr>
+        <p:blipFill>
+          <a:blip r:embed="rId3"/>
+          <a:stretch>
+            <a:fillRect/>
+          </a:stretch>
+        </p:blipFill>
+        <p:spPr>
+          <a:xfrm>
+            <a:off x="1125465" y="3429000"/>
+            <a:ext cx="2717474" cy="1428135"/>
+          </a:xfrm>
+          <a:prstGeom prst="rect">
+            <a:avLst/>
+          </a:prstGeom>
+        </p:spPr>
+      </p:pic>
+    </p:spTree>
+    <p:extLst>
+      <p:ext uri="{BB962C8B-B14F-4D97-AF65-F5344CB8AC3E}">
+        <p14:creationId xmlns:p14="http://schemas.microsoft.com/office/powerpoint/2010/main" val="235864559"/>
+      </p:ext>
+    </p:extLst>
+  </p:cSld>
+  <p:clrMapOvr>
+    <a:masterClrMapping/>
+  </p:clrMapOvr>
+</p:sld>
+</file>
+
+<file path=ppt/slides/slide16.xml><?xml version="1.0" encoding="utf-8"?>
+<p:sld xmlns:a="http://schemas.openxmlformats.org/drawingml/2006/main" xmlns:r="http://schemas.openxmlformats.org/officeDocument/2006/relationships" xmlns:p="http://schemas.openxmlformats.org/presentationml/2006/main">
+  <p:cSld>
+    <p:spTree>
+      <p:nvGrpSpPr>
+        <p:cNvPr id="1" name=""/>
+        <p:cNvGrpSpPr/>
+        <p:nvPr/>
+      </p:nvGrpSpPr>
+      <p:grpSpPr>
+        <a:xfrm>
+          <a:off x="0" y="0"/>
+          <a:ext cx="0" cy="0"/>
+          <a:chOff x="0" y="0"/>
+          <a:chExt cx="0" cy="0"/>
+        </a:xfrm>
+      </p:grpSpPr>
+      <p:sp>
+        <p:nvSpPr>
+          <p:cNvPr id="2" name="Title 1">
+            <a:extLst>
+              <a:ext uri="{FF2B5EF4-FFF2-40B4-BE49-F238E27FC236}">
+                <a16:creationId xmlns:a16="http://schemas.microsoft.com/office/drawing/2014/main" id="{98AFA462-2034-69A2-FBD0-83FAD68B5D7C}"/>
+              </a:ext>
+            </a:extLst>
+          </p:cNvPr>
+          <p:cNvSpPr>
+            <a:spLocks noGrp="1"/>
+          </p:cNvSpPr>
+          <p:nvPr>
+            <p:ph type="title"/>
+          </p:nvPr>
+        </p:nvSpPr>
+        <p:spPr/>
+        <p:txBody>
+          <a:bodyPr/>
+          <a:lstStyle/>
+          <a:p>
+            <a:pPr algn="ctr"/>
+            <a:r>
+              <a:rPr lang="en-US" b="1" dirty="0">
+                <a:latin typeface="Aptos" panose="020B0004020202020204" pitchFamily="34" charset="0"/>
+              </a:rPr>
+              <a:t>Cancelled orders by Fulfilment methods</a:t>
+            </a:r>
+            <a:endParaRPr lang="en-IN" b="1" dirty="0">
+              <a:latin typeface="Aptos" panose="020B0004020202020204" pitchFamily="34" charset="0"/>
+            </a:endParaRPr>
+          </a:p>
+        </p:txBody>
+      </p:sp>
+      <p:sp>
+        <p:nvSpPr>
+          <p:cNvPr id="3" name="Content Placeholder 2">
+            <a:extLst>
+              <a:ext uri="{FF2B5EF4-FFF2-40B4-BE49-F238E27FC236}">
+                <a16:creationId xmlns:a16="http://schemas.microsoft.com/office/drawing/2014/main" id="{5457F4AC-D8C0-72B8-5FA8-F1CFE991666D}"/>
+              </a:ext>
+            </a:extLst>
+          </p:cNvPr>
+          <p:cNvSpPr>
+            <a:spLocks noGrp="1"/>
+          </p:cNvSpPr>
+          <p:nvPr>
+            <p:ph idx="1"/>
+          </p:nvPr>
+        </p:nvSpPr>
+        <p:spPr>
+          <a:xfrm>
+            <a:off x="838200" y="1504335"/>
+            <a:ext cx="10515600" cy="4672628"/>
+          </a:xfrm>
+        </p:spPr>
+        <p:txBody>
+          <a:bodyPr>
+            <a:normAutofit/>
+          </a:bodyPr>
+          <a:lstStyle/>
+          <a:p>
+            <a:r>
+              <a:rPr lang="en-US" sz="2400" dirty="0"/>
+              <a:t>Lakshadweep, Mizoram, Andaman &amp; Nicobar, Ladakh and Dadra Nagar are getting more orders cancelled through Merchant Fulfilment.</a:t>
+            </a:r>
+          </a:p>
+          <a:p>
+            <a:r>
+              <a:rPr lang="en-US" sz="2400" dirty="0"/>
+              <a:t>Mizoram, Kerala, Ladakh, Arunachal Pradesh and Meghalaya are getting more cancelled orders through Amazon Fulfilment.</a:t>
+            </a:r>
+          </a:p>
+          <a:p>
+            <a:r>
+              <a:rPr lang="en-US" sz="2400" dirty="0"/>
+              <a:t>Hilly Regions and Islands are getting more cancelled orders.</a:t>
+            </a:r>
+          </a:p>
+          <a:p>
+            <a:r>
+              <a:rPr lang="en-US" sz="2400" dirty="0"/>
+              <a:t>Merchant Fulfilment had more cancelled percentage than Amazon Fulfilment.</a:t>
+            </a:r>
+            <a:endParaRPr lang="en-IN" sz="2400" dirty="0"/>
+          </a:p>
+        </p:txBody>
+      </p:sp>
+      <p:pic>
+        <p:nvPicPr>
+          <p:cNvPr id="7" name="Picture 6">
+            <a:extLst>
+              <a:ext uri="{FF2B5EF4-FFF2-40B4-BE49-F238E27FC236}">
+                <a16:creationId xmlns:a16="http://schemas.microsoft.com/office/drawing/2014/main" id="{1FBC4936-2AEA-BB23-D691-760621C2C1CD}"/>
+              </a:ext>
+            </a:extLst>
+          </p:cNvPr>
+          <p:cNvPicPr>
+            <a:picLocks noChangeAspect="1"/>
+          </p:cNvPicPr>
+          <p:nvPr/>
+        </p:nvPicPr>
+        <p:blipFill>
+          <a:blip r:embed="rId2"/>
+          <a:stretch>
+            <a:fillRect/>
+          </a:stretch>
+        </p:blipFill>
+        <p:spPr>
+          <a:xfrm>
+            <a:off x="1113502" y="4575540"/>
+            <a:ext cx="4570337" cy="2021495"/>
+          </a:xfrm>
+          <a:prstGeom prst="rect">
+            <a:avLst/>
+          </a:prstGeom>
+        </p:spPr>
+      </p:pic>
+      <p:pic>
+        <p:nvPicPr>
+          <p:cNvPr id="9" name="Picture 8">
+            <a:extLst>
+              <a:ext uri="{FF2B5EF4-FFF2-40B4-BE49-F238E27FC236}">
+                <a16:creationId xmlns:a16="http://schemas.microsoft.com/office/drawing/2014/main" id="{79657A9E-A58F-C72D-6F9B-549D47635C8B}"/>
+              </a:ext>
+            </a:extLst>
+          </p:cNvPr>
+          <p:cNvPicPr>
+            <a:picLocks noChangeAspect="1"/>
+          </p:cNvPicPr>
+          <p:nvPr/>
+        </p:nvPicPr>
+        <p:blipFill>
+          <a:blip r:embed="rId3"/>
+          <a:stretch>
+            <a:fillRect/>
+          </a:stretch>
+        </p:blipFill>
+        <p:spPr>
+          <a:xfrm>
+            <a:off x="6840123" y="4575540"/>
+            <a:ext cx="4444851" cy="2021495"/>
+          </a:xfrm>
+          <a:prstGeom prst="rect">
+            <a:avLst/>
+          </a:prstGeom>
+        </p:spPr>
+      </p:pic>
+      <p:sp>
+        <p:nvSpPr>
+          <p:cNvPr id="10" name="TextBox 9">
+            <a:extLst>
+              <a:ext uri="{FF2B5EF4-FFF2-40B4-BE49-F238E27FC236}">
+                <a16:creationId xmlns:a16="http://schemas.microsoft.com/office/drawing/2014/main" id="{7698980B-6E5A-D6B8-947B-98AEC51E5DE0}"/>
+              </a:ext>
+            </a:extLst>
+          </p:cNvPr>
+          <p:cNvSpPr txBox="1"/>
+          <p:nvPr/>
+        </p:nvSpPr>
+        <p:spPr>
+          <a:xfrm>
+            <a:off x="1113501" y="4155468"/>
+            <a:ext cx="4570337" cy="373626"/>
+          </a:xfrm>
+          <a:prstGeom prst="rect">
+            <a:avLst/>
+          </a:prstGeom>
+          <a:noFill/>
+        </p:spPr>
+        <p:txBody>
+          <a:bodyPr wrap="square" rtlCol="0">
+            <a:spAutoFit/>
+          </a:bodyPr>
+          <a:lstStyle/>
+          <a:p>
+            <a:pPr algn="ctr"/>
+            <a:r>
+              <a:rPr lang="en-US" b="1" dirty="0"/>
+              <a:t>Merchant</a:t>
+            </a:r>
+            <a:endParaRPr lang="en-IN" b="1" dirty="0"/>
+          </a:p>
+        </p:txBody>
+      </p:sp>
+      <p:sp>
+        <p:nvSpPr>
+          <p:cNvPr id="11" name="TextBox 10">
+            <a:extLst>
+              <a:ext uri="{FF2B5EF4-FFF2-40B4-BE49-F238E27FC236}">
+                <a16:creationId xmlns:a16="http://schemas.microsoft.com/office/drawing/2014/main" id="{CCDDCEFE-D335-408D-0C0A-E36530A64835}"/>
+              </a:ext>
+            </a:extLst>
+          </p:cNvPr>
+          <p:cNvSpPr txBox="1"/>
+          <p:nvPr/>
+        </p:nvSpPr>
+        <p:spPr>
+          <a:xfrm>
+            <a:off x="6840123" y="4155449"/>
+            <a:ext cx="4444851" cy="373626"/>
+          </a:xfrm>
+          <a:prstGeom prst="rect">
+            <a:avLst/>
+          </a:prstGeom>
+          <a:noFill/>
+        </p:spPr>
+        <p:txBody>
+          <a:bodyPr wrap="square" rtlCol="0">
+            <a:spAutoFit/>
+          </a:bodyPr>
+          <a:lstStyle/>
+          <a:p>
+            <a:pPr algn="ctr"/>
+            <a:r>
+              <a:rPr lang="en-US" b="1" dirty="0"/>
+              <a:t>Amazon</a:t>
+            </a:r>
+            <a:endParaRPr lang="en-IN" b="1" dirty="0"/>
+          </a:p>
+        </p:txBody>
+      </p:sp>
+    </p:spTree>
+    <p:extLst>
+      <p:ext uri="{BB962C8B-B14F-4D97-AF65-F5344CB8AC3E}">
+        <p14:creationId xmlns:p14="http://schemas.microsoft.com/office/powerpoint/2010/main" val="4009966099"/>
+      </p:ext>
+    </p:extLst>
+  </p:cSld>
+  <p:clrMapOvr>
+    <a:masterClrMapping/>
+  </p:clrMapOvr>
+</p:sld>
+</file>
+
 <file path=ppt/slides/slide2.xml><?xml version="1.0" encoding="utf-8"?>
 <p:sld xmlns:a="http://schemas.openxmlformats.org/drawingml/2006/main" xmlns:r="http://schemas.openxmlformats.org/officeDocument/2006/relationships" xmlns:p="http://schemas.openxmlformats.org/presentationml/2006/main">
   <p:cSld>
@@ -8091,6 +9455,270 @@
     <p:extLst>
       <p:ext uri="{BB962C8B-B14F-4D97-AF65-F5344CB8AC3E}">
         <p14:creationId xmlns:p14="http://schemas.microsoft.com/office/powerpoint/2010/main" val="3013790470"/>
+      </p:ext>
+    </p:extLst>
+  </p:cSld>
+  <p:clrMapOvr>
+    <a:masterClrMapping/>
+  </p:clrMapOvr>
+</p:sld>
+</file>
+
+<file path=ppt/slides/slide7.xml><?xml version="1.0" encoding="utf-8"?>
+<p:sld xmlns:a="http://schemas.openxmlformats.org/drawingml/2006/main" xmlns:r="http://schemas.openxmlformats.org/officeDocument/2006/relationships" xmlns:p="http://schemas.openxmlformats.org/presentationml/2006/main">
+  <p:cSld>
+    <p:spTree>
+      <p:nvGrpSpPr>
+        <p:cNvPr id="1" name=""/>
+        <p:cNvGrpSpPr/>
+        <p:nvPr/>
+      </p:nvGrpSpPr>
+      <p:grpSpPr>
+        <a:xfrm>
+          <a:off x="0" y="0"/>
+          <a:ext cx="0" cy="0"/>
+          <a:chOff x="0" y="0"/>
+          <a:chExt cx="0" cy="0"/>
+        </a:xfrm>
+      </p:grpSpPr>
+      <p:sp>
+        <p:nvSpPr>
+          <p:cNvPr id="2" name="Title 1">
+            <a:extLst>
+              <a:ext uri="{FF2B5EF4-FFF2-40B4-BE49-F238E27FC236}">
+                <a16:creationId xmlns:a16="http://schemas.microsoft.com/office/drawing/2014/main" id="{0096B394-0A35-94C3-2E21-68278453FAE0}"/>
+              </a:ext>
+            </a:extLst>
+          </p:cNvPr>
+          <p:cNvSpPr>
+            <a:spLocks noGrp="1"/>
+          </p:cNvSpPr>
+          <p:nvPr>
+            <p:ph type="title"/>
+          </p:nvPr>
+        </p:nvSpPr>
+        <p:spPr/>
+        <p:txBody>
+          <a:bodyPr/>
+          <a:lstStyle/>
+          <a:p>
+            <a:r>
+              <a:rPr lang="en-US" dirty="0"/>
+              <a:t>Dashboards</a:t>
+            </a:r>
+            <a:endParaRPr lang="en-IN" dirty="0"/>
+          </a:p>
+        </p:txBody>
+      </p:sp>
+      <p:sp>
+        <p:nvSpPr>
+          <p:cNvPr id="3" name="Content Placeholder 2">
+            <a:extLst>
+              <a:ext uri="{FF2B5EF4-FFF2-40B4-BE49-F238E27FC236}">
+                <a16:creationId xmlns:a16="http://schemas.microsoft.com/office/drawing/2014/main" id="{ADAE4170-BFAE-B1A4-A0C6-B4C232428032}"/>
+              </a:ext>
+            </a:extLst>
+          </p:cNvPr>
+          <p:cNvSpPr>
+            <a:spLocks noGrp="1"/>
+          </p:cNvSpPr>
+          <p:nvPr>
+            <p:ph idx="1"/>
+          </p:nvPr>
+        </p:nvSpPr>
+        <p:spPr/>
+        <p:txBody>
+          <a:bodyPr/>
+          <a:lstStyle/>
+          <a:p>
+            <a:endParaRPr lang="en-IN" dirty="0"/>
+          </a:p>
+        </p:txBody>
+      </p:sp>
+    </p:spTree>
+    <p:extLst>
+      <p:ext uri="{BB962C8B-B14F-4D97-AF65-F5344CB8AC3E}">
+        <p14:creationId xmlns:p14="http://schemas.microsoft.com/office/powerpoint/2010/main" val="741129196"/>
+      </p:ext>
+    </p:extLst>
+  </p:cSld>
+  <p:clrMapOvr>
+    <a:masterClrMapping/>
+  </p:clrMapOvr>
+</p:sld>
+</file>
+
+<file path=ppt/slides/slide8.xml><?xml version="1.0" encoding="utf-8"?>
+<p:sld xmlns:a="http://schemas.openxmlformats.org/drawingml/2006/main" xmlns:r="http://schemas.openxmlformats.org/officeDocument/2006/relationships" xmlns:p="http://schemas.openxmlformats.org/presentationml/2006/main">
+  <p:cSld>
+    <p:spTree>
+      <p:nvGrpSpPr>
+        <p:cNvPr id="1" name="">
+          <a:extLst>
+            <a:ext uri="{FF2B5EF4-FFF2-40B4-BE49-F238E27FC236}">
+              <a16:creationId xmlns:a16="http://schemas.microsoft.com/office/drawing/2014/main" id="{0A1B02A1-24F1-6543-C292-1F8D7B8FF78E}"/>
+            </a:ext>
+          </a:extLst>
+        </p:cNvPr>
+        <p:cNvGrpSpPr/>
+        <p:nvPr/>
+      </p:nvGrpSpPr>
+      <p:grpSpPr>
+        <a:xfrm>
+          <a:off x="0" y="0"/>
+          <a:ext cx="0" cy="0"/>
+          <a:chOff x="0" y="0"/>
+          <a:chExt cx="0" cy="0"/>
+        </a:xfrm>
+      </p:grpSpPr>
+      <p:sp>
+        <p:nvSpPr>
+          <p:cNvPr id="2" name="Title 1">
+            <a:extLst>
+              <a:ext uri="{FF2B5EF4-FFF2-40B4-BE49-F238E27FC236}">
+                <a16:creationId xmlns:a16="http://schemas.microsoft.com/office/drawing/2014/main" id="{94F3C3D1-B60F-16EC-E041-65BC01EB16CD}"/>
+              </a:ext>
+            </a:extLst>
+          </p:cNvPr>
+          <p:cNvSpPr>
+            <a:spLocks noGrp="1"/>
+          </p:cNvSpPr>
+          <p:nvPr>
+            <p:ph type="title"/>
+          </p:nvPr>
+        </p:nvSpPr>
+        <p:spPr/>
+        <p:txBody>
+          <a:bodyPr/>
+          <a:lstStyle/>
+          <a:p>
+            <a:r>
+              <a:rPr lang="en-US" dirty="0"/>
+              <a:t>Dashboards</a:t>
+            </a:r>
+            <a:endParaRPr lang="en-IN" dirty="0"/>
+          </a:p>
+        </p:txBody>
+      </p:sp>
+      <p:sp>
+        <p:nvSpPr>
+          <p:cNvPr id="3" name="Content Placeholder 2">
+            <a:extLst>
+              <a:ext uri="{FF2B5EF4-FFF2-40B4-BE49-F238E27FC236}">
+                <a16:creationId xmlns:a16="http://schemas.microsoft.com/office/drawing/2014/main" id="{AF7D0420-9416-A173-BA21-401BC3E6BF5D}"/>
+              </a:ext>
+            </a:extLst>
+          </p:cNvPr>
+          <p:cNvSpPr>
+            <a:spLocks noGrp="1"/>
+          </p:cNvSpPr>
+          <p:nvPr>
+            <p:ph idx="1"/>
+          </p:nvPr>
+        </p:nvSpPr>
+        <p:spPr/>
+        <p:txBody>
+          <a:bodyPr/>
+          <a:lstStyle/>
+          <a:p>
+            <a:endParaRPr lang="en-IN" dirty="0"/>
+          </a:p>
+        </p:txBody>
+      </p:sp>
+    </p:spTree>
+    <p:extLst>
+      <p:ext uri="{BB962C8B-B14F-4D97-AF65-F5344CB8AC3E}">
+        <p14:creationId xmlns:p14="http://schemas.microsoft.com/office/powerpoint/2010/main" val="3050087417"/>
+      </p:ext>
+    </p:extLst>
+  </p:cSld>
+  <p:clrMapOvr>
+    <a:masterClrMapping/>
+  </p:clrMapOvr>
+</p:sld>
+</file>
+
+<file path=ppt/slides/slide9.xml><?xml version="1.0" encoding="utf-8"?>
+<p:sld xmlns:a="http://schemas.openxmlformats.org/drawingml/2006/main" xmlns:r="http://schemas.openxmlformats.org/officeDocument/2006/relationships" xmlns:p="http://schemas.openxmlformats.org/presentationml/2006/main">
+  <p:cSld>
+    <p:spTree>
+      <p:nvGrpSpPr>
+        <p:cNvPr id="1" name="">
+          <a:extLst>
+            <a:ext uri="{FF2B5EF4-FFF2-40B4-BE49-F238E27FC236}">
+              <a16:creationId xmlns:a16="http://schemas.microsoft.com/office/drawing/2014/main" id="{3D9C89EB-6228-B8F9-8B12-640E6A930978}"/>
+            </a:ext>
+          </a:extLst>
+        </p:cNvPr>
+        <p:cNvGrpSpPr/>
+        <p:nvPr/>
+      </p:nvGrpSpPr>
+      <p:grpSpPr>
+        <a:xfrm>
+          <a:off x="0" y="0"/>
+          <a:ext cx="0" cy="0"/>
+          <a:chOff x="0" y="0"/>
+          <a:chExt cx="0" cy="0"/>
+        </a:xfrm>
+      </p:grpSpPr>
+      <p:sp>
+        <p:nvSpPr>
+          <p:cNvPr id="2" name="Title 1">
+            <a:extLst>
+              <a:ext uri="{FF2B5EF4-FFF2-40B4-BE49-F238E27FC236}">
+                <a16:creationId xmlns:a16="http://schemas.microsoft.com/office/drawing/2014/main" id="{8B4D6121-2208-2DE0-EB25-01062D09BF71}"/>
+              </a:ext>
+            </a:extLst>
+          </p:cNvPr>
+          <p:cNvSpPr>
+            <a:spLocks noGrp="1"/>
+          </p:cNvSpPr>
+          <p:nvPr>
+            <p:ph type="title"/>
+          </p:nvPr>
+        </p:nvSpPr>
+        <p:spPr/>
+        <p:txBody>
+          <a:bodyPr/>
+          <a:lstStyle/>
+          <a:p>
+            <a:r>
+              <a:rPr lang="en-US" dirty="0"/>
+              <a:t>Dashboards</a:t>
+            </a:r>
+            <a:endParaRPr lang="en-IN" dirty="0"/>
+          </a:p>
+        </p:txBody>
+      </p:sp>
+      <p:sp>
+        <p:nvSpPr>
+          <p:cNvPr id="3" name="Content Placeholder 2">
+            <a:extLst>
+              <a:ext uri="{FF2B5EF4-FFF2-40B4-BE49-F238E27FC236}">
+                <a16:creationId xmlns:a16="http://schemas.microsoft.com/office/drawing/2014/main" id="{37266C71-A01B-0288-CA18-564B25674CC7}"/>
+              </a:ext>
+            </a:extLst>
+          </p:cNvPr>
+          <p:cNvSpPr>
+            <a:spLocks noGrp="1"/>
+          </p:cNvSpPr>
+          <p:nvPr>
+            <p:ph idx="1"/>
+          </p:nvPr>
+        </p:nvSpPr>
+        <p:spPr/>
+        <p:txBody>
+          <a:bodyPr/>
+          <a:lstStyle/>
+          <a:p>
+            <a:endParaRPr lang="en-IN" dirty="0"/>
+          </a:p>
+        </p:txBody>
+      </p:sp>
+    </p:spTree>
+    <p:extLst>
+      <p:ext uri="{BB962C8B-B14F-4D97-AF65-F5344CB8AC3E}">
+        <p14:creationId xmlns:p14="http://schemas.microsoft.com/office/powerpoint/2010/main" val="2938843551"/>
       </p:ext>
     </p:extLst>
   </p:cSld>

--- a/Amazon Sales Analysis.pptx
+++ b/Amazon Sales Analysis.pptx
@@ -2,7 +2,7 @@
 <file path=ppt/presentation.xml><?xml version="1.0" encoding="utf-8"?>
 <p:presentation xmlns:a="http://schemas.openxmlformats.org/drawingml/2006/main" xmlns:r="http://schemas.openxmlformats.org/officeDocument/2006/relationships" xmlns:p="http://schemas.openxmlformats.org/presentationml/2006/main" saveSubsetFonts="1">
   <p:sldMasterIdLst>
-    <p:sldMasterId id="2147483648" r:id="rId1"/>
+    <p:sldMasterId id="2147483714" r:id="rId1"/>
   </p:sldMasterIdLst>
   <p:sldIdLst>
     <p:sldId id="256" r:id="rId2"/>
@@ -21,6 +21,8 @@
     <p:sldId id="268" r:id="rId15"/>
     <p:sldId id="269" r:id="rId16"/>
     <p:sldId id="271" r:id="rId17"/>
+    <p:sldId id="272" r:id="rId18"/>
+    <p:sldId id="273" r:id="rId19"/>
   </p:sldIdLst>
   <p:sldSz cx="12192000" cy="6858000"/>
   <p:notesSz cx="6858000" cy="9144000"/>
@@ -28,7 +30,7 @@
     <a:defPPr>
       <a:defRPr lang="en-US"/>
     </a:defPPr>
-    <a:lvl1pPr marL="0" algn="l" defTabSz="914400" rtl="0" eaLnBrk="1" latinLnBrk="0" hangingPunct="1">
+    <a:lvl1pPr marL="0" algn="l" defTabSz="457200" rtl="0" eaLnBrk="1" latinLnBrk="0" hangingPunct="1">
       <a:defRPr sz="1800" kern="1200">
         <a:solidFill>
           <a:schemeClr val="tx1"/>
@@ -38,7 +40,7 @@
         <a:cs typeface="+mn-cs"/>
       </a:defRPr>
     </a:lvl1pPr>
-    <a:lvl2pPr marL="457200" algn="l" defTabSz="914400" rtl="0" eaLnBrk="1" latinLnBrk="0" hangingPunct="1">
+    <a:lvl2pPr marL="457200" algn="l" defTabSz="457200" rtl="0" eaLnBrk="1" latinLnBrk="0" hangingPunct="1">
       <a:defRPr sz="1800" kern="1200">
         <a:solidFill>
           <a:schemeClr val="tx1"/>
@@ -48,7 +50,7 @@
         <a:cs typeface="+mn-cs"/>
       </a:defRPr>
     </a:lvl2pPr>
-    <a:lvl3pPr marL="914400" algn="l" defTabSz="914400" rtl="0" eaLnBrk="1" latinLnBrk="0" hangingPunct="1">
+    <a:lvl3pPr marL="914400" algn="l" defTabSz="457200" rtl="0" eaLnBrk="1" latinLnBrk="0" hangingPunct="1">
       <a:defRPr sz="1800" kern="1200">
         <a:solidFill>
           <a:schemeClr val="tx1"/>
@@ -58,7 +60,7 @@
         <a:cs typeface="+mn-cs"/>
       </a:defRPr>
     </a:lvl3pPr>
-    <a:lvl4pPr marL="1371600" algn="l" defTabSz="914400" rtl="0" eaLnBrk="1" latinLnBrk="0" hangingPunct="1">
+    <a:lvl4pPr marL="1371600" algn="l" defTabSz="457200" rtl="0" eaLnBrk="1" latinLnBrk="0" hangingPunct="1">
       <a:defRPr sz="1800" kern="1200">
         <a:solidFill>
           <a:schemeClr val="tx1"/>
@@ -68,7 +70,7 @@
         <a:cs typeface="+mn-cs"/>
       </a:defRPr>
     </a:lvl4pPr>
-    <a:lvl5pPr marL="1828800" algn="l" defTabSz="914400" rtl="0" eaLnBrk="1" latinLnBrk="0" hangingPunct="1">
+    <a:lvl5pPr marL="1828800" algn="l" defTabSz="457200" rtl="0" eaLnBrk="1" latinLnBrk="0" hangingPunct="1">
       <a:defRPr sz="1800" kern="1200">
         <a:solidFill>
           <a:schemeClr val="tx1"/>
@@ -78,7 +80,7 @@
         <a:cs typeface="+mn-cs"/>
       </a:defRPr>
     </a:lvl5pPr>
-    <a:lvl6pPr marL="2286000" algn="l" defTabSz="914400" rtl="0" eaLnBrk="1" latinLnBrk="0" hangingPunct="1">
+    <a:lvl6pPr marL="2286000" algn="l" defTabSz="457200" rtl="0" eaLnBrk="1" latinLnBrk="0" hangingPunct="1">
       <a:defRPr sz="1800" kern="1200">
         <a:solidFill>
           <a:schemeClr val="tx1"/>
@@ -88,7 +90,7 @@
         <a:cs typeface="+mn-cs"/>
       </a:defRPr>
     </a:lvl6pPr>
-    <a:lvl7pPr marL="2743200" algn="l" defTabSz="914400" rtl="0" eaLnBrk="1" latinLnBrk="0" hangingPunct="1">
+    <a:lvl7pPr marL="2743200" algn="l" defTabSz="457200" rtl="0" eaLnBrk="1" latinLnBrk="0" hangingPunct="1">
       <a:defRPr sz="1800" kern="1200">
         <a:solidFill>
           <a:schemeClr val="tx1"/>
@@ -98,7 +100,7 @@
         <a:cs typeface="+mn-cs"/>
       </a:defRPr>
     </a:lvl7pPr>
-    <a:lvl8pPr marL="3200400" algn="l" defTabSz="914400" rtl="0" eaLnBrk="1" latinLnBrk="0" hangingPunct="1">
+    <a:lvl8pPr marL="3200400" algn="l" defTabSz="457200" rtl="0" eaLnBrk="1" latinLnBrk="0" hangingPunct="1">
       <a:defRPr sz="1800" kern="1200">
         <a:solidFill>
           <a:schemeClr val="tx1"/>
@@ -108,7 +110,7 @@
         <a:cs typeface="+mn-cs"/>
       </a:defRPr>
     </a:lvl8pPr>
-    <a:lvl9pPr marL="3657600" algn="l" defTabSz="914400" rtl="0" eaLnBrk="1" latinLnBrk="0" hangingPunct="1">
+    <a:lvl9pPr marL="3657600" algn="l" defTabSz="457200" rtl="0" eaLnBrk="1" latinLnBrk="0" hangingPunct="1">
       <a:defRPr sz="1800" kern="1200">
         <a:solidFill>
           <a:schemeClr val="tx1"/>
@@ -890,7 +892,14 @@
     </dgm:pt>
     <dgm:pt modelId="{46AAB6C3-9381-4B78-B6D3-42BA7A7C5E7D}">
       <dgm:prSet phldrT="[Text]"/>
-      <dgm:spPr/>
+      <dgm:spPr>
+        <a:solidFill>
+          <a:srgbClr val="0070C0"/>
+        </a:solidFill>
+        <a:ln>
+          <a:noFill/>
+        </a:ln>
+      </dgm:spPr>
       <dgm:t>
         <a:bodyPr/>
         <a:lstStyle/>
@@ -922,7 +931,7 @@
       <dgm:prSet/>
       <dgm:spPr>
         <a:solidFill>
-          <a:schemeClr val="accent1"/>
+          <a:srgbClr val="0070C0"/>
         </a:solidFill>
       </dgm:spPr>
       <dgm:t>
@@ -935,18 +944,33 @@
     </dgm:pt>
     <dgm:pt modelId="{338355E6-4B9A-48D5-8174-F06B50C860D6}">
       <dgm:prSet phldrT="[Text]"/>
-      <dgm:spPr/>
+      <dgm:spPr>
+        <a:solidFill>
+          <a:schemeClr val="bg1">
+            <a:alpha val="30000"/>
+          </a:schemeClr>
+        </a:solidFill>
+        <a:ln>
+          <a:noFill/>
+        </a:ln>
+      </dgm:spPr>
       <dgm:t>
         <a:bodyPr/>
         <a:lstStyle/>
         <a:p>
           <a:r>
             <a:rPr lang="en-US" dirty="0">
+              <a:solidFill>
+                <a:schemeClr val="tx1"/>
+              </a:solidFill>
               <a:latin typeface="Aptos" panose="020B0004020202020204" pitchFamily="34" charset="0"/>
             </a:rPr>
             <a:t>Understood the data and found Key Performance Indicators (KPIs) of the data</a:t>
           </a:r>
           <a:endParaRPr lang="en-IN" dirty="0">
+            <a:solidFill>
+              <a:schemeClr val="tx1"/>
+            </a:solidFill>
             <a:latin typeface="Aptos" panose="020B0004020202020204" pitchFamily="34" charset="0"/>
           </a:endParaRPr>
         </a:p>
@@ -976,7 +1000,14 @@
     </dgm:pt>
     <dgm:pt modelId="{72E6F650-0D18-4107-913E-029A6F73CE48}">
       <dgm:prSet phldrT="[Text]"/>
-      <dgm:spPr/>
+      <dgm:spPr>
+        <a:solidFill>
+          <a:srgbClr val="0070C0"/>
+        </a:solidFill>
+        <a:ln>
+          <a:noFill/>
+        </a:ln>
+      </dgm:spPr>
       <dgm:t>
         <a:bodyPr/>
         <a:lstStyle/>
@@ -1008,7 +1039,7 @@
       <dgm:prSet/>
       <dgm:spPr>
         <a:solidFill>
-          <a:schemeClr val="accent1"/>
+          <a:srgbClr val="0070C0"/>
         </a:solidFill>
       </dgm:spPr>
       <dgm:t>
@@ -1021,18 +1052,33 @@
     </dgm:pt>
     <dgm:pt modelId="{CE4D850F-D4B6-4CD6-BAE1-6D253F8D6A04}">
       <dgm:prSet phldrT="[Text]"/>
-      <dgm:spPr/>
+      <dgm:spPr>
+        <a:solidFill>
+          <a:schemeClr val="bg1">
+            <a:alpha val="30000"/>
+          </a:schemeClr>
+        </a:solidFill>
+        <a:ln>
+          <a:noFill/>
+        </a:ln>
+      </dgm:spPr>
       <dgm:t>
         <a:bodyPr/>
         <a:lstStyle/>
         <a:p>
           <a:r>
             <a:rPr lang="en-US" dirty="0">
+              <a:solidFill>
+                <a:schemeClr val="tx1"/>
+              </a:solidFill>
               <a:latin typeface="Aptos" panose="020B0004020202020204" pitchFamily="34" charset="0"/>
             </a:rPr>
             <a:t>Removed unnecessary columns which have no impact in KPIs</a:t>
           </a:r>
           <a:endParaRPr lang="en-IN" dirty="0">
+            <a:solidFill>
+              <a:schemeClr val="tx1"/>
+            </a:solidFill>
             <a:latin typeface="Aptos" panose="020B0004020202020204" pitchFamily="34" charset="0"/>
           </a:endParaRPr>
         </a:p>
@@ -1062,7 +1108,14 @@
     </dgm:pt>
     <dgm:pt modelId="{B929005E-F43F-4948-8C32-03B1BDED29D3}">
       <dgm:prSet phldrT="[Text]"/>
-      <dgm:spPr/>
+      <dgm:spPr>
+        <a:solidFill>
+          <a:srgbClr val="0070C0"/>
+        </a:solidFill>
+        <a:ln>
+          <a:noFill/>
+        </a:ln>
+      </dgm:spPr>
       <dgm:t>
         <a:bodyPr/>
         <a:lstStyle/>
@@ -1094,7 +1147,7 @@
       <dgm:prSet/>
       <dgm:spPr>
         <a:solidFill>
-          <a:schemeClr val="accent1"/>
+          <a:srgbClr val="0070C0"/>
         </a:solidFill>
       </dgm:spPr>
       <dgm:t>
@@ -1107,18 +1160,33 @@
     </dgm:pt>
     <dgm:pt modelId="{DDF55605-7ED8-40B6-A6AE-F346B57B18C2}">
       <dgm:prSet phldrT="[Text]"/>
-      <dgm:spPr/>
+      <dgm:spPr>
+        <a:solidFill>
+          <a:schemeClr val="bg1">
+            <a:alpha val="30000"/>
+          </a:schemeClr>
+        </a:solidFill>
+        <a:ln>
+          <a:noFill/>
+        </a:ln>
+      </dgm:spPr>
       <dgm:t>
         <a:bodyPr/>
         <a:lstStyle/>
         <a:p>
           <a:r>
             <a:rPr lang="en-US" dirty="0">
+              <a:solidFill>
+                <a:schemeClr val="tx1"/>
+              </a:solidFill>
               <a:latin typeface="Aptos" panose="020B0004020202020204" pitchFamily="34" charset="0"/>
             </a:rPr>
             <a:t>Derived dominant categories in each KPI(Area and Production) with various filters</a:t>
           </a:r>
           <a:endParaRPr lang="en-IN" dirty="0">
+            <a:solidFill>
+              <a:schemeClr val="tx1"/>
+            </a:solidFill>
             <a:latin typeface="Aptos" panose="020B0004020202020204" pitchFamily="34" charset="0"/>
           </a:endParaRPr>
         </a:p>
@@ -1148,7 +1216,14 @@
     </dgm:pt>
     <dgm:pt modelId="{27D0FDB8-B934-4E05-85FD-FFA364757C3B}">
       <dgm:prSet/>
-      <dgm:spPr/>
+      <dgm:spPr>
+        <a:solidFill>
+          <a:srgbClr val="0070C0"/>
+        </a:solidFill>
+        <a:ln>
+          <a:noFill/>
+        </a:ln>
+      </dgm:spPr>
       <dgm:t>
         <a:bodyPr/>
         <a:lstStyle/>
@@ -1189,18 +1264,33 @@
     </dgm:pt>
     <dgm:pt modelId="{A11C60AC-54D9-497B-80C0-8FFB4B52046C}">
       <dgm:prSet/>
-      <dgm:spPr/>
+      <dgm:spPr>
+        <a:solidFill>
+          <a:schemeClr val="bg1">
+            <a:alpha val="30000"/>
+          </a:schemeClr>
+        </a:solidFill>
+        <a:ln>
+          <a:noFill/>
+        </a:ln>
+      </dgm:spPr>
       <dgm:t>
         <a:bodyPr/>
         <a:lstStyle/>
         <a:p>
           <a:r>
             <a:rPr lang="en-US" dirty="0">
+              <a:solidFill>
+                <a:schemeClr val="tx1"/>
+              </a:solidFill>
               <a:latin typeface="Aptos" panose="020B0004020202020204" pitchFamily="34" charset="0"/>
             </a:rPr>
             <a:t>Created visual Dashboards showing the impact of various sectors influencing the KPIs</a:t>
           </a:r>
           <a:endParaRPr lang="en-IN" dirty="0">
+            <a:solidFill>
+              <a:schemeClr val="tx1"/>
+            </a:solidFill>
             <a:latin typeface="Aptos" panose="020B0004020202020204" pitchFamily="34" charset="0"/>
           </a:endParaRPr>
         </a:p>
@@ -1230,18 +1320,33 @@
     </dgm:pt>
     <dgm:pt modelId="{09B022EB-65FE-42E4-A563-5FBDFA25E7ED}">
       <dgm:prSet phldrT="[Text]"/>
-      <dgm:spPr/>
+      <dgm:spPr>
+        <a:solidFill>
+          <a:schemeClr val="bg1">
+            <a:alpha val="30000"/>
+          </a:schemeClr>
+        </a:solidFill>
+        <a:ln>
+          <a:noFill/>
+        </a:ln>
+      </dgm:spPr>
       <dgm:t>
         <a:bodyPr/>
         <a:lstStyle/>
         <a:p>
           <a:r>
             <a:rPr lang="en-US" dirty="0">
+              <a:solidFill>
+                <a:schemeClr val="tx1"/>
+              </a:solidFill>
               <a:latin typeface="Aptos" panose="020B0004020202020204" pitchFamily="34" charset="0"/>
             </a:rPr>
             <a:t>Tools Used: Excel, Power Query, Pandas</a:t>
           </a:r>
           <a:endParaRPr lang="en-IN" dirty="0">
+            <a:solidFill>
+              <a:schemeClr val="tx1"/>
+            </a:solidFill>
             <a:latin typeface="Aptos" panose="020B0004020202020204" pitchFamily="34" charset="0"/>
           </a:endParaRPr>
         </a:p>
@@ -1271,18 +1376,33 @@
     </dgm:pt>
     <dgm:pt modelId="{15C744DC-79FD-424E-A8E2-FCEFFD792EA6}">
       <dgm:prSet phldrT="[Text]"/>
-      <dgm:spPr/>
+      <dgm:spPr>
+        <a:solidFill>
+          <a:schemeClr val="bg1">
+            <a:alpha val="30000"/>
+          </a:schemeClr>
+        </a:solidFill>
+        <a:ln>
+          <a:noFill/>
+        </a:ln>
+      </dgm:spPr>
       <dgm:t>
         <a:bodyPr/>
         <a:lstStyle/>
         <a:p>
           <a:r>
             <a:rPr lang="en-US" dirty="0">
+              <a:solidFill>
+                <a:schemeClr val="tx1"/>
+              </a:solidFill>
               <a:latin typeface="Aptos" panose="020B0004020202020204" pitchFamily="34" charset="0"/>
             </a:rPr>
             <a:t>Derived some key visual insights</a:t>
           </a:r>
           <a:endParaRPr lang="en-IN" dirty="0">
+            <a:solidFill>
+              <a:schemeClr val="tx1"/>
+            </a:solidFill>
             <a:latin typeface="Aptos" panose="020B0004020202020204" pitchFamily="34" charset="0"/>
           </a:endParaRPr>
         </a:p>
@@ -1312,18 +1432,33 @@
     </dgm:pt>
     <dgm:pt modelId="{76DD552E-3491-4BAD-96A3-811E038EE9B3}">
       <dgm:prSet phldrT="[Text]"/>
-      <dgm:spPr/>
+      <dgm:spPr>
+        <a:solidFill>
+          <a:schemeClr val="bg1">
+            <a:alpha val="30000"/>
+          </a:schemeClr>
+        </a:solidFill>
+        <a:ln>
+          <a:noFill/>
+        </a:ln>
+      </dgm:spPr>
       <dgm:t>
         <a:bodyPr/>
         <a:lstStyle/>
         <a:p>
           <a:r>
             <a:rPr lang="en-US" dirty="0">
+              <a:solidFill>
+                <a:schemeClr val="tx1"/>
+              </a:solidFill>
               <a:latin typeface="Aptos" panose="020B0004020202020204" pitchFamily="34" charset="0"/>
             </a:rPr>
             <a:t>Tools Used: Python, Pandas, Seaborn</a:t>
           </a:r>
           <a:endParaRPr lang="en-IN" dirty="0">
+            <a:solidFill>
+              <a:schemeClr val="tx1"/>
+            </a:solidFill>
             <a:latin typeface="Aptos" panose="020B0004020202020204" pitchFamily="34" charset="0"/>
           </a:endParaRPr>
         </a:p>
@@ -1353,18 +1488,33 @@
     </dgm:pt>
     <dgm:pt modelId="{75F61501-FF9F-4EDA-BC0D-C26DC98C87B1}">
       <dgm:prSet/>
-      <dgm:spPr/>
+      <dgm:spPr>
+        <a:solidFill>
+          <a:schemeClr val="bg1">
+            <a:alpha val="30000"/>
+          </a:schemeClr>
+        </a:solidFill>
+        <a:ln>
+          <a:noFill/>
+        </a:ln>
+      </dgm:spPr>
       <dgm:t>
         <a:bodyPr/>
         <a:lstStyle/>
         <a:p>
           <a:r>
             <a:rPr lang="en-US" dirty="0">
+              <a:solidFill>
+                <a:schemeClr val="tx1"/>
+              </a:solidFill>
               <a:latin typeface="Aptos" panose="020B0004020202020204" pitchFamily="34" charset="0"/>
             </a:rPr>
             <a:t>Tools Used : Microsoft Power BI</a:t>
           </a:r>
           <a:endParaRPr lang="en-IN" dirty="0">
+            <a:solidFill>
+              <a:schemeClr val="tx1"/>
+            </a:solidFill>
             <a:latin typeface="Aptos" panose="020B0004020202020204" pitchFamily="34" charset="0"/>
           </a:endParaRPr>
         </a:p>
@@ -1394,18 +1544,33 @@
     </dgm:pt>
     <dgm:pt modelId="{EB4DD27E-BA29-4FB3-B91D-F19BD6CCA4F8}">
       <dgm:prSet phldrT="[Text]"/>
-      <dgm:spPr/>
+      <dgm:spPr>
+        <a:solidFill>
+          <a:schemeClr val="bg1">
+            <a:alpha val="30000"/>
+          </a:schemeClr>
+        </a:solidFill>
+        <a:ln>
+          <a:noFill/>
+        </a:ln>
+      </dgm:spPr>
       <dgm:t>
         <a:bodyPr/>
         <a:lstStyle/>
         <a:p>
           <a:r>
             <a:rPr lang="en-US" dirty="0">
+              <a:solidFill>
+                <a:schemeClr val="tx1"/>
+              </a:solidFill>
               <a:latin typeface="Aptos" panose="020B0004020202020204" pitchFamily="34" charset="0"/>
             </a:rPr>
             <a:t>KPIs : Amount, Quantity</a:t>
           </a:r>
           <a:endParaRPr lang="en-IN" dirty="0">
+            <a:solidFill>
+              <a:schemeClr val="tx1"/>
+            </a:solidFill>
             <a:latin typeface="Aptos" panose="020B0004020202020204" pitchFamily="34" charset="0"/>
           </a:endParaRPr>
         </a:p>
@@ -1435,12 +1600,24 @@
     </dgm:pt>
     <dgm:pt modelId="{D682BF99-CDF3-4CB7-A9E7-90C7FEE37697}">
       <dgm:prSet phldrT="[Text]"/>
-      <dgm:spPr/>
+      <dgm:spPr>
+        <a:solidFill>
+          <a:schemeClr val="bg1">
+            <a:alpha val="30000"/>
+          </a:schemeClr>
+        </a:solidFill>
+        <a:ln>
+          <a:noFill/>
+        </a:ln>
+      </dgm:spPr>
       <dgm:t>
         <a:bodyPr/>
         <a:lstStyle/>
         <a:p>
           <a:endParaRPr lang="en-IN" dirty="0">
+            <a:solidFill>
+              <a:schemeClr val="tx1"/>
+            </a:solidFill>
             <a:latin typeface="Aptos" panose="020B0004020202020204" pitchFamily="34" charset="0"/>
           </a:endParaRPr>
         </a:p>
@@ -1470,12 +1647,24 @@
     </dgm:pt>
     <dgm:pt modelId="{EFDA6BDE-DFED-4C79-96C8-BA242AC9FA55}">
       <dgm:prSet phldrT="[Text]"/>
-      <dgm:spPr/>
+      <dgm:spPr>
+        <a:solidFill>
+          <a:schemeClr val="bg1">
+            <a:alpha val="30000"/>
+          </a:schemeClr>
+        </a:solidFill>
+        <a:ln>
+          <a:noFill/>
+        </a:ln>
+      </dgm:spPr>
       <dgm:t>
         <a:bodyPr/>
         <a:lstStyle/>
         <a:p>
           <a:endParaRPr lang="en-IN" dirty="0">
+            <a:solidFill>
+              <a:schemeClr val="tx1"/>
+            </a:solidFill>
             <a:latin typeface="Aptos" panose="020B0004020202020204" pitchFamily="34" charset="0"/>
           </a:endParaRPr>
         </a:p>
@@ -1505,12 +1694,24 @@
     </dgm:pt>
     <dgm:pt modelId="{675F0741-7736-464D-A3BB-D3947A2C6D40}">
       <dgm:prSet phldrT="[Text]"/>
-      <dgm:spPr/>
+      <dgm:spPr>
+        <a:solidFill>
+          <a:schemeClr val="bg1">
+            <a:alpha val="30000"/>
+          </a:schemeClr>
+        </a:solidFill>
+        <a:ln>
+          <a:noFill/>
+        </a:ln>
+      </dgm:spPr>
       <dgm:t>
         <a:bodyPr/>
         <a:lstStyle/>
         <a:p>
           <a:endParaRPr lang="en-IN" dirty="0">
+            <a:solidFill>
+              <a:schemeClr val="tx1"/>
+            </a:solidFill>
             <a:latin typeface="Aptos" panose="020B0004020202020204" pitchFamily="34" charset="0"/>
           </a:endParaRPr>
         </a:p>
@@ -1540,12 +1741,24 @@
     </dgm:pt>
     <dgm:pt modelId="{50A00412-642B-4768-B4FD-DD10E96A7E52}">
       <dgm:prSet phldrT="[Text]"/>
-      <dgm:spPr/>
+      <dgm:spPr>
+        <a:solidFill>
+          <a:schemeClr val="bg1">
+            <a:alpha val="30000"/>
+          </a:schemeClr>
+        </a:solidFill>
+        <a:ln>
+          <a:noFill/>
+        </a:ln>
+      </dgm:spPr>
       <dgm:t>
         <a:bodyPr/>
         <a:lstStyle/>
         <a:p>
           <a:endParaRPr lang="en-IN" dirty="0">
+            <a:solidFill>
+              <a:schemeClr val="tx1"/>
+            </a:solidFill>
             <a:latin typeface="Aptos" panose="020B0004020202020204" pitchFamily="34" charset="0"/>
           </a:endParaRPr>
         </a:p>
@@ -1575,12 +1788,24 @@
     </dgm:pt>
     <dgm:pt modelId="{63608E21-9BD7-4C6D-9BED-97316C8FBA8B}">
       <dgm:prSet/>
-      <dgm:spPr/>
+      <dgm:spPr>
+        <a:solidFill>
+          <a:schemeClr val="bg1">
+            <a:alpha val="30000"/>
+          </a:schemeClr>
+        </a:solidFill>
+        <a:ln>
+          <a:noFill/>
+        </a:ln>
+      </dgm:spPr>
       <dgm:t>
         <a:bodyPr/>
         <a:lstStyle/>
         <a:p>
           <a:endParaRPr lang="en-IN" dirty="0">
+            <a:solidFill>
+              <a:schemeClr val="tx1"/>
+            </a:solidFill>
             <a:latin typeface="Aptos" panose="020B0004020202020204" pitchFamily="34" charset="0"/>
           </a:endParaRPr>
         </a:p>
@@ -1598,6 +1823,194 @@
       </dgm:t>
     </dgm:pt>
     <dgm:pt modelId="{B1C8382D-239D-46B5-9E68-BD600C1BCE2A}" type="sibTrans" cxnId="{71B515E0-CABD-4F3C-96BE-89F0A5BE9A46}">
+      <dgm:prSet/>
+      <dgm:spPr/>
+      <dgm:t>
+        <a:bodyPr/>
+        <a:lstStyle/>
+        <a:p>
+          <a:endParaRPr lang="en-IN"/>
+        </a:p>
+      </dgm:t>
+    </dgm:pt>
+    <dgm:pt modelId="{2B38EF02-2753-4A6F-9E53-9D074F7CEE4C}">
+      <dgm:prSet phldrT="[Text]"/>
+      <dgm:spPr>
+        <a:solidFill>
+          <a:schemeClr val="bg1">
+            <a:alpha val="30000"/>
+          </a:schemeClr>
+        </a:solidFill>
+        <a:ln>
+          <a:noFill/>
+        </a:ln>
+      </dgm:spPr>
+      <dgm:t>
+        <a:bodyPr/>
+        <a:lstStyle/>
+        <a:p>
+          <a:endParaRPr lang="en-IN" dirty="0">
+            <a:solidFill>
+              <a:schemeClr val="tx1"/>
+            </a:solidFill>
+            <a:latin typeface="Aptos" panose="020B0004020202020204" pitchFamily="34" charset="0"/>
+          </a:endParaRPr>
+        </a:p>
+      </dgm:t>
+    </dgm:pt>
+    <dgm:pt modelId="{80DB2EFC-BECF-439D-999A-643940449178}" type="parTrans" cxnId="{77F13AC0-3A2D-497E-AF3F-9245B5CF7075}">
+      <dgm:prSet/>
+      <dgm:spPr/>
+      <dgm:t>
+        <a:bodyPr/>
+        <a:lstStyle/>
+        <a:p>
+          <a:endParaRPr lang="en-IN"/>
+        </a:p>
+      </dgm:t>
+    </dgm:pt>
+    <dgm:pt modelId="{13E9C7F3-83E7-4B94-91B3-60170E8F1D7A}" type="sibTrans" cxnId="{77F13AC0-3A2D-497E-AF3F-9245B5CF7075}">
+      <dgm:prSet/>
+      <dgm:spPr/>
+      <dgm:t>
+        <a:bodyPr/>
+        <a:lstStyle/>
+        <a:p>
+          <a:endParaRPr lang="en-IN"/>
+        </a:p>
+      </dgm:t>
+    </dgm:pt>
+    <dgm:pt modelId="{C07FA324-5B11-451F-9D49-8393EF7262FD}">
+      <dgm:prSet phldrT="[Text]"/>
+      <dgm:spPr>
+        <a:solidFill>
+          <a:schemeClr val="bg1">
+            <a:alpha val="30000"/>
+          </a:schemeClr>
+        </a:solidFill>
+        <a:ln>
+          <a:noFill/>
+        </a:ln>
+      </dgm:spPr>
+      <dgm:t>
+        <a:bodyPr/>
+        <a:lstStyle/>
+        <a:p>
+          <a:endParaRPr lang="en-IN" dirty="0">
+            <a:solidFill>
+              <a:schemeClr val="tx1"/>
+            </a:solidFill>
+            <a:latin typeface="Aptos" panose="020B0004020202020204" pitchFamily="34" charset="0"/>
+          </a:endParaRPr>
+        </a:p>
+      </dgm:t>
+    </dgm:pt>
+    <dgm:pt modelId="{858FC319-3663-4E9F-9D9E-3AB34EF4C3E5}" type="parTrans" cxnId="{4A5B455F-BA65-4416-8B79-8CCEABBC3661}">
+      <dgm:prSet/>
+      <dgm:spPr/>
+      <dgm:t>
+        <a:bodyPr/>
+        <a:lstStyle/>
+        <a:p>
+          <a:endParaRPr lang="en-IN"/>
+        </a:p>
+      </dgm:t>
+    </dgm:pt>
+    <dgm:pt modelId="{2602B0C9-D365-4437-AFA0-935BBB0B4EC1}" type="sibTrans" cxnId="{4A5B455F-BA65-4416-8B79-8CCEABBC3661}">
+      <dgm:prSet/>
+      <dgm:spPr/>
+      <dgm:t>
+        <a:bodyPr/>
+        <a:lstStyle/>
+        <a:p>
+          <a:endParaRPr lang="en-IN"/>
+        </a:p>
+      </dgm:t>
+    </dgm:pt>
+    <dgm:pt modelId="{CE869000-0DBD-492F-A9E2-2486AB64C4B4}">
+      <dgm:prSet phldrT="[Text]"/>
+      <dgm:spPr>
+        <a:solidFill>
+          <a:schemeClr val="bg1">
+            <a:alpha val="30000"/>
+          </a:schemeClr>
+        </a:solidFill>
+        <a:ln>
+          <a:noFill/>
+        </a:ln>
+      </dgm:spPr>
+      <dgm:t>
+        <a:bodyPr/>
+        <a:lstStyle/>
+        <a:p>
+          <a:endParaRPr lang="en-IN" dirty="0">
+            <a:solidFill>
+              <a:schemeClr val="tx1"/>
+            </a:solidFill>
+            <a:latin typeface="Aptos" panose="020B0004020202020204" pitchFamily="34" charset="0"/>
+          </a:endParaRPr>
+        </a:p>
+      </dgm:t>
+    </dgm:pt>
+    <dgm:pt modelId="{D18C9BE0-C389-42E5-BBC3-0C38C47805F4}" type="parTrans" cxnId="{A21BD0E9-227E-4AE2-B9BF-DCEEDB6DB476}">
+      <dgm:prSet/>
+      <dgm:spPr/>
+      <dgm:t>
+        <a:bodyPr/>
+        <a:lstStyle/>
+        <a:p>
+          <a:endParaRPr lang="en-IN"/>
+        </a:p>
+      </dgm:t>
+    </dgm:pt>
+    <dgm:pt modelId="{9848D43F-CC4A-4B79-A651-43A28880885A}" type="sibTrans" cxnId="{A21BD0E9-227E-4AE2-B9BF-DCEEDB6DB476}">
+      <dgm:prSet/>
+      <dgm:spPr/>
+      <dgm:t>
+        <a:bodyPr/>
+        <a:lstStyle/>
+        <a:p>
+          <a:endParaRPr lang="en-IN"/>
+        </a:p>
+      </dgm:t>
+    </dgm:pt>
+    <dgm:pt modelId="{90D3BCF0-040B-4EC4-AA62-6A9A581829AA}">
+      <dgm:prSet/>
+      <dgm:spPr>
+        <a:solidFill>
+          <a:schemeClr val="bg1">
+            <a:alpha val="30000"/>
+          </a:schemeClr>
+        </a:solidFill>
+        <a:ln>
+          <a:noFill/>
+        </a:ln>
+      </dgm:spPr>
+      <dgm:t>
+        <a:bodyPr/>
+        <a:lstStyle/>
+        <a:p>
+          <a:endParaRPr lang="en-IN" dirty="0">
+            <a:solidFill>
+              <a:schemeClr val="tx1"/>
+            </a:solidFill>
+            <a:latin typeface="Aptos" panose="020B0004020202020204" pitchFamily="34" charset="0"/>
+          </a:endParaRPr>
+        </a:p>
+      </dgm:t>
+    </dgm:pt>
+    <dgm:pt modelId="{4D63CEBB-F68B-49BA-B06E-BF6AA25E319F}" type="parTrans" cxnId="{3F3F89A7-5E29-4559-BF44-56E4DBA55D60}">
+      <dgm:prSet/>
+      <dgm:spPr/>
+      <dgm:t>
+        <a:bodyPr/>
+        <a:lstStyle/>
+        <a:p>
+          <a:endParaRPr lang="en-IN"/>
+        </a:p>
+      </dgm:t>
+    </dgm:pt>
+    <dgm:pt modelId="{4CD42629-2C81-40E2-887C-8AC749B8D9BC}" type="sibTrans" cxnId="{3F3F89A7-5E29-4559-BF44-56E4DBA55D60}">
       <dgm:prSet/>
       <dgm:spPr/>
       <dgm:t>
@@ -1637,7 +2050,7 @@
       <dgm:spPr/>
     </dgm:pt>
     <dgm:pt modelId="{2639BB8A-0B13-4CDE-9D0E-9B8464FE4623}" type="pres">
-      <dgm:prSet presAssocID="{46AAB6C3-9381-4B78-B6D3-42BA7A7C5E7D}" presName="desTx" presStyleLbl="fgAcc1" presStyleIdx="0" presStyleCnt="4" custScaleX="166162">
+      <dgm:prSet presAssocID="{46AAB6C3-9381-4B78-B6D3-42BA7A7C5E7D}" presName="desTx" presStyleLbl="fgAcc1" presStyleIdx="0" presStyleCnt="4" custScaleX="166162" custScaleY="102609" custLinFactNeighborX="-688" custLinFactNeighborY="5494">
         <dgm:presLayoutVars>
           <dgm:bulletEnabled val="1"/>
         </dgm:presLayoutVars>
@@ -1671,7 +2084,7 @@
       <dgm:spPr/>
     </dgm:pt>
     <dgm:pt modelId="{44A28126-739B-4619-B2C6-316783912B10}" type="pres">
-      <dgm:prSet presAssocID="{72E6F650-0D18-4107-913E-029A6F73CE48}" presName="desTx" presStyleLbl="fgAcc1" presStyleIdx="1" presStyleCnt="4" custScaleX="144149">
+      <dgm:prSet presAssocID="{72E6F650-0D18-4107-913E-029A6F73CE48}" presName="desTx" presStyleLbl="fgAcc1" presStyleIdx="1" presStyleCnt="4" custScaleX="161520" custScaleY="103392" custLinFactNeighborX="-5501" custLinFactNeighborY="4768">
         <dgm:presLayoutVars>
           <dgm:bulletEnabled val="1"/>
         </dgm:presLayoutVars>
@@ -1705,7 +2118,7 @@
       <dgm:spPr/>
     </dgm:pt>
     <dgm:pt modelId="{DE19ACDC-258C-488C-9C44-F96BC3AFB135}" type="pres">
-      <dgm:prSet presAssocID="{B929005E-F43F-4948-8C32-03B1BDED29D3}" presName="desTx" presStyleLbl="fgAcc1" presStyleIdx="2" presStyleCnt="4" custScaleX="148310">
+      <dgm:prSet presAssocID="{B929005E-F43F-4948-8C32-03B1BDED29D3}" presName="desTx" presStyleLbl="fgAcc1" presStyleIdx="2" presStyleCnt="4" custScaleX="148310" custScaleY="102623" custLinFactNeighborX="-7254" custLinFactNeighborY="2392">
         <dgm:presLayoutVars>
           <dgm:bulletEnabled val="1"/>
         </dgm:presLayoutVars>
@@ -1739,7 +2152,7 @@
       <dgm:spPr/>
     </dgm:pt>
     <dgm:pt modelId="{69AAE82B-0634-423C-8203-795C9C470025}" type="pres">
-      <dgm:prSet presAssocID="{27D0FDB8-B934-4E05-85FD-FFA364757C3B}" presName="desTx" presStyleLbl="fgAcc1" presStyleIdx="3" presStyleCnt="4" custScaleX="180304">
+      <dgm:prSet presAssocID="{27D0FDB8-B934-4E05-85FD-FFA364757C3B}" presName="desTx" presStyleLbl="fgAcc1" presStyleIdx="3" presStyleCnt="4" custScaleX="168364">
         <dgm:presLayoutVars>
           <dgm:bulletEnabled val="1"/>
         </dgm:presLayoutVars>
@@ -1748,53 +2161,61 @@
     </dgm:pt>
   </dgm:ptLst>
   <dgm:cxnLst>
-    <dgm:cxn modelId="{6D9F5809-09F3-41AC-954A-AB8A3B722FC4}" type="presOf" srcId="{DDF55605-7ED8-40B6-A6AE-F346B57B18C2}" destId="{DE19ACDC-258C-488C-9C44-F96BC3AFB135}" srcOrd="0" destOrd="0" presId="urn:microsoft.com/office/officeart/2005/8/layout/process3"/>
-    <dgm:cxn modelId="{27032C0F-651F-4E2B-A9A2-2B744884E010}" type="presOf" srcId="{338355E6-4B9A-48D5-8174-F06B50C860D6}" destId="{2639BB8A-0B13-4CDE-9D0E-9B8464FE4623}" srcOrd="0" destOrd="0" presId="urn:microsoft.com/office/officeart/2005/8/layout/process3"/>
+    <dgm:cxn modelId="{6D9F5809-09F3-41AC-954A-AB8A3B722FC4}" type="presOf" srcId="{DDF55605-7ED8-40B6-A6AE-F346B57B18C2}" destId="{DE19ACDC-258C-488C-9C44-F96BC3AFB135}" srcOrd="0" destOrd="1" presId="urn:microsoft.com/office/officeart/2005/8/layout/process3"/>
+    <dgm:cxn modelId="{27032C0F-651F-4E2B-A9A2-2B744884E010}" type="presOf" srcId="{338355E6-4B9A-48D5-8174-F06B50C860D6}" destId="{2639BB8A-0B13-4CDE-9D0E-9B8464FE4623}" srcOrd="0" destOrd="1" presId="urn:microsoft.com/office/officeart/2005/8/layout/process3"/>
     <dgm:cxn modelId="{E253FF0F-8BA8-489B-B659-E72EBBFFDF33}" srcId="{E07D45CC-1AA2-4CCB-BAE2-AEE55A5C4AA9}" destId="{46AAB6C3-9381-4B78-B6D3-42BA7A7C5E7D}" srcOrd="0" destOrd="0" parTransId="{70A22238-0E5B-4F70-BD16-B467729568E0}" sibTransId="{6705086C-4DC0-454F-BD54-2EC0AFADEC08}"/>
-    <dgm:cxn modelId="{05171D11-8AEE-4484-AE65-43F3DDBC4FD1}" type="presOf" srcId="{675F0741-7736-464D-A3BB-D3947A2C6D40}" destId="{DE19ACDC-258C-488C-9C44-F96BC3AFB135}" srcOrd="0" destOrd="1" presId="urn:microsoft.com/office/officeart/2005/8/layout/process3"/>
-    <dgm:cxn modelId="{398B4616-704F-42C5-B91E-4C197AA49428}" type="presOf" srcId="{50A00412-642B-4768-B4FD-DD10E96A7E52}" destId="{DE19ACDC-258C-488C-9C44-F96BC3AFB135}" srcOrd="0" destOrd="3" presId="urn:microsoft.com/office/officeart/2005/8/layout/process3"/>
-    <dgm:cxn modelId="{F089CB16-DE30-4099-935E-A05B8C015C96}" srcId="{72E6F650-0D18-4107-913E-029A6F73CE48}" destId="{EFDA6BDE-DFED-4C79-96C8-BA242AC9FA55}" srcOrd="1" destOrd="0" parTransId="{D24BF7A0-3B06-4978-ADC3-3567BDBF04C0}" sibTransId="{F6D4E670-02DC-4231-BE94-F372FED16D80}"/>
+    <dgm:cxn modelId="{05171D11-8AEE-4484-AE65-43F3DDBC4FD1}" type="presOf" srcId="{675F0741-7736-464D-A3BB-D3947A2C6D40}" destId="{DE19ACDC-258C-488C-9C44-F96BC3AFB135}" srcOrd="0" destOrd="2" presId="urn:microsoft.com/office/officeart/2005/8/layout/process3"/>
+    <dgm:cxn modelId="{398B4616-704F-42C5-B91E-4C197AA49428}" type="presOf" srcId="{50A00412-642B-4768-B4FD-DD10E96A7E52}" destId="{DE19ACDC-258C-488C-9C44-F96BC3AFB135}" srcOrd="0" destOrd="4" presId="urn:microsoft.com/office/officeart/2005/8/layout/process3"/>
+    <dgm:cxn modelId="{F089CB16-DE30-4099-935E-A05B8C015C96}" srcId="{72E6F650-0D18-4107-913E-029A6F73CE48}" destId="{EFDA6BDE-DFED-4C79-96C8-BA242AC9FA55}" srcOrd="2" destOrd="0" parTransId="{D24BF7A0-3B06-4978-ADC3-3567BDBF04C0}" sibTransId="{F6D4E670-02DC-4231-BE94-F372FED16D80}"/>
     <dgm:cxn modelId="{585E5424-F7F5-4182-B1E2-4C3C7D4BA80B}" type="presOf" srcId="{E07D45CC-1AA2-4CCB-BAE2-AEE55A5C4AA9}" destId="{F06ACC09-FC2B-4856-B150-427C5D3D594E}" srcOrd="0" destOrd="0" presId="urn:microsoft.com/office/officeart/2005/8/layout/process3"/>
-    <dgm:cxn modelId="{EAA99624-30E6-425D-86EE-EE5693786E96}" srcId="{72E6F650-0D18-4107-913E-029A6F73CE48}" destId="{CE4D850F-D4B6-4CD6-BAE1-6D253F8D6A04}" srcOrd="0" destOrd="0" parTransId="{4A6341E0-0B37-4A45-B325-7F406595E4D5}" sibTransId="{D810EEBD-ADF7-4B35-90F7-E7F46AB02D89}"/>
-    <dgm:cxn modelId="{101A9F24-3E66-4B57-BF1F-3322E9B4B6E6}" srcId="{46AAB6C3-9381-4B78-B6D3-42BA7A7C5E7D}" destId="{D682BF99-CDF3-4CB7-A9E7-90C7FEE37697}" srcOrd="1" destOrd="0" parTransId="{07469C48-2411-4AE5-8F9F-B9244E2E59D8}" sibTransId="{79C37434-13F1-4C2D-BC8C-68710A105677}"/>
+    <dgm:cxn modelId="{EAA99624-30E6-425D-86EE-EE5693786E96}" srcId="{72E6F650-0D18-4107-913E-029A6F73CE48}" destId="{CE4D850F-D4B6-4CD6-BAE1-6D253F8D6A04}" srcOrd="1" destOrd="0" parTransId="{4A6341E0-0B37-4A45-B325-7F406595E4D5}" sibTransId="{D810EEBD-ADF7-4B35-90F7-E7F46AB02D89}"/>
+    <dgm:cxn modelId="{101A9F24-3E66-4B57-BF1F-3322E9B4B6E6}" srcId="{46AAB6C3-9381-4B78-B6D3-42BA7A7C5E7D}" destId="{D682BF99-CDF3-4CB7-A9E7-90C7FEE37697}" srcOrd="2" destOrd="0" parTransId="{07469C48-2411-4AE5-8F9F-B9244E2E59D8}" sibTransId="{79C37434-13F1-4C2D-BC8C-68710A105677}"/>
     <dgm:cxn modelId="{FC9D7D29-0352-431D-B043-C6583B83F943}" srcId="{E07D45CC-1AA2-4CCB-BAE2-AEE55A5C4AA9}" destId="{72E6F650-0D18-4107-913E-029A6F73CE48}" srcOrd="1" destOrd="0" parTransId="{5E9AD166-3C12-4AC0-8829-7589B200FE22}" sibTransId="{3DCC2ABD-807F-4B80-824F-46DF8BD1108E}"/>
+    <dgm:cxn modelId="{B24C1130-C380-4F5F-876C-E9D813A891F8}" type="presOf" srcId="{CE869000-0DBD-492F-A9E2-2486AB64C4B4}" destId="{DE19ACDC-258C-488C-9C44-F96BC3AFB135}" srcOrd="0" destOrd="0" presId="urn:microsoft.com/office/officeart/2005/8/layout/process3"/>
+    <dgm:cxn modelId="{C7D0AA37-19B2-4422-BC59-A24CAE39778E}" type="presOf" srcId="{90D3BCF0-040B-4EC4-AA62-6A9A581829AA}" destId="{69AAE82B-0634-423C-8203-795C9C470025}" srcOrd="0" destOrd="0" presId="urn:microsoft.com/office/officeart/2005/8/layout/process3"/>
     <dgm:cxn modelId="{7E71B637-2029-4766-B233-328A3345F950}" srcId="{E07D45CC-1AA2-4CCB-BAE2-AEE55A5C4AA9}" destId="{B929005E-F43F-4948-8C32-03B1BDED29D3}" srcOrd="2" destOrd="0" parTransId="{544B6B16-AFDB-4A90-A47E-13AF03DF8680}" sibTransId="{EE27E2D6-15FA-4055-B272-C9F58F816B43}"/>
-    <dgm:cxn modelId="{E4DC9D3A-EAE7-43EE-AE3B-7B13B8E95E52}" type="presOf" srcId="{15C744DC-79FD-424E-A8E2-FCEFFD792EA6}" destId="{DE19ACDC-258C-488C-9C44-F96BC3AFB135}" srcOrd="0" destOrd="2" presId="urn:microsoft.com/office/officeart/2005/8/layout/process3"/>
-    <dgm:cxn modelId="{23E5AE5D-DC63-4C6E-9241-5CD96443CE49}" srcId="{72E6F650-0D18-4107-913E-029A6F73CE48}" destId="{09B022EB-65FE-42E4-A563-5FBDFA25E7ED}" srcOrd="2" destOrd="0" parTransId="{AADCADC5-C765-4F8B-B765-EBD3EFE71A48}" sibTransId="{AEEEFAB6-E035-409E-A437-08DF087AA70C}"/>
-    <dgm:cxn modelId="{6F278341-2E90-4AA2-BB29-7B1635B805C1}" srcId="{46AAB6C3-9381-4B78-B6D3-42BA7A7C5E7D}" destId="{338355E6-4B9A-48D5-8174-F06B50C860D6}" srcOrd="0" destOrd="0" parTransId="{A60A8917-C48F-44BF-B2C9-D8071F4D1DC1}" sibTransId="{52B1F3B8-2AF3-40C5-A566-8B8DC9B5000A}"/>
-    <dgm:cxn modelId="{22727E6C-3C81-4AAB-9D7B-D87421A0EF2C}" type="presOf" srcId="{A11C60AC-54D9-497B-80C0-8FFB4B52046C}" destId="{69AAE82B-0634-423C-8203-795C9C470025}" srcOrd="0" destOrd="0" presId="urn:microsoft.com/office/officeart/2005/8/layout/process3"/>
-    <dgm:cxn modelId="{19A5164D-54D0-4517-B17E-6C88DB9B1ED6}" type="presOf" srcId="{EB4DD27E-BA29-4FB3-B91D-F19BD6CCA4F8}" destId="{2639BB8A-0B13-4CDE-9D0E-9B8464FE4623}" srcOrd="0" destOrd="2" presId="urn:microsoft.com/office/officeart/2005/8/layout/process3"/>
-    <dgm:cxn modelId="{B37CAB4E-C5EF-4F6D-BA8B-381EDDEA3F79}" type="presOf" srcId="{63608E21-9BD7-4C6D-9BED-97316C8FBA8B}" destId="{69AAE82B-0634-423C-8203-795C9C470025}" srcOrd="0" destOrd="1" presId="urn:microsoft.com/office/officeart/2005/8/layout/process3"/>
-    <dgm:cxn modelId="{714FD96E-82A8-40E4-A1B3-BFDF03D2BFD0}" srcId="{B929005E-F43F-4948-8C32-03B1BDED29D3}" destId="{DDF55605-7ED8-40B6-A6AE-F346B57B18C2}" srcOrd="0" destOrd="0" parTransId="{D91C1DBD-851C-452D-B226-8E8A9FA3543F}" sibTransId="{AAF46026-6F72-460A-9AEC-0407DAE472E1}"/>
+    <dgm:cxn modelId="{E4DC9D3A-EAE7-43EE-AE3B-7B13B8E95E52}" type="presOf" srcId="{15C744DC-79FD-424E-A8E2-FCEFFD792EA6}" destId="{DE19ACDC-258C-488C-9C44-F96BC3AFB135}" srcOrd="0" destOrd="3" presId="urn:microsoft.com/office/officeart/2005/8/layout/process3"/>
+    <dgm:cxn modelId="{23E5AE5D-DC63-4C6E-9241-5CD96443CE49}" srcId="{72E6F650-0D18-4107-913E-029A6F73CE48}" destId="{09B022EB-65FE-42E4-A563-5FBDFA25E7ED}" srcOrd="3" destOrd="0" parTransId="{AADCADC5-C765-4F8B-B765-EBD3EFE71A48}" sibTransId="{AEEEFAB6-E035-409E-A437-08DF087AA70C}"/>
+    <dgm:cxn modelId="{4A5B455F-BA65-4416-8B79-8CCEABBC3661}" srcId="{72E6F650-0D18-4107-913E-029A6F73CE48}" destId="{C07FA324-5B11-451F-9D49-8393EF7262FD}" srcOrd="0" destOrd="0" parTransId="{858FC319-3663-4E9F-9D9E-3AB34EF4C3E5}" sibTransId="{2602B0C9-D365-4437-AFA0-935BBB0B4EC1}"/>
+    <dgm:cxn modelId="{6F278341-2E90-4AA2-BB29-7B1635B805C1}" srcId="{46AAB6C3-9381-4B78-B6D3-42BA7A7C5E7D}" destId="{338355E6-4B9A-48D5-8174-F06B50C860D6}" srcOrd="1" destOrd="0" parTransId="{A60A8917-C48F-44BF-B2C9-D8071F4D1DC1}" sibTransId="{52B1F3B8-2AF3-40C5-A566-8B8DC9B5000A}"/>
+    <dgm:cxn modelId="{22727E6C-3C81-4AAB-9D7B-D87421A0EF2C}" type="presOf" srcId="{A11C60AC-54D9-497B-80C0-8FFB4B52046C}" destId="{69AAE82B-0634-423C-8203-795C9C470025}" srcOrd="0" destOrd="1" presId="urn:microsoft.com/office/officeart/2005/8/layout/process3"/>
+    <dgm:cxn modelId="{19A5164D-54D0-4517-B17E-6C88DB9B1ED6}" type="presOf" srcId="{EB4DD27E-BA29-4FB3-B91D-F19BD6CCA4F8}" destId="{2639BB8A-0B13-4CDE-9D0E-9B8464FE4623}" srcOrd="0" destOrd="3" presId="urn:microsoft.com/office/officeart/2005/8/layout/process3"/>
+    <dgm:cxn modelId="{B37CAB4E-C5EF-4F6D-BA8B-381EDDEA3F79}" type="presOf" srcId="{63608E21-9BD7-4C6D-9BED-97316C8FBA8B}" destId="{69AAE82B-0634-423C-8203-795C9C470025}" srcOrd="0" destOrd="2" presId="urn:microsoft.com/office/officeart/2005/8/layout/process3"/>
+    <dgm:cxn modelId="{714FD96E-82A8-40E4-A1B3-BFDF03D2BFD0}" srcId="{B929005E-F43F-4948-8C32-03B1BDED29D3}" destId="{DDF55605-7ED8-40B6-A6AE-F346B57B18C2}" srcOrd="1" destOrd="0" parTransId="{D91C1DBD-851C-452D-B226-8E8A9FA3543F}" sibTransId="{AAF46026-6F72-460A-9AEC-0407DAE472E1}"/>
     <dgm:cxn modelId="{62BD5D4F-E437-423B-83B9-FB91C84ED60D}" type="presOf" srcId="{46AAB6C3-9381-4B78-B6D3-42BA7A7C5E7D}" destId="{52EFEC3C-C569-48A0-A796-A0BEE46165F9}" srcOrd="1" destOrd="0" presId="urn:microsoft.com/office/officeart/2005/8/layout/process3"/>
     <dgm:cxn modelId="{8D10B74F-A2E6-4114-AE1B-80387758ECE4}" type="presOf" srcId="{27D0FDB8-B934-4E05-85FD-FFA364757C3B}" destId="{D0C6801F-D4A2-4F59-8F09-A8B389172FFB}" srcOrd="0" destOrd="0" presId="urn:microsoft.com/office/officeart/2005/8/layout/process3"/>
-    <dgm:cxn modelId="{6DAEBC52-6929-4979-BA42-53303A3E3862}" srcId="{B929005E-F43F-4948-8C32-03B1BDED29D3}" destId="{50A00412-642B-4768-B4FD-DD10E96A7E52}" srcOrd="3" destOrd="0" parTransId="{DEF924E1-7B5A-449A-B20D-1D55A46B2691}" sibTransId="{3C45C0ED-15EC-4077-9845-B1A02B86DE88}"/>
+    <dgm:cxn modelId="{6DAEBC52-6929-4979-BA42-53303A3E3862}" srcId="{B929005E-F43F-4948-8C32-03B1BDED29D3}" destId="{50A00412-642B-4768-B4FD-DD10E96A7E52}" srcOrd="4" destOrd="0" parTransId="{DEF924E1-7B5A-449A-B20D-1D55A46B2691}" sibTransId="{3C45C0ED-15EC-4077-9845-B1A02B86DE88}"/>
     <dgm:cxn modelId="{827E7E55-A997-48A6-938A-2AF4E73444B1}" srcId="{E07D45CC-1AA2-4CCB-BAE2-AEE55A5C4AA9}" destId="{27D0FDB8-B934-4E05-85FD-FFA364757C3B}" srcOrd="3" destOrd="0" parTransId="{92B6BB79-3DCF-4F33-9331-733B2A0F7ED8}" sibTransId="{55495D42-C303-4887-9387-E2B9FE78EFBE}"/>
     <dgm:cxn modelId="{203B6A56-C5C8-4DE2-BC19-568D397E5AE3}" type="presOf" srcId="{72E6F650-0D18-4107-913E-029A6F73CE48}" destId="{03D60CE1-67C3-4DDA-AEB3-9430AD0AF23B}" srcOrd="0" destOrd="0" presId="urn:microsoft.com/office/officeart/2005/8/layout/process3"/>
     <dgm:cxn modelId="{56506A58-D885-4B39-9F96-F3BFC66E7D1D}" type="presOf" srcId="{B929005E-F43F-4948-8C32-03B1BDED29D3}" destId="{2CA8FB46-53DD-42D6-ACC5-AC2A7BC5265C}" srcOrd="0" destOrd="0" presId="urn:microsoft.com/office/officeart/2005/8/layout/process3"/>
     <dgm:cxn modelId="{CC169959-4DB4-49ED-BDEA-DA74E33945AE}" type="presOf" srcId="{6705086C-4DC0-454F-BD54-2EC0AFADEC08}" destId="{2A425D2F-C8B3-4E0E-B64F-0D0DB047D47F}" srcOrd="1" destOrd="0" presId="urn:microsoft.com/office/officeart/2005/8/layout/process3"/>
-    <dgm:cxn modelId="{022ABA7F-E397-4E80-8A54-E27B4BC30F97}" type="presOf" srcId="{CE4D850F-D4B6-4CD6-BAE1-6D253F8D6A04}" destId="{44A28126-739B-4619-B2C6-316783912B10}" srcOrd="0" destOrd="0" presId="urn:microsoft.com/office/officeart/2005/8/layout/process3"/>
-    <dgm:cxn modelId="{F169E78C-8D7D-46C4-BC38-FD726516F57F}" type="presOf" srcId="{D682BF99-CDF3-4CB7-A9E7-90C7FEE37697}" destId="{2639BB8A-0B13-4CDE-9D0E-9B8464FE4623}" srcOrd="0" destOrd="1" presId="urn:microsoft.com/office/officeart/2005/8/layout/process3"/>
+    <dgm:cxn modelId="{022ABA7F-E397-4E80-8A54-E27B4BC30F97}" type="presOf" srcId="{CE4D850F-D4B6-4CD6-BAE1-6D253F8D6A04}" destId="{44A28126-739B-4619-B2C6-316783912B10}" srcOrd="0" destOrd="1" presId="urn:microsoft.com/office/officeart/2005/8/layout/process3"/>
+    <dgm:cxn modelId="{F169E78C-8D7D-46C4-BC38-FD726516F57F}" type="presOf" srcId="{D682BF99-CDF3-4CB7-A9E7-90C7FEE37697}" destId="{2639BB8A-0B13-4CDE-9D0E-9B8464FE4623}" srcOrd="0" destOrd="2" presId="urn:microsoft.com/office/officeart/2005/8/layout/process3"/>
     <dgm:cxn modelId="{601A1E9A-79E0-4C2E-B4AD-3743DC1FD158}" type="presOf" srcId="{3DCC2ABD-807F-4B80-824F-46DF8BD1108E}" destId="{FBCE48FA-4137-40DF-BF39-CA544E2DAE70}" srcOrd="0" destOrd="0" presId="urn:microsoft.com/office/officeart/2005/8/layout/process3"/>
     <dgm:cxn modelId="{F989809C-BBA9-4763-A15C-20B6A32F98BD}" type="presOf" srcId="{3DCC2ABD-807F-4B80-824F-46DF8BD1108E}" destId="{D01BC2EA-3A18-41C8-A9AB-0F3EFCF1B13F}" srcOrd="1" destOrd="0" presId="urn:microsoft.com/office/officeart/2005/8/layout/process3"/>
-    <dgm:cxn modelId="{88B6039D-80CD-49CF-8772-38B858E67E43}" srcId="{B929005E-F43F-4948-8C32-03B1BDED29D3}" destId="{675F0741-7736-464D-A3BB-D3947A2C6D40}" srcOrd="1" destOrd="0" parTransId="{F5744083-4739-4DCE-A7F9-949F63695DA2}" sibTransId="{47B73EFB-08B6-4838-A381-C23807F1B6F0}"/>
-    <dgm:cxn modelId="{D74A84AA-C83B-4630-ACBB-80CC38C5DFD7}" type="presOf" srcId="{76DD552E-3491-4BAD-96A3-811E038EE9B3}" destId="{DE19ACDC-258C-488C-9C44-F96BC3AFB135}" srcOrd="0" destOrd="4" presId="urn:microsoft.com/office/officeart/2005/8/layout/process3"/>
+    <dgm:cxn modelId="{88B6039D-80CD-49CF-8772-38B858E67E43}" srcId="{B929005E-F43F-4948-8C32-03B1BDED29D3}" destId="{675F0741-7736-464D-A3BB-D3947A2C6D40}" srcOrd="2" destOrd="0" parTransId="{F5744083-4739-4DCE-A7F9-949F63695DA2}" sibTransId="{47B73EFB-08B6-4838-A381-C23807F1B6F0}"/>
+    <dgm:cxn modelId="{3F3F89A7-5E29-4559-BF44-56E4DBA55D60}" srcId="{27D0FDB8-B934-4E05-85FD-FFA364757C3B}" destId="{90D3BCF0-040B-4EC4-AA62-6A9A581829AA}" srcOrd="0" destOrd="0" parTransId="{4D63CEBB-F68B-49BA-B06E-BF6AA25E319F}" sibTransId="{4CD42629-2C81-40E2-887C-8AC749B8D9BC}"/>
+    <dgm:cxn modelId="{D74A84AA-C83B-4630-ACBB-80CC38C5DFD7}" type="presOf" srcId="{76DD552E-3491-4BAD-96A3-811E038EE9B3}" destId="{DE19ACDC-258C-488C-9C44-F96BC3AFB135}" srcOrd="0" destOrd="5" presId="urn:microsoft.com/office/officeart/2005/8/layout/process3"/>
     <dgm:cxn modelId="{F9A2D2B8-F1B1-4008-8706-30636417F9B5}" type="presOf" srcId="{72E6F650-0D18-4107-913E-029A6F73CE48}" destId="{B7622993-0CD5-4DBE-9F9E-0C8EE9898046}" srcOrd="1" destOrd="0" presId="urn:microsoft.com/office/officeart/2005/8/layout/process3"/>
-    <dgm:cxn modelId="{3BDD1EBE-2448-486E-9B94-FB91A13ABBB9}" type="presOf" srcId="{09B022EB-65FE-42E4-A563-5FBDFA25E7ED}" destId="{44A28126-739B-4619-B2C6-316783912B10}" srcOrd="0" destOrd="2" presId="urn:microsoft.com/office/officeart/2005/8/layout/process3"/>
+    <dgm:cxn modelId="{3BDD1EBE-2448-486E-9B94-FB91A13ABBB9}" type="presOf" srcId="{09B022EB-65FE-42E4-A563-5FBDFA25E7ED}" destId="{44A28126-739B-4619-B2C6-316783912B10}" srcOrd="0" destOrd="3" presId="urn:microsoft.com/office/officeart/2005/8/layout/process3"/>
     <dgm:cxn modelId="{BEF622BF-BB27-495C-ABF1-A236D4999BCE}" type="presOf" srcId="{EE27E2D6-15FA-4055-B272-C9F58F816B43}" destId="{86AE50CC-1135-4166-B763-1459EAFA71E0}" srcOrd="0" destOrd="0" presId="urn:microsoft.com/office/officeart/2005/8/layout/process3"/>
+    <dgm:cxn modelId="{77F13AC0-3A2D-497E-AF3F-9245B5CF7075}" srcId="{46AAB6C3-9381-4B78-B6D3-42BA7A7C5E7D}" destId="{2B38EF02-2753-4A6F-9E53-9D074F7CEE4C}" srcOrd="0" destOrd="0" parTransId="{80DB2EFC-BECF-439D-999A-643940449178}" sibTransId="{13E9C7F3-83E7-4B94-91B3-60170E8F1D7A}"/>
     <dgm:cxn modelId="{AF1E08C2-37F4-4611-8959-23F56D64BFC4}" type="presOf" srcId="{46AAB6C3-9381-4B78-B6D3-42BA7A7C5E7D}" destId="{B660616E-527C-4407-B430-5E9E5AD5AE7C}" srcOrd="0" destOrd="0" presId="urn:microsoft.com/office/officeart/2005/8/layout/process3"/>
     <dgm:cxn modelId="{978FEBC9-90AA-427F-B03C-FBE58E822DCF}" type="presOf" srcId="{27D0FDB8-B934-4E05-85FD-FFA364757C3B}" destId="{832D6D7C-7B3A-42D5-B3FB-7EFF29850627}" srcOrd="1" destOrd="0" presId="urn:microsoft.com/office/officeart/2005/8/layout/process3"/>
     <dgm:cxn modelId="{F733DFCF-7847-46A3-AEC9-6967E1A1DF68}" type="presOf" srcId="{B929005E-F43F-4948-8C32-03B1BDED29D3}" destId="{3E959BE6-1261-47A4-B417-2E9458522D7A}" srcOrd="1" destOrd="0" presId="urn:microsoft.com/office/officeart/2005/8/layout/process3"/>
-    <dgm:cxn modelId="{E3C9D8D6-EF45-4243-9D46-D2F3FB4E34BB}" srcId="{27D0FDB8-B934-4E05-85FD-FFA364757C3B}" destId="{A11C60AC-54D9-497B-80C0-8FFB4B52046C}" srcOrd="0" destOrd="0" parTransId="{5426D9F6-5C84-47BE-B150-98B6E427AD3A}" sibTransId="{317223E5-7279-49D8-95FC-62786E59F517}"/>
-    <dgm:cxn modelId="{B9AC1AD9-7564-4DFD-936A-E92B64E0F10B}" srcId="{B929005E-F43F-4948-8C32-03B1BDED29D3}" destId="{15C744DC-79FD-424E-A8E2-FCEFFD792EA6}" srcOrd="2" destOrd="0" parTransId="{2E029822-0129-43B0-90B7-BEFD66AD8A16}" sibTransId="{542DE9B1-4FCD-44B7-B4AC-BA675FC6F99D}"/>
+    <dgm:cxn modelId="{E3C9D8D6-EF45-4243-9D46-D2F3FB4E34BB}" srcId="{27D0FDB8-B934-4E05-85FD-FFA364757C3B}" destId="{A11C60AC-54D9-497B-80C0-8FFB4B52046C}" srcOrd="1" destOrd="0" parTransId="{5426D9F6-5C84-47BE-B150-98B6E427AD3A}" sibTransId="{317223E5-7279-49D8-95FC-62786E59F517}"/>
+    <dgm:cxn modelId="{B9AC1AD9-7564-4DFD-936A-E92B64E0F10B}" srcId="{B929005E-F43F-4948-8C32-03B1BDED29D3}" destId="{15C744DC-79FD-424E-A8E2-FCEFFD792EA6}" srcOrd="3" destOrd="0" parTransId="{2E029822-0129-43B0-90B7-BEFD66AD8A16}" sibTransId="{542DE9B1-4FCD-44B7-B4AC-BA675FC6F99D}"/>
     <dgm:cxn modelId="{E6D4C4DD-17FF-44F7-8106-294AB76C0D15}" type="presOf" srcId="{6705086C-4DC0-454F-BD54-2EC0AFADEC08}" destId="{7D2BF529-C1BA-46FC-AC0A-B2908E9CEE39}" srcOrd="0" destOrd="0" presId="urn:microsoft.com/office/officeart/2005/8/layout/process3"/>
-    <dgm:cxn modelId="{71B515E0-CABD-4F3C-96BE-89F0A5BE9A46}" srcId="{27D0FDB8-B934-4E05-85FD-FFA364757C3B}" destId="{63608E21-9BD7-4C6D-9BED-97316C8FBA8B}" srcOrd="1" destOrd="0" parTransId="{0A8FD6C6-0514-4A0C-8C9C-35E7095A0F06}" sibTransId="{B1C8382D-239D-46B5-9E68-BD600C1BCE2A}"/>
-    <dgm:cxn modelId="{C7BC5BE8-8A05-4DB8-AFDE-28ECA09DEA18}" srcId="{B929005E-F43F-4948-8C32-03B1BDED29D3}" destId="{76DD552E-3491-4BAD-96A3-811E038EE9B3}" srcOrd="4" destOrd="0" parTransId="{4532F297-10AB-41B3-8273-D69A4231646F}" sibTransId="{3274AF39-FCDF-4ABD-AF5E-1DC58E180245}"/>
+    <dgm:cxn modelId="{71B515E0-CABD-4F3C-96BE-89F0A5BE9A46}" srcId="{27D0FDB8-B934-4E05-85FD-FFA364757C3B}" destId="{63608E21-9BD7-4C6D-9BED-97316C8FBA8B}" srcOrd="2" destOrd="0" parTransId="{0A8FD6C6-0514-4A0C-8C9C-35E7095A0F06}" sibTransId="{B1C8382D-239D-46B5-9E68-BD600C1BCE2A}"/>
+    <dgm:cxn modelId="{F6C5CBE0-1283-4D22-BB85-532F726E3B4C}" type="presOf" srcId="{2B38EF02-2753-4A6F-9E53-9D074F7CEE4C}" destId="{2639BB8A-0B13-4CDE-9D0E-9B8464FE4623}" srcOrd="0" destOrd="0" presId="urn:microsoft.com/office/officeart/2005/8/layout/process3"/>
+    <dgm:cxn modelId="{C7BC5BE8-8A05-4DB8-AFDE-28ECA09DEA18}" srcId="{B929005E-F43F-4948-8C32-03B1BDED29D3}" destId="{76DD552E-3491-4BAD-96A3-811E038EE9B3}" srcOrd="5" destOrd="0" parTransId="{4532F297-10AB-41B3-8273-D69A4231646F}" sibTransId="{3274AF39-FCDF-4ABD-AF5E-1DC58E180245}"/>
     <dgm:cxn modelId="{84D5A8E8-4A7D-4168-AE05-40D3A7174636}" type="presOf" srcId="{EE27E2D6-15FA-4055-B272-C9F58F816B43}" destId="{9ED5BADB-5ACA-4EBD-AAE5-F25CDBA8C7C3}" srcOrd="1" destOrd="0" presId="urn:microsoft.com/office/officeart/2005/8/layout/process3"/>
-    <dgm:cxn modelId="{8B7917EC-4DF8-45EF-9EE4-08D9DC14B150}" srcId="{27D0FDB8-B934-4E05-85FD-FFA364757C3B}" destId="{75F61501-FF9F-4EDA-BC0D-C26DC98C87B1}" srcOrd="2" destOrd="0" parTransId="{13D06DD9-918D-46BB-8ED8-E0FABB9A9B49}" sibTransId="{AA280E56-CD5E-407C-9EF2-7FE5473C9600}"/>
-    <dgm:cxn modelId="{5D4EB2F1-209E-455F-8ECE-6FD600B273AC}" type="presOf" srcId="{EFDA6BDE-DFED-4C79-96C8-BA242AC9FA55}" destId="{44A28126-739B-4619-B2C6-316783912B10}" srcOrd="0" destOrd="1" presId="urn:microsoft.com/office/officeart/2005/8/layout/process3"/>
-    <dgm:cxn modelId="{18D6B5FA-7940-4BD6-A694-0D734B2118C1}" srcId="{46AAB6C3-9381-4B78-B6D3-42BA7A7C5E7D}" destId="{EB4DD27E-BA29-4FB3-B91D-F19BD6CCA4F8}" srcOrd="2" destOrd="0" parTransId="{706CE7FE-6824-4D1D-A625-9DC3F380F9A2}" sibTransId="{9AA7FDCE-9E7C-4787-9373-48FE52DC576F}"/>
-    <dgm:cxn modelId="{FCC075FB-8990-4139-A52C-D1CAEB0512C3}" type="presOf" srcId="{75F61501-FF9F-4EDA-BC0D-C26DC98C87B1}" destId="{69AAE82B-0634-423C-8203-795C9C470025}" srcOrd="0" destOrd="2" presId="urn:microsoft.com/office/officeart/2005/8/layout/process3"/>
+    <dgm:cxn modelId="{A21BD0E9-227E-4AE2-B9BF-DCEEDB6DB476}" srcId="{B929005E-F43F-4948-8C32-03B1BDED29D3}" destId="{CE869000-0DBD-492F-A9E2-2486AB64C4B4}" srcOrd="0" destOrd="0" parTransId="{D18C9BE0-C389-42E5-BBC3-0C38C47805F4}" sibTransId="{9848D43F-CC4A-4B79-A651-43A28880885A}"/>
+    <dgm:cxn modelId="{8B7917EC-4DF8-45EF-9EE4-08D9DC14B150}" srcId="{27D0FDB8-B934-4E05-85FD-FFA364757C3B}" destId="{75F61501-FF9F-4EDA-BC0D-C26DC98C87B1}" srcOrd="3" destOrd="0" parTransId="{13D06DD9-918D-46BB-8ED8-E0FABB9A9B49}" sibTransId="{AA280E56-CD5E-407C-9EF2-7FE5473C9600}"/>
+    <dgm:cxn modelId="{5D4EB2F1-209E-455F-8ECE-6FD600B273AC}" type="presOf" srcId="{EFDA6BDE-DFED-4C79-96C8-BA242AC9FA55}" destId="{44A28126-739B-4619-B2C6-316783912B10}" srcOrd="0" destOrd="2" presId="urn:microsoft.com/office/officeart/2005/8/layout/process3"/>
+    <dgm:cxn modelId="{A9208DFA-EE68-4FD9-BC70-4506EFEA5531}" type="presOf" srcId="{C07FA324-5B11-451F-9D49-8393EF7262FD}" destId="{44A28126-739B-4619-B2C6-316783912B10}" srcOrd="0" destOrd="0" presId="urn:microsoft.com/office/officeart/2005/8/layout/process3"/>
+    <dgm:cxn modelId="{18D6B5FA-7940-4BD6-A694-0D734B2118C1}" srcId="{46AAB6C3-9381-4B78-B6D3-42BA7A7C5E7D}" destId="{EB4DD27E-BA29-4FB3-B91D-F19BD6CCA4F8}" srcOrd="3" destOrd="0" parTransId="{706CE7FE-6824-4D1D-A625-9DC3F380F9A2}" sibTransId="{9AA7FDCE-9E7C-4787-9373-48FE52DC576F}"/>
+    <dgm:cxn modelId="{FCC075FB-8990-4139-A52C-D1CAEB0512C3}" type="presOf" srcId="{75F61501-FF9F-4EDA-BC0D-C26DC98C87B1}" destId="{69AAE82B-0634-423C-8203-795C9C470025}" srcOrd="0" destOrd="3" presId="urn:microsoft.com/office/officeart/2005/8/layout/process3"/>
     <dgm:cxn modelId="{13C5D5F5-B598-4C9E-A928-EC9D4F51B39F}" type="presParOf" srcId="{F06ACC09-FC2B-4856-B150-427C5D3D594E}" destId="{428255E5-3AEB-41B3-B81F-FC872EDD8783}" srcOrd="0" destOrd="0" presId="urn:microsoft.com/office/officeart/2005/8/layout/process3"/>
     <dgm:cxn modelId="{328BDECB-D4C7-4E04-9CAD-C9DC8CD70DBC}" type="presParOf" srcId="{428255E5-3AEB-41B3-B81F-FC872EDD8783}" destId="{B660616E-527C-4407-B430-5E9E5AD5AE7C}" srcOrd="0" destOrd="0" presId="urn:microsoft.com/office/officeart/2005/8/layout/process3"/>
     <dgm:cxn modelId="{3A67A510-36E2-4181-8A36-5A357B5DABC2}" type="presParOf" srcId="{428255E5-3AEB-41B3-B81F-FC872EDD8783}" destId="{52EFEC3C-C569-48A0-A796-A0BEE46165F9}" srcOrd="1" destOrd="0" presId="urn:microsoft.com/office/officeart/2005/8/layout/process3"/>
@@ -1845,8 +2266,8 @@
       </dsp:nvSpPr>
       <dsp:spPr>
         <a:xfrm>
-          <a:off x="187264" y="1609"/>
-          <a:ext cx="1429792" cy="818332"/>
+          <a:off x="181027" y="115056"/>
+          <a:ext cx="1420980" cy="761654"/>
         </a:xfrm>
         <a:prstGeom prst="roundRect">
           <a:avLst>
@@ -1854,24 +2275,11 @@
           </a:avLst>
         </a:prstGeom>
         <a:solidFill>
-          <a:schemeClr val="accent1">
-            <a:hueOff val="0"/>
-            <a:satOff val="0"/>
-            <a:lumOff val="0"/>
-            <a:alphaOff val="0"/>
-          </a:schemeClr>
+          <a:srgbClr val="0070C0"/>
         </a:solidFill>
-        <a:ln w="12700" cap="flat" cmpd="sng" algn="ctr">
-          <a:solidFill>
-            <a:schemeClr val="lt1">
-              <a:hueOff val="0"/>
-              <a:satOff val="0"/>
-              <a:lumOff val="0"/>
-              <a:alphaOff val="0"/>
-            </a:schemeClr>
-          </a:solidFill>
+        <a:ln w="15875" cap="rnd" cmpd="sng" algn="ctr">
+          <a:noFill/>
           <a:prstDash val="solid"/>
-          <a:miter lim="800000"/>
         </a:ln>
         <a:effectLst/>
       </dsp:spPr>
@@ -1890,12 +2298,12 @@
         </a:fontRef>
       </dsp:style>
       <dsp:txBody>
-        <a:bodyPr spcFirstLastPara="0" vert="horz" wrap="square" lIns="99568" tIns="99568" rIns="99568" bIns="53340" numCol="1" spcCol="1270" anchor="t" anchorCtr="0">
+        <a:bodyPr spcFirstLastPara="0" vert="horz" wrap="square" lIns="92456" tIns="92456" rIns="92456" bIns="49530" numCol="1" spcCol="1270" anchor="t" anchorCtr="0">
           <a:noAutofit/>
         </a:bodyPr>
         <a:lstStyle/>
         <a:p>
-          <a:pPr marL="0" lvl="0" indent="0" algn="l" defTabSz="622300">
+          <a:pPr marL="0" lvl="0" indent="0" algn="l" defTabSz="577850">
             <a:lnSpc>
               <a:spcPct val="90000"/>
             </a:lnSpc>
@@ -1908,19 +2316,19 @@
             <a:buNone/>
           </a:pPr>
           <a:r>
-            <a:rPr lang="en-US" sz="1400" kern="1200" dirty="0">
+            <a:rPr lang="en-US" sz="1300" kern="1200" dirty="0">
               <a:latin typeface="Aptos" panose="020B0004020202020204" pitchFamily="34" charset="0"/>
             </a:rPr>
             <a:t>Data Understanding</a:t>
           </a:r>
-          <a:endParaRPr lang="en-IN" sz="1400" kern="1200" dirty="0">
+          <a:endParaRPr lang="en-IN" sz="1300" kern="1200" dirty="0">
             <a:latin typeface="Aptos" panose="020B0004020202020204" pitchFamily="34" charset="0"/>
           </a:endParaRPr>
         </a:p>
       </dsp:txBody>
       <dsp:txXfrm>
-        <a:off x="187264" y="1609"/>
-        <a:ext cx="1429792" cy="545555"/>
+        <a:off x="181027" y="115056"/>
+        <a:ext cx="1420980" cy="507769"/>
       </dsp:txXfrm>
     </dsp:sp>
     <dsp:sp modelId="{2639BB8A-0B13-4CDE-9D0E-9B8464FE4623}">
@@ -1930,8 +2338,8 @@
       </dsp:nvSpPr>
       <dsp:spPr>
         <a:xfrm>
-          <a:off x="7123" y="547165"/>
-          <a:ext cx="2375771" cy="3937500"/>
+          <a:off x="0" y="689613"/>
+          <a:ext cx="2361129" cy="3796661"/>
         </a:xfrm>
         <a:prstGeom prst="roundRect">
           <a:avLst>
@@ -1939,25 +2347,13 @@
           </a:avLst>
         </a:prstGeom>
         <a:solidFill>
-          <a:schemeClr val="lt1">
-            <a:alpha val="90000"/>
-            <a:hueOff val="0"/>
-            <a:satOff val="0"/>
-            <a:lumOff val="0"/>
-            <a:alphaOff val="0"/>
+          <a:schemeClr val="bg1">
+            <a:alpha val="30000"/>
           </a:schemeClr>
         </a:solidFill>
-        <a:ln w="12700" cap="flat" cmpd="sng" algn="ctr">
-          <a:solidFill>
-            <a:schemeClr val="accent1">
-              <a:hueOff val="0"/>
-              <a:satOff val="0"/>
-              <a:lumOff val="0"/>
-              <a:alphaOff val="0"/>
-            </a:schemeClr>
-          </a:solidFill>
+        <a:ln w="15875" cap="rnd" cmpd="sng" algn="ctr">
+          <a:noFill/>
           <a:prstDash val="solid"/>
-          <a:miter lim="800000"/>
         </a:ln>
         <a:effectLst/>
       </dsp:spPr>
@@ -1974,12 +2370,32 @@
         <a:fontRef idx="minor"/>
       </dsp:style>
       <dsp:txBody>
-        <a:bodyPr spcFirstLastPara="0" vert="horz" wrap="square" lIns="99568" tIns="99568" rIns="99568" bIns="99568" numCol="1" spcCol="1270" anchor="t" anchorCtr="0">
+        <a:bodyPr spcFirstLastPara="0" vert="horz" wrap="square" lIns="92456" tIns="92456" rIns="92456" bIns="92456" numCol="1" spcCol="1270" anchor="t" anchorCtr="0">
           <a:noAutofit/>
         </a:bodyPr>
         <a:lstStyle/>
         <a:p>
-          <a:pPr marL="114300" lvl="1" indent="-114300" algn="l" defTabSz="622300">
+          <a:pPr marL="114300" lvl="1" indent="-114300" algn="l" defTabSz="577850">
+            <a:lnSpc>
+              <a:spcPct val="90000"/>
+            </a:lnSpc>
+            <a:spcBef>
+              <a:spcPct val="0"/>
+            </a:spcBef>
+            <a:spcAft>
+              <a:spcPct val="15000"/>
+            </a:spcAft>
+            <a:buChar char="•"/>
+          </a:pPr>
+          <a:endParaRPr lang="en-IN" sz="1300" kern="1200" dirty="0">
+            <a:solidFill>
+              <a:schemeClr val="tx1"/>
+            </a:solidFill>
+            <a:latin typeface="Aptos" panose="020B0004020202020204" pitchFamily="34" charset="0"/>
+          </a:endParaRPr>
+        </a:p>
+        <a:p>
+          <a:pPr marL="114300" lvl="1" indent="-114300" algn="l" defTabSz="577850">
             <a:lnSpc>
               <a:spcPct val="90000"/>
             </a:lnSpc>
@@ -1992,17 +2408,23 @@
             <a:buChar char="•"/>
           </a:pPr>
           <a:r>
-            <a:rPr lang="en-US" sz="1400" kern="1200" dirty="0">
+            <a:rPr lang="en-US" sz="1300" kern="1200" dirty="0">
+              <a:solidFill>
+                <a:schemeClr val="tx1"/>
+              </a:solidFill>
               <a:latin typeface="Aptos" panose="020B0004020202020204" pitchFamily="34" charset="0"/>
             </a:rPr>
             <a:t>Understood the data and found Key Performance Indicators (KPIs) of the data</a:t>
           </a:r>
-          <a:endParaRPr lang="en-IN" sz="1400" kern="1200" dirty="0">
+          <a:endParaRPr lang="en-IN" sz="1300" kern="1200" dirty="0">
+            <a:solidFill>
+              <a:schemeClr val="tx1"/>
+            </a:solidFill>
             <a:latin typeface="Aptos" panose="020B0004020202020204" pitchFamily="34" charset="0"/>
           </a:endParaRPr>
         </a:p>
         <a:p>
-          <a:pPr marL="114300" lvl="1" indent="-114300" algn="l" defTabSz="622300">
+          <a:pPr marL="114300" lvl="1" indent="-114300" algn="l" defTabSz="577850">
             <a:lnSpc>
               <a:spcPct val="90000"/>
             </a:lnSpc>
@@ -2014,12 +2436,15 @@
             </a:spcAft>
             <a:buChar char="•"/>
           </a:pPr>
-          <a:endParaRPr lang="en-IN" sz="1400" kern="1200" dirty="0">
+          <a:endParaRPr lang="en-IN" sz="1300" kern="1200" dirty="0">
+            <a:solidFill>
+              <a:schemeClr val="tx1"/>
+            </a:solidFill>
             <a:latin typeface="Aptos" panose="020B0004020202020204" pitchFamily="34" charset="0"/>
           </a:endParaRPr>
         </a:p>
         <a:p>
-          <a:pPr marL="114300" lvl="1" indent="-114300" algn="l" defTabSz="622300">
+          <a:pPr marL="114300" lvl="1" indent="-114300" algn="l" defTabSz="577850">
             <a:lnSpc>
               <a:spcPct val="90000"/>
             </a:lnSpc>
@@ -2032,19 +2457,25 @@
             <a:buChar char="•"/>
           </a:pPr>
           <a:r>
-            <a:rPr lang="en-US" sz="1400" kern="1200" dirty="0">
+            <a:rPr lang="en-US" sz="1300" kern="1200" dirty="0">
+              <a:solidFill>
+                <a:schemeClr val="tx1"/>
+              </a:solidFill>
               <a:latin typeface="Aptos" panose="020B0004020202020204" pitchFamily="34" charset="0"/>
             </a:rPr>
             <a:t>KPIs : Amount, Quantity</a:t>
           </a:r>
-          <a:endParaRPr lang="en-IN" sz="1400" kern="1200" dirty="0">
+          <a:endParaRPr lang="en-IN" sz="1300" kern="1200" dirty="0">
+            <a:solidFill>
+              <a:schemeClr val="tx1"/>
+            </a:solidFill>
             <a:latin typeface="Aptos" panose="020B0004020202020204" pitchFamily="34" charset="0"/>
           </a:endParaRPr>
         </a:p>
       </dsp:txBody>
       <dsp:txXfrm>
-        <a:off x="76707" y="616749"/>
-        <a:ext cx="2236603" cy="3798332"/>
+        <a:off x="69155" y="758768"/>
+        <a:ext cx="2222819" cy="3658351"/>
       </dsp:txXfrm>
     </dsp:sp>
     <dsp:sp modelId="{7D2BF529-C1BA-46FC-AC0A-B2908E9CEE39}">
@@ -2053,9 +2484,9 @@
         <dsp:cNvSpPr/>
       </dsp:nvSpPr>
       <dsp:spPr>
-        <a:xfrm>
-          <a:off x="1957748" y="96398"/>
-          <a:ext cx="722265" cy="355977"/>
+        <a:xfrm rot="21591410">
+          <a:off x="1971452" y="188372"/>
+          <a:ext cx="783228" cy="353783"/>
         </a:xfrm>
         <a:prstGeom prst="rightArrow">
           <a:avLst>
@@ -2064,7 +2495,7 @@
           </a:avLst>
         </a:prstGeom>
         <a:solidFill>
-          <a:schemeClr val="accent1"/>
+          <a:srgbClr val="0070C0"/>
         </a:solidFill>
         <a:ln>
           <a:noFill/>
@@ -2091,7 +2522,7 @@
         </a:bodyPr>
         <a:lstStyle/>
         <a:p>
-          <a:pPr marL="0" lvl="0" indent="0" algn="ctr" defTabSz="488950">
+          <a:pPr marL="0" lvl="0" indent="0" algn="ctr" defTabSz="444500">
             <a:lnSpc>
               <a:spcPct val="90000"/>
             </a:lnSpc>
@@ -2103,12 +2534,12 @@
             </a:spcAft>
             <a:buNone/>
           </a:pPr>
-          <a:endParaRPr lang="en-IN" sz="1100" kern="1200"/>
+          <a:endParaRPr lang="en-IN" sz="1000" kern="1200"/>
         </a:p>
       </dsp:txBody>
       <dsp:txXfrm>
-        <a:off x="1957748" y="167593"/>
-        <a:ext cx="615472" cy="213587"/>
+        <a:off x="1971452" y="259262"/>
+        <a:ext cx="677093" cy="212269"/>
       </dsp:txXfrm>
     </dsp:sp>
     <dsp:sp modelId="{B7622993-0CD5-4DBE-9F9E-0C8EE9898046}">
@@ -2118,8 +2549,8 @@
       </dsp:nvSpPr>
       <dsp:spPr>
         <a:xfrm>
-          <a:off x="2979822" y="1609"/>
-          <a:ext cx="1429792" cy="818332"/>
+          <a:off x="3079793" y="107813"/>
+          <a:ext cx="1420980" cy="761654"/>
         </a:xfrm>
         <a:prstGeom prst="roundRect">
           <a:avLst>
@@ -2127,24 +2558,11 @@
           </a:avLst>
         </a:prstGeom>
         <a:solidFill>
-          <a:schemeClr val="accent1">
-            <a:hueOff val="0"/>
-            <a:satOff val="0"/>
-            <a:lumOff val="0"/>
-            <a:alphaOff val="0"/>
-          </a:schemeClr>
+          <a:srgbClr val="0070C0"/>
         </a:solidFill>
-        <a:ln w="12700" cap="flat" cmpd="sng" algn="ctr">
-          <a:solidFill>
-            <a:schemeClr val="lt1">
-              <a:hueOff val="0"/>
-              <a:satOff val="0"/>
-              <a:lumOff val="0"/>
-              <a:alphaOff val="0"/>
-            </a:schemeClr>
-          </a:solidFill>
+        <a:ln w="15875" cap="rnd" cmpd="sng" algn="ctr">
+          <a:noFill/>
           <a:prstDash val="solid"/>
-          <a:miter lim="800000"/>
         </a:ln>
         <a:effectLst/>
       </dsp:spPr>
@@ -2163,12 +2581,12 @@
         </a:fontRef>
       </dsp:style>
       <dsp:txBody>
-        <a:bodyPr spcFirstLastPara="0" vert="horz" wrap="square" lIns="99568" tIns="99568" rIns="99568" bIns="53340" numCol="1" spcCol="1270" anchor="t" anchorCtr="0">
+        <a:bodyPr spcFirstLastPara="0" vert="horz" wrap="square" lIns="92456" tIns="92456" rIns="92456" bIns="49530" numCol="1" spcCol="1270" anchor="t" anchorCtr="0">
           <a:noAutofit/>
         </a:bodyPr>
         <a:lstStyle/>
         <a:p>
-          <a:pPr marL="0" lvl="0" indent="0" algn="l" defTabSz="622300">
+          <a:pPr marL="0" lvl="0" indent="0" algn="l" defTabSz="577850">
             <a:lnSpc>
               <a:spcPct val="90000"/>
             </a:lnSpc>
@@ -2181,19 +2599,19 @@
             <a:buNone/>
           </a:pPr>
           <a:r>
-            <a:rPr lang="en-US" sz="1400" kern="1200" dirty="0">
+            <a:rPr lang="en-US" sz="1300" kern="1200" dirty="0">
               <a:latin typeface="Aptos" panose="020B0004020202020204" pitchFamily="34" charset="0"/>
             </a:rPr>
             <a:t>Data Cleaning</a:t>
           </a:r>
-          <a:endParaRPr lang="en-IN" sz="1400" kern="1200" dirty="0">
+          <a:endParaRPr lang="en-IN" sz="1300" kern="1200" dirty="0">
             <a:latin typeface="Aptos" panose="020B0004020202020204" pitchFamily="34" charset="0"/>
           </a:endParaRPr>
         </a:p>
       </dsp:txBody>
       <dsp:txXfrm>
-        <a:off x="2979822" y="1609"/>
-        <a:ext cx="1429792" cy="545555"/>
+        <a:off x="3079793" y="107813"/>
+        <a:ext cx="1420980" cy="507769"/>
       </dsp:txXfrm>
     </dsp:sp>
     <dsp:sp modelId="{44A28126-739B-4619-B2C6-316783912B10}">
@@ -2203,8 +2621,8 @@
       </dsp:nvSpPr>
       <dsp:spPr>
         <a:xfrm>
-          <a:off x="2957052" y="547165"/>
-          <a:ext cx="2061031" cy="3937500"/>
+          <a:off x="2855575" y="660641"/>
+          <a:ext cx="2295167" cy="3825633"/>
         </a:xfrm>
         <a:prstGeom prst="roundRect">
           <a:avLst>
@@ -2212,25 +2630,13 @@
           </a:avLst>
         </a:prstGeom>
         <a:solidFill>
-          <a:schemeClr val="lt1">
-            <a:alpha val="90000"/>
-            <a:hueOff val="0"/>
-            <a:satOff val="0"/>
-            <a:lumOff val="0"/>
-            <a:alphaOff val="0"/>
+          <a:schemeClr val="bg1">
+            <a:alpha val="30000"/>
           </a:schemeClr>
         </a:solidFill>
-        <a:ln w="12700" cap="flat" cmpd="sng" algn="ctr">
-          <a:solidFill>
-            <a:schemeClr val="accent1">
-              <a:hueOff val="0"/>
-              <a:satOff val="0"/>
-              <a:lumOff val="0"/>
-              <a:alphaOff val="0"/>
-            </a:schemeClr>
-          </a:solidFill>
+        <a:ln w="15875" cap="rnd" cmpd="sng" algn="ctr">
+          <a:noFill/>
           <a:prstDash val="solid"/>
-          <a:miter lim="800000"/>
         </a:ln>
         <a:effectLst/>
       </dsp:spPr>
@@ -2247,12 +2653,32 @@
         <a:fontRef idx="minor"/>
       </dsp:style>
       <dsp:txBody>
-        <a:bodyPr spcFirstLastPara="0" vert="horz" wrap="square" lIns="99568" tIns="99568" rIns="99568" bIns="99568" numCol="1" spcCol="1270" anchor="t" anchorCtr="0">
+        <a:bodyPr spcFirstLastPara="0" vert="horz" wrap="square" lIns="92456" tIns="92456" rIns="92456" bIns="92456" numCol="1" spcCol="1270" anchor="t" anchorCtr="0">
           <a:noAutofit/>
         </a:bodyPr>
         <a:lstStyle/>
         <a:p>
-          <a:pPr marL="114300" lvl="1" indent="-114300" algn="l" defTabSz="622300">
+          <a:pPr marL="114300" lvl="1" indent="-114300" algn="l" defTabSz="577850">
+            <a:lnSpc>
+              <a:spcPct val="90000"/>
+            </a:lnSpc>
+            <a:spcBef>
+              <a:spcPct val="0"/>
+            </a:spcBef>
+            <a:spcAft>
+              <a:spcPct val="15000"/>
+            </a:spcAft>
+            <a:buChar char="•"/>
+          </a:pPr>
+          <a:endParaRPr lang="en-IN" sz="1300" kern="1200" dirty="0">
+            <a:solidFill>
+              <a:schemeClr val="tx1"/>
+            </a:solidFill>
+            <a:latin typeface="Aptos" panose="020B0004020202020204" pitchFamily="34" charset="0"/>
+          </a:endParaRPr>
+        </a:p>
+        <a:p>
+          <a:pPr marL="114300" lvl="1" indent="-114300" algn="l" defTabSz="577850">
             <a:lnSpc>
               <a:spcPct val="90000"/>
             </a:lnSpc>
@@ -2265,17 +2691,23 @@
             <a:buChar char="•"/>
           </a:pPr>
           <a:r>
-            <a:rPr lang="en-US" sz="1400" kern="1200" dirty="0">
+            <a:rPr lang="en-US" sz="1300" kern="1200" dirty="0">
+              <a:solidFill>
+                <a:schemeClr val="tx1"/>
+              </a:solidFill>
               <a:latin typeface="Aptos" panose="020B0004020202020204" pitchFamily="34" charset="0"/>
             </a:rPr>
             <a:t>Removed unnecessary columns which have no impact in KPIs</a:t>
           </a:r>
-          <a:endParaRPr lang="en-IN" sz="1400" kern="1200" dirty="0">
+          <a:endParaRPr lang="en-IN" sz="1300" kern="1200" dirty="0">
+            <a:solidFill>
+              <a:schemeClr val="tx1"/>
+            </a:solidFill>
             <a:latin typeface="Aptos" panose="020B0004020202020204" pitchFamily="34" charset="0"/>
           </a:endParaRPr>
         </a:p>
         <a:p>
-          <a:pPr marL="114300" lvl="1" indent="-114300" algn="l" defTabSz="622300">
+          <a:pPr marL="114300" lvl="1" indent="-114300" algn="l" defTabSz="577850">
             <a:lnSpc>
               <a:spcPct val="90000"/>
             </a:lnSpc>
@@ -2287,12 +2719,15 @@
             </a:spcAft>
             <a:buChar char="•"/>
           </a:pPr>
-          <a:endParaRPr lang="en-IN" sz="1400" kern="1200" dirty="0">
+          <a:endParaRPr lang="en-IN" sz="1300" kern="1200" dirty="0">
+            <a:solidFill>
+              <a:schemeClr val="tx1"/>
+            </a:solidFill>
             <a:latin typeface="Aptos" panose="020B0004020202020204" pitchFamily="34" charset="0"/>
           </a:endParaRPr>
         </a:p>
         <a:p>
-          <a:pPr marL="114300" lvl="1" indent="-114300" algn="l" defTabSz="622300">
+          <a:pPr marL="114300" lvl="1" indent="-114300" algn="l" defTabSz="577850">
             <a:lnSpc>
               <a:spcPct val="90000"/>
             </a:lnSpc>
@@ -2305,19 +2740,25 @@
             <a:buChar char="•"/>
           </a:pPr>
           <a:r>
-            <a:rPr lang="en-US" sz="1400" kern="1200" dirty="0">
+            <a:rPr lang="en-US" sz="1300" kern="1200" dirty="0">
+              <a:solidFill>
+                <a:schemeClr val="tx1"/>
+              </a:solidFill>
               <a:latin typeface="Aptos" panose="020B0004020202020204" pitchFamily="34" charset="0"/>
             </a:rPr>
             <a:t>Tools Used: Excel, Power Query, Pandas</a:t>
           </a:r>
-          <a:endParaRPr lang="en-IN" sz="1400" kern="1200" dirty="0">
+          <a:endParaRPr lang="en-IN" sz="1300" kern="1200" dirty="0">
+            <a:solidFill>
+              <a:schemeClr val="tx1"/>
+            </a:solidFill>
             <a:latin typeface="Aptos" panose="020B0004020202020204" pitchFamily="34" charset="0"/>
           </a:endParaRPr>
         </a:p>
       </dsp:txBody>
       <dsp:txXfrm>
-        <a:off x="3017418" y="607531"/>
-        <a:ext cx="1940299" cy="3816768"/>
+        <a:off x="2922798" y="727864"/>
+        <a:ext cx="2160721" cy="3691187"/>
       </dsp:txXfrm>
     </dsp:sp>
     <dsp:sp modelId="{FBCE48FA-4137-40DF-BF39-CA544E2DAE70}">
@@ -2326,9 +2767,9 @@
         <dsp:cNvSpPr/>
       </dsp:nvSpPr>
       <dsp:spPr>
-        <a:xfrm>
-          <a:off x="4718400" y="96398"/>
-          <a:ext cx="654625" cy="355977"/>
+        <a:xfrm rot="8822">
+          <a:off x="4838509" y="188415"/>
+          <a:ext cx="716005" cy="353783"/>
         </a:xfrm>
         <a:prstGeom prst="rightArrow">
           <a:avLst>
@@ -2337,7 +2778,7 @@
           </a:avLst>
         </a:prstGeom>
         <a:solidFill>
-          <a:schemeClr val="accent1"/>
+          <a:srgbClr val="0070C0"/>
         </a:solidFill>
         <a:ln>
           <a:noFill/>
@@ -2364,7 +2805,7 @@
         </a:bodyPr>
         <a:lstStyle/>
         <a:p>
-          <a:pPr marL="0" lvl="0" indent="0" algn="ctr" defTabSz="488950">
+          <a:pPr marL="0" lvl="0" indent="0" algn="ctr" defTabSz="444500">
             <a:lnSpc>
               <a:spcPct val="90000"/>
             </a:lnSpc>
@@ -2376,12 +2817,12 @@
             </a:spcAft>
             <a:buNone/>
           </a:pPr>
-          <a:endParaRPr lang="en-IN" sz="1100" kern="1200"/>
+          <a:endParaRPr lang="en-IN" sz="1000" kern="1200"/>
         </a:p>
       </dsp:txBody>
       <dsp:txXfrm>
-        <a:off x="4718400" y="167593"/>
-        <a:ext cx="547832" cy="213587"/>
+        <a:off x="4838509" y="259036"/>
+        <a:ext cx="609870" cy="212269"/>
       </dsp:txXfrm>
     </dsp:sp>
     <dsp:sp modelId="{3E959BE6-1261-47A4-B417-2E9458522D7A}">
@@ -2391,8 +2832,8 @@
       </dsp:nvSpPr>
       <dsp:spPr>
         <a:xfrm>
-          <a:off x="5644757" y="1609"/>
-          <a:ext cx="1429792" cy="818332"/>
+          <a:off x="5851722" y="114926"/>
+          <a:ext cx="1420980" cy="761654"/>
         </a:xfrm>
         <a:prstGeom prst="roundRect">
           <a:avLst>
@@ -2400,24 +2841,11 @@
           </a:avLst>
         </a:prstGeom>
         <a:solidFill>
-          <a:schemeClr val="accent1">
-            <a:hueOff val="0"/>
-            <a:satOff val="0"/>
-            <a:lumOff val="0"/>
-            <a:alphaOff val="0"/>
-          </a:schemeClr>
+          <a:srgbClr val="0070C0"/>
         </a:solidFill>
-        <a:ln w="12700" cap="flat" cmpd="sng" algn="ctr">
-          <a:solidFill>
-            <a:schemeClr val="lt1">
-              <a:hueOff val="0"/>
-              <a:satOff val="0"/>
-              <a:lumOff val="0"/>
-              <a:alphaOff val="0"/>
-            </a:schemeClr>
-          </a:solidFill>
+        <a:ln w="15875" cap="rnd" cmpd="sng" algn="ctr">
+          <a:noFill/>
           <a:prstDash val="solid"/>
-          <a:miter lim="800000"/>
         </a:ln>
         <a:effectLst/>
       </dsp:spPr>
@@ -2436,12 +2864,12 @@
         </a:fontRef>
       </dsp:style>
       <dsp:txBody>
-        <a:bodyPr spcFirstLastPara="0" vert="horz" wrap="square" lIns="99568" tIns="99568" rIns="99568" bIns="53340" numCol="1" spcCol="1270" anchor="t" anchorCtr="0">
+        <a:bodyPr spcFirstLastPara="0" vert="horz" wrap="square" lIns="92456" tIns="92456" rIns="92456" bIns="49530" numCol="1" spcCol="1270" anchor="t" anchorCtr="0">
           <a:noAutofit/>
         </a:bodyPr>
         <a:lstStyle/>
         <a:p>
-          <a:pPr marL="0" lvl="0" indent="0" algn="l" defTabSz="622300">
+          <a:pPr marL="0" lvl="0" indent="0" algn="l" defTabSz="577850">
             <a:lnSpc>
               <a:spcPct val="90000"/>
             </a:lnSpc>
@@ -2454,19 +2882,19 @@
             <a:buNone/>
           </a:pPr>
           <a:r>
-            <a:rPr lang="en-US" sz="1400" kern="1200" dirty="0">
+            <a:rPr lang="en-US" sz="1300" kern="1200" dirty="0">
               <a:latin typeface="Aptos" panose="020B0004020202020204" pitchFamily="34" charset="0"/>
             </a:rPr>
             <a:t>Data Analysis</a:t>
           </a:r>
-          <a:endParaRPr lang="en-IN" sz="1400" kern="1200" dirty="0">
+          <a:endParaRPr lang="en-IN" sz="1300" kern="1200" dirty="0">
             <a:latin typeface="Aptos" panose="020B0004020202020204" pitchFamily="34" charset="0"/>
           </a:endParaRPr>
         </a:p>
       </dsp:txBody>
       <dsp:txXfrm>
-        <a:off x="5644757" y="1609"/>
-        <a:ext cx="1429792" cy="545555"/>
+        <a:off x="5851722" y="114926"/>
+        <a:ext cx="1420980" cy="507769"/>
       </dsp:txXfrm>
     </dsp:sp>
     <dsp:sp modelId="{DE19ACDC-258C-488C-9C44-F96BC3AFB135}">
@@ -2476,8 +2904,8 @@
       </dsp:nvSpPr>
       <dsp:spPr>
         <a:xfrm>
-          <a:off x="5592240" y="547165"/>
-          <a:ext cx="2120525" cy="3937500"/>
+          <a:off x="5696451" y="662676"/>
+          <a:ext cx="2107455" cy="3797179"/>
         </a:xfrm>
         <a:prstGeom prst="roundRect">
           <a:avLst>
@@ -2485,25 +2913,13 @@
           </a:avLst>
         </a:prstGeom>
         <a:solidFill>
-          <a:schemeClr val="lt1">
-            <a:alpha val="90000"/>
-            <a:hueOff val="0"/>
-            <a:satOff val="0"/>
-            <a:lumOff val="0"/>
-            <a:alphaOff val="0"/>
+          <a:schemeClr val="bg1">
+            <a:alpha val="30000"/>
           </a:schemeClr>
         </a:solidFill>
-        <a:ln w="12700" cap="flat" cmpd="sng" algn="ctr">
-          <a:solidFill>
-            <a:schemeClr val="accent1">
-              <a:hueOff val="0"/>
-              <a:satOff val="0"/>
-              <a:lumOff val="0"/>
-              <a:alphaOff val="0"/>
-            </a:schemeClr>
-          </a:solidFill>
+        <a:ln w="15875" cap="rnd" cmpd="sng" algn="ctr">
+          <a:noFill/>
           <a:prstDash val="solid"/>
-          <a:miter lim="800000"/>
         </a:ln>
         <a:effectLst/>
       </dsp:spPr>
@@ -2520,12 +2936,32 @@
         <a:fontRef idx="minor"/>
       </dsp:style>
       <dsp:txBody>
-        <a:bodyPr spcFirstLastPara="0" vert="horz" wrap="square" lIns="99568" tIns="99568" rIns="99568" bIns="99568" numCol="1" spcCol="1270" anchor="t" anchorCtr="0">
+        <a:bodyPr spcFirstLastPara="0" vert="horz" wrap="square" lIns="92456" tIns="92456" rIns="92456" bIns="92456" numCol="1" spcCol="1270" anchor="t" anchorCtr="0">
           <a:noAutofit/>
         </a:bodyPr>
         <a:lstStyle/>
         <a:p>
-          <a:pPr marL="114300" lvl="1" indent="-114300" algn="l" defTabSz="622300">
+          <a:pPr marL="114300" lvl="1" indent="-114300" algn="l" defTabSz="577850">
+            <a:lnSpc>
+              <a:spcPct val="90000"/>
+            </a:lnSpc>
+            <a:spcBef>
+              <a:spcPct val="0"/>
+            </a:spcBef>
+            <a:spcAft>
+              <a:spcPct val="15000"/>
+            </a:spcAft>
+            <a:buChar char="•"/>
+          </a:pPr>
+          <a:endParaRPr lang="en-IN" sz="1300" kern="1200" dirty="0">
+            <a:solidFill>
+              <a:schemeClr val="tx1"/>
+            </a:solidFill>
+            <a:latin typeface="Aptos" panose="020B0004020202020204" pitchFamily="34" charset="0"/>
+          </a:endParaRPr>
+        </a:p>
+        <a:p>
+          <a:pPr marL="114300" lvl="1" indent="-114300" algn="l" defTabSz="577850">
             <a:lnSpc>
               <a:spcPct val="90000"/>
             </a:lnSpc>
@@ -2538,17 +2974,23 @@
             <a:buChar char="•"/>
           </a:pPr>
           <a:r>
-            <a:rPr lang="en-US" sz="1400" kern="1200" dirty="0">
+            <a:rPr lang="en-US" sz="1300" kern="1200" dirty="0">
+              <a:solidFill>
+                <a:schemeClr val="tx1"/>
+              </a:solidFill>
               <a:latin typeface="Aptos" panose="020B0004020202020204" pitchFamily="34" charset="0"/>
             </a:rPr>
             <a:t>Derived dominant categories in each KPI(Area and Production) with various filters</a:t>
           </a:r>
-          <a:endParaRPr lang="en-IN" sz="1400" kern="1200" dirty="0">
+          <a:endParaRPr lang="en-IN" sz="1300" kern="1200" dirty="0">
+            <a:solidFill>
+              <a:schemeClr val="tx1"/>
+            </a:solidFill>
             <a:latin typeface="Aptos" panose="020B0004020202020204" pitchFamily="34" charset="0"/>
           </a:endParaRPr>
         </a:p>
         <a:p>
-          <a:pPr marL="114300" lvl="1" indent="-114300" algn="l" defTabSz="622300">
+          <a:pPr marL="114300" lvl="1" indent="-114300" algn="l" defTabSz="577850">
             <a:lnSpc>
               <a:spcPct val="90000"/>
             </a:lnSpc>
@@ -2560,12 +3002,15 @@
             </a:spcAft>
             <a:buChar char="•"/>
           </a:pPr>
-          <a:endParaRPr lang="en-IN" sz="1400" kern="1200" dirty="0">
+          <a:endParaRPr lang="en-IN" sz="1300" kern="1200" dirty="0">
+            <a:solidFill>
+              <a:schemeClr val="tx1"/>
+            </a:solidFill>
             <a:latin typeface="Aptos" panose="020B0004020202020204" pitchFamily="34" charset="0"/>
           </a:endParaRPr>
         </a:p>
         <a:p>
-          <a:pPr marL="114300" lvl="1" indent="-114300" algn="l" defTabSz="622300">
+          <a:pPr marL="114300" lvl="1" indent="-114300" algn="l" defTabSz="577850">
             <a:lnSpc>
               <a:spcPct val="90000"/>
             </a:lnSpc>
@@ -2578,17 +3023,23 @@
             <a:buChar char="•"/>
           </a:pPr>
           <a:r>
-            <a:rPr lang="en-US" sz="1400" kern="1200" dirty="0">
+            <a:rPr lang="en-US" sz="1300" kern="1200" dirty="0">
+              <a:solidFill>
+                <a:schemeClr val="tx1"/>
+              </a:solidFill>
               <a:latin typeface="Aptos" panose="020B0004020202020204" pitchFamily="34" charset="0"/>
             </a:rPr>
             <a:t>Derived some key visual insights</a:t>
           </a:r>
-          <a:endParaRPr lang="en-IN" sz="1400" kern="1200" dirty="0">
+          <a:endParaRPr lang="en-IN" sz="1300" kern="1200" dirty="0">
+            <a:solidFill>
+              <a:schemeClr val="tx1"/>
+            </a:solidFill>
             <a:latin typeface="Aptos" panose="020B0004020202020204" pitchFamily="34" charset="0"/>
           </a:endParaRPr>
         </a:p>
         <a:p>
-          <a:pPr marL="114300" lvl="1" indent="-114300" algn="l" defTabSz="622300">
+          <a:pPr marL="114300" lvl="1" indent="-114300" algn="l" defTabSz="577850">
             <a:lnSpc>
               <a:spcPct val="90000"/>
             </a:lnSpc>
@@ -2600,12 +3051,15 @@
             </a:spcAft>
             <a:buChar char="•"/>
           </a:pPr>
-          <a:endParaRPr lang="en-IN" sz="1400" kern="1200" dirty="0">
+          <a:endParaRPr lang="en-IN" sz="1300" kern="1200" dirty="0">
+            <a:solidFill>
+              <a:schemeClr val="tx1"/>
+            </a:solidFill>
             <a:latin typeface="Aptos" panose="020B0004020202020204" pitchFamily="34" charset="0"/>
           </a:endParaRPr>
         </a:p>
         <a:p>
-          <a:pPr marL="114300" lvl="1" indent="-114300" algn="l" defTabSz="622300">
+          <a:pPr marL="114300" lvl="1" indent="-114300" algn="l" defTabSz="577850">
             <a:lnSpc>
               <a:spcPct val="90000"/>
             </a:lnSpc>
@@ -2618,19 +3072,25 @@
             <a:buChar char="•"/>
           </a:pPr>
           <a:r>
-            <a:rPr lang="en-US" sz="1400" kern="1200" dirty="0">
+            <a:rPr lang="en-US" sz="1300" kern="1200" dirty="0">
+              <a:solidFill>
+                <a:schemeClr val="tx1"/>
+              </a:solidFill>
               <a:latin typeface="Aptos" panose="020B0004020202020204" pitchFamily="34" charset="0"/>
             </a:rPr>
             <a:t>Tools Used: Python, Pandas, Seaborn</a:t>
           </a:r>
-          <a:endParaRPr lang="en-IN" sz="1400" kern="1200" dirty="0">
+          <a:endParaRPr lang="en-IN" sz="1300" kern="1200" dirty="0">
+            <a:solidFill>
+              <a:schemeClr val="tx1"/>
+            </a:solidFill>
             <a:latin typeface="Aptos" panose="020B0004020202020204" pitchFamily="34" charset="0"/>
           </a:endParaRPr>
         </a:p>
       </dsp:txBody>
       <dsp:txXfrm>
-        <a:off x="5654348" y="609273"/>
-        <a:ext cx="1996309" cy="3813284"/>
+        <a:off x="5758176" y="724401"/>
+        <a:ext cx="1984005" cy="3673729"/>
       </dsp:txXfrm>
     </dsp:sp>
     <dsp:sp modelId="{86AE50CC-1135-4166-B763-1459EAFA71E0}">
@@ -2639,9 +3099,9 @@
         <dsp:cNvSpPr/>
       </dsp:nvSpPr>
       <dsp:spPr>
-        <a:xfrm>
-          <a:off x="7447953" y="96398"/>
-          <a:ext cx="791614" cy="355977"/>
+        <a:xfrm rot="29572">
+          <a:off x="7622583" y="204232"/>
+          <a:ext cx="741802" cy="353783"/>
         </a:xfrm>
         <a:prstGeom prst="rightArrow">
           <a:avLst>
@@ -2650,7 +3110,7 @@
           </a:avLst>
         </a:prstGeom>
         <a:solidFill>
-          <a:schemeClr val="accent1"/>
+          <a:srgbClr val="0070C0"/>
         </a:solidFill>
         <a:ln>
           <a:noFill/>
@@ -2677,7 +3137,7 @@
         </a:bodyPr>
         <a:lstStyle/>
         <a:p>
-          <a:pPr marL="0" lvl="0" indent="0" algn="ctr" defTabSz="488950">
+          <a:pPr marL="0" lvl="0" indent="0" algn="ctr" defTabSz="444500">
             <a:lnSpc>
               <a:spcPct val="90000"/>
             </a:lnSpc>
@@ -2689,12 +3149,12 @@
             </a:spcAft>
             <a:buNone/>
           </a:pPr>
-          <a:endParaRPr lang="en-IN" sz="1100" kern="1200"/>
+          <a:endParaRPr lang="en-IN" sz="1000" kern="1200"/>
         </a:p>
       </dsp:txBody>
       <dsp:txXfrm>
-        <a:off x="7447953" y="167593"/>
-        <a:ext cx="684821" cy="213587"/>
+        <a:off x="7622585" y="274533"/>
+        <a:ext cx="635667" cy="212269"/>
       </dsp:txXfrm>
     </dsp:sp>
     <dsp:sp modelId="{832D6D7C-7B3A-42D5-B3FB-7EFF29850627}">
@@ -2704,8 +3164,8 @@
       </dsp:nvSpPr>
       <dsp:spPr>
         <a:xfrm>
-          <a:off x="8568163" y="1609"/>
-          <a:ext cx="1429792" cy="818332"/>
+          <a:off x="8672278" y="139190"/>
+          <a:ext cx="1420980" cy="761654"/>
         </a:xfrm>
         <a:prstGeom prst="roundRect">
           <a:avLst>
@@ -2713,24 +3173,11 @@
           </a:avLst>
         </a:prstGeom>
         <a:solidFill>
-          <a:schemeClr val="accent1">
-            <a:hueOff val="0"/>
-            <a:satOff val="0"/>
-            <a:lumOff val="0"/>
-            <a:alphaOff val="0"/>
-          </a:schemeClr>
+          <a:srgbClr val="0070C0"/>
         </a:solidFill>
-        <a:ln w="12700" cap="flat" cmpd="sng" algn="ctr">
-          <a:solidFill>
-            <a:schemeClr val="lt1">
-              <a:hueOff val="0"/>
-              <a:satOff val="0"/>
-              <a:lumOff val="0"/>
-              <a:alphaOff val="0"/>
-            </a:schemeClr>
-          </a:solidFill>
+        <a:ln w="15875" cap="rnd" cmpd="sng" algn="ctr">
+          <a:noFill/>
           <a:prstDash val="solid"/>
-          <a:miter lim="800000"/>
         </a:ln>
         <a:effectLst/>
       </dsp:spPr>
@@ -2749,12 +3196,12 @@
         </a:fontRef>
       </dsp:style>
       <dsp:txBody>
-        <a:bodyPr spcFirstLastPara="0" vert="horz" wrap="square" lIns="99568" tIns="99568" rIns="99568" bIns="53340" numCol="1" spcCol="1270" anchor="t" anchorCtr="0">
+        <a:bodyPr spcFirstLastPara="0" vert="horz" wrap="square" lIns="92456" tIns="92456" rIns="92456" bIns="49530" numCol="1" spcCol="1270" anchor="t" anchorCtr="0">
           <a:noAutofit/>
         </a:bodyPr>
         <a:lstStyle/>
         <a:p>
-          <a:pPr marL="0" lvl="0" indent="0" algn="l" defTabSz="622300">
+          <a:pPr marL="0" lvl="0" indent="0" algn="l" defTabSz="577850">
             <a:lnSpc>
               <a:spcPct val="90000"/>
             </a:lnSpc>
@@ -2767,19 +3214,19 @@
             <a:buNone/>
           </a:pPr>
           <a:r>
-            <a:rPr lang="en-US" sz="1400" kern="1200" dirty="0">
+            <a:rPr lang="en-US" sz="1300" kern="1200" dirty="0">
               <a:latin typeface="Aptos" panose="020B0004020202020204" pitchFamily="34" charset="0"/>
             </a:rPr>
             <a:t>Uncovering Insights</a:t>
           </a:r>
-          <a:endParaRPr lang="en-IN" sz="1400" kern="1200" dirty="0">
+          <a:endParaRPr lang="en-IN" sz="1300" kern="1200" dirty="0">
             <a:latin typeface="Aptos" panose="020B0004020202020204" pitchFamily="34" charset="0"/>
           </a:endParaRPr>
         </a:p>
       </dsp:txBody>
       <dsp:txXfrm>
-        <a:off x="8568163" y="1609"/>
-        <a:ext cx="1429792" cy="545555"/>
+        <a:off x="8672278" y="139190"/>
+        <a:ext cx="1420980" cy="507769"/>
       </dsp:txXfrm>
     </dsp:sp>
     <dsp:sp modelId="{69AAE82B-0634-423C-8203-795C9C470025}">
@@ -2789,8 +3236,8 @@
       </dsp:nvSpPr>
       <dsp:spPr>
         <a:xfrm>
-          <a:off x="8286922" y="547165"/>
-          <a:ext cx="2577973" cy="3937500"/>
+          <a:off x="8477602" y="646959"/>
+          <a:ext cx="2392419" cy="3700125"/>
         </a:xfrm>
         <a:prstGeom prst="roundRect">
           <a:avLst>
@@ -2798,25 +3245,13 @@
           </a:avLst>
         </a:prstGeom>
         <a:solidFill>
-          <a:schemeClr val="lt1">
-            <a:alpha val="90000"/>
-            <a:hueOff val="0"/>
-            <a:satOff val="0"/>
-            <a:lumOff val="0"/>
-            <a:alphaOff val="0"/>
+          <a:schemeClr val="bg1">
+            <a:alpha val="30000"/>
           </a:schemeClr>
         </a:solidFill>
-        <a:ln w="12700" cap="flat" cmpd="sng" algn="ctr">
-          <a:solidFill>
-            <a:schemeClr val="accent1">
-              <a:hueOff val="0"/>
-              <a:satOff val="0"/>
-              <a:lumOff val="0"/>
-              <a:alphaOff val="0"/>
-            </a:schemeClr>
-          </a:solidFill>
+        <a:ln w="15875" cap="rnd" cmpd="sng" algn="ctr">
+          <a:noFill/>
           <a:prstDash val="solid"/>
-          <a:miter lim="800000"/>
         </a:ln>
         <a:effectLst/>
       </dsp:spPr>
@@ -2833,12 +3268,32 @@
         <a:fontRef idx="minor"/>
       </dsp:style>
       <dsp:txBody>
-        <a:bodyPr spcFirstLastPara="0" vert="horz" wrap="square" lIns="99568" tIns="99568" rIns="99568" bIns="99568" numCol="1" spcCol="1270" anchor="t" anchorCtr="0">
+        <a:bodyPr spcFirstLastPara="0" vert="horz" wrap="square" lIns="92456" tIns="92456" rIns="92456" bIns="92456" numCol="1" spcCol="1270" anchor="t" anchorCtr="0">
           <a:noAutofit/>
         </a:bodyPr>
         <a:lstStyle/>
         <a:p>
-          <a:pPr marL="114300" lvl="1" indent="-114300" algn="l" defTabSz="622300">
+          <a:pPr marL="114300" lvl="1" indent="-114300" algn="l" defTabSz="577850">
+            <a:lnSpc>
+              <a:spcPct val="90000"/>
+            </a:lnSpc>
+            <a:spcBef>
+              <a:spcPct val="0"/>
+            </a:spcBef>
+            <a:spcAft>
+              <a:spcPct val="15000"/>
+            </a:spcAft>
+            <a:buChar char="•"/>
+          </a:pPr>
+          <a:endParaRPr lang="en-IN" sz="1300" kern="1200" dirty="0">
+            <a:solidFill>
+              <a:schemeClr val="tx1"/>
+            </a:solidFill>
+            <a:latin typeface="Aptos" panose="020B0004020202020204" pitchFamily="34" charset="0"/>
+          </a:endParaRPr>
+        </a:p>
+        <a:p>
+          <a:pPr marL="114300" lvl="1" indent="-114300" algn="l" defTabSz="577850">
             <a:lnSpc>
               <a:spcPct val="90000"/>
             </a:lnSpc>
@@ -2851,17 +3306,23 @@
             <a:buChar char="•"/>
           </a:pPr>
           <a:r>
-            <a:rPr lang="en-US" sz="1400" kern="1200" dirty="0">
+            <a:rPr lang="en-US" sz="1300" kern="1200" dirty="0">
+              <a:solidFill>
+                <a:schemeClr val="tx1"/>
+              </a:solidFill>
               <a:latin typeface="Aptos" panose="020B0004020202020204" pitchFamily="34" charset="0"/>
             </a:rPr>
             <a:t>Created visual Dashboards showing the impact of various sectors influencing the KPIs</a:t>
           </a:r>
-          <a:endParaRPr lang="en-IN" sz="1400" kern="1200" dirty="0">
+          <a:endParaRPr lang="en-IN" sz="1300" kern="1200" dirty="0">
+            <a:solidFill>
+              <a:schemeClr val="tx1"/>
+            </a:solidFill>
             <a:latin typeface="Aptos" panose="020B0004020202020204" pitchFamily="34" charset="0"/>
           </a:endParaRPr>
         </a:p>
         <a:p>
-          <a:pPr marL="114300" lvl="1" indent="-114300" algn="l" defTabSz="622300">
+          <a:pPr marL="114300" lvl="1" indent="-114300" algn="l" defTabSz="577850">
             <a:lnSpc>
               <a:spcPct val="90000"/>
             </a:lnSpc>
@@ -2873,12 +3334,15 @@
             </a:spcAft>
             <a:buChar char="•"/>
           </a:pPr>
-          <a:endParaRPr lang="en-IN" sz="1400" kern="1200" dirty="0">
+          <a:endParaRPr lang="en-IN" sz="1300" kern="1200" dirty="0">
+            <a:solidFill>
+              <a:schemeClr val="tx1"/>
+            </a:solidFill>
             <a:latin typeface="Aptos" panose="020B0004020202020204" pitchFamily="34" charset="0"/>
           </a:endParaRPr>
         </a:p>
         <a:p>
-          <a:pPr marL="114300" lvl="1" indent="-114300" algn="l" defTabSz="622300">
+          <a:pPr marL="114300" lvl="1" indent="-114300" algn="l" defTabSz="577850">
             <a:lnSpc>
               <a:spcPct val="90000"/>
             </a:lnSpc>
@@ -2891,19 +3355,25 @@
             <a:buChar char="•"/>
           </a:pPr>
           <a:r>
-            <a:rPr lang="en-US" sz="1400" kern="1200" dirty="0">
+            <a:rPr lang="en-US" sz="1300" kern="1200" dirty="0">
+              <a:solidFill>
+                <a:schemeClr val="tx1"/>
+              </a:solidFill>
               <a:latin typeface="Aptos" panose="020B0004020202020204" pitchFamily="34" charset="0"/>
             </a:rPr>
             <a:t>Tools Used : Microsoft Power BI</a:t>
           </a:r>
-          <a:endParaRPr lang="en-IN" sz="1400" kern="1200" dirty="0">
+          <a:endParaRPr lang="en-IN" sz="1300" kern="1200" dirty="0">
+            <a:solidFill>
+              <a:schemeClr val="tx1"/>
+            </a:solidFill>
             <a:latin typeface="Aptos" panose="020B0004020202020204" pitchFamily="34" charset="0"/>
           </a:endParaRPr>
         </a:p>
       </dsp:txBody>
       <dsp:txXfrm>
-        <a:off x="8362428" y="622671"/>
-        <a:ext cx="2426961" cy="3786488"/>
+        <a:off x="8547674" y="717031"/>
+        <a:ext cx="2252275" cy="3559981"/>
       </dsp:txXfrm>
     </dsp:sp>
   </dsp:spTree>
@@ -4264,13 +4734,7 @@
       </p:grpSpPr>
       <p:sp>
         <p:nvSpPr>
-          <p:cNvPr id="2" name="Title 1">
-            <a:extLst>
-              <a:ext uri="{FF2B5EF4-FFF2-40B4-BE49-F238E27FC236}">
-                <a16:creationId xmlns:a16="http://schemas.microsoft.com/office/drawing/2014/main" id="{B3C651EE-2626-4E5B-441E-9104A6CDD240}"/>
-              </a:ext>
-            </a:extLst>
-          </p:cNvPr>
+          <p:cNvPr id="2" name="Title 1"/>
           <p:cNvSpPr>
             <a:spLocks noGrp="1"/>
           </p:cNvSpPr>
@@ -4280,15 +4744,17 @@
         </p:nvSpPr>
         <p:spPr>
           <a:xfrm>
-            <a:off x="1524000" y="1122363"/>
-            <a:ext cx="9144000" cy="2387600"/>
+            <a:off x="1370693" y="1769540"/>
+            <a:ext cx="9440034" cy="1828801"/>
           </a:xfrm>
         </p:spPr>
         <p:txBody>
-          <a:bodyPr anchor="b"/>
+          <a:bodyPr anchor="b">
+            <a:normAutofit/>
+          </a:bodyPr>
           <a:lstStyle>
             <a:lvl1pPr algn="ctr">
-              <a:defRPr sz="6000"/>
+              <a:defRPr sz="5400"/>
             </a:lvl1pPr>
           </a:lstStyle>
           <a:p>
@@ -4296,19 +4762,13 @@
               <a:rPr lang="en-US"/>
               <a:t>Click to edit Master title style</a:t>
             </a:r>
-            <a:endParaRPr lang="en-IN"/>
-          </a:p>
-        </p:txBody>
-      </p:sp>
-      <p:sp>
-        <p:nvSpPr>
-          <p:cNvPr id="3" name="Subtitle 2">
-            <a:extLst>
-              <a:ext uri="{FF2B5EF4-FFF2-40B4-BE49-F238E27FC236}">
-                <a16:creationId xmlns:a16="http://schemas.microsoft.com/office/drawing/2014/main" id="{B9C732B1-EB46-EFCF-5CBA-7C3D2986B671}"/>
-              </a:ext>
-            </a:extLst>
-          </p:cNvPr>
+            <a:endParaRPr lang="en-US" dirty="0"/>
+          </a:p>
+        </p:txBody>
+      </p:sp>
+      <p:sp>
+        <p:nvSpPr>
+          <p:cNvPr id="3" name="Subtitle 2"/>
           <p:cNvSpPr>
             <a:spLocks noGrp="1"/>
           </p:cNvSpPr>
@@ -4318,48 +4778,100 @@
         </p:nvSpPr>
         <p:spPr>
           <a:xfrm>
-            <a:off x="1524000" y="3602038"/>
-            <a:ext cx="9144000" cy="1655762"/>
+            <a:off x="1370693" y="3598339"/>
+            <a:ext cx="9440034" cy="1049867"/>
           </a:xfrm>
         </p:spPr>
         <p:txBody>
-          <a:bodyPr/>
+          <a:bodyPr anchor="t"/>
           <a:lstStyle>
             <a:lvl1pPr marL="0" indent="0" algn="ctr">
               <a:buNone/>
-              <a:defRPr sz="2400"/>
+              <a:defRPr>
+                <a:solidFill>
+                  <a:schemeClr val="tx1"/>
+                </a:solidFill>
+              </a:defRPr>
             </a:lvl1pPr>
             <a:lvl2pPr marL="457200" indent="0" algn="ctr">
               <a:buNone/>
-              <a:defRPr sz="2000"/>
+              <a:defRPr>
+                <a:solidFill>
+                  <a:schemeClr val="tx1">
+                    <a:tint val="75000"/>
+                  </a:schemeClr>
+                </a:solidFill>
+              </a:defRPr>
             </a:lvl2pPr>
             <a:lvl3pPr marL="914400" indent="0" algn="ctr">
               <a:buNone/>
-              <a:defRPr sz="1800"/>
+              <a:defRPr>
+                <a:solidFill>
+                  <a:schemeClr val="tx1">
+                    <a:tint val="75000"/>
+                  </a:schemeClr>
+                </a:solidFill>
+              </a:defRPr>
             </a:lvl3pPr>
             <a:lvl4pPr marL="1371600" indent="0" algn="ctr">
               <a:buNone/>
-              <a:defRPr sz="1600"/>
+              <a:defRPr>
+                <a:solidFill>
+                  <a:schemeClr val="tx1">
+                    <a:tint val="75000"/>
+                  </a:schemeClr>
+                </a:solidFill>
+              </a:defRPr>
             </a:lvl4pPr>
             <a:lvl5pPr marL="1828800" indent="0" algn="ctr">
               <a:buNone/>
-              <a:defRPr sz="1600"/>
+              <a:defRPr>
+                <a:solidFill>
+                  <a:schemeClr val="tx1">
+                    <a:tint val="75000"/>
+                  </a:schemeClr>
+                </a:solidFill>
+              </a:defRPr>
             </a:lvl5pPr>
             <a:lvl6pPr marL="2286000" indent="0" algn="ctr">
               <a:buNone/>
-              <a:defRPr sz="1600"/>
+              <a:defRPr>
+                <a:solidFill>
+                  <a:schemeClr val="tx1">
+                    <a:tint val="75000"/>
+                  </a:schemeClr>
+                </a:solidFill>
+              </a:defRPr>
             </a:lvl6pPr>
             <a:lvl7pPr marL="2743200" indent="0" algn="ctr">
               <a:buNone/>
-              <a:defRPr sz="1600"/>
+              <a:defRPr>
+                <a:solidFill>
+                  <a:schemeClr val="tx1">
+                    <a:tint val="75000"/>
+                  </a:schemeClr>
+                </a:solidFill>
+              </a:defRPr>
             </a:lvl7pPr>
             <a:lvl8pPr marL="3200400" indent="0" algn="ctr">
               <a:buNone/>
-              <a:defRPr sz="1600"/>
+              <a:defRPr>
+                <a:solidFill>
+                  <a:schemeClr val="tx1">
+                    <a:tint val="75000"/>
+                  </a:schemeClr>
+                </a:solidFill>
+              </a:defRPr>
             </a:lvl8pPr>
             <a:lvl9pPr marL="3657600" indent="0" algn="ctr">
               <a:buNone/>
-              <a:defRPr sz="1600"/>
+              <a:defRPr>
+                <a:solidFill>
+                  <a:schemeClr val="tx1">
+                    <a:tint val="75000"/>
+                  </a:schemeClr>
+                </a:solidFill>
+              </a:defRPr>
             </a:lvl9pPr>
           </a:lstStyle>
           <a:p>
@@ -4367,19 +4879,13 @@
               <a:rPr lang="en-US"/>
               <a:t>Click to edit Master subtitle style</a:t>
             </a:r>
-            <a:endParaRPr lang="en-IN"/>
-          </a:p>
-        </p:txBody>
-      </p:sp>
-      <p:sp>
-        <p:nvSpPr>
-          <p:cNvPr id="4" name="Date Placeholder 3">
-            <a:extLst>
-              <a:ext uri="{FF2B5EF4-FFF2-40B4-BE49-F238E27FC236}">
-                <a16:creationId xmlns:a16="http://schemas.microsoft.com/office/drawing/2014/main" id="{DDD83E95-A73E-B781-A503-310398AC9527}"/>
-              </a:ext>
-            </a:extLst>
-          </p:cNvPr>
+            <a:endParaRPr lang="en-US" dirty="0"/>
+          </a:p>
+        </p:txBody>
+      </p:sp>
+      <p:sp>
+        <p:nvSpPr>
+          <p:cNvPr id="4" name="Date Placeholder 3"/>
           <p:cNvSpPr>
             <a:spLocks noGrp="1"/>
           </p:cNvSpPr>
@@ -4402,13 +4908,7 @@
       </p:sp>
       <p:sp>
         <p:nvSpPr>
-          <p:cNvPr id="5" name="Footer Placeholder 4">
-            <a:extLst>
-              <a:ext uri="{FF2B5EF4-FFF2-40B4-BE49-F238E27FC236}">
-                <a16:creationId xmlns:a16="http://schemas.microsoft.com/office/drawing/2014/main" id="{938DFF57-A756-192F-088F-21266743450E}"/>
-              </a:ext>
-            </a:extLst>
-          </p:cNvPr>
+          <p:cNvPr id="5" name="Footer Placeholder 4"/>
           <p:cNvSpPr>
             <a:spLocks noGrp="1"/>
           </p:cNvSpPr>
@@ -4427,13 +4927,7 @@
       </p:sp>
       <p:sp>
         <p:nvSpPr>
-          <p:cNvPr id="6" name="Slide Number Placeholder 5">
-            <a:extLst>
-              <a:ext uri="{FF2B5EF4-FFF2-40B4-BE49-F238E27FC236}">
-                <a16:creationId xmlns:a16="http://schemas.microsoft.com/office/drawing/2014/main" id="{10A1BC4D-DFFD-2405-A0BB-0B9D72F93A1B}"/>
-              </a:ext>
-            </a:extLst>
-          </p:cNvPr>
+          <p:cNvPr id="6" name="Slide Number Placeholder 5"/>
           <p:cNvSpPr>
             <a:spLocks noGrp="1"/>
           </p:cNvSpPr>
@@ -4457,7 +4951,7 @@
     </p:spTree>
     <p:extLst>
       <p:ext uri="{BB962C8B-B14F-4D97-AF65-F5344CB8AC3E}">
-        <p14:creationId xmlns:p14="http://schemas.microsoft.com/office/powerpoint/2010/main" val="3911644616"/>
+        <p14:creationId xmlns:p14="http://schemas.microsoft.com/office/powerpoint/2010/main" val="1175509970"/>
       </p:ext>
     </p:extLst>
   </p:cSld>
@@ -4468,6 +4962,2582 @@
 </file>
 
 <file path=ppt/slideLayouts/slideLayout10.xml><?xml version="1.0" encoding="utf-8"?>
+<p:sldLayout xmlns:a="http://schemas.openxmlformats.org/drawingml/2006/main" xmlns:r="http://schemas.openxmlformats.org/officeDocument/2006/relationships" xmlns:p="http://schemas.openxmlformats.org/presentationml/2006/main" preserve="1">
+  <p:cSld name="Panoramic Picture with Caption">
+    <p:spTree>
+      <p:nvGrpSpPr>
+        <p:cNvPr id="1" name=""/>
+        <p:cNvGrpSpPr/>
+        <p:nvPr/>
+      </p:nvGrpSpPr>
+      <p:grpSpPr>
+        <a:xfrm>
+          <a:off x="0" y="0"/>
+          <a:ext cx="0" cy="0"/>
+          <a:chOff x="0" y="0"/>
+          <a:chExt cx="0" cy="0"/>
+        </a:xfrm>
+      </p:grpSpPr>
+      <p:pic>
+        <p:nvPicPr>
+          <p:cNvPr id="16" name="Picture 15" descr="Slate-V2-HD-panoPhotoInset.png"/>
+          <p:cNvPicPr>
+            <a:picLocks noChangeAspect="1"/>
+          </p:cNvPicPr>
+          <p:nvPr/>
+        </p:nvPicPr>
+        <p:blipFill>
+          <a:blip r:embed="rId2">
+            <a:extLst>
+              <a:ext uri="{28A0092B-C50C-407E-A947-70E740481C1C}">
+                <a14:useLocalDpi xmlns:a14="http://schemas.microsoft.com/office/drawing/2010/main" val="0"/>
+              </a:ext>
+            </a:extLst>
+          </a:blip>
+          <a:stretch>
+            <a:fillRect/>
+          </a:stretch>
+        </p:blipFill>
+        <p:spPr>
+          <a:xfrm>
+            <a:off x="1013883" y="547807"/>
+            <a:ext cx="10141799" cy="3816806"/>
+          </a:xfrm>
+          <a:prstGeom prst="rect">
+            <a:avLst/>
+          </a:prstGeom>
+        </p:spPr>
+      </p:pic>
+      <p:sp>
+        <p:nvSpPr>
+          <p:cNvPr id="2" name="Title 1"/>
+          <p:cNvSpPr>
+            <a:spLocks noGrp="1"/>
+          </p:cNvSpPr>
+          <p:nvPr>
+            <p:ph type="title"/>
+          </p:nvPr>
+        </p:nvSpPr>
+        <p:spPr>
+          <a:xfrm>
+            <a:off x="913806" y="4565255"/>
+            <a:ext cx="10355326" cy="543472"/>
+          </a:xfrm>
+        </p:spPr>
+        <p:txBody>
+          <a:bodyPr anchor="b">
+            <a:normAutofit/>
+          </a:bodyPr>
+          <a:lstStyle>
+            <a:lvl1pPr algn="ctr">
+              <a:defRPr sz="2800"/>
+            </a:lvl1pPr>
+          </a:lstStyle>
+          <a:p>
+            <a:r>
+              <a:rPr lang="en-US"/>
+              <a:t>Click to edit Master title style</a:t>
+            </a:r>
+            <a:endParaRPr lang="en-US" dirty="0"/>
+          </a:p>
+        </p:txBody>
+      </p:sp>
+      <p:sp>
+        <p:nvSpPr>
+          <p:cNvPr id="3" name="Picture Placeholder 2"/>
+          <p:cNvSpPr>
+            <a:spLocks noGrp="1" noChangeAspect="1"/>
+          </p:cNvSpPr>
+          <p:nvPr>
+            <p:ph type="pic" idx="1"/>
+          </p:nvPr>
+        </p:nvSpPr>
+        <p:spPr>
+          <a:xfrm>
+            <a:off x="1169349" y="695009"/>
+            <a:ext cx="9845346" cy="3525671"/>
+          </a:xfrm>
+          <a:effectLst>
+            <a:outerShdw blurRad="38100" dist="25400" dir="4440000">
+              <a:srgbClr val="000000">
+                <a:alpha val="36000"/>
+              </a:srgbClr>
+            </a:outerShdw>
+          </a:effectLst>
+        </p:spPr>
+        <p:txBody>
+          <a:bodyPr anchor="t">
+            <a:normAutofit/>
+          </a:bodyPr>
+          <a:lstStyle>
+            <a:lvl1pPr marL="0" indent="0" algn="ctr">
+              <a:buNone/>
+              <a:defRPr sz="2000"/>
+            </a:lvl1pPr>
+            <a:lvl2pPr marL="457200" indent="0">
+              <a:buNone/>
+              <a:defRPr sz="2000"/>
+            </a:lvl2pPr>
+            <a:lvl3pPr marL="914400" indent="0">
+              <a:buNone/>
+              <a:defRPr sz="2000"/>
+            </a:lvl3pPr>
+            <a:lvl4pPr marL="1371600" indent="0">
+              <a:buNone/>
+              <a:defRPr sz="2000"/>
+            </a:lvl4pPr>
+            <a:lvl5pPr marL="1828800" indent="0">
+              <a:buNone/>
+              <a:defRPr sz="2000"/>
+            </a:lvl5pPr>
+            <a:lvl6pPr marL="2286000" indent="0">
+              <a:buNone/>
+              <a:defRPr sz="2000"/>
+            </a:lvl6pPr>
+            <a:lvl7pPr marL="2743200" indent="0">
+              <a:buNone/>
+              <a:defRPr sz="2000"/>
+            </a:lvl7pPr>
+            <a:lvl8pPr marL="3200400" indent="0">
+              <a:buNone/>
+              <a:defRPr sz="2000"/>
+            </a:lvl8pPr>
+            <a:lvl9pPr marL="3657600" indent="0">
+              <a:buNone/>
+              <a:defRPr sz="2000"/>
+            </a:lvl9pPr>
+          </a:lstStyle>
+          <a:p>
+            <a:r>
+              <a:rPr lang="en-US"/>
+              <a:t>Click icon to add picture</a:t>
+            </a:r>
+            <a:endParaRPr lang="en-US" dirty="0"/>
+          </a:p>
+        </p:txBody>
+      </p:sp>
+      <p:sp>
+        <p:nvSpPr>
+          <p:cNvPr id="4" name="Text Placeholder 3"/>
+          <p:cNvSpPr>
+            <a:spLocks noGrp="1"/>
+          </p:cNvSpPr>
+          <p:nvPr>
+            <p:ph type="body" sz="half" idx="2"/>
+          </p:nvPr>
+        </p:nvSpPr>
+        <p:spPr>
+          <a:xfrm>
+            <a:off x="913795" y="5108728"/>
+            <a:ext cx="10353762" cy="682472"/>
+          </a:xfrm>
+        </p:spPr>
+        <p:txBody>
+          <a:bodyPr anchor="t"/>
+          <a:lstStyle>
+            <a:lvl1pPr marL="0" indent="0" algn="ctr">
+              <a:buNone/>
+              <a:defRPr sz="1600"/>
+            </a:lvl1pPr>
+            <a:lvl2pPr marL="457200" indent="0">
+              <a:buNone/>
+              <a:defRPr sz="1400"/>
+            </a:lvl2pPr>
+            <a:lvl3pPr marL="914400" indent="0">
+              <a:buNone/>
+              <a:defRPr sz="1200"/>
+            </a:lvl3pPr>
+            <a:lvl4pPr marL="1371600" indent="0">
+              <a:buNone/>
+              <a:defRPr sz="1000"/>
+            </a:lvl4pPr>
+            <a:lvl5pPr marL="1828800" indent="0">
+              <a:buNone/>
+              <a:defRPr sz="1000"/>
+            </a:lvl5pPr>
+            <a:lvl6pPr marL="2286000" indent="0">
+              <a:buNone/>
+              <a:defRPr sz="1000"/>
+            </a:lvl6pPr>
+            <a:lvl7pPr marL="2743200" indent="0">
+              <a:buNone/>
+              <a:defRPr sz="1000"/>
+            </a:lvl7pPr>
+            <a:lvl8pPr marL="3200400" indent="0">
+              <a:buNone/>
+              <a:defRPr sz="1000"/>
+            </a:lvl8pPr>
+            <a:lvl9pPr marL="3657600" indent="0">
+              <a:buNone/>
+              <a:defRPr sz="1000"/>
+            </a:lvl9pPr>
+          </a:lstStyle>
+          <a:p>
+            <a:pPr lvl="0"/>
+            <a:r>
+              <a:rPr lang="en-US"/>
+              <a:t>Click to edit Master text styles</a:t>
+            </a:r>
+          </a:p>
+        </p:txBody>
+      </p:sp>
+      <p:sp>
+        <p:nvSpPr>
+          <p:cNvPr id="5" name="Date Placeholder 4"/>
+          <p:cNvSpPr>
+            <a:spLocks noGrp="1"/>
+          </p:cNvSpPr>
+          <p:nvPr>
+            <p:ph type="dt" sz="half" idx="10"/>
+          </p:nvPr>
+        </p:nvSpPr>
+        <p:spPr/>
+        <p:txBody>
+          <a:bodyPr/>
+          <a:lstStyle/>
+          <a:p>
+            <a:fld id="{7DE75820-1E16-4B92-989B-B7184BA5CDFD}" type="datetimeFigureOut">
+              <a:rPr lang="en-IN" smtClean="0"/>
+              <a:t>16-11-2024</a:t>
+            </a:fld>
+            <a:endParaRPr lang="en-IN"/>
+          </a:p>
+        </p:txBody>
+      </p:sp>
+      <p:sp>
+        <p:nvSpPr>
+          <p:cNvPr id="6" name="Footer Placeholder 5"/>
+          <p:cNvSpPr>
+            <a:spLocks noGrp="1"/>
+          </p:cNvSpPr>
+          <p:nvPr>
+            <p:ph type="ftr" sz="quarter" idx="11"/>
+          </p:nvPr>
+        </p:nvSpPr>
+        <p:spPr/>
+        <p:txBody>
+          <a:bodyPr/>
+          <a:lstStyle/>
+          <a:p>
+            <a:endParaRPr lang="en-IN"/>
+          </a:p>
+        </p:txBody>
+      </p:sp>
+      <p:sp>
+        <p:nvSpPr>
+          <p:cNvPr id="7" name="Slide Number Placeholder 6"/>
+          <p:cNvSpPr>
+            <a:spLocks noGrp="1"/>
+          </p:cNvSpPr>
+          <p:nvPr>
+            <p:ph type="sldNum" sz="quarter" idx="12"/>
+          </p:nvPr>
+        </p:nvSpPr>
+        <p:spPr/>
+        <p:txBody>
+          <a:bodyPr/>
+          <a:lstStyle/>
+          <a:p>
+            <a:fld id="{418400CE-E1E8-48C9-8A54-F003D02F2521}" type="slidenum">
+              <a:rPr lang="en-IN" smtClean="0"/>
+              <a:t>‹#›</a:t>
+            </a:fld>
+            <a:endParaRPr lang="en-IN"/>
+          </a:p>
+        </p:txBody>
+      </p:sp>
+    </p:spTree>
+    <p:extLst>
+      <p:ext uri="{BB962C8B-B14F-4D97-AF65-F5344CB8AC3E}">
+        <p14:creationId xmlns:p14="http://schemas.microsoft.com/office/powerpoint/2010/main" val="2183213879"/>
+      </p:ext>
+    </p:extLst>
+  </p:cSld>
+  <p:clrMapOvr>
+    <a:masterClrMapping/>
+  </p:clrMapOvr>
+</p:sldLayout>
+</file>
+
+<file path=ppt/slideLayouts/slideLayout11.xml><?xml version="1.0" encoding="utf-8"?>
+<p:sldLayout xmlns:a="http://schemas.openxmlformats.org/drawingml/2006/main" xmlns:r="http://schemas.openxmlformats.org/officeDocument/2006/relationships" xmlns:p="http://schemas.openxmlformats.org/presentationml/2006/main" preserve="1">
+  <p:cSld name="Title and Caption">
+    <p:spTree>
+      <p:nvGrpSpPr>
+        <p:cNvPr id="1" name=""/>
+        <p:cNvGrpSpPr/>
+        <p:nvPr/>
+      </p:nvGrpSpPr>
+      <p:grpSpPr>
+        <a:xfrm>
+          <a:off x="0" y="0"/>
+          <a:ext cx="0" cy="0"/>
+          <a:chOff x="0" y="0"/>
+          <a:chExt cx="0" cy="0"/>
+        </a:xfrm>
+      </p:grpSpPr>
+      <p:sp>
+        <p:nvSpPr>
+          <p:cNvPr id="2" name="Title 1"/>
+          <p:cNvSpPr>
+            <a:spLocks noGrp="1"/>
+          </p:cNvSpPr>
+          <p:nvPr>
+            <p:ph type="title"/>
+          </p:nvPr>
+        </p:nvSpPr>
+        <p:spPr>
+          <a:xfrm>
+            <a:off x="913795" y="608437"/>
+            <a:ext cx="10353762" cy="3534344"/>
+          </a:xfrm>
+        </p:spPr>
+        <p:txBody>
+          <a:bodyPr anchor="ctr"/>
+          <a:lstStyle>
+            <a:lvl1pPr>
+              <a:defRPr sz="3200"/>
+            </a:lvl1pPr>
+          </a:lstStyle>
+          <a:p>
+            <a:r>
+              <a:rPr lang="en-US"/>
+              <a:t>Click to edit Master title style</a:t>
+            </a:r>
+            <a:endParaRPr lang="en-US" dirty="0"/>
+          </a:p>
+        </p:txBody>
+      </p:sp>
+      <p:sp>
+        <p:nvSpPr>
+          <p:cNvPr id="4" name="Text Placeholder 3"/>
+          <p:cNvSpPr>
+            <a:spLocks noGrp="1"/>
+          </p:cNvSpPr>
+          <p:nvPr>
+            <p:ph type="body" sz="half" idx="2"/>
+          </p:nvPr>
+        </p:nvSpPr>
+        <p:spPr>
+          <a:xfrm>
+            <a:off x="913794" y="4295180"/>
+            <a:ext cx="10353763" cy="1501826"/>
+          </a:xfrm>
+        </p:spPr>
+        <p:txBody>
+          <a:bodyPr anchor="ctr"/>
+          <a:lstStyle>
+            <a:lvl1pPr marL="0" indent="0" algn="ctr">
+              <a:buNone/>
+              <a:defRPr sz="1600"/>
+            </a:lvl1pPr>
+            <a:lvl2pPr marL="457200" indent="0">
+              <a:buNone/>
+              <a:defRPr sz="1400"/>
+            </a:lvl2pPr>
+            <a:lvl3pPr marL="914400" indent="0">
+              <a:buNone/>
+              <a:defRPr sz="1200"/>
+            </a:lvl3pPr>
+            <a:lvl4pPr marL="1371600" indent="0">
+              <a:buNone/>
+              <a:defRPr sz="1000"/>
+            </a:lvl4pPr>
+            <a:lvl5pPr marL="1828800" indent="0">
+              <a:buNone/>
+              <a:defRPr sz="1000"/>
+            </a:lvl5pPr>
+            <a:lvl6pPr marL="2286000" indent="0">
+              <a:buNone/>
+              <a:defRPr sz="1000"/>
+            </a:lvl6pPr>
+            <a:lvl7pPr marL="2743200" indent="0">
+              <a:buNone/>
+              <a:defRPr sz="1000"/>
+            </a:lvl7pPr>
+            <a:lvl8pPr marL="3200400" indent="0">
+              <a:buNone/>
+              <a:defRPr sz="1000"/>
+            </a:lvl8pPr>
+            <a:lvl9pPr marL="3657600" indent="0">
+              <a:buNone/>
+              <a:defRPr sz="1000"/>
+            </a:lvl9pPr>
+          </a:lstStyle>
+          <a:p>
+            <a:pPr lvl="0"/>
+            <a:r>
+              <a:rPr lang="en-US"/>
+              <a:t>Click to edit Master text styles</a:t>
+            </a:r>
+          </a:p>
+        </p:txBody>
+      </p:sp>
+      <p:sp>
+        <p:nvSpPr>
+          <p:cNvPr id="5" name="Date Placeholder 4"/>
+          <p:cNvSpPr>
+            <a:spLocks noGrp="1"/>
+          </p:cNvSpPr>
+          <p:nvPr>
+            <p:ph type="dt" sz="half" idx="10"/>
+          </p:nvPr>
+        </p:nvSpPr>
+        <p:spPr/>
+        <p:txBody>
+          <a:bodyPr/>
+          <a:lstStyle/>
+          <a:p>
+            <a:fld id="{7DE75820-1E16-4B92-989B-B7184BA5CDFD}" type="datetimeFigureOut">
+              <a:rPr lang="en-IN" smtClean="0"/>
+              <a:t>16-11-2024</a:t>
+            </a:fld>
+            <a:endParaRPr lang="en-IN"/>
+          </a:p>
+        </p:txBody>
+      </p:sp>
+      <p:sp>
+        <p:nvSpPr>
+          <p:cNvPr id="6" name="Footer Placeholder 5"/>
+          <p:cNvSpPr>
+            <a:spLocks noGrp="1"/>
+          </p:cNvSpPr>
+          <p:nvPr>
+            <p:ph type="ftr" sz="quarter" idx="11"/>
+          </p:nvPr>
+        </p:nvSpPr>
+        <p:spPr/>
+        <p:txBody>
+          <a:bodyPr/>
+          <a:lstStyle/>
+          <a:p>
+            <a:endParaRPr lang="en-IN"/>
+          </a:p>
+        </p:txBody>
+      </p:sp>
+      <p:sp>
+        <p:nvSpPr>
+          <p:cNvPr id="7" name="Slide Number Placeholder 6"/>
+          <p:cNvSpPr>
+            <a:spLocks noGrp="1"/>
+          </p:cNvSpPr>
+          <p:nvPr>
+            <p:ph type="sldNum" sz="quarter" idx="12"/>
+          </p:nvPr>
+        </p:nvSpPr>
+        <p:spPr/>
+        <p:txBody>
+          <a:bodyPr/>
+          <a:lstStyle/>
+          <a:p>
+            <a:fld id="{418400CE-E1E8-48C9-8A54-F003D02F2521}" type="slidenum">
+              <a:rPr lang="en-IN" smtClean="0"/>
+              <a:t>‹#›</a:t>
+            </a:fld>
+            <a:endParaRPr lang="en-IN"/>
+          </a:p>
+        </p:txBody>
+      </p:sp>
+    </p:spTree>
+    <p:extLst>
+      <p:ext uri="{BB962C8B-B14F-4D97-AF65-F5344CB8AC3E}">
+        <p14:creationId xmlns:p14="http://schemas.microsoft.com/office/powerpoint/2010/main" val="1393929126"/>
+      </p:ext>
+    </p:extLst>
+  </p:cSld>
+  <p:clrMapOvr>
+    <a:masterClrMapping/>
+  </p:clrMapOvr>
+</p:sldLayout>
+</file>
+
+<file path=ppt/slideLayouts/slideLayout12.xml><?xml version="1.0" encoding="utf-8"?>
+<p:sldLayout xmlns:a="http://schemas.openxmlformats.org/drawingml/2006/main" xmlns:r="http://schemas.openxmlformats.org/officeDocument/2006/relationships" xmlns:p="http://schemas.openxmlformats.org/presentationml/2006/main" preserve="1">
+  <p:cSld name="Quote with Caption">
+    <p:spTree>
+      <p:nvGrpSpPr>
+        <p:cNvPr id="1" name=""/>
+        <p:cNvGrpSpPr/>
+        <p:nvPr/>
+      </p:nvGrpSpPr>
+      <p:grpSpPr>
+        <a:xfrm>
+          <a:off x="0" y="0"/>
+          <a:ext cx="0" cy="0"/>
+          <a:chOff x="0" y="0"/>
+          <a:chExt cx="0" cy="0"/>
+        </a:xfrm>
+      </p:grpSpPr>
+      <p:sp>
+        <p:nvSpPr>
+          <p:cNvPr id="2" name="Title 1"/>
+          <p:cNvSpPr>
+            <a:spLocks noGrp="1"/>
+          </p:cNvSpPr>
+          <p:nvPr>
+            <p:ph type="title"/>
+          </p:nvPr>
+        </p:nvSpPr>
+        <p:spPr>
+          <a:xfrm>
+            <a:off x="1446212" y="609600"/>
+            <a:ext cx="9302752" cy="2992904"/>
+          </a:xfrm>
+        </p:spPr>
+        <p:txBody>
+          <a:bodyPr anchor="ctr"/>
+          <a:lstStyle>
+            <a:lvl1pPr>
+              <a:defRPr sz="3200"/>
+            </a:lvl1pPr>
+          </a:lstStyle>
+          <a:p>
+            <a:r>
+              <a:rPr lang="en-US"/>
+              <a:t>Click to edit Master title style</a:t>
+            </a:r>
+            <a:endParaRPr lang="en-US" dirty="0"/>
+          </a:p>
+        </p:txBody>
+      </p:sp>
+      <p:sp>
+        <p:nvSpPr>
+          <p:cNvPr id="12" name="Text Placeholder 3"/>
+          <p:cNvSpPr>
+            <a:spLocks noGrp="1"/>
+          </p:cNvSpPr>
+          <p:nvPr>
+            <p:ph type="body" sz="half" idx="13"/>
+          </p:nvPr>
+        </p:nvSpPr>
+        <p:spPr>
+          <a:xfrm>
+            <a:off x="1720644" y="3610032"/>
+            <a:ext cx="8752299" cy="532749"/>
+          </a:xfrm>
+        </p:spPr>
+        <p:txBody>
+          <a:bodyPr anchor="t">
+            <a:normAutofit/>
+          </a:bodyPr>
+          <a:lstStyle>
+            <a:lvl1pPr marL="0" indent="0" algn="r">
+              <a:buNone/>
+              <a:defRPr sz="1400"/>
+            </a:lvl1pPr>
+            <a:lvl2pPr marL="457200" indent="0">
+              <a:buNone/>
+              <a:defRPr sz="1400"/>
+            </a:lvl2pPr>
+            <a:lvl3pPr marL="914400" indent="0">
+              <a:buNone/>
+              <a:defRPr sz="1200"/>
+            </a:lvl3pPr>
+            <a:lvl4pPr marL="1371600" indent="0">
+              <a:buNone/>
+              <a:defRPr sz="1000"/>
+            </a:lvl4pPr>
+            <a:lvl5pPr marL="1828800" indent="0">
+              <a:buNone/>
+              <a:defRPr sz="1000"/>
+            </a:lvl5pPr>
+            <a:lvl6pPr marL="2286000" indent="0">
+              <a:buNone/>
+              <a:defRPr sz="1000"/>
+            </a:lvl6pPr>
+            <a:lvl7pPr marL="2743200" indent="0">
+              <a:buNone/>
+              <a:defRPr sz="1000"/>
+            </a:lvl7pPr>
+            <a:lvl8pPr marL="3200400" indent="0">
+              <a:buNone/>
+              <a:defRPr sz="1000"/>
+            </a:lvl8pPr>
+            <a:lvl9pPr marL="3657600" indent="0">
+              <a:buNone/>
+              <a:defRPr sz="1000"/>
+            </a:lvl9pPr>
+          </a:lstStyle>
+          <a:p>
+            <a:pPr lvl="0"/>
+            <a:r>
+              <a:rPr lang="en-US"/>
+              <a:t>Click to edit Master text styles</a:t>
+            </a:r>
+          </a:p>
+        </p:txBody>
+      </p:sp>
+      <p:sp>
+        <p:nvSpPr>
+          <p:cNvPr id="4" name="Text Placeholder 3"/>
+          <p:cNvSpPr>
+            <a:spLocks noGrp="1"/>
+          </p:cNvSpPr>
+          <p:nvPr>
+            <p:ph type="body" sz="half" idx="2"/>
+          </p:nvPr>
+        </p:nvSpPr>
+        <p:spPr>
+          <a:xfrm>
+            <a:off x="913794" y="4304353"/>
+            <a:ext cx="10353763" cy="1489496"/>
+          </a:xfrm>
+        </p:spPr>
+        <p:txBody>
+          <a:bodyPr anchor="ctr">
+            <a:normAutofit/>
+          </a:bodyPr>
+          <a:lstStyle>
+            <a:lvl1pPr marL="0" indent="0" algn="ctr">
+              <a:buNone/>
+              <a:defRPr sz="1600"/>
+            </a:lvl1pPr>
+            <a:lvl2pPr marL="457200" indent="0">
+              <a:buNone/>
+              <a:defRPr sz="1400"/>
+            </a:lvl2pPr>
+            <a:lvl3pPr marL="914400" indent="0">
+              <a:buNone/>
+              <a:defRPr sz="1200"/>
+            </a:lvl3pPr>
+            <a:lvl4pPr marL="1371600" indent="0">
+              <a:buNone/>
+              <a:defRPr sz="1000"/>
+            </a:lvl4pPr>
+            <a:lvl5pPr marL="1828800" indent="0">
+              <a:buNone/>
+              <a:defRPr sz="1000"/>
+            </a:lvl5pPr>
+            <a:lvl6pPr marL="2286000" indent="0">
+              <a:buNone/>
+              <a:defRPr sz="1000"/>
+            </a:lvl6pPr>
+            <a:lvl7pPr marL="2743200" indent="0">
+              <a:buNone/>
+              <a:defRPr sz="1000"/>
+            </a:lvl7pPr>
+            <a:lvl8pPr marL="3200400" indent="0">
+              <a:buNone/>
+              <a:defRPr sz="1000"/>
+            </a:lvl8pPr>
+            <a:lvl9pPr marL="3657600" indent="0">
+              <a:buNone/>
+              <a:defRPr sz="1000"/>
+            </a:lvl9pPr>
+          </a:lstStyle>
+          <a:p>
+            <a:pPr lvl="0"/>
+            <a:r>
+              <a:rPr lang="en-US"/>
+              <a:t>Click to edit Master text styles</a:t>
+            </a:r>
+          </a:p>
+        </p:txBody>
+      </p:sp>
+      <p:sp>
+        <p:nvSpPr>
+          <p:cNvPr id="5" name="Date Placeholder 4"/>
+          <p:cNvSpPr>
+            <a:spLocks noGrp="1"/>
+          </p:cNvSpPr>
+          <p:nvPr>
+            <p:ph type="dt" sz="half" idx="10"/>
+          </p:nvPr>
+        </p:nvSpPr>
+        <p:spPr/>
+        <p:txBody>
+          <a:bodyPr/>
+          <a:lstStyle/>
+          <a:p>
+            <a:fld id="{7DE75820-1E16-4B92-989B-B7184BA5CDFD}" type="datetimeFigureOut">
+              <a:rPr lang="en-IN" smtClean="0"/>
+              <a:t>16-11-2024</a:t>
+            </a:fld>
+            <a:endParaRPr lang="en-IN"/>
+          </a:p>
+        </p:txBody>
+      </p:sp>
+      <p:sp>
+        <p:nvSpPr>
+          <p:cNvPr id="6" name="Footer Placeholder 5"/>
+          <p:cNvSpPr>
+            <a:spLocks noGrp="1"/>
+          </p:cNvSpPr>
+          <p:nvPr>
+            <p:ph type="ftr" sz="quarter" idx="11"/>
+          </p:nvPr>
+        </p:nvSpPr>
+        <p:spPr/>
+        <p:txBody>
+          <a:bodyPr/>
+          <a:lstStyle/>
+          <a:p>
+            <a:endParaRPr lang="en-IN"/>
+          </a:p>
+        </p:txBody>
+      </p:sp>
+      <p:sp>
+        <p:nvSpPr>
+          <p:cNvPr id="7" name="Slide Number Placeholder 6"/>
+          <p:cNvSpPr>
+            <a:spLocks noGrp="1"/>
+          </p:cNvSpPr>
+          <p:nvPr>
+            <p:ph type="sldNum" sz="quarter" idx="12"/>
+          </p:nvPr>
+        </p:nvSpPr>
+        <p:spPr/>
+        <p:txBody>
+          <a:bodyPr/>
+          <a:lstStyle/>
+          <a:p>
+            <a:fld id="{418400CE-E1E8-48C9-8A54-F003D02F2521}" type="slidenum">
+              <a:rPr lang="en-IN" smtClean="0"/>
+              <a:t>‹#›</a:t>
+            </a:fld>
+            <a:endParaRPr lang="en-IN"/>
+          </a:p>
+        </p:txBody>
+      </p:sp>
+      <p:sp>
+        <p:nvSpPr>
+          <p:cNvPr id="11" name="TextBox 10"/>
+          <p:cNvSpPr txBox="1"/>
+          <p:nvPr/>
+        </p:nvSpPr>
+        <p:spPr>
+          <a:xfrm>
+            <a:off x="990600" y="884796"/>
+            <a:ext cx="609600" cy="584776"/>
+          </a:xfrm>
+          <a:prstGeom prst="rect">
+            <a:avLst/>
+          </a:prstGeom>
+        </p:spPr>
+        <p:txBody>
+          <a:bodyPr vert="horz" lIns="91440" tIns="45720" rIns="91440" bIns="45720" rtlCol="0" anchor="ctr">
+            <a:noAutofit/>
+          </a:bodyPr>
+          <a:lstStyle>
+            <a:lvl1pPr>
+              <a:spcBef>
+                <a:spcPct val="0"/>
+              </a:spcBef>
+              <a:buNone/>
+              <a:defRPr sz="3200" b="0" cap="all">
+                <a:ln w="3175" cmpd="sng">
+                  <a:noFill/>
+                </a:ln>
+                <a:effectLst>
+                  <a:glow rad="38100">
+                    <a:schemeClr val="bg1">
+                      <a:lumMod val="65000"/>
+                      <a:lumOff val="35000"/>
+                      <a:alpha val="40000"/>
+                    </a:schemeClr>
+                  </a:glow>
+                  <a:outerShdw blurRad="28575" dist="38100" dir="14040000" algn="tl" rotWithShape="0">
+                    <a:srgbClr val="000000">
+                      <a:alpha val="25000"/>
+                    </a:srgbClr>
+                  </a:outerShdw>
+                </a:effectLst>
+              </a:defRPr>
+            </a:lvl1pPr>
+            <a:lvl2pPr>
+              <a:defRPr>
+                <a:solidFill>
+                  <a:schemeClr val="tx2"/>
+                </a:solidFill>
+              </a:defRPr>
+            </a:lvl2pPr>
+            <a:lvl3pPr>
+              <a:defRPr>
+                <a:solidFill>
+                  <a:schemeClr val="tx2"/>
+                </a:solidFill>
+              </a:defRPr>
+            </a:lvl3pPr>
+            <a:lvl4pPr>
+              <a:defRPr>
+                <a:solidFill>
+                  <a:schemeClr val="tx2"/>
+                </a:solidFill>
+              </a:defRPr>
+            </a:lvl4pPr>
+            <a:lvl5pPr>
+              <a:defRPr>
+                <a:solidFill>
+                  <a:schemeClr val="tx2"/>
+                </a:solidFill>
+              </a:defRPr>
+            </a:lvl5pPr>
+            <a:lvl6pPr>
+              <a:defRPr>
+                <a:solidFill>
+                  <a:schemeClr val="tx2"/>
+                </a:solidFill>
+              </a:defRPr>
+            </a:lvl6pPr>
+            <a:lvl7pPr>
+              <a:defRPr>
+                <a:solidFill>
+                  <a:schemeClr val="tx2"/>
+                </a:solidFill>
+              </a:defRPr>
+            </a:lvl7pPr>
+            <a:lvl8pPr>
+              <a:defRPr>
+                <a:solidFill>
+                  <a:schemeClr val="tx2"/>
+                </a:solidFill>
+              </a:defRPr>
+            </a:lvl8pPr>
+            <a:lvl9pPr>
+              <a:defRPr>
+                <a:solidFill>
+                  <a:schemeClr val="tx2"/>
+                </a:solidFill>
+              </a:defRPr>
+            </a:lvl9pPr>
+          </a:lstStyle>
+          <a:p>
+            <a:pPr lvl="0"/>
+            <a:r>
+              <a:rPr lang="en-US" sz="8000" dirty="0">
+                <a:solidFill>
+                  <a:schemeClr val="tx1"/>
+                </a:solidFill>
+                <a:effectLst/>
+              </a:rPr>
+              <a:t>“</a:t>
+            </a:r>
+          </a:p>
+        </p:txBody>
+      </p:sp>
+      <p:sp>
+        <p:nvSpPr>
+          <p:cNvPr id="13" name="TextBox 12"/>
+          <p:cNvSpPr txBox="1"/>
+          <p:nvPr/>
+        </p:nvSpPr>
+        <p:spPr>
+          <a:xfrm>
+            <a:off x="10504716" y="2928258"/>
+            <a:ext cx="609600" cy="584776"/>
+          </a:xfrm>
+          <a:prstGeom prst="rect">
+            <a:avLst/>
+          </a:prstGeom>
+        </p:spPr>
+        <p:txBody>
+          <a:bodyPr vert="horz" lIns="91440" tIns="45720" rIns="91440" bIns="45720" rtlCol="0" anchor="ctr">
+            <a:noAutofit/>
+          </a:bodyPr>
+          <a:lstStyle>
+            <a:lvl1pPr>
+              <a:spcBef>
+                <a:spcPct val="0"/>
+              </a:spcBef>
+              <a:buNone/>
+              <a:defRPr sz="3200" b="0" cap="all">
+                <a:ln w="3175" cmpd="sng">
+                  <a:noFill/>
+                </a:ln>
+                <a:effectLst>
+                  <a:glow rad="38100">
+                    <a:schemeClr val="bg1">
+                      <a:lumMod val="65000"/>
+                      <a:lumOff val="35000"/>
+                      <a:alpha val="40000"/>
+                    </a:schemeClr>
+                  </a:glow>
+                  <a:outerShdw blurRad="28575" dist="38100" dir="14040000" algn="tl" rotWithShape="0">
+                    <a:srgbClr val="000000">
+                      <a:alpha val="25000"/>
+                    </a:srgbClr>
+                  </a:outerShdw>
+                </a:effectLst>
+              </a:defRPr>
+            </a:lvl1pPr>
+            <a:lvl2pPr>
+              <a:defRPr>
+                <a:solidFill>
+                  <a:schemeClr val="tx2"/>
+                </a:solidFill>
+              </a:defRPr>
+            </a:lvl2pPr>
+            <a:lvl3pPr>
+              <a:defRPr>
+                <a:solidFill>
+                  <a:schemeClr val="tx2"/>
+                </a:solidFill>
+              </a:defRPr>
+            </a:lvl3pPr>
+            <a:lvl4pPr>
+              <a:defRPr>
+                <a:solidFill>
+                  <a:schemeClr val="tx2"/>
+                </a:solidFill>
+              </a:defRPr>
+            </a:lvl4pPr>
+            <a:lvl5pPr>
+              <a:defRPr>
+                <a:solidFill>
+                  <a:schemeClr val="tx2"/>
+                </a:solidFill>
+              </a:defRPr>
+            </a:lvl5pPr>
+            <a:lvl6pPr>
+              <a:defRPr>
+                <a:solidFill>
+                  <a:schemeClr val="tx2"/>
+                </a:solidFill>
+              </a:defRPr>
+            </a:lvl6pPr>
+            <a:lvl7pPr>
+              <a:defRPr>
+                <a:solidFill>
+                  <a:schemeClr val="tx2"/>
+                </a:solidFill>
+              </a:defRPr>
+            </a:lvl7pPr>
+            <a:lvl8pPr>
+              <a:defRPr>
+                <a:solidFill>
+                  <a:schemeClr val="tx2"/>
+                </a:solidFill>
+              </a:defRPr>
+            </a:lvl8pPr>
+            <a:lvl9pPr>
+              <a:defRPr>
+                <a:solidFill>
+                  <a:schemeClr val="tx2"/>
+                </a:solidFill>
+              </a:defRPr>
+            </a:lvl9pPr>
+          </a:lstStyle>
+          <a:p>
+            <a:pPr lvl="0" algn="r"/>
+            <a:r>
+              <a:rPr lang="en-US" sz="8000" dirty="0">
+                <a:solidFill>
+                  <a:schemeClr val="tx1"/>
+                </a:solidFill>
+                <a:effectLst/>
+              </a:rPr>
+              <a:t>”</a:t>
+            </a:r>
+          </a:p>
+        </p:txBody>
+      </p:sp>
+    </p:spTree>
+    <p:extLst>
+      <p:ext uri="{BB962C8B-B14F-4D97-AF65-F5344CB8AC3E}">
+        <p14:creationId xmlns:p14="http://schemas.microsoft.com/office/powerpoint/2010/main" val="3010817122"/>
+      </p:ext>
+    </p:extLst>
+  </p:cSld>
+  <p:clrMapOvr>
+    <a:masterClrMapping/>
+  </p:clrMapOvr>
+</p:sldLayout>
+</file>
+
+<file path=ppt/slideLayouts/slideLayout13.xml><?xml version="1.0" encoding="utf-8"?>
+<p:sldLayout xmlns:a="http://schemas.openxmlformats.org/drawingml/2006/main" xmlns:r="http://schemas.openxmlformats.org/officeDocument/2006/relationships" xmlns:p="http://schemas.openxmlformats.org/presentationml/2006/main" preserve="1">
+  <p:cSld name="Name Card">
+    <p:spTree>
+      <p:nvGrpSpPr>
+        <p:cNvPr id="1" name=""/>
+        <p:cNvGrpSpPr/>
+        <p:nvPr/>
+      </p:nvGrpSpPr>
+      <p:grpSpPr>
+        <a:xfrm>
+          <a:off x="0" y="0"/>
+          <a:ext cx="0" cy="0"/>
+          <a:chOff x="0" y="0"/>
+          <a:chExt cx="0" cy="0"/>
+        </a:xfrm>
+      </p:grpSpPr>
+      <p:sp>
+        <p:nvSpPr>
+          <p:cNvPr id="2" name="Title 1"/>
+          <p:cNvSpPr>
+            <a:spLocks noGrp="1"/>
+          </p:cNvSpPr>
+          <p:nvPr>
+            <p:ph type="title"/>
+          </p:nvPr>
+        </p:nvSpPr>
+        <p:spPr>
+          <a:xfrm>
+            <a:off x="913794" y="2126942"/>
+            <a:ext cx="10353763" cy="2511835"/>
+          </a:xfrm>
+        </p:spPr>
+        <p:txBody>
+          <a:bodyPr anchor="b"/>
+          <a:lstStyle>
+            <a:lvl1pPr>
+              <a:defRPr sz="3200"/>
+            </a:lvl1pPr>
+          </a:lstStyle>
+          <a:p>
+            <a:r>
+              <a:rPr lang="en-US"/>
+              <a:t>Click to edit Master title style</a:t>
+            </a:r>
+            <a:endParaRPr lang="en-US" dirty="0"/>
+          </a:p>
+        </p:txBody>
+      </p:sp>
+      <p:sp>
+        <p:nvSpPr>
+          <p:cNvPr id="4" name="Text Placeholder 3"/>
+          <p:cNvSpPr>
+            <a:spLocks noGrp="1"/>
+          </p:cNvSpPr>
+          <p:nvPr>
+            <p:ph type="body" sz="half" idx="2"/>
+          </p:nvPr>
+        </p:nvSpPr>
+        <p:spPr>
+          <a:xfrm>
+            <a:off x="913784" y="4650556"/>
+            <a:ext cx="10352199" cy="1140644"/>
+          </a:xfrm>
+        </p:spPr>
+        <p:txBody>
+          <a:bodyPr anchor="t"/>
+          <a:lstStyle>
+            <a:lvl1pPr marL="0" indent="0" algn="ctr">
+              <a:buNone/>
+              <a:defRPr sz="1600"/>
+            </a:lvl1pPr>
+            <a:lvl2pPr marL="457200" indent="0">
+              <a:buNone/>
+              <a:defRPr sz="1400"/>
+            </a:lvl2pPr>
+            <a:lvl3pPr marL="914400" indent="0">
+              <a:buNone/>
+              <a:defRPr sz="1200"/>
+            </a:lvl3pPr>
+            <a:lvl4pPr marL="1371600" indent="0">
+              <a:buNone/>
+              <a:defRPr sz="1000"/>
+            </a:lvl4pPr>
+            <a:lvl5pPr marL="1828800" indent="0">
+              <a:buNone/>
+              <a:defRPr sz="1000"/>
+            </a:lvl5pPr>
+            <a:lvl6pPr marL="2286000" indent="0">
+              <a:buNone/>
+              <a:defRPr sz="1000"/>
+            </a:lvl6pPr>
+            <a:lvl7pPr marL="2743200" indent="0">
+              <a:buNone/>
+              <a:defRPr sz="1000"/>
+            </a:lvl7pPr>
+            <a:lvl8pPr marL="3200400" indent="0">
+              <a:buNone/>
+              <a:defRPr sz="1000"/>
+            </a:lvl8pPr>
+            <a:lvl9pPr marL="3657600" indent="0">
+              <a:buNone/>
+              <a:defRPr sz="1000"/>
+            </a:lvl9pPr>
+          </a:lstStyle>
+          <a:p>
+            <a:pPr lvl="0"/>
+            <a:r>
+              <a:rPr lang="en-US"/>
+              <a:t>Click to edit Master text styles</a:t>
+            </a:r>
+          </a:p>
+        </p:txBody>
+      </p:sp>
+      <p:sp>
+        <p:nvSpPr>
+          <p:cNvPr id="5" name="Date Placeholder 4"/>
+          <p:cNvSpPr>
+            <a:spLocks noGrp="1"/>
+          </p:cNvSpPr>
+          <p:nvPr>
+            <p:ph type="dt" sz="half" idx="10"/>
+          </p:nvPr>
+        </p:nvSpPr>
+        <p:spPr/>
+        <p:txBody>
+          <a:bodyPr/>
+          <a:lstStyle/>
+          <a:p>
+            <a:fld id="{7DE75820-1E16-4B92-989B-B7184BA5CDFD}" type="datetimeFigureOut">
+              <a:rPr lang="en-IN" smtClean="0"/>
+              <a:t>16-11-2024</a:t>
+            </a:fld>
+            <a:endParaRPr lang="en-IN"/>
+          </a:p>
+        </p:txBody>
+      </p:sp>
+      <p:sp>
+        <p:nvSpPr>
+          <p:cNvPr id="6" name="Footer Placeholder 5"/>
+          <p:cNvSpPr>
+            <a:spLocks noGrp="1"/>
+          </p:cNvSpPr>
+          <p:nvPr>
+            <p:ph type="ftr" sz="quarter" idx="11"/>
+          </p:nvPr>
+        </p:nvSpPr>
+        <p:spPr/>
+        <p:txBody>
+          <a:bodyPr/>
+          <a:lstStyle/>
+          <a:p>
+            <a:endParaRPr lang="en-IN"/>
+          </a:p>
+        </p:txBody>
+      </p:sp>
+      <p:sp>
+        <p:nvSpPr>
+          <p:cNvPr id="7" name="Slide Number Placeholder 6"/>
+          <p:cNvSpPr>
+            <a:spLocks noGrp="1"/>
+          </p:cNvSpPr>
+          <p:nvPr>
+            <p:ph type="sldNum" sz="quarter" idx="12"/>
+          </p:nvPr>
+        </p:nvSpPr>
+        <p:spPr/>
+        <p:txBody>
+          <a:bodyPr/>
+          <a:lstStyle/>
+          <a:p>
+            <a:fld id="{418400CE-E1E8-48C9-8A54-F003D02F2521}" type="slidenum">
+              <a:rPr lang="en-IN" smtClean="0"/>
+              <a:t>‹#›</a:t>
+            </a:fld>
+            <a:endParaRPr lang="en-IN"/>
+          </a:p>
+        </p:txBody>
+      </p:sp>
+    </p:spTree>
+    <p:extLst>
+      <p:ext uri="{BB962C8B-B14F-4D97-AF65-F5344CB8AC3E}">
+        <p14:creationId xmlns:p14="http://schemas.microsoft.com/office/powerpoint/2010/main" val="558214379"/>
+      </p:ext>
+    </p:extLst>
+  </p:cSld>
+  <p:clrMapOvr>
+    <a:masterClrMapping/>
+  </p:clrMapOvr>
+</p:sldLayout>
+</file>
+
+<file path=ppt/slideLayouts/slideLayout14.xml><?xml version="1.0" encoding="utf-8"?>
+<p:sldLayout xmlns:a="http://schemas.openxmlformats.org/drawingml/2006/main" xmlns:r="http://schemas.openxmlformats.org/officeDocument/2006/relationships" xmlns:p="http://schemas.openxmlformats.org/presentationml/2006/main" preserve="1">
+  <p:cSld name="3 Column">
+    <p:spTree>
+      <p:nvGrpSpPr>
+        <p:cNvPr id="1" name=""/>
+        <p:cNvGrpSpPr/>
+        <p:nvPr/>
+      </p:nvGrpSpPr>
+      <p:grpSpPr>
+        <a:xfrm>
+          <a:off x="0" y="0"/>
+          <a:ext cx="0" cy="0"/>
+          <a:chOff x="0" y="0"/>
+          <a:chExt cx="0" cy="0"/>
+        </a:xfrm>
+      </p:grpSpPr>
+      <p:sp>
+        <p:nvSpPr>
+          <p:cNvPr id="15" name="Title 1"/>
+          <p:cNvSpPr>
+            <a:spLocks noGrp="1"/>
+          </p:cNvSpPr>
+          <p:nvPr>
+            <p:ph type="title"/>
+          </p:nvPr>
+        </p:nvSpPr>
+        <p:spPr>
+          <a:xfrm>
+            <a:off x="913795" y="609600"/>
+            <a:ext cx="10353762" cy="970450"/>
+          </a:xfrm>
+        </p:spPr>
+        <p:txBody>
+          <a:bodyPr/>
+          <a:lstStyle/>
+          <a:p>
+            <a:r>
+              <a:rPr lang="en-US"/>
+              <a:t>Click to edit Master title style</a:t>
+            </a:r>
+            <a:endParaRPr lang="en-US" dirty="0"/>
+          </a:p>
+        </p:txBody>
+      </p:sp>
+      <p:sp>
+        <p:nvSpPr>
+          <p:cNvPr id="7" name="Text Placeholder 2"/>
+          <p:cNvSpPr>
+            <a:spLocks noGrp="1"/>
+          </p:cNvSpPr>
+          <p:nvPr>
+            <p:ph type="body" idx="1"/>
+          </p:nvPr>
+        </p:nvSpPr>
+        <p:spPr>
+          <a:xfrm>
+            <a:off x="913795" y="1885950"/>
+            <a:ext cx="3300984" cy="576262"/>
+          </a:xfrm>
+        </p:spPr>
+        <p:txBody>
+          <a:bodyPr anchor="b">
+            <a:noAutofit/>
+          </a:bodyPr>
+          <a:lstStyle>
+            <a:lvl1pPr marL="0" indent="0" algn="ctr">
+              <a:buNone/>
+              <a:defRPr sz="2400" b="0">
+                <a:solidFill>
+                  <a:schemeClr val="tx1"/>
+                </a:solidFill>
+              </a:defRPr>
+            </a:lvl1pPr>
+            <a:lvl2pPr marL="457200" indent="0">
+              <a:buNone/>
+              <a:defRPr sz="2000" b="1"/>
+            </a:lvl2pPr>
+            <a:lvl3pPr marL="914400" indent="0">
+              <a:buNone/>
+              <a:defRPr sz="1800" b="1"/>
+            </a:lvl3pPr>
+            <a:lvl4pPr marL="1371600" indent="0">
+              <a:buNone/>
+              <a:defRPr sz="1600" b="1"/>
+            </a:lvl4pPr>
+            <a:lvl5pPr marL="1828800" indent="0">
+              <a:buNone/>
+              <a:defRPr sz="1600" b="1"/>
+            </a:lvl5pPr>
+            <a:lvl6pPr marL="2286000" indent="0">
+              <a:buNone/>
+              <a:defRPr sz="1600" b="1"/>
+            </a:lvl6pPr>
+            <a:lvl7pPr marL="2743200" indent="0">
+              <a:buNone/>
+              <a:defRPr sz="1600" b="1"/>
+            </a:lvl7pPr>
+            <a:lvl8pPr marL="3200400" indent="0">
+              <a:buNone/>
+              <a:defRPr sz="1600" b="1"/>
+            </a:lvl8pPr>
+            <a:lvl9pPr marL="3657600" indent="0">
+              <a:buNone/>
+              <a:defRPr sz="1600" b="1"/>
+            </a:lvl9pPr>
+          </a:lstStyle>
+          <a:p>
+            <a:pPr lvl="0"/>
+            <a:r>
+              <a:rPr lang="en-US"/>
+              <a:t>Click to edit Master text styles</a:t>
+            </a:r>
+          </a:p>
+        </p:txBody>
+      </p:sp>
+      <p:sp>
+        <p:nvSpPr>
+          <p:cNvPr id="8" name="Text Placeholder 3"/>
+          <p:cNvSpPr>
+            <a:spLocks noGrp="1"/>
+          </p:cNvSpPr>
+          <p:nvPr>
+            <p:ph type="body" sz="half" idx="15"/>
+          </p:nvPr>
+        </p:nvSpPr>
+        <p:spPr>
+          <a:xfrm>
+            <a:off x="913795" y="2571750"/>
+            <a:ext cx="3300984" cy="3219450"/>
+          </a:xfrm>
+        </p:spPr>
+        <p:txBody>
+          <a:bodyPr anchor="t">
+            <a:normAutofit/>
+          </a:bodyPr>
+          <a:lstStyle>
+            <a:lvl1pPr marL="0" indent="0" algn="ctr">
+              <a:buNone/>
+              <a:defRPr sz="1400"/>
+            </a:lvl1pPr>
+            <a:lvl2pPr marL="457200" indent="0">
+              <a:buNone/>
+              <a:defRPr sz="1200"/>
+            </a:lvl2pPr>
+            <a:lvl3pPr marL="914400" indent="0">
+              <a:buNone/>
+              <a:defRPr sz="1000"/>
+            </a:lvl3pPr>
+            <a:lvl4pPr marL="1371600" indent="0">
+              <a:buNone/>
+              <a:defRPr sz="900"/>
+            </a:lvl4pPr>
+            <a:lvl5pPr marL="1828800" indent="0">
+              <a:buNone/>
+              <a:defRPr sz="900"/>
+            </a:lvl5pPr>
+            <a:lvl6pPr marL="2286000" indent="0">
+              <a:buNone/>
+              <a:defRPr sz="900"/>
+            </a:lvl6pPr>
+            <a:lvl7pPr marL="2743200" indent="0">
+              <a:buNone/>
+              <a:defRPr sz="900"/>
+            </a:lvl7pPr>
+            <a:lvl8pPr marL="3200400" indent="0">
+              <a:buNone/>
+              <a:defRPr sz="900"/>
+            </a:lvl8pPr>
+            <a:lvl9pPr marL="3657600" indent="0">
+              <a:buNone/>
+              <a:defRPr sz="900"/>
+            </a:lvl9pPr>
+          </a:lstStyle>
+          <a:p>
+            <a:pPr lvl="0"/>
+            <a:r>
+              <a:rPr lang="en-US"/>
+              <a:t>Click to edit Master text styles</a:t>
+            </a:r>
+          </a:p>
+        </p:txBody>
+      </p:sp>
+      <p:sp>
+        <p:nvSpPr>
+          <p:cNvPr id="9" name="Text Placeholder 4"/>
+          <p:cNvSpPr>
+            <a:spLocks noGrp="1"/>
+          </p:cNvSpPr>
+          <p:nvPr>
+            <p:ph type="body" sz="quarter" idx="3"/>
+          </p:nvPr>
+        </p:nvSpPr>
+        <p:spPr>
+          <a:xfrm>
+            <a:off x="4446711" y="1885950"/>
+            <a:ext cx="3300984" cy="576262"/>
+          </a:xfrm>
+        </p:spPr>
+        <p:txBody>
+          <a:bodyPr anchor="b">
+            <a:noAutofit/>
+          </a:bodyPr>
+          <a:lstStyle>
+            <a:lvl1pPr marL="0" indent="0" algn="ctr">
+              <a:buNone/>
+              <a:defRPr sz="2400" b="0">
+                <a:solidFill>
+                  <a:schemeClr val="tx1"/>
+                </a:solidFill>
+              </a:defRPr>
+            </a:lvl1pPr>
+            <a:lvl2pPr marL="457200" indent="0">
+              <a:buNone/>
+              <a:defRPr sz="2000" b="1"/>
+            </a:lvl2pPr>
+            <a:lvl3pPr marL="914400" indent="0">
+              <a:buNone/>
+              <a:defRPr sz="1800" b="1"/>
+            </a:lvl3pPr>
+            <a:lvl4pPr marL="1371600" indent="0">
+              <a:buNone/>
+              <a:defRPr sz="1600" b="1"/>
+            </a:lvl4pPr>
+            <a:lvl5pPr marL="1828800" indent="0">
+              <a:buNone/>
+              <a:defRPr sz="1600" b="1"/>
+            </a:lvl5pPr>
+            <a:lvl6pPr marL="2286000" indent="0">
+              <a:buNone/>
+              <a:defRPr sz="1600" b="1"/>
+            </a:lvl6pPr>
+            <a:lvl7pPr marL="2743200" indent="0">
+              <a:buNone/>
+              <a:defRPr sz="1600" b="1"/>
+            </a:lvl7pPr>
+            <a:lvl8pPr marL="3200400" indent="0">
+              <a:buNone/>
+              <a:defRPr sz="1600" b="1"/>
+            </a:lvl8pPr>
+            <a:lvl9pPr marL="3657600" indent="0">
+              <a:buNone/>
+              <a:defRPr sz="1600" b="1"/>
+            </a:lvl9pPr>
+          </a:lstStyle>
+          <a:p>
+            <a:pPr lvl="0"/>
+            <a:r>
+              <a:rPr lang="en-US"/>
+              <a:t>Click to edit Master text styles</a:t>
+            </a:r>
+          </a:p>
+        </p:txBody>
+      </p:sp>
+      <p:sp>
+        <p:nvSpPr>
+          <p:cNvPr id="10" name="Text Placeholder 3"/>
+          <p:cNvSpPr>
+            <a:spLocks noGrp="1"/>
+          </p:cNvSpPr>
+          <p:nvPr>
+            <p:ph type="body" sz="half" idx="16"/>
+          </p:nvPr>
+        </p:nvSpPr>
+        <p:spPr>
+          <a:xfrm>
+            <a:off x="4441435" y="2571750"/>
+            <a:ext cx="3300984" cy="3219450"/>
+          </a:xfrm>
+        </p:spPr>
+        <p:txBody>
+          <a:bodyPr anchor="t">
+            <a:normAutofit/>
+          </a:bodyPr>
+          <a:lstStyle>
+            <a:lvl1pPr marL="0" indent="0" algn="ctr">
+              <a:buNone/>
+              <a:defRPr sz="1400"/>
+            </a:lvl1pPr>
+            <a:lvl2pPr marL="457200" indent="0">
+              <a:buNone/>
+              <a:defRPr sz="1200"/>
+            </a:lvl2pPr>
+            <a:lvl3pPr marL="914400" indent="0">
+              <a:buNone/>
+              <a:defRPr sz="1000"/>
+            </a:lvl3pPr>
+            <a:lvl4pPr marL="1371600" indent="0">
+              <a:buNone/>
+              <a:defRPr sz="900"/>
+            </a:lvl4pPr>
+            <a:lvl5pPr marL="1828800" indent="0">
+              <a:buNone/>
+              <a:defRPr sz="900"/>
+            </a:lvl5pPr>
+            <a:lvl6pPr marL="2286000" indent="0">
+              <a:buNone/>
+              <a:defRPr sz="900"/>
+            </a:lvl6pPr>
+            <a:lvl7pPr marL="2743200" indent="0">
+              <a:buNone/>
+              <a:defRPr sz="900"/>
+            </a:lvl7pPr>
+            <a:lvl8pPr marL="3200400" indent="0">
+              <a:buNone/>
+              <a:defRPr sz="900"/>
+            </a:lvl8pPr>
+            <a:lvl9pPr marL="3657600" indent="0">
+              <a:buNone/>
+              <a:defRPr sz="900"/>
+            </a:lvl9pPr>
+          </a:lstStyle>
+          <a:p>
+            <a:pPr lvl="0"/>
+            <a:r>
+              <a:rPr lang="en-US"/>
+              <a:t>Click to edit Master text styles</a:t>
+            </a:r>
+          </a:p>
+        </p:txBody>
+      </p:sp>
+      <p:sp>
+        <p:nvSpPr>
+          <p:cNvPr id="11" name="Text Placeholder 4"/>
+          <p:cNvSpPr>
+            <a:spLocks noGrp="1"/>
+          </p:cNvSpPr>
+          <p:nvPr>
+            <p:ph type="body" sz="quarter" idx="13"/>
+          </p:nvPr>
+        </p:nvSpPr>
+        <p:spPr>
+          <a:xfrm>
+            <a:off x="7966572" y="1885950"/>
+            <a:ext cx="3300984" cy="576262"/>
+          </a:xfrm>
+        </p:spPr>
+        <p:txBody>
+          <a:bodyPr anchor="b">
+            <a:noAutofit/>
+          </a:bodyPr>
+          <a:lstStyle>
+            <a:lvl1pPr marL="0" indent="0" algn="ctr">
+              <a:buNone/>
+              <a:defRPr sz="2400" b="0">
+                <a:solidFill>
+                  <a:schemeClr val="tx1"/>
+                </a:solidFill>
+              </a:defRPr>
+            </a:lvl1pPr>
+            <a:lvl2pPr marL="457200" indent="0">
+              <a:buNone/>
+              <a:defRPr sz="2000" b="1"/>
+            </a:lvl2pPr>
+            <a:lvl3pPr marL="914400" indent="0">
+              <a:buNone/>
+              <a:defRPr sz="1800" b="1"/>
+            </a:lvl3pPr>
+            <a:lvl4pPr marL="1371600" indent="0">
+              <a:buNone/>
+              <a:defRPr sz="1600" b="1"/>
+            </a:lvl4pPr>
+            <a:lvl5pPr marL="1828800" indent="0">
+              <a:buNone/>
+              <a:defRPr sz="1600" b="1"/>
+            </a:lvl5pPr>
+            <a:lvl6pPr marL="2286000" indent="0">
+              <a:buNone/>
+              <a:defRPr sz="1600" b="1"/>
+            </a:lvl6pPr>
+            <a:lvl7pPr marL="2743200" indent="0">
+              <a:buNone/>
+              <a:defRPr sz="1600" b="1"/>
+            </a:lvl7pPr>
+            <a:lvl8pPr marL="3200400" indent="0">
+              <a:buNone/>
+              <a:defRPr sz="1600" b="1"/>
+            </a:lvl8pPr>
+            <a:lvl9pPr marL="3657600" indent="0">
+              <a:buNone/>
+              <a:defRPr sz="1600" b="1"/>
+            </a:lvl9pPr>
+          </a:lstStyle>
+          <a:p>
+            <a:pPr lvl="0"/>
+            <a:r>
+              <a:rPr lang="en-US"/>
+              <a:t>Click to edit Master text styles</a:t>
+            </a:r>
+          </a:p>
+        </p:txBody>
+      </p:sp>
+      <p:sp>
+        <p:nvSpPr>
+          <p:cNvPr id="12" name="Text Placeholder 3"/>
+          <p:cNvSpPr>
+            <a:spLocks noGrp="1"/>
+          </p:cNvSpPr>
+          <p:nvPr>
+            <p:ph type="body" sz="half" idx="17"/>
+          </p:nvPr>
+        </p:nvSpPr>
+        <p:spPr>
+          <a:xfrm>
+            <a:off x="7966572" y="2571750"/>
+            <a:ext cx="3300984" cy="3219450"/>
+          </a:xfrm>
+        </p:spPr>
+        <p:txBody>
+          <a:bodyPr anchor="t">
+            <a:normAutofit/>
+          </a:bodyPr>
+          <a:lstStyle>
+            <a:lvl1pPr marL="0" indent="0" algn="ctr">
+              <a:buNone/>
+              <a:defRPr sz="1400"/>
+            </a:lvl1pPr>
+            <a:lvl2pPr marL="457200" indent="0">
+              <a:buNone/>
+              <a:defRPr sz="1200"/>
+            </a:lvl2pPr>
+            <a:lvl3pPr marL="914400" indent="0">
+              <a:buNone/>
+              <a:defRPr sz="1000"/>
+            </a:lvl3pPr>
+            <a:lvl4pPr marL="1371600" indent="0">
+              <a:buNone/>
+              <a:defRPr sz="900"/>
+            </a:lvl4pPr>
+            <a:lvl5pPr marL="1828800" indent="0">
+              <a:buNone/>
+              <a:defRPr sz="900"/>
+            </a:lvl5pPr>
+            <a:lvl6pPr marL="2286000" indent="0">
+              <a:buNone/>
+              <a:defRPr sz="900"/>
+            </a:lvl6pPr>
+            <a:lvl7pPr marL="2743200" indent="0">
+              <a:buNone/>
+              <a:defRPr sz="900"/>
+            </a:lvl7pPr>
+            <a:lvl8pPr marL="3200400" indent="0">
+              <a:buNone/>
+              <a:defRPr sz="900"/>
+            </a:lvl8pPr>
+            <a:lvl9pPr marL="3657600" indent="0">
+              <a:buNone/>
+              <a:defRPr sz="900"/>
+            </a:lvl9pPr>
+          </a:lstStyle>
+          <a:p>
+            <a:pPr lvl="0"/>
+            <a:r>
+              <a:rPr lang="en-US"/>
+              <a:t>Click to edit Master text styles</a:t>
+            </a:r>
+          </a:p>
+        </p:txBody>
+      </p:sp>
+      <p:sp>
+        <p:nvSpPr>
+          <p:cNvPr id="3" name="Date Placeholder 2"/>
+          <p:cNvSpPr>
+            <a:spLocks noGrp="1"/>
+          </p:cNvSpPr>
+          <p:nvPr>
+            <p:ph type="dt" sz="half" idx="10"/>
+          </p:nvPr>
+        </p:nvSpPr>
+        <p:spPr/>
+        <p:txBody>
+          <a:bodyPr/>
+          <a:lstStyle/>
+          <a:p>
+            <a:fld id="{7DE75820-1E16-4B92-989B-B7184BA5CDFD}" type="datetimeFigureOut">
+              <a:rPr lang="en-IN" smtClean="0"/>
+              <a:t>16-11-2024</a:t>
+            </a:fld>
+            <a:endParaRPr lang="en-IN"/>
+          </a:p>
+        </p:txBody>
+      </p:sp>
+      <p:sp>
+        <p:nvSpPr>
+          <p:cNvPr id="4" name="Footer Placeholder 3"/>
+          <p:cNvSpPr>
+            <a:spLocks noGrp="1"/>
+          </p:cNvSpPr>
+          <p:nvPr>
+            <p:ph type="ftr" sz="quarter" idx="11"/>
+          </p:nvPr>
+        </p:nvSpPr>
+        <p:spPr/>
+        <p:txBody>
+          <a:bodyPr/>
+          <a:lstStyle/>
+          <a:p>
+            <a:endParaRPr lang="en-IN"/>
+          </a:p>
+        </p:txBody>
+      </p:sp>
+      <p:sp>
+        <p:nvSpPr>
+          <p:cNvPr id="5" name="Slide Number Placeholder 4"/>
+          <p:cNvSpPr>
+            <a:spLocks noGrp="1"/>
+          </p:cNvSpPr>
+          <p:nvPr>
+            <p:ph type="sldNum" sz="quarter" idx="12"/>
+          </p:nvPr>
+        </p:nvSpPr>
+        <p:spPr/>
+        <p:txBody>
+          <a:bodyPr/>
+          <a:lstStyle/>
+          <a:p>
+            <a:fld id="{418400CE-E1E8-48C9-8A54-F003D02F2521}" type="slidenum">
+              <a:rPr lang="en-IN" smtClean="0"/>
+              <a:t>‹#›</a:t>
+            </a:fld>
+            <a:endParaRPr lang="en-IN"/>
+          </a:p>
+        </p:txBody>
+      </p:sp>
+    </p:spTree>
+    <p:extLst>
+      <p:ext uri="{BB962C8B-B14F-4D97-AF65-F5344CB8AC3E}">
+        <p14:creationId xmlns:p14="http://schemas.microsoft.com/office/powerpoint/2010/main" val="1954340504"/>
+      </p:ext>
+    </p:extLst>
+  </p:cSld>
+  <p:clrMapOvr>
+    <a:masterClrMapping/>
+  </p:clrMapOvr>
+</p:sldLayout>
+</file>
+
+<file path=ppt/slideLayouts/slideLayout15.xml><?xml version="1.0" encoding="utf-8"?>
+<p:sldLayout xmlns:a="http://schemas.openxmlformats.org/drawingml/2006/main" xmlns:r="http://schemas.openxmlformats.org/officeDocument/2006/relationships" xmlns:p="http://schemas.openxmlformats.org/presentationml/2006/main" preserve="1">
+  <p:cSld name="3 Picture Column">
+    <p:spTree>
+      <p:nvGrpSpPr>
+        <p:cNvPr id="1" name=""/>
+        <p:cNvGrpSpPr/>
+        <p:nvPr/>
+      </p:nvGrpSpPr>
+      <p:grpSpPr>
+        <a:xfrm>
+          <a:off x="0" y="0"/>
+          <a:ext cx="0" cy="0"/>
+          <a:chOff x="0" y="0"/>
+          <a:chExt cx="0" cy="0"/>
+        </a:xfrm>
+      </p:grpSpPr>
+      <p:pic>
+        <p:nvPicPr>
+          <p:cNvPr id="2" name="Picture 1" descr="Slate-V2-HD-3colPhotoInset.png"/>
+          <p:cNvPicPr>
+            <a:picLocks noChangeAspect="1"/>
+          </p:cNvPicPr>
+          <p:nvPr/>
+        </p:nvPicPr>
+        <p:blipFill>
+          <a:blip r:embed="rId2">
+            <a:extLst>
+              <a:ext uri="{28A0092B-C50C-407E-A947-70E740481C1C}">
+                <a14:useLocalDpi xmlns:a14="http://schemas.microsoft.com/office/drawing/2010/main" val="0"/>
+              </a:ext>
+            </a:extLst>
+          </a:blip>
+          <a:stretch>
+            <a:fillRect/>
+          </a:stretch>
+        </p:blipFill>
+        <p:spPr>
+          <a:xfrm>
+            <a:off x="897962" y="1818214"/>
+            <a:ext cx="3339972" cy="1847851"/>
+          </a:xfrm>
+          <a:prstGeom prst="rect">
+            <a:avLst/>
+          </a:prstGeom>
+        </p:spPr>
+      </p:pic>
+      <p:pic>
+        <p:nvPicPr>
+          <p:cNvPr id="36" name="Picture 35" descr="Slate-V2-HD-3colPhotoInset.png"/>
+          <p:cNvPicPr>
+            <a:picLocks noChangeAspect="1"/>
+          </p:cNvPicPr>
+          <p:nvPr/>
+        </p:nvPicPr>
+        <p:blipFill>
+          <a:blip r:embed="rId2">
+            <a:extLst>
+              <a:ext uri="{28A0092B-C50C-407E-A947-70E740481C1C}">
+                <a14:useLocalDpi xmlns:a14="http://schemas.microsoft.com/office/drawing/2010/main" val="0"/>
+              </a:ext>
+            </a:extLst>
+          </a:blip>
+          <a:stretch>
+            <a:fillRect/>
+          </a:stretch>
+        </p:blipFill>
+        <p:spPr>
+          <a:xfrm>
+            <a:off x="4403800" y="1818214"/>
+            <a:ext cx="3339972" cy="1847851"/>
+          </a:xfrm>
+          <a:prstGeom prst="rect">
+            <a:avLst/>
+          </a:prstGeom>
+        </p:spPr>
+      </p:pic>
+      <p:pic>
+        <p:nvPicPr>
+          <p:cNvPr id="37" name="Picture 36" descr="Slate-V2-HD-3colPhotoInset.png"/>
+          <p:cNvPicPr>
+            <a:picLocks noChangeAspect="1"/>
+          </p:cNvPicPr>
+          <p:nvPr/>
+        </p:nvPicPr>
+        <p:blipFill>
+          <a:blip r:embed="rId2">
+            <a:extLst>
+              <a:ext uri="{28A0092B-C50C-407E-A947-70E740481C1C}">
+                <a14:useLocalDpi xmlns:a14="http://schemas.microsoft.com/office/drawing/2010/main" val="0"/>
+              </a:ext>
+            </a:extLst>
+          </a:blip>
+          <a:stretch>
+            <a:fillRect/>
+          </a:stretch>
+        </p:blipFill>
+        <p:spPr>
+          <a:xfrm>
+            <a:off x="7936051" y="1818214"/>
+            <a:ext cx="3339972" cy="1847851"/>
+          </a:xfrm>
+          <a:prstGeom prst="rect">
+            <a:avLst/>
+          </a:prstGeom>
+        </p:spPr>
+      </p:pic>
+      <p:sp>
+        <p:nvSpPr>
+          <p:cNvPr id="30" name="Title 1"/>
+          <p:cNvSpPr>
+            <a:spLocks noGrp="1"/>
+          </p:cNvSpPr>
+          <p:nvPr>
+            <p:ph type="title"/>
+          </p:nvPr>
+        </p:nvSpPr>
+        <p:spPr>
+          <a:xfrm>
+            <a:off x="913794" y="609600"/>
+            <a:ext cx="10353763" cy="970450"/>
+          </a:xfrm>
+        </p:spPr>
+        <p:txBody>
+          <a:bodyPr/>
+          <a:lstStyle/>
+          <a:p>
+            <a:r>
+              <a:rPr lang="en-US"/>
+              <a:t>Click to edit Master title style</a:t>
+            </a:r>
+            <a:endParaRPr lang="en-US" dirty="0"/>
+          </a:p>
+        </p:txBody>
+      </p:sp>
+      <p:sp>
+        <p:nvSpPr>
+          <p:cNvPr id="19" name="Text Placeholder 2"/>
+          <p:cNvSpPr>
+            <a:spLocks noGrp="1"/>
+          </p:cNvSpPr>
+          <p:nvPr>
+            <p:ph type="body" idx="1"/>
+          </p:nvPr>
+        </p:nvSpPr>
+        <p:spPr>
+          <a:xfrm>
+            <a:off x="913795" y="3904106"/>
+            <a:ext cx="3300984" cy="576262"/>
+          </a:xfrm>
+        </p:spPr>
+        <p:txBody>
+          <a:bodyPr anchor="b">
+            <a:noAutofit/>
+          </a:bodyPr>
+          <a:lstStyle>
+            <a:lvl1pPr marL="0" indent="0" algn="ctr">
+              <a:buNone/>
+              <a:defRPr sz="2000" b="0">
+                <a:solidFill>
+                  <a:schemeClr val="tx1"/>
+                </a:solidFill>
+              </a:defRPr>
+            </a:lvl1pPr>
+            <a:lvl2pPr marL="457200" indent="0">
+              <a:buNone/>
+              <a:defRPr sz="2000" b="1"/>
+            </a:lvl2pPr>
+            <a:lvl3pPr marL="914400" indent="0">
+              <a:buNone/>
+              <a:defRPr sz="1800" b="1"/>
+            </a:lvl3pPr>
+            <a:lvl4pPr marL="1371600" indent="0">
+              <a:buNone/>
+              <a:defRPr sz="1600" b="1"/>
+            </a:lvl4pPr>
+            <a:lvl5pPr marL="1828800" indent="0">
+              <a:buNone/>
+              <a:defRPr sz="1600" b="1"/>
+            </a:lvl5pPr>
+            <a:lvl6pPr marL="2286000" indent="0">
+              <a:buNone/>
+              <a:defRPr sz="1600" b="1"/>
+            </a:lvl6pPr>
+            <a:lvl7pPr marL="2743200" indent="0">
+              <a:buNone/>
+              <a:defRPr sz="1600" b="1"/>
+            </a:lvl7pPr>
+            <a:lvl8pPr marL="3200400" indent="0">
+              <a:buNone/>
+              <a:defRPr sz="1600" b="1"/>
+            </a:lvl8pPr>
+            <a:lvl9pPr marL="3657600" indent="0">
+              <a:buNone/>
+              <a:defRPr sz="1600" b="1"/>
+            </a:lvl9pPr>
+          </a:lstStyle>
+          <a:p>
+            <a:pPr lvl="0"/>
+            <a:r>
+              <a:rPr lang="en-US"/>
+              <a:t>Click to edit Master text styles</a:t>
+            </a:r>
+          </a:p>
+        </p:txBody>
+      </p:sp>
+      <p:sp>
+        <p:nvSpPr>
+          <p:cNvPr id="20" name="Picture Placeholder 2"/>
+          <p:cNvSpPr>
+            <a:spLocks noGrp="1" noChangeAspect="1"/>
+          </p:cNvSpPr>
+          <p:nvPr>
+            <p:ph type="pic" idx="15"/>
+          </p:nvPr>
+        </p:nvSpPr>
+        <p:spPr>
+          <a:xfrm>
+            <a:off x="1018102" y="1938918"/>
+            <a:ext cx="3092368" cy="1602954"/>
+          </a:xfrm>
+          <a:prstGeom prst="roundRect">
+            <a:avLst>
+              <a:gd name="adj" fmla="val 1858"/>
+            </a:avLst>
+          </a:prstGeom>
+          <a:effectLst>
+            <a:outerShdw blurRad="38100" dist="25400" dir="4440000">
+              <a:srgbClr val="000000">
+                <a:alpha val="36000"/>
+              </a:srgbClr>
+            </a:outerShdw>
+          </a:effectLst>
+        </p:spPr>
+        <p:txBody>
+          <a:bodyPr anchor="t">
+            <a:normAutofit/>
+          </a:bodyPr>
+          <a:lstStyle>
+            <a:lvl1pPr marL="0" indent="0" algn="ctr">
+              <a:buNone/>
+              <a:defRPr sz="1600"/>
+            </a:lvl1pPr>
+            <a:lvl2pPr marL="457200" indent="0">
+              <a:buNone/>
+              <a:defRPr sz="1600"/>
+            </a:lvl2pPr>
+            <a:lvl3pPr marL="914400" indent="0">
+              <a:buNone/>
+              <a:defRPr sz="1600"/>
+            </a:lvl3pPr>
+            <a:lvl4pPr marL="1371600" indent="0">
+              <a:buNone/>
+              <a:defRPr sz="1600"/>
+            </a:lvl4pPr>
+            <a:lvl5pPr marL="1828800" indent="0">
+              <a:buNone/>
+              <a:defRPr sz="1600"/>
+            </a:lvl5pPr>
+            <a:lvl6pPr marL="2286000" indent="0">
+              <a:buNone/>
+              <a:defRPr sz="1600"/>
+            </a:lvl6pPr>
+            <a:lvl7pPr marL="2743200" indent="0">
+              <a:buNone/>
+              <a:defRPr sz="1600"/>
+            </a:lvl7pPr>
+            <a:lvl8pPr marL="3200400" indent="0">
+              <a:buNone/>
+              <a:defRPr sz="1600"/>
+            </a:lvl8pPr>
+            <a:lvl9pPr marL="3657600" indent="0">
+              <a:buNone/>
+              <a:defRPr sz="1600"/>
+            </a:lvl9pPr>
+          </a:lstStyle>
+          <a:p>
+            <a:r>
+              <a:rPr lang="en-US"/>
+              <a:t>Click icon to add picture</a:t>
+            </a:r>
+            <a:endParaRPr lang="en-US" dirty="0"/>
+          </a:p>
+        </p:txBody>
+      </p:sp>
+      <p:sp>
+        <p:nvSpPr>
+          <p:cNvPr id="21" name="Text Placeholder 3"/>
+          <p:cNvSpPr>
+            <a:spLocks noGrp="1"/>
+          </p:cNvSpPr>
+          <p:nvPr>
+            <p:ph type="body" sz="half" idx="18"/>
+          </p:nvPr>
+        </p:nvSpPr>
+        <p:spPr>
+          <a:xfrm>
+            <a:off x="913795" y="4480368"/>
+            <a:ext cx="3300984" cy="1310833"/>
+          </a:xfrm>
+        </p:spPr>
+        <p:txBody>
+          <a:bodyPr anchor="t">
+            <a:normAutofit/>
+          </a:bodyPr>
+          <a:lstStyle>
+            <a:lvl1pPr marL="0" indent="0" algn="ctr">
+              <a:buNone/>
+              <a:defRPr sz="1400"/>
+            </a:lvl1pPr>
+            <a:lvl2pPr marL="457200" indent="0">
+              <a:buNone/>
+              <a:defRPr sz="1200"/>
+            </a:lvl2pPr>
+            <a:lvl3pPr marL="914400" indent="0">
+              <a:buNone/>
+              <a:defRPr sz="1000"/>
+            </a:lvl3pPr>
+            <a:lvl4pPr marL="1371600" indent="0">
+              <a:buNone/>
+              <a:defRPr sz="900"/>
+            </a:lvl4pPr>
+            <a:lvl5pPr marL="1828800" indent="0">
+              <a:buNone/>
+              <a:defRPr sz="900"/>
+            </a:lvl5pPr>
+            <a:lvl6pPr marL="2286000" indent="0">
+              <a:buNone/>
+              <a:defRPr sz="900"/>
+            </a:lvl6pPr>
+            <a:lvl7pPr marL="2743200" indent="0">
+              <a:buNone/>
+              <a:defRPr sz="900"/>
+            </a:lvl7pPr>
+            <a:lvl8pPr marL="3200400" indent="0">
+              <a:buNone/>
+              <a:defRPr sz="900"/>
+            </a:lvl8pPr>
+            <a:lvl9pPr marL="3657600" indent="0">
+              <a:buNone/>
+              <a:defRPr sz="900"/>
+            </a:lvl9pPr>
+          </a:lstStyle>
+          <a:p>
+            <a:pPr lvl="0"/>
+            <a:r>
+              <a:rPr lang="en-US"/>
+              <a:t>Click to edit Master text styles</a:t>
+            </a:r>
+          </a:p>
+        </p:txBody>
+      </p:sp>
+      <p:sp>
+        <p:nvSpPr>
+          <p:cNvPr id="22" name="Text Placeholder 4"/>
+          <p:cNvSpPr>
+            <a:spLocks noGrp="1"/>
+          </p:cNvSpPr>
+          <p:nvPr>
+            <p:ph type="body" sz="quarter" idx="3"/>
+          </p:nvPr>
+        </p:nvSpPr>
+        <p:spPr>
+          <a:xfrm>
+            <a:off x="4442788" y="3904106"/>
+            <a:ext cx="3300984" cy="576262"/>
+          </a:xfrm>
+        </p:spPr>
+        <p:txBody>
+          <a:bodyPr anchor="b">
+            <a:noAutofit/>
+          </a:bodyPr>
+          <a:lstStyle>
+            <a:lvl1pPr marL="0" indent="0" algn="ctr">
+              <a:buNone/>
+              <a:defRPr sz="2000" b="0">
+                <a:solidFill>
+                  <a:schemeClr val="tx1"/>
+                </a:solidFill>
+              </a:defRPr>
+            </a:lvl1pPr>
+            <a:lvl2pPr marL="457200" indent="0">
+              <a:buNone/>
+              <a:defRPr sz="2000" b="1"/>
+            </a:lvl2pPr>
+            <a:lvl3pPr marL="914400" indent="0">
+              <a:buNone/>
+              <a:defRPr sz="1800" b="1"/>
+            </a:lvl3pPr>
+            <a:lvl4pPr marL="1371600" indent="0">
+              <a:buNone/>
+              <a:defRPr sz="1600" b="1"/>
+            </a:lvl4pPr>
+            <a:lvl5pPr marL="1828800" indent="0">
+              <a:buNone/>
+              <a:defRPr sz="1600" b="1"/>
+            </a:lvl5pPr>
+            <a:lvl6pPr marL="2286000" indent="0">
+              <a:buNone/>
+              <a:defRPr sz="1600" b="1"/>
+            </a:lvl6pPr>
+            <a:lvl7pPr marL="2743200" indent="0">
+              <a:buNone/>
+              <a:defRPr sz="1600" b="1"/>
+            </a:lvl7pPr>
+            <a:lvl8pPr marL="3200400" indent="0">
+              <a:buNone/>
+              <a:defRPr sz="1600" b="1"/>
+            </a:lvl8pPr>
+            <a:lvl9pPr marL="3657600" indent="0">
+              <a:buNone/>
+              <a:defRPr sz="1600" b="1"/>
+            </a:lvl9pPr>
+          </a:lstStyle>
+          <a:p>
+            <a:pPr lvl="0"/>
+            <a:r>
+              <a:rPr lang="en-US"/>
+              <a:t>Click to edit Master text styles</a:t>
+            </a:r>
+          </a:p>
+        </p:txBody>
+      </p:sp>
+      <p:sp>
+        <p:nvSpPr>
+          <p:cNvPr id="23" name="Picture Placeholder 2"/>
+          <p:cNvSpPr>
+            <a:spLocks noGrp="1" noChangeAspect="1"/>
+          </p:cNvSpPr>
+          <p:nvPr>
+            <p:ph type="pic" idx="21"/>
+          </p:nvPr>
+        </p:nvSpPr>
+        <p:spPr>
+          <a:xfrm>
+            <a:off x="4545743" y="1939094"/>
+            <a:ext cx="3092368" cy="1608164"/>
+          </a:xfrm>
+          <a:prstGeom prst="roundRect">
+            <a:avLst>
+              <a:gd name="adj" fmla="val 1858"/>
+            </a:avLst>
+          </a:prstGeom>
+          <a:effectLst>
+            <a:outerShdw blurRad="38100" dist="25400" dir="4440000">
+              <a:srgbClr val="000000">
+                <a:alpha val="36000"/>
+              </a:srgbClr>
+            </a:outerShdw>
+          </a:effectLst>
+        </p:spPr>
+        <p:txBody>
+          <a:bodyPr anchor="t">
+            <a:normAutofit/>
+          </a:bodyPr>
+          <a:lstStyle>
+            <a:lvl1pPr marL="0" indent="0" algn="ctr">
+              <a:buNone/>
+              <a:defRPr sz="1600"/>
+            </a:lvl1pPr>
+            <a:lvl2pPr marL="457200" indent="0">
+              <a:buNone/>
+              <a:defRPr sz="1600"/>
+            </a:lvl2pPr>
+            <a:lvl3pPr marL="914400" indent="0">
+              <a:buNone/>
+              <a:defRPr sz="1600"/>
+            </a:lvl3pPr>
+            <a:lvl4pPr marL="1371600" indent="0">
+              <a:buNone/>
+              <a:defRPr sz="1600"/>
+            </a:lvl4pPr>
+            <a:lvl5pPr marL="1828800" indent="0">
+              <a:buNone/>
+              <a:defRPr sz="1600"/>
+            </a:lvl5pPr>
+            <a:lvl6pPr marL="2286000" indent="0">
+              <a:buNone/>
+              <a:defRPr sz="1600"/>
+            </a:lvl6pPr>
+            <a:lvl7pPr marL="2743200" indent="0">
+              <a:buNone/>
+              <a:defRPr sz="1600"/>
+            </a:lvl7pPr>
+            <a:lvl8pPr marL="3200400" indent="0">
+              <a:buNone/>
+              <a:defRPr sz="1600"/>
+            </a:lvl8pPr>
+            <a:lvl9pPr marL="3657600" indent="0">
+              <a:buNone/>
+              <a:defRPr sz="1600"/>
+            </a:lvl9pPr>
+          </a:lstStyle>
+          <a:p>
+            <a:r>
+              <a:rPr lang="en-US"/>
+              <a:t>Click icon to add picture</a:t>
+            </a:r>
+            <a:endParaRPr lang="en-US" dirty="0"/>
+          </a:p>
+        </p:txBody>
+      </p:sp>
+      <p:sp>
+        <p:nvSpPr>
+          <p:cNvPr id="24" name="Text Placeholder 3"/>
+          <p:cNvSpPr>
+            <a:spLocks noGrp="1"/>
+          </p:cNvSpPr>
+          <p:nvPr>
+            <p:ph type="body" sz="half" idx="19"/>
+          </p:nvPr>
+        </p:nvSpPr>
+        <p:spPr>
+          <a:xfrm>
+            <a:off x="4441435" y="4480367"/>
+            <a:ext cx="3300984" cy="1310833"/>
+          </a:xfrm>
+        </p:spPr>
+        <p:txBody>
+          <a:bodyPr anchor="t">
+            <a:normAutofit/>
+          </a:bodyPr>
+          <a:lstStyle>
+            <a:lvl1pPr marL="0" indent="0" algn="ctr">
+              <a:buNone/>
+              <a:defRPr sz="1400"/>
+            </a:lvl1pPr>
+            <a:lvl2pPr marL="457200" indent="0">
+              <a:buNone/>
+              <a:defRPr sz="1200"/>
+            </a:lvl2pPr>
+            <a:lvl3pPr marL="914400" indent="0">
+              <a:buNone/>
+              <a:defRPr sz="1000"/>
+            </a:lvl3pPr>
+            <a:lvl4pPr marL="1371600" indent="0">
+              <a:buNone/>
+              <a:defRPr sz="900"/>
+            </a:lvl4pPr>
+            <a:lvl5pPr marL="1828800" indent="0">
+              <a:buNone/>
+              <a:defRPr sz="900"/>
+            </a:lvl5pPr>
+            <a:lvl6pPr marL="2286000" indent="0">
+              <a:buNone/>
+              <a:defRPr sz="900"/>
+            </a:lvl6pPr>
+            <a:lvl7pPr marL="2743200" indent="0">
+              <a:buNone/>
+              <a:defRPr sz="900"/>
+            </a:lvl7pPr>
+            <a:lvl8pPr marL="3200400" indent="0">
+              <a:buNone/>
+              <a:defRPr sz="900"/>
+            </a:lvl8pPr>
+            <a:lvl9pPr marL="3657600" indent="0">
+              <a:buNone/>
+              <a:defRPr sz="900"/>
+            </a:lvl9pPr>
+          </a:lstStyle>
+          <a:p>
+            <a:pPr lvl="0"/>
+            <a:r>
+              <a:rPr lang="en-US"/>
+              <a:t>Click to edit Master text styles</a:t>
+            </a:r>
+          </a:p>
+        </p:txBody>
+      </p:sp>
+      <p:sp>
+        <p:nvSpPr>
+          <p:cNvPr id="25" name="Text Placeholder 4"/>
+          <p:cNvSpPr>
+            <a:spLocks noGrp="1"/>
+          </p:cNvSpPr>
+          <p:nvPr>
+            <p:ph type="body" sz="quarter" idx="13"/>
+          </p:nvPr>
+        </p:nvSpPr>
+        <p:spPr>
+          <a:xfrm>
+            <a:off x="7966697" y="3904106"/>
+            <a:ext cx="3300984" cy="576262"/>
+          </a:xfrm>
+        </p:spPr>
+        <p:txBody>
+          <a:bodyPr anchor="b">
+            <a:noAutofit/>
+          </a:bodyPr>
+          <a:lstStyle>
+            <a:lvl1pPr marL="0" indent="0" algn="ctr">
+              <a:buNone/>
+              <a:defRPr sz="2000" b="0">
+                <a:solidFill>
+                  <a:schemeClr val="tx1"/>
+                </a:solidFill>
+              </a:defRPr>
+            </a:lvl1pPr>
+            <a:lvl2pPr marL="457200" indent="0">
+              <a:buNone/>
+              <a:defRPr sz="2000" b="1"/>
+            </a:lvl2pPr>
+            <a:lvl3pPr marL="914400" indent="0">
+              <a:buNone/>
+              <a:defRPr sz="1800" b="1"/>
+            </a:lvl3pPr>
+            <a:lvl4pPr marL="1371600" indent="0">
+              <a:buNone/>
+              <a:defRPr sz="1600" b="1"/>
+            </a:lvl4pPr>
+            <a:lvl5pPr marL="1828800" indent="0">
+              <a:buNone/>
+              <a:defRPr sz="1600" b="1"/>
+            </a:lvl5pPr>
+            <a:lvl6pPr marL="2286000" indent="0">
+              <a:buNone/>
+              <a:defRPr sz="1600" b="1"/>
+            </a:lvl6pPr>
+            <a:lvl7pPr marL="2743200" indent="0">
+              <a:buNone/>
+              <a:defRPr sz="1600" b="1"/>
+            </a:lvl7pPr>
+            <a:lvl8pPr marL="3200400" indent="0">
+              <a:buNone/>
+              <a:defRPr sz="1600" b="1"/>
+            </a:lvl8pPr>
+            <a:lvl9pPr marL="3657600" indent="0">
+              <a:buNone/>
+              <a:defRPr sz="1600" b="1"/>
+            </a:lvl9pPr>
+          </a:lstStyle>
+          <a:p>
+            <a:pPr lvl="0"/>
+            <a:r>
+              <a:rPr lang="en-US"/>
+              <a:t>Click to edit Master text styles</a:t>
+            </a:r>
+          </a:p>
+        </p:txBody>
+      </p:sp>
+      <p:sp>
+        <p:nvSpPr>
+          <p:cNvPr id="26" name="Picture Placeholder 2"/>
+          <p:cNvSpPr>
+            <a:spLocks noGrp="1" noChangeAspect="1"/>
+          </p:cNvSpPr>
+          <p:nvPr>
+            <p:ph type="pic" idx="22"/>
+          </p:nvPr>
+        </p:nvSpPr>
+        <p:spPr>
+          <a:xfrm>
+            <a:off x="8075698" y="1934432"/>
+            <a:ext cx="3092368" cy="1607294"/>
+          </a:xfrm>
+          <a:prstGeom prst="roundRect">
+            <a:avLst>
+              <a:gd name="adj" fmla="val 1858"/>
+            </a:avLst>
+          </a:prstGeom>
+          <a:effectLst>
+            <a:outerShdw blurRad="38100" dist="25400" dir="4440000">
+              <a:srgbClr val="000000">
+                <a:alpha val="36000"/>
+              </a:srgbClr>
+            </a:outerShdw>
+          </a:effectLst>
+        </p:spPr>
+        <p:txBody>
+          <a:bodyPr anchor="t">
+            <a:normAutofit/>
+          </a:bodyPr>
+          <a:lstStyle>
+            <a:lvl1pPr marL="0" indent="0" algn="ctr">
+              <a:buNone/>
+              <a:defRPr sz="1600"/>
+            </a:lvl1pPr>
+            <a:lvl2pPr marL="457200" indent="0">
+              <a:buNone/>
+              <a:defRPr sz="1600"/>
+            </a:lvl2pPr>
+            <a:lvl3pPr marL="914400" indent="0">
+              <a:buNone/>
+              <a:defRPr sz="1600"/>
+            </a:lvl3pPr>
+            <a:lvl4pPr marL="1371600" indent="0">
+              <a:buNone/>
+              <a:defRPr sz="1600"/>
+            </a:lvl4pPr>
+            <a:lvl5pPr marL="1828800" indent="0">
+              <a:buNone/>
+              <a:defRPr sz="1600"/>
+            </a:lvl5pPr>
+            <a:lvl6pPr marL="2286000" indent="0">
+              <a:buNone/>
+              <a:defRPr sz="1600"/>
+            </a:lvl6pPr>
+            <a:lvl7pPr marL="2743200" indent="0">
+              <a:buNone/>
+              <a:defRPr sz="1600"/>
+            </a:lvl7pPr>
+            <a:lvl8pPr marL="3200400" indent="0">
+              <a:buNone/>
+              <a:defRPr sz="1600"/>
+            </a:lvl8pPr>
+            <a:lvl9pPr marL="3657600" indent="0">
+              <a:buNone/>
+              <a:defRPr sz="1600"/>
+            </a:lvl9pPr>
+          </a:lstStyle>
+          <a:p>
+            <a:r>
+              <a:rPr lang="en-US"/>
+              <a:t>Click icon to add picture</a:t>
+            </a:r>
+            <a:endParaRPr lang="en-US" dirty="0"/>
+          </a:p>
+        </p:txBody>
+      </p:sp>
+      <p:sp>
+        <p:nvSpPr>
+          <p:cNvPr id="27" name="Text Placeholder 3"/>
+          <p:cNvSpPr>
+            <a:spLocks noGrp="1"/>
+          </p:cNvSpPr>
+          <p:nvPr>
+            <p:ph type="body" sz="half" idx="20"/>
+          </p:nvPr>
+        </p:nvSpPr>
+        <p:spPr>
+          <a:xfrm>
+            <a:off x="7966572" y="4480365"/>
+            <a:ext cx="3300984" cy="1310835"/>
+          </a:xfrm>
+        </p:spPr>
+        <p:txBody>
+          <a:bodyPr anchor="t">
+            <a:normAutofit/>
+          </a:bodyPr>
+          <a:lstStyle>
+            <a:lvl1pPr marL="0" indent="0" algn="ctr">
+              <a:buNone/>
+              <a:defRPr sz="1400"/>
+            </a:lvl1pPr>
+            <a:lvl2pPr marL="457200" indent="0">
+              <a:buNone/>
+              <a:defRPr sz="1200"/>
+            </a:lvl2pPr>
+            <a:lvl3pPr marL="914400" indent="0">
+              <a:buNone/>
+              <a:defRPr sz="1000"/>
+            </a:lvl3pPr>
+            <a:lvl4pPr marL="1371600" indent="0">
+              <a:buNone/>
+              <a:defRPr sz="900"/>
+            </a:lvl4pPr>
+            <a:lvl5pPr marL="1828800" indent="0">
+              <a:buNone/>
+              <a:defRPr sz="900"/>
+            </a:lvl5pPr>
+            <a:lvl6pPr marL="2286000" indent="0">
+              <a:buNone/>
+              <a:defRPr sz="900"/>
+            </a:lvl6pPr>
+            <a:lvl7pPr marL="2743200" indent="0">
+              <a:buNone/>
+              <a:defRPr sz="900"/>
+            </a:lvl7pPr>
+            <a:lvl8pPr marL="3200400" indent="0">
+              <a:buNone/>
+              <a:defRPr sz="900"/>
+            </a:lvl8pPr>
+            <a:lvl9pPr marL="3657600" indent="0">
+              <a:buNone/>
+              <a:defRPr sz="900"/>
+            </a:lvl9pPr>
+          </a:lstStyle>
+          <a:p>
+            <a:pPr lvl="0"/>
+            <a:r>
+              <a:rPr lang="en-US"/>
+              <a:t>Click to edit Master text styles</a:t>
+            </a:r>
+          </a:p>
+        </p:txBody>
+      </p:sp>
+      <p:sp>
+        <p:nvSpPr>
+          <p:cNvPr id="3" name="Date Placeholder 2"/>
+          <p:cNvSpPr>
+            <a:spLocks noGrp="1"/>
+          </p:cNvSpPr>
+          <p:nvPr>
+            <p:ph type="dt" sz="half" idx="10"/>
+          </p:nvPr>
+        </p:nvSpPr>
+        <p:spPr/>
+        <p:txBody>
+          <a:bodyPr/>
+          <a:lstStyle/>
+          <a:p>
+            <a:fld id="{7DE75820-1E16-4B92-989B-B7184BA5CDFD}" type="datetimeFigureOut">
+              <a:rPr lang="en-IN" smtClean="0"/>
+              <a:t>16-11-2024</a:t>
+            </a:fld>
+            <a:endParaRPr lang="en-IN"/>
+          </a:p>
+        </p:txBody>
+      </p:sp>
+      <p:sp>
+        <p:nvSpPr>
+          <p:cNvPr id="4" name="Footer Placeholder 3"/>
+          <p:cNvSpPr>
+            <a:spLocks noGrp="1"/>
+          </p:cNvSpPr>
+          <p:nvPr>
+            <p:ph type="ftr" sz="quarter" idx="11"/>
+          </p:nvPr>
+        </p:nvSpPr>
+        <p:spPr/>
+        <p:txBody>
+          <a:bodyPr/>
+          <a:lstStyle/>
+          <a:p>
+            <a:endParaRPr lang="en-IN"/>
+          </a:p>
+        </p:txBody>
+      </p:sp>
+      <p:sp>
+        <p:nvSpPr>
+          <p:cNvPr id="5" name="Slide Number Placeholder 4"/>
+          <p:cNvSpPr>
+            <a:spLocks noGrp="1"/>
+          </p:cNvSpPr>
+          <p:nvPr>
+            <p:ph type="sldNum" sz="quarter" idx="12"/>
+          </p:nvPr>
+        </p:nvSpPr>
+        <p:spPr/>
+        <p:txBody>
+          <a:bodyPr/>
+          <a:lstStyle/>
+          <a:p>
+            <a:fld id="{418400CE-E1E8-48C9-8A54-F003D02F2521}" type="slidenum">
+              <a:rPr lang="en-IN" smtClean="0"/>
+              <a:t>‹#›</a:t>
+            </a:fld>
+            <a:endParaRPr lang="en-IN"/>
+          </a:p>
+        </p:txBody>
+      </p:sp>
+    </p:spTree>
+    <p:extLst>
+      <p:ext uri="{BB962C8B-B14F-4D97-AF65-F5344CB8AC3E}">
+        <p14:creationId xmlns:p14="http://schemas.microsoft.com/office/powerpoint/2010/main" val="592440986"/>
+      </p:ext>
+    </p:extLst>
+  </p:cSld>
+  <p:clrMapOvr>
+    <a:masterClrMapping/>
+  </p:clrMapOvr>
+</p:sldLayout>
+</file>
+
+<file path=ppt/slideLayouts/slideLayout16.xml><?xml version="1.0" encoding="utf-8"?>
 <p:sldLayout xmlns:a="http://schemas.openxmlformats.org/drawingml/2006/main" xmlns:r="http://schemas.openxmlformats.org/officeDocument/2006/relationships" xmlns:p="http://schemas.openxmlformats.org/presentationml/2006/main" type="vertTx" preserve="1">
   <p:cSld name="Title and Vertical Text">
     <p:spTree>
@@ -4486,13 +7556,7 @@
       </p:grpSpPr>
       <p:sp>
         <p:nvSpPr>
-          <p:cNvPr id="2" name="Title 1">
-            <a:extLst>
-              <a:ext uri="{FF2B5EF4-FFF2-40B4-BE49-F238E27FC236}">
-                <a16:creationId xmlns:a16="http://schemas.microsoft.com/office/drawing/2014/main" id="{8814106A-21F8-86A5-FE9D-CCA4228DF79D}"/>
-              </a:ext>
-            </a:extLst>
-          </p:cNvPr>
+          <p:cNvPr id="2" name="Title 1"/>
           <p:cNvSpPr>
             <a:spLocks noGrp="1"/>
           </p:cNvSpPr>
@@ -4509,19 +7573,13 @@
               <a:rPr lang="en-US"/>
               <a:t>Click to edit Master title style</a:t>
             </a:r>
-            <a:endParaRPr lang="en-IN"/>
-          </a:p>
-        </p:txBody>
-      </p:sp>
-      <p:sp>
-        <p:nvSpPr>
-          <p:cNvPr id="3" name="Vertical Text Placeholder 2">
-            <a:extLst>
-              <a:ext uri="{FF2B5EF4-FFF2-40B4-BE49-F238E27FC236}">
-                <a16:creationId xmlns:a16="http://schemas.microsoft.com/office/drawing/2014/main" id="{EB63CC2A-E582-5C28-A808-B563D58DE815}"/>
-              </a:ext>
-            </a:extLst>
-          </p:cNvPr>
+            <a:endParaRPr lang="en-US" dirty="0"/>
+          </a:p>
+        </p:txBody>
+      </p:sp>
+      <p:sp>
+        <p:nvSpPr>
+          <p:cNvPr id="3" name="Vertical Text Placeholder 2"/>
           <p:cNvSpPr>
             <a:spLocks noGrp="1"/>
           </p:cNvSpPr>
@@ -4531,7 +7589,7 @@
         </p:nvSpPr>
         <p:spPr/>
         <p:txBody>
-          <a:bodyPr vert="eaVert"/>
+          <a:bodyPr vert="eaVert" anchor="t"/>
           <a:lstStyle/>
           <a:p>
             <a:pPr lvl="0"/>
@@ -4567,19 +7625,13 @@
               <a:rPr lang="en-US"/>
               <a:t>Fifth level</a:t>
             </a:r>
-            <a:endParaRPr lang="en-IN"/>
-          </a:p>
-        </p:txBody>
-      </p:sp>
-      <p:sp>
-        <p:nvSpPr>
-          <p:cNvPr id="4" name="Date Placeholder 3">
-            <a:extLst>
-              <a:ext uri="{FF2B5EF4-FFF2-40B4-BE49-F238E27FC236}">
-                <a16:creationId xmlns:a16="http://schemas.microsoft.com/office/drawing/2014/main" id="{C314CFBF-8CE5-739F-0E0A-FDE124580966}"/>
-              </a:ext>
-            </a:extLst>
-          </p:cNvPr>
+            <a:endParaRPr lang="en-US" dirty="0"/>
+          </a:p>
+        </p:txBody>
+      </p:sp>
+      <p:sp>
+        <p:nvSpPr>
+          <p:cNvPr id="4" name="Date Placeholder 3"/>
           <p:cNvSpPr>
             <a:spLocks noGrp="1"/>
           </p:cNvSpPr>
@@ -4602,13 +7654,7 @@
       </p:sp>
       <p:sp>
         <p:nvSpPr>
-          <p:cNvPr id="5" name="Footer Placeholder 4">
-            <a:extLst>
-              <a:ext uri="{FF2B5EF4-FFF2-40B4-BE49-F238E27FC236}">
-                <a16:creationId xmlns:a16="http://schemas.microsoft.com/office/drawing/2014/main" id="{AFF5EB8F-D197-B475-5AFB-D419E5033784}"/>
-              </a:ext>
-            </a:extLst>
-          </p:cNvPr>
+          <p:cNvPr id="5" name="Footer Placeholder 4"/>
           <p:cNvSpPr>
             <a:spLocks noGrp="1"/>
           </p:cNvSpPr>
@@ -4627,13 +7673,7 @@
       </p:sp>
       <p:sp>
         <p:nvSpPr>
-          <p:cNvPr id="6" name="Slide Number Placeholder 5">
-            <a:extLst>
-              <a:ext uri="{FF2B5EF4-FFF2-40B4-BE49-F238E27FC236}">
-                <a16:creationId xmlns:a16="http://schemas.microsoft.com/office/drawing/2014/main" id="{C2A6BC04-C532-9C69-576B-32ED94D488FA}"/>
-              </a:ext>
-            </a:extLst>
-          </p:cNvPr>
+          <p:cNvPr id="6" name="Slide Number Placeholder 5"/>
           <p:cNvSpPr>
             <a:spLocks noGrp="1"/>
           </p:cNvSpPr>
@@ -4657,7 +7697,7 @@
     </p:spTree>
     <p:extLst>
       <p:ext uri="{BB962C8B-B14F-4D97-AF65-F5344CB8AC3E}">
-        <p14:creationId xmlns:p14="http://schemas.microsoft.com/office/powerpoint/2010/main" val="113389508"/>
+        <p14:creationId xmlns:p14="http://schemas.microsoft.com/office/powerpoint/2010/main" val="3412468394"/>
       </p:ext>
     </p:extLst>
   </p:cSld>
@@ -4667,7 +7707,7 @@
 </p:sldLayout>
 </file>
 
-<file path=ppt/slideLayouts/slideLayout11.xml><?xml version="1.0" encoding="utf-8"?>
+<file path=ppt/slideLayouts/slideLayout17.xml><?xml version="1.0" encoding="utf-8"?>
 <p:sldLayout xmlns:a="http://schemas.openxmlformats.org/drawingml/2006/main" xmlns:r="http://schemas.openxmlformats.org/officeDocument/2006/relationships" xmlns:p="http://schemas.openxmlformats.org/presentationml/2006/main" type="vertTitleAndTx" preserve="1">
   <p:cSld name="Vertical Title and Text">
     <p:spTree>
@@ -4686,13 +7726,7 @@
       </p:grpSpPr>
       <p:sp>
         <p:nvSpPr>
-          <p:cNvPr id="2" name="Vertical Title 1">
-            <a:extLst>
-              <a:ext uri="{FF2B5EF4-FFF2-40B4-BE49-F238E27FC236}">
-                <a16:creationId xmlns:a16="http://schemas.microsoft.com/office/drawing/2014/main" id="{ED648BF8-11C3-23E2-2DE9-F439A7E1DBC8}"/>
-              </a:ext>
-            </a:extLst>
-          </p:cNvPr>
+          <p:cNvPr id="2" name="Vertical Title 1"/>
           <p:cNvSpPr>
             <a:spLocks noGrp="1"/>
           </p:cNvSpPr>
@@ -4702,31 +7736,29 @@
         </p:nvSpPr>
         <p:spPr>
           <a:xfrm>
-            <a:off x="8724900" y="365125"/>
-            <a:ext cx="2628900" cy="5811838"/>
+            <a:off x="8983068" y="609599"/>
+            <a:ext cx="2284487" cy="5181601"/>
           </a:xfrm>
         </p:spPr>
         <p:txBody>
           <a:bodyPr vert="eaVert"/>
-          <a:lstStyle/>
+          <a:lstStyle>
+            <a:lvl1pPr algn="l">
+              <a:defRPr/>
+            </a:lvl1pPr>
+          </a:lstStyle>
           <a:p>
             <a:r>
               <a:rPr lang="en-US"/>
               <a:t>Click to edit Master title style</a:t>
             </a:r>
-            <a:endParaRPr lang="en-IN"/>
-          </a:p>
-        </p:txBody>
-      </p:sp>
-      <p:sp>
-        <p:nvSpPr>
-          <p:cNvPr id="3" name="Vertical Text Placeholder 2">
-            <a:extLst>
-              <a:ext uri="{FF2B5EF4-FFF2-40B4-BE49-F238E27FC236}">
-                <a16:creationId xmlns:a16="http://schemas.microsoft.com/office/drawing/2014/main" id="{001E852B-44AD-1389-4F62-174512C3C603}"/>
-              </a:ext>
-            </a:extLst>
-          </p:cNvPr>
+            <a:endParaRPr lang="en-US" dirty="0"/>
+          </a:p>
+        </p:txBody>
+      </p:sp>
+      <p:sp>
+        <p:nvSpPr>
+          <p:cNvPr id="3" name="Vertical Text Placeholder 2"/>
           <p:cNvSpPr>
             <a:spLocks noGrp="1"/>
           </p:cNvSpPr>
@@ -4736,12 +7768,12 @@
         </p:nvSpPr>
         <p:spPr>
           <a:xfrm>
-            <a:off x="838200" y="365125"/>
-            <a:ext cx="7734300" cy="5811838"/>
+            <a:off x="913796" y="609599"/>
+            <a:ext cx="7916872" cy="5181601"/>
           </a:xfrm>
         </p:spPr>
         <p:txBody>
-          <a:bodyPr vert="eaVert"/>
+          <a:bodyPr vert="eaVert" anchor="t"/>
           <a:lstStyle/>
           <a:p>
             <a:pPr lvl="0"/>
@@ -4777,19 +7809,13 @@
               <a:rPr lang="en-US"/>
               <a:t>Fifth level</a:t>
             </a:r>
-            <a:endParaRPr lang="en-IN"/>
-          </a:p>
-        </p:txBody>
-      </p:sp>
-      <p:sp>
-        <p:nvSpPr>
-          <p:cNvPr id="4" name="Date Placeholder 3">
-            <a:extLst>
-              <a:ext uri="{FF2B5EF4-FFF2-40B4-BE49-F238E27FC236}">
-                <a16:creationId xmlns:a16="http://schemas.microsoft.com/office/drawing/2014/main" id="{5886DACE-54D3-16B3-89DF-42F742E995EB}"/>
-              </a:ext>
-            </a:extLst>
-          </p:cNvPr>
+            <a:endParaRPr lang="en-US" dirty="0"/>
+          </a:p>
+        </p:txBody>
+      </p:sp>
+      <p:sp>
+        <p:nvSpPr>
+          <p:cNvPr id="4" name="Date Placeholder 3"/>
           <p:cNvSpPr>
             <a:spLocks noGrp="1"/>
           </p:cNvSpPr>
@@ -4812,13 +7838,7 @@
       </p:sp>
       <p:sp>
         <p:nvSpPr>
-          <p:cNvPr id="5" name="Footer Placeholder 4">
-            <a:extLst>
-              <a:ext uri="{FF2B5EF4-FFF2-40B4-BE49-F238E27FC236}">
-                <a16:creationId xmlns:a16="http://schemas.microsoft.com/office/drawing/2014/main" id="{655877E5-FD2A-F853-D0E0-1877263D5FD7}"/>
-              </a:ext>
-            </a:extLst>
-          </p:cNvPr>
+          <p:cNvPr id="5" name="Footer Placeholder 4"/>
           <p:cNvSpPr>
             <a:spLocks noGrp="1"/>
           </p:cNvSpPr>
@@ -4837,13 +7857,7 @@
       </p:sp>
       <p:sp>
         <p:nvSpPr>
-          <p:cNvPr id="6" name="Slide Number Placeholder 5">
-            <a:extLst>
-              <a:ext uri="{FF2B5EF4-FFF2-40B4-BE49-F238E27FC236}">
-                <a16:creationId xmlns:a16="http://schemas.microsoft.com/office/drawing/2014/main" id="{D11750A9-1276-2636-5FA6-D2E0FC5D4637}"/>
-              </a:ext>
-            </a:extLst>
-          </p:cNvPr>
+          <p:cNvPr id="6" name="Slide Number Placeholder 5"/>
           <p:cNvSpPr>
             <a:spLocks noGrp="1"/>
           </p:cNvSpPr>
@@ -4867,7 +7881,7 @@
     </p:spTree>
     <p:extLst>
       <p:ext uri="{BB962C8B-B14F-4D97-AF65-F5344CB8AC3E}">
-        <p14:creationId xmlns:p14="http://schemas.microsoft.com/office/powerpoint/2010/main" val="1181961114"/>
+        <p14:creationId xmlns:p14="http://schemas.microsoft.com/office/powerpoint/2010/main" val="1611945420"/>
       </p:ext>
     </p:extLst>
   </p:cSld>
@@ -4896,13 +7910,7 @@
       </p:grpSpPr>
       <p:sp>
         <p:nvSpPr>
-          <p:cNvPr id="2" name="Title 1">
-            <a:extLst>
-              <a:ext uri="{FF2B5EF4-FFF2-40B4-BE49-F238E27FC236}">
-                <a16:creationId xmlns:a16="http://schemas.microsoft.com/office/drawing/2014/main" id="{5A8D13B1-58F4-F051-ACCE-B4F10D78F6FE}"/>
-              </a:ext>
-            </a:extLst>
-          </p:cNvPr>
+          <p:cNvPr id="2" name="Title 1"/>
           <p:cNvSpPr>
             <a:spLocks noGrp="1"/>
           </p:cNvSpPr>
@@ -4919,19 +7927,13 @@
               <a:rPr lang="en-US"/>
               <a:t>Click to edit Master title style</a:t>
             </a:r>
-            <a:endParaRPr lang="en-IN"/>
-          </a:p>
-        </p:txBody>
-      </p:sp>
-      <p:sp>
-        <p:nvSpPr>
-          <p:cNvPr id="3" name="Content Placeholder 2">
-            <a:extLst>
-              <a:ext uri="{FF2B5EF4-FFF2-40B4-BE49-F238E27FC236}">
-                <a16:creationId xmlns:a16="http://schemas.microsoft.com/office/drawing/2014/main" id="{72424F1A-D0BE-A3AD-ACC5-56B38066D331}"/>
-              </a:ext>
-            </a:extLst>
-          </p:cNvPr>
+            <a:endParaRPr lang="en-US" dirty="0"/>
+          </a:p>
+        </p:txBody>
+      </p:sp>
+      <p:sp>
+        <p:nvSpPr>
+          <p:cNvPr id="3" name="Content Placeholder 2"/>
           <p:cNvSpPr>
             <a:spLocks noGrp="1"/>
           </p:cNvSpPr>
@@ -4977,19 +7979,13 @@
               <a:rPr lang="en-US"/>
               <a:t>Fifth level</a:t>
             </a:r>
-            <a:endParaRPr lang="en-IN"/>
-          </a:p>
-        </p:txBody>
-      </p:sp>
-      <p:sp>
-        <p:nvSpPr>
-          <p:cNvPr id="4" name="Date Placeholder 3">
-            <a:extLst>
-              <a:ext uri="{FF2B5EF4-FFF2-40B4-BE49-F238E27FC236}">
-                <a16:creationId xmlns:a16="http://schemas.microsoft.com/office/drawing/2014/main" id="{87C8DD8A-72B4-4593-CBBE-DE4BB6EDA425}"/>
-              </a:ext>
-            </a:extLst>
-          </p:cNvPr>
+            <a:endParaRPr lang="en-US" dirty="0"/>
+          </a:p>
+        </p:txBody>
+      </p:sp>
+      <p:sp>
+        <p:nvSpPr>
+          <p:cNvPr id="4" name="Date Placeholder 3"/>
           <p:cNvSpPr>
             <a:spLocks noGrp="1"/>
           </p:cNvSpPr>
@@ -5012,13 +8008,7 @@
       </p:sp>
       <p:sp>
         <p:nvSpPr>
-          <p:cNvPr id="5" name="Footer Placeholder 4">
-            <a:extLst>
-              <a:ext uri="{FF2B5EF4-FFF2-40B4-BE49-F238E27FC236}">
-                <a16:creationId xmlns:a16="http://schemas.microsoft.com/office/drawing/2014/main" id="{054A963C-D42E-101A-CB19-95BB4CF9A9AE}"/>
-              </a:ext>
-            </a:extLst>
-          </p:cNvPr>
+          <p:cNvPr id="5" name="Footer Placeholder 4"/>
           <p:cNvSpPr>
             <a:spLocks noGrp="1"/>
           </p:cNvSpPr>
@@ -5037,13 +8027,7 @@
       </p:sp>
       <p:sp>
         <p:nvSpPr>
-          <p:cNvPr id="6" name="Slide Number Placeholder 5">
-            <a:extLst>
-              <a:ext uri="{FF2B5EF4-FFF2-40B4-BE49-F238E27FC236}">
-                <a16:creationId xmlns:a16="http://schemas.microsoft.com/office/drawing/2014/main" id="{1A2A0B00-BC6D-C174-393D-52A0F1E09FFB}"/>
-              </a:ext>
-            </a:extLst>
-          </p:cNvPr>
+          <p:cNvPr id="6" name="Slide Number Placeholder 5"/>
           <p:cNvSpPr>
             <a:spLocks noGrp="1"/>
           </p:cNvSpPr>
@@ -5067,7 +8051,7 @@
     </p:spTree>
     <p:extLst>
       <p:ext uri="{BB962C8B-B14F-4D97-AF65-F5344CB8AC3E}">
-        <p14:creationId xmlns:p14="http://schemas.microsoft.com/office/powerpoint/2010/main" val="3827340958"/>
+        <p14:creationId xmlns:p14="http://schemas.microsoft.com/office/powerpoint/2010/main" val="711789762"/>
       </p:ext>
     </p:extLst>
   </p:cSld>
@@ -5096,13 +8080,7 @@
       </p:grpSpPr>
       <p:sp>
         <p:nvSpPr>
-          <p:cNvPr id="2" name="Title 1">
-            <a:extLst>
-              <a:ext uri="{FF2B5EF4-FFF2-40B4-BE49-F238E27FC236}">
-                <a16:creationId xmlns:a16="http://schemas.microsoft.com/office/drawing/2014/main" id="{7B96DF79-9B15-4BA7-9CE2-498385B5B049}"/>
-              </a:ext>
-            </a:extLst>
-          </p:cNvPr>
+          <p:cNvPr id="2" name="Title 1"/>
           <p:cNvSpPr>
             <a:spLocks noGrp="1"/>
           </p:cNvSpPr>
@@ -5112,15 +8090,15 @@
         </p:nvSpPr>
         <p:spPr>
           <a:xfrm>
-            <a:off x="831850" y="1709738"/>
-            <a:ext cx="10515600" cy="2852737"/>
+            <a:off x="1295401" y="1761067"/>
+            <a:ext cx="9590550" cy="1828813"/>
           </a:xfrm>
         </p:spPr>
         <p:txBody>
           <a:bodyPr anchor="b"/>
           <a:lstStyle>
-            <a:lvl1pPr>
-              <a:defRPr sz="6000"/>
+            <a:lvl1pPr algn="ctr">
+              <a:defRPr sz="4000" b="0" cap="none"/>
             </a:lvl1pPr>
           </a:lstStyle>
           <a:p>
@@ -5128,19 +8106,13 @@
               <a:rPr lang="en-US"/>
               <a:t>Click to edit Master title style</a:t>
             </a:r>
-            <a:endParaRPr lang="en-IN"/>
-          </a:p>
-        </p:txBody>
-      </p:sp>
-      <p:sp>
-        <p:nvSpPr>
-          <p:cNvPr id="3" name="Text Placeholder 2">
-            <a:extLst>
-              <a:ext uri="{FF2B5EF4-FFF2-40B4-BE49-F238E27FC236}">
-                <a16:creationId xmlns:a16="http://schemas.microsoft.com/office/drawing/2014/main" id="{C8BBC78C-6A54-5E8D-F98F-D166968343B8}"/>
-              </a:ext>
-            </a:extLst>
-          </p:cNvPr>
+            <a:endParaRPr lang="en-US" dirty="0"/>
+          </a:p>
+        </p:txBody>
+      </p:sp>
+      <p:sp>
+        <p:nvSpPr>
+          <p:cNvPr id="3" name="Text Placeholder 2"/>
           <p:cNvSpPr>
             <a:spLocks noGrp="1"/>
           </p:cNvSpPr>
@@ -5150,26 +8122,24 @@
         </p:nvSpPr>
         <p:spPr>
           <a:xfrm>
-            <a:off x="831850" y="4589463"/>
-            <a:ext cx="10515600" cy="1500187"/>
+            <a:off x="1295401" y="3589879"/>
+            <a:ext cx="9590550" cy="1507054"/>
           </a:xfrm>
         </p:spPr>
         <p:txBody>
-          <a:bodyPr/>
+          <a:bodyPr anchor="t"/>
           <a:lstStyle>
-            <a:lvl1pPr marL="0" indent="0">
-              <a:buNone/>
-              <a:defRPr sz="2400">
+            <a:lvl1pPr marL="0" indent="0" algn="ctr">
+              <a:buNone/>
+              <a:defRPr sz="2000">
                 <a:solidFill>
-                  <a:schemeClr val="tx1">
-                    <a:tint val="75000"/>
-                  </a:schemeClr>
+                  <a:schemeClr val="tx1"/>
                 </a:solidFill>
               </a:defRPr>
             </a:lvl1pPr>
             <a:lvl2pPr marL="457200" indent="0">
               <a:buNone/>
-              <a:defRPr sz="2000">
+              <a:defRPr sz="1800">
                 <a:solidFill>
                   <a:schemeClr val="tx1">
                     <a:tint val="75000"/>
@@ -5179,7 +8149,7 @@
             </a:lvl2pPr>
             <a:lvl3pPr marL="914400" indent="0">
               <a:buNone/>
-              <a:defRPr sz="1800">
+              <a:defRPr sz="1600">
                 <a:solidFill>
                   <a:schemeClr val="tx1">
                     <a:tint val="75000"/>
@@ -5189,7 +8159,7 @@
             </a:lvl3pPr>
             <a:lvl4pPr marL="1371600" indent="0">
               <a:buNone/>
-              <a:defRPr sz="1600">
+              <a:defRPr sz="1400">
                 <a:solidFill>
                   <a:schemeClr val="tx1">
                     <a:tint val="75000"/>
@@ -5199,7 +8169,7 @@
             </a:lvl4pPr>
             <a:lvl5pPr marL="1828800" indent="0">
               <a:buNone/>
-              <a:defRPr sz="1600">
+              <a:defRPr sz="1400">
                 <a:solidFill>
                   <a:schemeClr val="tx1">
                     <a:tint val="75000"/>
@@ -5209,7 +8179,7 @@
             </a:lvl5pPr>
             <a:lvl6pPr marL="2286000" indent="0">
               <a:buNone/>
-              <a:defRPr sz="1600">
+              <a:defRPr sz="1400">
                 <a:solidFill>
                   <a:schemeClr val="tx1">
                     <a:tint val="75000"/>
@@ -5219,7 +8189,7 @@
             </a:lvl6pPr>
             <a:lvl7pPr marL="2743200" indent="0">
               <a:buNone/>
-              <a:defRPr sz="1600">
+              <a:defRPr sz="1400">
                 <a:solidFill>
                   <a:schemeClr val="tx1">
                     <a:tint val="75000"/>
@@ -5229,7 +8199,7 @@
             </a:lvl7pPr>
             <a:lvl8pPr marL="3200400" indent="0">
               <a:buNone/>
-              <a:defRPr sz="1600">
+              <a:defRPr sz="1400">
                 <a:solidFill>
                   <a:schemeClr val="tx1">
                     <a:tint val="75000"/>
@@ -5239,7 +8209,7 @@
             </a:lvl8pPr>
             <a:lvl9pPr marL="3657600" indent="0">
               <a:buNone/>
-              <a:defRPr sz="1600">
+              <a:defRPr sz="1400">
                 <a:solidFill>
                   <a:schemeClr val="tx1">
                     <a:tint val="75000"/>
@@ -5259,13 +8229,7 @@
       </p:sp>
       <p:sp>
         <p:nvSpPr>
-          <p:cNvPr id="4" name="Date Placeholder 3">
-            <a:extLst>
-              <a:ext uri="{FF2B5EF4-FFF2-40B4-BE49-F238E27FC236}">
-                <a16:creationId xmlns:a16="http://schemas.microsoft.com/office/drawing/2014/main" id="{B5A8A7C1-CB46-DF3C-D4C1-C12D592D0937}"/>
-              </a:ext>
-            </a:extLst>
-          </p:cNvPr>
+          <p:cNvPr id="4" name="Date Placeholder 3"/>
           <p:cNvSpPr>
             <a:spLocks noGrp="1"/>
           </p:cNvSpPr>
@@ -5288,13 +8252,7 @@
       </p:sp>
       <p:sp>
         <p:nvSpPr>
-          <p:cNvPr id="5" name="Footer Placeholder 4">
-            <a:extLst>
-              <a:ext uri="{FF2B5EF4-FFF2-40B4-BE49-F238E27FC236}">
-                <a16:creationId xmlns:a16="http://schemas.microsoft.com/office/drawing/2014/main" id="{C571393A-664C-7970-A4FD-019D03EE9486}"/>
-              </a:ext>
-            </a:extLst>
-          </p:cNvPr>
+          <p:cNvPr id="5" name="Footer Placeholder 4"/>
           <p:cNvSpPr>
             <a:spLocks noGrp="1"/>
           </p:cNvSpPr>
@@ -5313,13 +8271,7 @@
       </p:sp>
       <p:sp>
         <p:nvSpPr>
-          <p:cNvPr id="6" name="Slide Number Placeholder 5">
-            <a:extLst>
-              <a:ext uri="{FF2B5EF4-FFF2-40B4-BE49-F238E27FC236}">
-                <a16:creationId xmlns:a16="http://schemas.microsoft.com/office/drawing/2014/main" id="{5AADEA68-0310-D15E-C026-B031F090B78D}"/>
-              </a:ext>
-            </a:extLst>
-          </p:cNvPr>
+          <p:cNvPr id="6" name="Slide Number Placeholder 5"/>
           <p:cNvSpPr>
             <a:spLocks noGrp="1"/>
           </p:cNvSpPr>
@@ -5343,7 +8295,7 @@
     </p:spTree>
     <p:extLst>
       <p:ext uri="{BB962C8B-B14F-4D97-AF65-F5344CB8AC3E}">
-        <p14:creationId xmlns:p14="http://schemas.microsoft.com/office/powerpoint/2010/main" val="2500120921"/>
+        <p14:creationId xmlns:p14="http://schemas.microsoft.com/office/powerpoint/2010/main" val="1175639652"/>
       </p:ext>
     </p:extLst>
   </p:cSld>
@@ -5372,13 +8324,7 @@
       </p:grpSpPr>
       <p:sp>
         <p:nvSpPr>
-          <p:cNvPr id="2" name="Title 1">
-            <a:extLst>
-              <a:ext uri="{FF2B5EF4-FFF2-40B4-BE49-F238E27FC236}">
-                <a16:creationId xmlns:a16="http://schemas.microsoft.com/office/drawing/2014/main" id="{31A54714-9971-0927-C079-3E452DC7F3EA}"/>
-              </a:ext>
-            </a:extLst>
-          </p:cNvPr>
+          <p:cNvPr id="2" name="Title 1"/>
           <p:cNvSpPr>
             <a:spLocks noGrp="1"/>
           </p:cNvSpPr>
@@ -5395,19 +8341,13 @@
               <a:rPr lang="en-US"/>
               <a:t>Click to edit Master title style</a:t>
             </a:r>
-            <a:endParaRPr lang="en-IN"/>
-          </a:p>
-        </p:txBody>
-      </p:sp>
-      <p:sp>
-        <p:nvSpPr>
-          <p:cNvPr id="3" name="Content Placeholder 2">
-            <a:extLst>
-              <a:ext uri="{FF2B5EF4-FFF2-40B4-BE49-F238E27FC236}">
-                <a16:creationId xmlns:a16="http://schemas.microsoft.com/office/drawing/2014/main" id="{5743997D-C177-FA2A-3359-15EA0CFE1418}"/>
-              </a:ext>
-            </a:extLst>
-          </p:cNvPr>
+            <a:endParaRPr lang="en-US" dirty="0"/>
+          </a:p>
+        </p:txBody>
+      </p:sp>
+      <p:sp>
+        <p:nvSpPr>
+          <p:cNvPr id="3" name="Content Placeholder 2"/>
           <p:cNvSpPr>
             <a:spLocks noGrp="1"/>
           </p:cNvSpPr>
@@ -5417,12 +8357,14 @@
         </p:nvSpPr>
         <p:spPr>
           <a:xfrm>
-            <a:off x="838200" y="1825625"/>
-            <a:ext cx="5181600" cy="4351338"/>
+            <a:off x="913795" y="1732449"/>
+            <a:ext cx="5060497" cy="4058750"/>
           </a:xfrm>
         </p:spPr>
         <p:txBody>
-          <a:bodyPr/>
+          <a:bodyPr anchor="t">
+            <a:normAutofit/>
+          </a:bodyPr>
           <a:lstStyle/>
           <a:p>
             <a:pPr lvl="0"/>
@@ -5458,19 +8400,13 @@
               <a:rPr lang="en-US"/>
               <a:t>Fifth level</a:t>
             </a:r>
-            <a:endParaRPr lang="en-IN"/>
-          </a:p>
-        </p:txBody>
-      </p:sp>
-      <p:sp>
-        <p:nvSpPr>
-          <p:cNvPr id="4" name="Content Placeholder 3">
-            <a:extLst>
-              <a:ext uri="{FF2B5EF4-FFF2-40B4-BE49-F238E27FC236}">
-                <a16:creationId xmlns:a16="http://schemas.microsoft.com/office/drawing/2014/main" id="{03A7341E-2DDF-F65B-134E-D93B5146BC3B}"/>
-              </a:ext>
-            </a:extLst>
-          </p:cNvPr>
+            <a:endParaRPr lang="en-US" dirty="0"/>
+          </a:p>
+        </p:txBody>
+      </p:sp>
+      <p:sp>
+        <p:nvSpPr>
+          <p:cNvPr id="4" name="Content Placeholder 3"/>
           <p:cNvSpPr>
             <a:spLocks noGrp="1"/>
           </p:cNvSpPr>
@@ -5480,12 +8416,14 @@
         </p:nvSpPr>
         <p:spPr>
           <a:xfrm>
-            <a:off x="6172200" y="1825625"/>
-            <a:ext cx="5181600" cy="4351338"/>
+            <a:off x="6202892" y="1732449"/>
+            <a:ext cx="5064665" cy="4058751"/>
           </a:xfrm>
         </p:spPr>
         <p:txBody>
-          <a:bodyPr/>
+          <a:bodyPr anchor="t">
+            <a:normAutofit/>
+          </a:bodyPr>
           <a:lstStyle/>
           <a:p>
             <a:pPr lvl="0"/>
@@ -5521,19 +8459,13 @@
               <a:rPr lang="en-US"/>
               <a:t>Fifth level</a:t>
             </a:r>
-            <a:endParaRPr lang="en-IN"/>
-          </a:p>
-        </p:txBody>
-      </p:sp>
-      <p:sp>
-        <p:nvSpPr>
-          <p:cNvPr id="5" name="Date Placeholder 4">
-            <a:extLst>
-              <a:ext uri="{FF2B5EF4-FFF2-40B4-BE49-F238E27FC236}">
-                <a16:creationId xmlns:a16="http://schemas.microsoft.com/office/drawing/2014/main" id="{57B53FA9-EAF0-E81A-A494-1CA4C3EFBC26}"/>
-              </a:ext>
-            </a:extLst>
-          </p:cNvPr>
+            <a:endParaRPr lang="en-US" dirty="0"/>
+          </a:p>
+        </p:txBody>
+      </p:sp>
+      <p:sp>
+        <p:nvSpPr>
+          <p:cNvPr id="5" name="Date Placeholder 4"/>
           <p:cNvSpPr>
             <a:spLocks noGrp="1"/>
           </p:cNvSpPr>
@@ -5556,13 +8488,7 @@
       </p:sp>
       <p:sp>
         <p:nvSpPr>
-          <p:cNvPr id="6" name="Footer Placeholder 5">
-            <a:extLst>
-              <a:ext uri="{FF2B5EF4-FFF2-40B4-BE49-F238E27FC236}">
-                <a16:creationId xmlns:a16="http://schemas.microsoft.com/office/drawing/2014/main" id="{61D65BA0-824F-A7D1-41E1-E7F2DEDEDA1B}"/>
-              </a:ext>
-            </a:extLst>
-          </p:cNvPr>
+          <p:cNvPr id="6" name="Footer Placeholder 5"/>
           <p:cNvSpPr>
             <a:spLocks noGrp="1"/>
           </p:cNvSpPr>
@@ -5581,13 +8507,7 @@
       </p:sp>
       <p:sp>
         <p:nvSpPr>
-          <p:cNvPr id="7" name="Slide Number Placeholder 6">
-            <a:extLst>
-              <a:ext uri="{FF2B5EF4-FFF2-40B4-BE49-F238E27FC236}">
-                <a16:creationId xmlns:a16="http://schemas.microsoft.com/office/drawing/2014/main" id="{EE7984D8-46C8-7C2C-5C13-55D687AC193A}"/>
-              </a:ext>
-            </a:extLst>
-          </p:cNvPr>
+          <p:cNvPr id="7" name="Slide Number Placeholder 6"/>
           <p:cNvSpPr>
             <a:spLocks noGrp="1"/>
           </p:cNvSpPr>
@@ -5611,7 +8531,7 @@
     </p:spTree>
     <p:extLst>
       <p:ext uri="{BB962C8B-B14F-4D97-AF65-F5344CB8AC3E}">
-        <p14:creationId xmlns:p14="http://schemas.microsoft.com/office/powerpoint/2010/main" val="2573136387"/>
+        <p14:creationId xmlns:p14="http://schemas.microsoft.com/office/powerpoint/2010/main" val="570059052"/>
       </p:ext>
     </p:extLst>
   </p:cSld>
@@ -5638,68 +8558,117 @@
           <a:chExt cx="0" cy="0"/>
         </a:xfrm>
       </p:grpSpPr>
-      <p:sp>
-        <p:nvSpPr>
-          <p:cNvPr id="2" name="Title 1">
+      <p:pic>
+        <p:nvPicPr>
+          <p:cNvPr id="20" name="Picture 19" descr="Slate-V2-HD-compPhotoInset.png"/>
+          <p:cNvPicPr>
+            <a:picLocks noChangeAspect="1"/>
+          </p:cNvPicPr>
+          <p:nvPr/>
+        </p:nvPicPr>
+        <p:blipFill>
+          <a:blip r:embed="rId2">
             <a:extLst>
-              <a:ext uri="{FF2B5EF4-FFF2-40B4-BE49-F238E27FC236}">
-                <a16:creationId xmlns:a16="http://schemas.microsoft.com/office/drawing/2014/main" id="{14962EAC-B85D-FA4D-0BB0-40652D552BED}"/>
+              <a:ext uri="{28A0092B-C50C-407E-A947-70E740481C1C}">
+                <a14:useLocalDpi xmlns:a14="http://schemas.microsoft.com/office/drawing/2010/main" val="0"/>
               </a:ext>
             </a:extLst>
-          </p:cNvPr>
-          <p:cNvSpPr>
-            <a:spLocks noGrp="1"/>
-          </p:cNvSpPr>
-          <p:nvPr>
-            <p:ph type="title"/>
-          </p:nvPr>
-        </p:nvSpPr>
+          </a:blip>
+          <a:stretch>
+            <a:fillRect/>
+          </a:stretch>
+        </p:blipFill>
         <p:spPr>
           <a:xfrm>
-            <a:off x="839788" y="365125"/>
-            <a:ext cx="10515600" cy="1325563"/>
+            <a:off x="913795" y="1734506"/>
+            <a:ext cx="5089072" cy="4148769"/>
+          </a:xfrm>
+          <a:prstGeom prst="rect">
+            <a:avLst/>
+          </a:prstGeom>
+        </p:spPr>
+      </p:pic>
+      <p:pic>
+        <p:nvPicPr>
+          <p:cNvPr id="21" name="Picture 20" descr="Slate-V2-HD-compPhotoInset.png"/>
+          <p:cNvPicPr>
+            <a:picLocks noChangeAspect="1"/>
+          </p:cNvPicPr>
+          <p:nvPr/>
+        </p:nvPicPr>
+        <p:blipFill>
+          <a:blip r:embed="rId2">
+            <a:extLst>
+              <a:ext uri="{28A0092B-C50C-407E-A947-70E740481C1C}">
+                <a14:useLocalDpi xmlns:a14="http://schemas.microsoft.com/office/drawing/2010/main" val="0"/>
+              </a:ext>
+            </a:extLst>
+          </a:blip>
+          <a:stretch>
+            <a:fillRect/>
+          </a:stretch>
+        </p:blipFill>
+        <p:spPr>
+          <a:xfrm>
+            <a:off x="6178485" y="1734506"/>
+            <a:ext cx="5089072" cy="4148769"/>
+          </a:xfrm>
+          <a:prstGeom prst="rect">
+            <a:avLst/>
+          </a:prstGeom>
+        </p:spPr>
+      </p:pic>
+      <p:sp>
+        <p:nvSpPr>
+          <p:cNvPr id="2" name="Title 1"/>
+          <p:cNvSpPr>
+            <a:spLocks noGrp="1"/>
+          </p:cNvSpPr>
+          <p:nvPr>
+            <p:ph type="title"/>
+          </p:nvPr>
+        </p:nvSpPr>
+        <p:spPr/>
+        <p:txBody>
+          <a:bodyPr/>
+          <a:lstStyle>
+            <a:lvl1pPr>
+              <a:defRPr/>
+            </a:lvl1pPr>
+          </a:lstStyle>
+          <a:p>
+            <a:r>
+              <a:rPr lang="en-US"/>
+              <a:t>Click to edit Master title style</a:t>
+            </a:r>
+            <a:endParaRPr lang="en-US" dirty="0"/>
+          </a:p>
+        </p:txBody>
+      </p:sp>
+      <p:sp>
+        <p:nvSpPr>
+          <p:cNvPr id="3" name="Text Placeholder 2"/>
+          <p:cNvSpPr>
+            <a:spLocks noGrp="1"/>
+          </p:cNvSpPr>
+          <p:nvPr>
+            <p:ph type="body" idx="1"/>
+          </p:nvPr>
+        </p:nvSpPr>
+        <p:spPr>
+          <a:xfrm>
+            <a:off x="1005872" y="1835254"/>
+            <a:ext cx="4876344" cy="544884"/>
           </a:xfrm>
         </p:spPr>
         <p:txBody>
-          <a:bodyPr/>
-          <a:lstStyle/>
-          <a:p>
-            <a:r>
-              <a:rPr lang="en-US"/>
-              <a:t>Click to edit Master title style</a:t>
-            </a:r>
-            <a:endParaRPr lang="en-IN"/>
-          </a:p>
-        </p:txBody>
-      </p:sp>
-      <p:sp>
-        <p:nvSpPr>
-          <p:cNvPr id="3" name="Text Placeholder 2">
-            <a:extLst>
-              <a:ext uri="{FF2B5EF4-FFF2-40B4-BE49-F238E27FC236}">
-                <a16:creationId xmlns:a16="http://schemas.microsoft.com/office/drawing/2014/main" id="{212270AC-3DC9-DE08-C126-2758927C42BB}"/>
-              </a:ext>
-            </a:extLst>
-          </p:cNvPr>
-          <p:cNvSpPr>
-            <a:spLocks noGrp="1"/>
-          </p:cNvSpPr>
-          <p:nvPr>
-            <p:ph type="body" idx="1"/>
-          </p:nvPr>
-        </p:nvSpPr>
-        <p:spPr>
-          <a:xfrm>
-            <a:off x="839788" y="1681163"/>
-            <a:ext cx="5157787" cy="823912"/>
-          </a:xfrm>
-        </p:spPr>
-        <p:txBody>
-          <a:bodyPr anchor="b"/>
+          <a:bodyPr anchor="b">
+            <a:noAutofit/>
+          </a:bodyPr>
           <a:lstStyle>
-            <a:lvl1pPr marL="0" indent="0">
-              <a:buNone/>
-              <a:defRPr sz="2400" b="1"/>
+            <a:lvl1pPr marL="0" indent="0" algn="ctr">
+              <a:buNone/>
+              <a:defRPr sz="2400" b="0"/>
             </a:lvl1pPr>
             <a:lvl2pPr marL="457200" indent="0">
               <a:buNone/>
@@ -5745,13 +8714,7 @@
       </p:sp>
       <p:sp>
         <p:nvSpPr>
-          <p:cNvPr id="4" name="Content Placeholder 3">
-            <a:extLst>
-              <a:ext uri="{FF2B5EF4-FFF2-40B4-BE49-F238E27FC236}">
-                <a16:creationId xmlns:a16="http://schemas.microsoft.com/office/drawing/2014/main" id="{5BD80E48-EB77-E7A4-8CA1-25409C3BB6C5}"/>
-              </a:ext>
-            </a:extLst>
-          </p:cNvPr>
+          <p:cNvPr id="4" name="Content Placeholder 3"/>
           <p:cNvSpPr>
             <a:spLocks noGrp="1"/>
           </p:cNvSpPr>
@@ -5761,13 +8724,31 @@
         </p:nvSpPr>
         <p:spPr>
           <a:xfrm>
-            <a:off x="839788" y="2505075"/>
-            <a:ext cx="5157787" cy="3684588"/>
+            <a:off x="1005872" y="2380137"/>
+            <a:ext cx="4876344" cy="3411063"/>
           </a:xfrm>
         </p:spPr>
         <p:txBody>
-          <a:bodyPr/>
-          <a:lstStyle/>
+          <a:bodyPr anchor="t">
+            <a:normAutofit/>
+          </a:bodyPr>
+          <a:lstStyle>
+            <a:lvl1pPr>
+              <a:defRPr sz="1800"/>
+            </a:lvl1pPr>
+            <a:lvl2pPr>
+              <a:defRPr sz="1600"/>
+            </a:lvl2pPr>
+            <a:lvl3pPr>
+              <a:defRPr sz="1400"/>
+            </a:lvl3pPr>
+            <a:lvl4pPr>
+              <a:defRPr sz="1200"/>
+            </a:lvl4pPr>
+            <a:lvl5pPr>
+              <a:defRPr sz="1200"/>
+            </a:lvl5pPr>
+          </a:lstStyle>
           <a:p>
             <a:pPr lvl="0"/>
             <a:r>
@@ -5802,19 +8783,13 @@
               <a:rPr lang="en-US"/>
               <a:t>Fifth level</a:t>
             </a:r>
-            <a:endParaRPr lang="en-IN"/>
-          </a:p>
-        </p:txBody>
-      </p:sp>
-      <p:sp>
-        <p:nvSpPr>
-          <p:cNvPr id="5" name="Text Placeholder 4">
-            <a:extLst>
-              <a:ext uri="{FF2B5EF4-FFF2-40B4-BE49-F238E27FC236}">
-                <a16:creationId xmlns:a16="http://schemas.microsoft.com/office/drawing/2014/main" id="{6032125C-C4EC-3B9D-54DF-583D8D90D5E4}"/>
-              </a:ext>
-            </a:extLst>
-          </p:cNvPr>
+            <a:endParaRPr lang="en-US" dirty="0"/>
+          </a:p>
+        </p:txBody>
+      </p:sp>
+      <p:sp>
+        <p:nvSpPr>
+          <p:cNvPr id="5" name="Text Placeholder 4"/>
           <p:cNvSpPr>
             <a:spLocks noGrp="1"/>
           </p:cNvSpPr>
@@ -5824,16 +8799,18 @@
         </p:nvSpPr>
         <p:spPr>
           <a:xfrm>
-            <a:off x="6172200" y="1681163"/>
-            <a:ext cx="5183188" cy="823912"/>
+            <a:off x="6294967" y="1835254"/>
+            <a:ext cx="4895330" cy="544883"/>
           </a:xfrm>
         </p:spPr>
         <p:txBody>
-          <a:bodyPr anchor="b"/>
+          <a:bodyPr anchor="b">
+            <a:noAutofit/>
+          </a:bodyPr>
           <a:lstStyle>
-            <a:lvl1pPr marL="0" indent="0">
-              <a:buNone/>
-              <a:defRPr sz="2400" b="1"/>
+            <a:lvl1pPr marL="0" indent="0" algn="ctr">
+              <a:buNone/>
+              <a:defRPr sz="2400" b="0"/>
             </a:lvl1pPr>
             <a:lvl2pPr marL="457200" indent="0">
               <a:buNone/>
@@ -5879,13 +8856,7 @@
       </p:sp>
       <p:sp>
         <p:nvSpPr>
-          <p:cNvPr id="6" name="Content Placeholder 5">
-            <a:extLst>
-              <a:ext uri="{FF2B5EF4-FFF2-40B4-BE49-F238E27FC236}">
-                <a16:creationId xmlns:a16="http://schemas.microsoft.com/office/drawing/2014/main" id="{C9648A6B-F577-DE1B-86A7-CFA902647D00}"/>
-              </a:ext>
-            </a:extLst>
-          </p:cNvPr>
+          <p:cNvPr id="6" name="Content Placeholder 5"/>
           <p:cNvSpPr>
             <a:spLocks noGrp="1"/>
           </p:cNvSpPr>
@@ -5895,13 +8866,31 @@
         </p:nvSpPr>
         <p:spPr>
           <a:xfrm>
-            <a:off x="6172200" y="2505075"/>
-            <a:ext cx="5183188" cy="3684588"/>
+            <a:off x="6294967" y="2380137"/>
+            <a:ext cx="4895330" cy="3411063"/>
           </a:xfrm>
         </p:spPr>
         <p:txBody>
-          <a:bodyPr/>
-          <a:lstStyle/>
+          <a:bodyPr anchor="t">
+            <a:normAutofit/>
+          </a:bodyPr>
+          <a:lstStyle>
+            <a:lvl1pPr>
+              <a:defRPr sz="1800"/>
+            </a:lvl1pPr>
+            <a:lvl2pPr>
+              <a:defRPr sz="1600"/>
+            </a:lvl2pPr>
+            <a:lvl3pPr>
+              <a:defRPr sz="1400"/>
+            </a:lvl3pPr>
+            <a:lvl4pPr>
+              <a:defRPr sz="1200"/>
+            </a:lvl4pPr>
+            <a:lvl5pPr>
+              <a:defRPr sz="1200"/>
+            </a:lvl5pPr>
+          </a:lstStyle>
           <a:p>
             <a:pPr lvl="0"/>
             <a:r>
@@ -5936,19 +8925,13 @@
               <a:rPr lang="en-US"/>
               <a:t>Fifth level</a:t>
             </a:r>
-            <a:endParaRPr lang="en-IN"/>
-          </a:p>
-        </p:txBody>
-      </p:sp>
-      <p:sp>
-        <p:nvSpPr>
-          <p:cNvPr id="7" name="Date Placeholder 6">
-            <a:extLst>
-              <a:ext uri="{FF2B5EF4-FFF2-40B4-BE49-F238E27FC236}">
-                <a16:creationId xmlns:a16="http://schemas.microsoft.com/office/drawing/2014/main" id="{649659E0-ADD9-72B4-CF3B-353536CE245B}"/>
-              </a:ext>
-            </a:extLst>
-          </p:cNvPr>
+            <a:endParaRPr lang="en-US" dirty="0"/>
+          </a:p>
+        </p:txBody>
+      </p:sp>
+      <p:sp>
+        <p:nvSpPr>
+          <p:cNvPr id="7" name="Date Placeholder 6"/>
           <p:cNvSpPr>
             <a:spLocks noGrp="1"/>
           </p:cNvSpPr>
@@ -5971,13 +8954,7 @@
       </p:sp>
       <p:sp>
         <p:nvSpPr>
-          <p:cNvPr id="8" name="Footer Placeholder 7">
-            <a:extLst>
-              <a:ext uri="{FF2B5EF4-FFF2-40B4-BE49-F238E27FC236}">
-                <a16:creationId xmlns:a16="http://schemas.microsoft.com/office/drawing/2014/main" id="{58A947A7-A7A1-502A-851D-0795451F6D59}"/>
-              </a:ext>
-            </a:extLst>
-          </p:cNvPr>
+          <p:cNvPr id="8" name="Footer Placeholder 7"/>
           <p:cNvSpPr>
             <a:spLocks noGrp="1"/>
           </p:cNvSpPr>
@@ -5996,13 +8973,7 @@
       </p:sp>
       <p:sp>
         <p:nvSpPr>
-          <p:cNvPr id="9" name="Slide Number Placeholder 8">
-            <a:extLst>
-              <a:ext uri="{FF2B5EF4-FFF2-40B4-BE49-F238E27FC236}">
-                <a16:creationId xmlns:a16="http://schemas.microsoft.com/office/drawing/2014/main" id="{38768A46-3C86-EBF1-678F-3911C547FE0B}"/>
-              </a:ext>
-            </a:extLst>
-          </p:cNvPr>
+          <p:cNvPr id="9" name="Slide Number Placeholder 8"/>
           <p:cNvSpPr>
             <a:spLocks noGrp="1"/>
           </p:cNvSpPr>
@@ -6026,7 +8997,7 @@
     </p:spTree>
     <p:extLst>
       <p:ext uri="{BB962C8B-B14F-4D97-AF65-F5344CB8AC3E}">
-        <p14:creationId xmlns:p14="http://schemas.microsoft.com/office/powerpoint/2010/main" val="2529456353"/>
+        <p14:creationId xmlns:p14="http://schemas.microsoft.com/office/powerpoint/2010/main" val="3103099859"/>
       </p:ext>
     </p:extLst>
   </p:cSld>
@@ -6055,13 +9026,7 @@
       </p:grpSpPr>
       <p:sp>
         <p:nvSpPr>
-          <p:cNvPr id="2" name="Title 1">
-            <a:extLst>
-              <a:ext uri="{FF2B5EF4-FFF2-40B4-BE49-F238E27FC236}">
-                <a16:creationId xmlns:a16="http://schemas.microsoft.com/office/drawing/2014/main" id="{B9938E29-E504-4F3A-7679-3A1D13D7729E}"/>
-              </a:ext>
-            </a:extLst>
-          </p:cNvPr>
+          <p:cNvPr id="2" name="Title 1"/>
           <p:cNvSpPr>
             <a:spLocks noGrp="1"/>
           </p:cNvSpPr>
@@ -6078,19 +9043,13 @@
               <a:rPr lang="en-US"/>
               <a:t>Click to edit Master title style</a:t>
             </a:r>
-            <a:endParaRPr lang="en-IN"/>
-          </a:p>
-        </p:txBody>
-      </p:sp>
-      <p:sp>
-        <p:nvSpPr>
-          <p:cNvPr id="3" name="Date Placeholder 2">
-            <a:extLst>
-              <a:ext uri="{FF2B5EF4-FFF2-40B4-BE49-F238E27FC236}">
-                <a16:creationId xmlns:a16="http://schemas.microsoft.com/office/drawing/2014/main" id="{9B34A9CA-95A9-FA60-A427-5B3B8FF93284}"/>
-              </a:ext>
-            </a:extLst>
-          </p:cNvPr>
+            <a:endParaRPr lang="en-US" dirty="0"/>
+          </a:p>
+        </p:txBody>
+      </p:sp>
+      <p:sp>
+        <p:nvSpPr>
+          <p:cNvPr id="3" name="Date Placeholder 2"/>
           <p:cNvSpPr>
             <a:spLocks noGrp="1"/>
           </p:cNvSpPr>
@@ -6113,13 +9072,7 @@
       </p:sp>
       <p:sp>
         <p:nvSpPr>
-          <p:cNvPr id="4" name="Footer Placeholder 3">
-            <a:extLst>
-              <a:ext uri="{FF2B5EF4-FFF2-40B4-BE49-F238E27FC236}">
-                <a16:creationId xmlns:a16="http://schemas.microsoft.com/office/drawing/2014/main" id="{FD20BD1D-FAEC-BEDD-E973-EDAF5744315B}"/>
-              </a:ext>
-            </a:extLst>
-          </p:cNvPr>
+          <p:cNvPr id="4" name="Footer Placeholder 3"/>
           <p:cNvSpPr>
             <a:spLocks noGrp="1"/>
           </p:cNvSpPr>
@@ -6138,13 +9091,7 @@
       </p:sp>
       <p:sp>
         <p:nvSpPr>
-          <p:cNvPr id="5" name="Slide Number Placeholder 4">
-            <a:extLst>
-              <a:ext uri="{FF2B5EF4-FFF2-40B4-BE49-F238E27FC236}">
-                <a16:creationId xmlns:a16="http://schemas.microsoft.com/office/drawing/2014/main" id="{D6F8B0AC-FA1F-1EAD-9290-AC7ED82D141B}"/>
-              </a:ext>
-            </a:extLst>
-          </p:cNvPr>
+          <p:cNvPr id="5" name="Slide Number Placeholder 4"/>
           <p:cNvSpPr>
             <a:spLocks noGrp="1"/>
           </p:cNvSpPr>
@@ -6168,7 +9115,7 @@
     </p:spTree>
     <p:extLst>
       <p:ext uri="{BB962C8B-B14F-4D97-AF65-F5344CB8AC3E}">
-        <p14:creationId xmlns:p14="http://schemas.microsoft.com/office/powerpoint/2010/main" val="3140017080"/>
+        <p14:creationId xmlns:p14="http://schemas.microsoft.com/office/powerpoint/2010/main" val="3928266408"/>
       </p:ext>
     </p:extLst>
   </p:cSld>
@@ -6197,13 +9144,7 @@
       </p:grpSpPr>
       <p:sp>
         <p:nvSpPr>
-          <p:cNvPr id="2" name="Date Placeholder 1">
-            <a:extLst>
-              <a:ext uri="{FF2B5EF4-FFF2-40B4-BE49-F238E27FC236}">
-                <a16:creationId xmlns:a16="http://schemas.microsoft.com/office/drawing/2014/main" id="{361687CD-7058-D44A-3B2E-A6041D1EB305}"/>
-              </a:ext>
-            </a:extLst>
-          </p:cNvPr>
+          <p:cNvPr id="2" name="Date Placeholder 1"/>
           <p:cNvSpPr>
             <a:spLocks noGrp="1"/>
           </p:cNvSpPr>
@@ -6226,13 +9167,7 @@
       </p:sp>
       <p:sp>
         <p:nvSpPr>
-          <p:cNvPr id="3" name="Footer Placeholder 2">
-            <a:extLst>
-              <a:ext uri="{FF2B5EF4-FFF2-40B4-BE49-F238E27FC236}">
-                <a16:creationId xmlns:a16="http://schemas.microsoft.com/office/drawing/2014/main" id="{0B07436D-E458-4064-5DE1-254CC9B3602F}"/>
-              </a:ext>
-            </a:extLst>
-          </p:cNvPr>
+          <p:cNvPr id="3" name="Footer Placeholder 2"/>
           <p:cNvSpPr>
             <a:spLocks noGrp="1"/>
           </p:cNvSpPr>
@@ -6251,13 +9186,7 @@
       </p:sp>
       <p:sp>
         <p:nvSpPr>
-          <p:cNvPr id="4" name="Slide Number Placeholder 3">
-            <a:extLst>
-              <a:ext uri="{FF2B5EF4-FFF2-40B4-BE49-F238E27FC236}">
-                <a16:creationId xmlns:a16="http://schemas.microsoft.com/office/drawing/2014/main" id="{AF355A0E-3FBC-4D88-2CBF-ACC274D51956}"/>
-              </a:ext>
-            </a:extLst>
-          </p:cNvPr>
+          <p:cNvPr id="4" name="Slide Number Placeholder 3"/>
           <p:cNvSpPr>
             <a:spLocks noGrp="1"/>
           </p:cNvSpPr>
@@ -6281,7 +9210,7 @@
     </p:spTree>
     <p:extLst>
       <p:ext uri="{BB962C8B-B14F-4D97-AF65-F5344CB8AC3E}">
-        <p14:creationId xmlns:p14="http://schemas.microsoft.com/office/powerpoint/2010/main" val="2991599974"/>
+        <p14:creationId xmlns:p14="http://schemas.microsoft.com/office/powerpoint/2010/main" val="19831408"/>
       </p:ext>
     </p:extLst>
   </p:cSld>
@@ -6310,13 +9239,7 @@
       </p:grpSpPr>
       <p:sp>
         <p:nvSpPr>
-          <p:cNvPr id="2" name="Title 1">
-            <a:extLst>
-              <a:ext uri="{FF2B5EF4-FFF2-40B4-BE49-F238E27FC236}">
-                <a16:creationId xmlns:a16="http://schemas.microsoft.com/office/drawing/2014/main" id="{C3919390-B5B3-14A4-2941-0E69B8210E1E}"/>
-              </a:ext>
-            </a:extLst>
-          </p:cNvPr>
+          <p:cNvPr id="2" name="Title 1"/>
           <p:cNvSpPr>
             <a:spLocks noGrp="1"/>
           </p:cNvSpPr>
@@ -6326,15 +9249,17 @@
         </p:nvSpPr>
         <p:spPr>
           <a:xfrm>
-            <a:off x="839788" y="457200"/>
-            <a:ext cx="3932237" cy="1600200"/>
+            <a:off x="913795" y="609600"/>
+            <a:ext cx="3706889" cy="1821918"/>
           </a:xfrm>
         </p:spPr>
         <p:txBody>
-          <a:bodyPr anchor="b"/>
+          <a:bodyPr anchor="b">
+            <a:normAutofit/>
+          </a:bodyPr>
           <a:lstStyle>
-            <a:lvl1pPr>
-              <a:defRPr sz="3200"/>
+            <a:lvl1pPr algn="ctr">
+              <a:defRPr sz="2400" b="0"/>
             </a:lvl1pPr>
           </a:lstStyle>
           <a:p>
@@ -6342,19 +9267,13 @@
               <a:rPr lang="en-US"/>
               <a:t>Click to edit Master title style</a:t>
             </a:r>
-            <a:endParaRPr lang="en-IN"/>
-          </a:p>
-        </p:txBody>
-      </p:sp>
-      <p:sp>
-        <p:nvSpPr>
-          <p:cNvPr id="3" name="Content Placeholder 2">
-            <a:extLst>
-              <a:ext uri="{FF2B5EF4-FFF2-40B4-BE49-F238E27FC236}">
-                <a16:creationId xmlns:a16="http://schemas.microsoft.com/office/drawing/2014/main" id="{7277E55D-825D-6F0B-B393-AFDD9B9B9368}"/>
-              </a:ext>
-            </a:extLst>
-          </p:cNvPr>
+            <a:endParaRPr lang="en-US" dirty="0"/>
+          </a:p>
+        </p:txBody>
+      </p:sp>
+      <p:sp>
+        <p:nvSpPr>
+          <p:cNvPr id="3" name="Content Placeholder 2"/>
           <p:cNvSpPr>
             <a:spLocks noGrp="1"/>
           </p:cNvSpPr>
@@ -6364,41 +9283,15 @@
         </p:nvSpPr>
         <p:spPr>
           <a:xfrm>
-            <a:off x="5183188" y="987425"/>
-            <a:ext cx="6172200" cy="4873625"/>
+            <a:off x="4855633" y="609600"/>
+            <a:ext cx="6411924" cy="5181600"/>
           </a:xfrm>
         </p:spPr>
         <p:txBody>
-          <a:bodyPr/>
-          <a:lstStyle>
-            <a:lvl1pPr>
-              <a:defRPr sz="3200"/>
-            </a:lvl1pPr>
-            <a:lvl2pPr>
-              <a:defRPr sz="2800"/>
-            </a:lvl2pPr>
-            <a:lvl3pPr>
-              <a:defRPr sz="2400"/>
-            </a:lvl3pPr>
-            <a:lvl4pPr>
-              <a:defRPr sz="2000"/>
-            </a:lvl4pPr>
-            <a:lvl5pPr>
-              <a:defRPr sz="2000"/>
-            </a:lvl5pPr>
-            <a:lvl6pPr>
-              <a:defRPr sz="2000"/>
-            </a:lvl6pPr>
-            <a:lvl7pPr>
-              <a:defRPr sz="2000"/>
-            </a:lvl7pPr>
-            <a:lvl8pPr>
-              <a:defRPr sz="2000"/>
-            </a:lvl8pPr>
-            <a:lvl9pPr>
-              <a:defRPr sz="2000"/>
-            </a:lvl9pPr>
-          </a:lstStyle>
+          <a:bodyPr>
+            <a:normAutofit/>
+          </a:bodyPr>
+          <a:lstStyle/>
           <a:p>
             <a:pPr lvl="0"/>
             <a:r>
@@ -6433,19 +9326,13 @@
               <a:rPr lang="en-US"/>
               <a:t>Fifth level</a:t>
             </a:r>
-            <a:endParaRPr lang="en-IN"/>
-          </a:p>
-        </p:txBody>
-      </p:sp>
-      <p:sp>
-        <p:nvSpPr>
-          <p:cNvPr id="4" name="Text Placeholder 3">
-            <a:extLst>
-              <a:ext uri="{FF2B5EF4-FFF2-40B4-BE49-F238E27FC236}">
-                <a16:creationId xmlns:a16="http://schemas.microsoft.com/office/drawing/2014/main" id="{00A3453E-735A-31B8-55F8-24190679A33C}"/>
-              </a:ext>
-            </a:extLst>
-          </p:cNvPr>
+            <a:endParaRPr lang="en-US" dirty="0"/>
+          </a:p>
+        </p:txBody>
+      </p:sp>
+      <p:sp>
+        <p:nvSpPr>
+          <p:cNvPr id="4" name="Text Placeholder 3"/>
           <p:cNvSpPr>
             <a:spLocks noGrp="1"/>
           </p:cNvSpPr>
@@ -6455,48 +9342,50 @@
         </p:nvSpPr>
         <p:spPr>
           <a:xfrm>
-            <a:off x="839788" y="2057400"/>
-            <a:ext cx="3932237" cy="3811588"/>
+            <a:off x="913795" y="2431518"/>
+            <a:ext cx="3706889" cy="3359681"/>
           </a:xfrm>
         </p:spPr>
         <p:txBody>
-          <a:bodyPr/>
+          <a:bodyPr anchor="t">
+            <a:normAutofit/>
+          </a:bodyPr>
           <a:lstStyle>
-            <a:lvl1pPr marL="0" indent="0">
+            <a:lvl1pPr marL="0" indent="0" algn="ctr">
               <a:buNone/>
               <a:defRPr sz="1600"/>
             </a:lvl1pPr>
             <a:lvl2pPr marL="457200" indent="0">
               <a:buNone/>
-              <a:defRPr sz="1400"/>
+              <a:defRPr sz="1200"/>
             </a:lvl2pPr>
             <a:lvl3pPr marL="914400" indent="0">
               <a:buNone/>
-              <a:defRPr sz="1200"/>
+              <a:defRPr sz="1000"/>
             </a:lvl3pPr>
             <a:lvl4pPr marL="1371600" indent="0">
               <a:buNone/>
-              <a:defRPr sz="1000"/>
+              <a:defRPr sz="900"/>
             </a:lvl4pPr>
             <a:lvl5pPr marL="1828800" indent="0">
               <a:buNone/>
-              <a:defRPr sz="1000"/>
+              <a:defRPr sz="900"/>
             </a:lvl5pPr>
             <a:lvl6pPr marL="2286000" indent="0">
               <a:buNone/>
-              <a:defRPr sz="1000"/>
+              <a:defRPr sz="900"/>
             </a:lvl6pPr>
             <a:lvl7pPr marL="2743200" indent="0">
               <a:buNone/>
-              <a:defRPr sz="1000"/>
+              <a:defRPr sz="900"/>
             </a:lvl7pPr>
             <a:lvl8pPr marL="3200400" indent="0">
               <a:buNone/>
-              <a:defRPr sz="1000"/>
+              <a:defRPr sz="900"/>
             </a:lvl8pPr>
             <a:lvl9pPr marL="3657600" indent="0">
               <a:buNone/>
-              <a:defRPr sz="1000"/>
+              <a:defRPr sz="900"/>
             </a:lvl9pPr>
           </a:lstStyle>
           <a:p>
@@ -6510,13 +9399,7 @@
       </p:sp>
       <p:sp>
         <p:nvSpPr>
-          <p:cNvPr id="5" name="Date Placeholder 4">
-            <a:extLst>
-              <a:ext uri="{FF2B5EF4-FFF2-40B4-BE49-F238E27FC236}">
-                <a16:creationId xmlns:a16="http://schemas.microsoft.com/office/drawing/2014/main" id="{09C9BAA7-3966-79DE-5059-D085E623D11B}"/>
-              </a:ext>
-            </a:extLst>
-          </p:cNvPr>
+          <p:cNvPr id="5" name="Date Placeholder 4"/>
           <p:cNvSpPr>
             <a:spLocks noGrp="1"/>
           </p:cNvSpPr>
@@ -6539,13 +9422,7 @@
       </p:sp>
       <p:sp>
         <p:nvSpPr>
-          <p:cNvPr id="6" name="Footer Placeholder 5">
-            <a:extLst>
-              <a:ext uri="{FF2B5EF4-FFF2-40B4-BE49-F238E27FC236}">
-                <a16:creationId xmlns:a16="http://schemas.microsoft.com/office/drawing/2014/main" id="{EF72657B-4713-097B-ACAB-27753AB8712B}"/>
-              </a:ext>
-            </a:extLst>
-          </p:cNvPr>
+          <p:cNvPr id="6" name="Footer Placeholder 5"/>
           <p:cNvSpPr>
             <a:spLocks noGrp="1"/>
           </p:cNvSpPr>
@@ -6564,13 +9441,7 @@
       </p:sp>
       <p:sp>
         <p:nvSpPr>
-          <p:cNvPr id="7" name="Slide Number Placeholder 6">
-            <a:extLst>
-              <a:ext uri="{FF2B5EF4-FFF2-40B4-BE49-F238E27FC236}">
-                <a16:creationId xmlns:a16="http://schemas.microsoft.com/office/drawing/2014/main" id="{46EACB33-3CB9-0C33-B5AA-68AAFBCA3D9D}"/>
-              </a:ext>
-            </a:extLst>
-          </p:cNvPr>
+          <p:cNvPr id="7" name="Slide Number Placeholder 6"/>
           <p:cNvSpPr>
             <a:spLocks noGrp="1"/>
           </p:cNvSpPr>
@@ -6594,7 +9465,7 @@
     </p:spTree>
     <p:extLst>
       <p:ext uri="{BB962C8B-B14F-4D97-AF65-F5344CB8AC3E}">
-        <p14:creationId xmlns:p14="http://schemas.microsoft.com/office/powerpoint/2010/main" val="4219540755"/>
+        <p14:creationId xmlns:p14="http://schemas.microsoft.com/office/powerpoint/2010/main" val="565179391"/>
       </p:ext>
     </p:extLst>
   </p:cSld>
@@ -6621,33 +9492,59 @@
           <a:chExt cx="0" cy="0"/>
         </a:xfrm>
       </p:grpSpPr>
-      <p:sp>
-        <p:nvSpPr>
-          <p:cNvPr id="2" name="Title 1">
+      <p:pic>
+        <p:nvPicPr>
+          <p:cNvPr id="22" name="Picture 21" descr="Slate-V2-HD-vertPhotoInset.png"/>
+          <p:cNvPicPr>
+            <a:picLocks noChangeAspect="1"/>
+          </p:cNvPicPr>
+          <p:nvPr/>
+        </p:nvPicPr>
+        <p:blipFill>
+          <a:blip r:embed="rId2">
             <a:extLst>
-              <a:ext uri="{FF2B5EF4-FFF2-40B4-BE49-F238E27FC236}">
-                <a16:creationId xmlns:a16="http://schemas.microsoft.com/office/drawing/2014/main" id="{BA0DCAE8-033F-2701-7245-E5FD1F3B38D5}"/>
+              <a:ext uri="{28A0092B-C50C-407E-A947-70E740481C1C}">
+                <a14:useLocalDpi xmlns:a14="http://schemas.microsoft.com/office/drawing/2010/main" val="0"/>
               </a:ext>
             </a:extLst>
-          </p:cNvPr>
-          <p:cNvSpPr>
-            <a:spLocks noGrp="1"/>
-          </p:cNvSpPr>
-          <p:nvPr>
-            <p:ph type="title"/>
-          </p:nvPr>
-        </p:nvSpPr>
+          </a:blip>
+          <a:stretch>
+            <a:fillRect/>
+          </a:stretch>
+        </p:blipFill>
         <p:spPr>
           <a:xfrm>
-            <a:off x="839788" y="457200"/>
-            <a:ext cx="3932237" cy="1600200"/>
+            <a:off x="7293665" y="609600"/>
+            <a:ext cx="3584166" cy="5204832"/>
+          </a:xfrm>
+          <a:prstGeom prst="rect">
+            <a:avLst/>
+          </a:prstGeom>
+        </p:spPr>
+      </p:pic>
+      <p:sp>
+        <p:nvSpPr>
+          <p:cNvPr id="2" name="Title 1"/>
+          <p:cNvSpPr>
+            <a:spLocks noGrp="1"/>
+          </p:cNvSpPr>
+          <p:nvPr>
+            <p:ph type="title"/>
+          </p:nvPr>
+        </p:nvSpPr>
+        <p:spPr>
+          <a:xfrm>
+            <a:off x="913795" y="609923"/>
+            <a:ext cx="5934949" cy="1829338"/>
           </a:xfrm>
         </p:spPr>
         <p:txBody>
-          <a:bodyPr anchor="b"/>
+          <a:bodyPr anchor="b">
+            <a:noAutofit/>
+          </a:bodyPr>
           <a:lstStyle>
-            <a:lvl1pPr>
-              <a:defRPr sz="3200"/>
+            <a:lvl1pPr algn="ctr">
+              <a:defRPr sz="3200" b="0"/>
             </a:lvl1pPr>
           </a:lstStyle>
           <a:p>
@@ -6655,21 +9552,15 @@
               <a:rPr lang="en-US"/>
               <a:t>Click to edit Master title style</a:t>
             </a:r>
-            <a:endParaRPr lang="en-IN"/>
-          </a:p>
-        </p:txBody>
-      </p:sp>
-      <p:sp>
-        <p:nvSpPr>
-          <p:cNvPr id="3" name="Picture Placeholder 2">
-            <a:extLst>
-              <a:ext uri="{FF2B5EF4-FFF2-40B4-BE49-F238E27FC236}">
-                <a16:creationId xmlns:a16="http://schemas.microsoft.com/office/drawing/2014/main" id="{99E4A885-8D4A-A4FB-6CBF-233942ABC772}"/>
-              </a:ext>
-            </a:extLst>
-          </p:cNvPr>
-          <p:cNvSpPr>
-            <a:spLocks noGrp="1"/>
+            <a:endParaRPr lang="en-US" dirty="0"/>
+          </a:p>
+        </p:txBody>
+      </p:sp>
+      <p:sp>
+        <p:nvSpPr>
+          <p:cNvPr id="3" name="Picture Placeholder 2"/>
+          <p:cNvSpPr>
+            <a:spLocks noGrp="1" noChangeAspect="1"/>
           </p:cNvSpPr>
           <p:nvPr>
             <p:ph type="pic" idx="1"/>
@@ -6677,118 +9568,127 @@
         </p:nvSpPr>
         <p:spPr>
           <a:xfrm>
-            <a:off x="5183188" y="987425"/>
-            <a:ext cx="6172200" cy="4873625"/>
+            <a:off x="7442551" y="763702"/>
+            <a:ext cx="3275751" cy="4912822"/>
           </a:xfrm>
+          <a:effectLst>
+            <a:outerShdw blurRad="38100" dist="25400" dir="4440000">
+              <a:srgbClr val="000000">
+                <a:alpha val="36000"/>
+              </a:srgbClr>
+            </a:outerShdw>
+          </a:effectLst>
         </p:spPr>
         <p:txBody>
-          <a:bodyPr/>
+          <a:bodyPr anchor="t">
+            <a:normAutofit/>
+          </a:bodyPr>
           <a:lstStyle>
-            <a:lvl1pPr marL="0" indent="0">
-              <a:buNone/>
-              <a:defRPr sz="3200"/>
-            </a:lvl1pPr>
-            <a:lvl2pPr marL="457200" indent="0">
-              <a:buNone/>
-              <a:defRPr sz="2800"/>
-            </a:lvl2pPr>
-            <a:lvl3pPr marL="914400" indent="0">
-              <a:buNone/>
-              <a:defRPr sz="2400"/>
-            </a:lvl3pPr>
-            <a:lvl4pPr marL="1371600" indent="0">
-              <a:buNone/>
-              <a:defRPr sz="2000"/>
-            </a:lvl4pPr>
-            <a:lvl5pPr marL="1828800" indent="0">
-              <a:buNone/>
-              <a:defRPr sz="2000"/>
-            </a:lvl5pPr>
-            <a:lvl6pPr marL="2286000" indent="0">
-              <a:buNone/>
-              <a:defRPr sz="2000"/>
-            </a:lvl6pPr>
-            <a:lvl7pPr marL="2743200" indent="0">
-              <a:buNone/>
-              <a:defRPr sz="2000"/>
-            </a:lvl7pPr>
-            <a:lvl8pPr marL="3200400" indent="0">
-              <a:buNone/>
-              <a:defRPr sz="2000"/>
-            </a:lvl8pPr>
-            <a:lvl9pPr marL="3657600" indent="0">
-              <a:buNone/>
-              <a:defRPr sz="2000"/>
-            </a:lvl9pPr>
-          </a:lstStyle>
-          <a:p>
-            <a:endParaRPr lang="en-IN"/>
-          </a:p>
-        </p:txBody>
-      </p:sp>
-      <p:sp>
-        <p:nvSpPr>
-          <p:cNvPr id="4" name="Text Placeholder 3">
-            <a:extLst>
-              <a:ext uri="{FF2B5EF4-FFF2-40B4-BE49-F238E27FC236}">
-                <a16:creationId xmlns:a16="http://schemas.microsoft.com/office/drawing/2014/main" id="{7ACC4EDD-C24A-428E-F549-4CF87A85585E}"/>
-              </a:ext>
-            </a:extLst>
-          </p:cNvPr>
-          <p:cNvSpPr>
-            <a:spLocks noGrp="1"/>
-          </p:cNvSpPr>
-          <p:nvPr>
-            <p:ph type="body" sz="half" idx="2"/>
-          </p:nvPr>
-        </p:nvSpPr>
-        <p:spPr>
-          <a:xfrm>
-            <a:off x="839788" y="2057400"/>
-            <a:ext cx="3932237" cy="3811588"/>
-          </a:xfrm>
-        </p:spPr>
-        <p:txBody>
-          <a:bodyPr/>
-          <a:lstStyle>
-            <a:lvl1pPr marL="0" indent="0">
+            <a:lvl1pPr marL="0" indent="0" algn="ctr">
               <a:buNone/>
               <a:defRPr sz="1600"/>
             </a:lvl1pPr>
             <a:lvl2pPr marL="457200" indent="0">
               <a:buNone/>
-              <a:defRPr sz="1400"/>
+              <a:defRPr sz="1600"/>
             </a:lvl2pPr>
             <a:lvl3pPr marL="914400" indent="0">
               <a:buNone/>
-              <a:defRPr sz="1200"/>
+              <a:defRPr sz="1600"/>
             </a:lvl3pPr>
             <a:lvl4pPr marL="1371600" indent="0">
               <a:buNone/>
-              <a:defRPr sz="1000"/>
+              <a:defRPr sz="1600"/>
             </a:lvl4pPr>
             <a:lvl5pPr marL="1828800" indent="0">
               <a:buNone/>
-              <a:defRPr sz="1000"/>
+              <a:defRPr sz="1600"/>
             </a:lvl5pPr>
             <a:lvl6pPr marL="2286000" indent="0">
               <a:buNone/>
-              <a:defRPr sz="1000"/>
+              <a:defRPr sz="1600"/>
             </a:lvl6pPr>
             <a:lvl7pPr marL="2743200" indent="0">
               <a:buNone/>
-              <a:defRPr sz="1000"/>
+              <a:defRPr sz="1600"/>
             </a:lvl7pPr>
             <a:lvl8pPr marL="3200400" indent="0">
               <a:buNone/>
-              <a:defRPr sz="1000"/>
+              <a:defRPr sz="1600"/>
             </a:lvl8pPr>
             <a:lvl9pPr marL="3657600" indent="0">
               <a:buNone/>
-              <a:defRPr sz="1000"/>
+              <a:defRPr sz="1600"/>
             </a:lvl9pPr>
           </a:lstStyle>
           <a:p>
+            <a:r>
+              <a:rPr lang="en-US"/>
+              <a:t>Click icon to add picture</a:t>
+            </a:r>
+            <a:endParaRPr lang="en-US" dirty="0"/>
+          </a:p>
+        </p:txBody>
+      </p:sp>
+      <p:sp>
+        <p:nvSpPr>
+          <p:cNvPr id="4" name="Text Placeholder 3"/>
+          <p:cNvSpPr>
+            <a:spLocks noGrp="1"/>
+          </p:cNvSpPr>
+          <p:nvPr>
+            <p:ph type="body" sz="half" idx="2"/>
+          </p:nvPr>
+        </p:nvSpPr>
+        <p:spPr>
+          <a:xfrm>
+            <a:off x="913795" y="2439261"/>
+            <a:ext cx="5934949" cy="3376134"/>
+          </a:xfrm>
+        </p:spPr>
+        <p:txBody>
+          <a:bodyPr anchor="t">
+            <a:normAutofit/>
+          </a:bodyPr>
+          <a:lstStyle>
+            <a:lvl1pPr marL="0" indent="0" algn="ctr">
+              <a:buNone/>
+              <a:defRPr sz="1600"/>
+            </a:lvl1pPr>
+            <a:lvl2pPr marL="457200" indent="0">
+              <a:buNone/>
+              <a:defRPr sz="1200"/>
+            </a:lvl2pPr>
+            <a:lvl3pPr marL="914400" indent="0">
+              <a:buNone/>
+              <a:defRPr sz="1000"/>
+            </a:lvl3pPr>
+            <a:lvl4pPr marL="1371600" indent="0">
+              <a:buNone/>
+              <a:defRPr sz="900"/>
+            </a:lvl4pPr>
+            <a:lvl5pPr marL="1828800" indent="0">
+              <a:buNone/>
+              <a:defRPr sz="900"/>
+            </a:lvl5pPr>
+            <a:lvl6pPr marL="2286000" indent="0">
+              <a:buNone/>
+              <a:defRPr sz="900"/>
+            </a:lvl6pPr>
+            <a:lvl7pPr marL="2743200" indent="0">
+              <a:buNone/>
+              <a:defRPr sz="900"/>
+            </a:lvl7pPr>
+            <a:lvl8pPr marL="3200400" indent="0">
+              <a:buNone/>
+              <a:defRPr sz="900"/>
+            </a:lvl8pPr>
+            <a:lvl9pPr marL="3657600" indent="0">
+              <a:buNone/>
+              <a:defRPr sz="900"/>
+            </a:lvl9pPr>
+          </a:lstStyle>
+          <a:p>
             <a:pPr lvl="0"/>
             <a:r>
               <a:rPr lang="en-US"/>
@@ -6799,13 +9699,7 @@
       </p:sp>
       <p:sp>
         <p:nvSpPr>
-          <p:cNvPr id="5" name="Date Placeholder 4">
-            <a:extLst>
-              <a:ext uri="{FF2B5EF4-FFF2-40B4-BE49-F238E27FC236}">
-                <a16:creationId xmlns:a16="http://schemas.microsoft.com/office/drawing/2014/main" id="{16861349-4688-A9A5-1B7C-7D3C7BB645BD}"/>
-              </a:ext>
-            </a:extLst>
-          </p:cNvPr>
+          <p:cNvPr id="5" name="Date Placeholder 4"/>
           <p:cNvSpPr>
             <a:spLocks noGrp="1"/>
           </p:cNvSpPr>
@@ -6828,13 +9722,7 @@
       </p:sp>
       <p:sp>
         <p:nvSpPr>
-          <p:cNvPr id="6" name="Footer Placeholder 5">
-            <a:extLst>
-              <a:ext uri="{FF2B5EF4-FFF2-40B4-BE49-F238E27FC236}">
-                <a16:creationId xmlns:a16="http://schemas.microsoft.com/office/drawing/2014/main" id="{17D54D0A-4673-D6B6-18BC-99BA8C7C6B59}"/>
-              </a:ext>
-            </a:extLst>
-          </p:cNvPr>
+          <p:cNvPr id="6" name="Footer Placeholder 5"/>
           <p:cNvSpPr>
             <a:spLocks noGrp="1"/>
           </p:cNvSpPr>
@@ -6853,13 +9741,7 @@
       </p:sp>
       <p:sp>
         <p:nvSpPr>
-          <p:cNvPr id="7" name="Slide Number Placeholder 6">
-            <a:extLst>
-              <a:ext uri="{FF2B5EF4-FFF2-40B4-BE49-F238E27FC236}">
-                <a16:creationId xmlns:a16="http://schemas.microsoft.com/office/drawing/2014/main" id="{D8BDD7F3-546D-06BA-B128-9F21B937B3ED}"/>
-              </a:ext>
-            </a:extLst>
-          </p:cNvPr>
+          <p:cNvPr id="7" name="Slide Number Placeholder 6"/>
           <p:cNvSpPr>
             <a:spLocks noGrp="1"/>
           </p:cNvSpPr>
@@ -6883,7 +9765,7 @@
     </p:spTree>
     <p:extLst>
       <p:ext uri="{BB962C8B-B14F-4D97-AF65-F5344CB8AC3E}">
-        <p14:creationId xmlns:p14="http://schemas.microsoft.com/office/powerpoint/2010/main" val="917014112"/>
+        <p14:creationId xmlns:p14="http://schemas.microsoft.com/office/powerpoint/2010/main" val="1462536426"/>
       </p:ext>
     </p:extLst>
   </p:cSld>
@@ -6897,8 +9779,8 @@
 <p:sldMaster xmlns:a="http://schemas.openxmlformats.org/drawingml/2006/main" xmlns:r="http://schemas.openxmlformats.org/officeDocument/2006/relationships" xmlns:p="http://schemas.openxmlformats.org/presentationml/2006/main">
   <p:cSld>
     <p:bg>
-      <p:bgRef idx="1001">
-        <a:schemeClr val="bg1"/>
+      <p:bgRef idx="1003">
+        <a:schemeClr val="bg2"/>
       </p:bgRef>
     </p:bg>
     <p:spTree>
@@ -6917,13 +9799,7 @@
       </p:grpSpPr>
       <p:sp>
         <p:nvSpPr>
-          <p:cNvPr id="2" name="Title Placeholder 1">
-            <a:extLst>
-              <a:ext uri="{FF2B5EF4-FFF2-40B4-BE49-F238E27FC236}">
-                <a16:creationId xmlns:a16="http://schemas.microsoft.com/office/drawing/2014/main" id="{ABDE43DD-21FF-877F-CE0D-694CAB7D43CE}"/>
-              </a:ext>
-            </a:extLst>
-          </p:cNvPr>
+          <p:cNvPr id="2" name="Title Placeholder 1"/>
           <p:cNvSpPr>
             <a:spLocks noGrp="1"/>
           </p:cNvSpPr>
@@ -6933,12 +9809,19 @@
         </p:nvSpPr>
         <p:spPr>
           <a:xfrm>
-            <a:off x="838200" y="365125"/>
-            <a:ext cx="10515600" cy="1325563"/>
+            <a:off x="913795" y="609600"/>
+            <a:ext cx="10353762" cy="970450"/>
           </a:xfrm>
           <a:prstGeom prst="rect">
             <a:avLst/>
           </a:prstGeom>
+          <a:effectLst>
+            <a:outerShdw blurRad="25400" dir="17880000">
+              <a:srgbClr val="000000">
+                <a:alpha val="46000"/>
+              </a:srgbClr>
+            </a:outerShdw>
+          </a:effectLst>
         </p:spPr>
         <p:txBody>
           <a:bodyPr vert="horz" lIns="91440" tIns="45720" rIns="91440" bIns="45720" rtlCol="0" anchor="ctr">
@@ -6950,19 +9833,13 @@
               <a:rPr lang="en-US"/>
               <a:t>Click to edit Master title style</a:t>
             </a:r>
-            <a:endParaRPr lang="en-IN"/>
-          </a:p>
-        </p:txBody>
-      </p:sp>
-      <p:sp>
-        <p:nvSpPr>
-          <p:cNvPr id="3" name="Text Placeholder 2">
-            <a:extLst>
-              <a:ext uri="{FF2B5EF4-FFF2-40B4-BE49-F238E27FC236}">
-                <a16:creationId xmlns:a16="http://schemas.microsoft.com/office/drawing/2014/main" id="{B20F5177-29C3-5BB4-3FDA-68E775E939F6}"/>
-              </a:ext>
-            </a:extLst>
-          </p:cNvPr>
+            <a:endParaRPr lang="en-US" dirty="0"/>
+          </a:p>
+        </p:txBody>
+      </p:sp>
+      <p:sp>
+        <p:nvSpPr>
+          <p:cNvPr id="3" name="Text Placeholder 2"/>
           <p:cNvSpPr>
             <a:spLocks noGrp="1"/>
           </p:cNvSpPr>
@@ -6972,15 +9849,22 @@
         </p:nvSpPr>
         <p:spPr>
           <a:xfrm>
-            <a:off x="838200" y="1825625"/>
-            <a:ext cx="10515600" cy="4351338"/>
+            <a:off x="913795" y="1732449"/>
+            <a:ext cx="10353762" cy="4058751"/>
           </a:xfrm>
           <a:prstGeom prst="rect">
             <a:avLst/>
           </a:prstGeom>
+          <a:effectLst>
+            <a:outerShdw blurRad="25400" dir="17880000">
+              <a:srgbClr val="000000">
+                <a:alpha val="46000"/>
+              </a:srgbClr>
+            </a:outerShdw>
+          </a:effectLst>
         </p:spPr>
         <p:txBody>
-          <a:bodyPr vert="horz" lIns="91440" tIns="45720" rIns="91440" bIns="45720" rtlCol="0">
+          <a:bodyPr vert="horz" lIns="91440" tIns="45720" rIns="91440" bIns="45720" rtlCol="0" anchor="t">
             <a:normAutofit/>
           </a:bodyPr>
           <a:lstStyle/>
@@ -7018,19 +9902,13 @@
               <a:rPr lang="en-US"/>
               <a:t>Fifth level</a:t>
             </a:r>
-            <a:endParaRPr lang="en-IN"/>
-          </a:p>
-        </p:txBody>
-      </p:sp>
-      <p:sp>
-        <p:nvSpPr>
-          <p:cNvPr id="4" name="Date Placeholder 3">
-            <a:extLst>
-              <a:ext uri="{FF2B5EF4-FFF2-40B4-BE49-F238E27FC236}">
-                <a16:creationId xmlns:a16="http://schemas.microsoft.com/office/drawing/2014/main" id="{981C9FF2-620B-951A-59FD-D66024B322C3}"/>
-              </a:ext>
-            </a:extLst>
-          </p:cNvPr>
+            <a:endParaRPr lang="en-US" dirty="0"/>
+          </a:p>
+        </p:txBody>
+      </p:sp>
+      <p:sp>
+        <p:nvSpPr>
+          <p:cNvPr id="4" name="Date Placeholder 3"/>
           <p:cNvSpPr>
             <a:spLocks noGrp="1"/>
           </p:cNvSpPr>
@@ -7040,7 +9918,7 @@
         </p:nvSpPr>
         <p:spPr>
           <a:xfrm>
-            <a:off x="838200" y="6356350"/>
+            <a:off x="7678736" y="5883275"/>
             <a:ext cx="2743200" cy="365125"/>
           </a:xfrm>
           <a:prstGeom prst="rect">
@@ -7050,13 +9928,20 @@
         <p:txBody>
           <a:bodyPr vert="horz" lIns="91440" tIns="45720" rIns="91440" bIns="45720" rtlCol="0" anchor="ctr"/>
           <a:lstStyle>
-            <a:lvl1pPr algn="l">
-              <a:defRPr sz="1200">
+            <a:lvl1pPr algn="r">
+              <a:defRPr sz="1000">
                 <a:solidFill>
                   <a:schemeClr val="tx1">
-                    <a:tint val="75000"/>
+                    <a:lumMod val="95000"/>
                   </a:schemeClr>
                 </a:solidFill>
+                <a:effectLst>
+                  <a:outerShdw blurRad="50800" dist="38100" dir="2700000" algn="tl" rotWithShape="0">
+                    <a:schemeClr val="bg1">
+                      <a:alpha val="43000"/>
+                    </a:schemeClr>
+                  </a:outerShdw>
+                </a:effectLst>
               </a:defRPr>
             </a:lvl1pPr>
           </a:lstStyle>
@@ -7071,13 +9956,7 @@
       </p:sp>
       <p:sp>
         <p:nvSpPr>
-          <p:cNvPr id="5" name="Footer Placeholder 4">
-            <a:extLst>
-              <a:ext uri="{FF2B5EF4-FFF2-40B4-BE49-F238E27FC236}">
-                <a16:creationId xmlns:a16="http://schemas.microsoft.com/office/drawing/2014/main" id="{9A9BD811-9F0E-60CD-22F5-DA4B4FCB69E7}"/>
-              </a:ext>
-            </a:extLst>
-          </p:cNvPr>
+          <p:cNvPr id="5" name="Footer Placeholder 4"/>
           <p:cNvSpPr>
             <a:spLocks noGrp="1"/>
           </p:cNvSpPr>
@@ -7087,8 +9966,8 @@
         </p:nvSpPr>
         <p:spPr>
           <a:xfrm>
-            <a:off x="4038600" y="6356350"/>
-            <a:ext cx="4114800" cy="365125"/>
+            <a:off x="913795" y="5883275"/>
+            <a:ext cx="6672865" cy="365125"/>
           </a:xfrm>
           <a:prstGeom prst="rect">
             <a:avLst/>
@@ -7097,13 +9976,20 @@
         <p:txBody>
           <a:bodyPr vert="horz" lIns="91440" tIns="45720" rIns="91440" bIns="45720" rtlCol="0" anchor="ctr"/>
           <a:lstStyle>
-            <a:lvl1pPr algn="ctr">
-              <a:defRPr sz="1200">
+            <a:lvl1pPr algn="l">
+              <a:defRPr sz="1000">
                 <a:solidFill>
                   <a:schemeClr val="tx1">
-                    <a:tint val="75000"/>
+                    <a:lumMod val="95000"/>
                   </a:schemeClr>
                 </a:solidFill>
+                <a:effectLst>
+                  <a:outerShdw blurRad="50800" dist="38100" dir="2700000" algn="tl" rotWithShape="0">
+                    <a:schemeClr val="bg1">
+                      <a:alpha val="43000"/>
+                    </a:schemeClr>
+                  </a:outerShdw>
+                </a:effectLst>
               </a:defRPr>
             </a:lvl1pPr>
           </a:lstStyle>
@@ -7114,13 +10000,7 @@
       </p:sp>
       <p:sp>
         <p:nvSpPr>
-          <p:cNvPr id="6" name="Slide Number Placeholder 5">
-            <a:extLst>
-              <a:ext uri="{FF2B5EF4-FFF2-40B4-BE49-F238E27FC236}">
-                <a16:creationId xmlns:a16="http://schemas.microsoft.com/office/drawing/2014/main" id="{E7F296CD-99A3-F210-37B2-B554F3F5C5E5}"/>
-              </a:ext>
-            </a:extLst>
-          </p:cNvPr>
+          <p:cNvPr id="6" name="Slide Number Placeholder 5"/>
           <p:cNvSpPr>
             <a:spLocks noGrp="1"/>
           </p:cNvSpPr>
@@ -7130,8 +10010,8 @@
         </p:nvSpPr>
         <p:spPr>
           <a:xfrm>
-            <a:off x="8610600" y="6356350"/>
-            <a:ext cx="2743200" cy="365125"/>
+            <a:off x="10514011" y="5883275"/>
+            <a:ext cx="753545" cy="365125"/>
           </a:xfrm>
           <a:prstGeom prst="rect">
             <a:avLst/>
@@ -7141,12 +10021,19 @@
           <a:bodyPr vert="horz" lIns="91440" tIns="45720" rIns="91440" bIns="45720" rtlCol="0" anchor="ctr"/>
           <a:lstStyle>
             <a:lvl1pPr algn="r">
-              <a:defRPr sz="1200">
+              <a:defRPr sz="1000">
                 <a:solidFill>
                   <a:schemeClr val="tx1">
-                    <a:tint val="75000"/>
+                    <a:lumMod val="95000"/>
                   </a:schemeClr>
                 </a:solidFill>
+                <a:effectLst>
+                  <a:outerShdw blurRad="50800" dist="38100" dir="2700000" algn="tl" rotWithShape="0">
+                    <a:schemeClr val="bg1">
+                      <a:alpha val="43000"/>
+                    </a:schemeClr>
+                  </a:outerShdw>
+                </a:effectLst>
               </a:defRPr>
             </a:lvl1pPr>
           </a:lstStyle>
@@ -7162,202 +10049,457 @@
     </p:spTree>
     <p:extLst>
       <p:ext uri="{BB962C8B-B14F-4D97-AF65-F5344CB8AC3E}">
-        <p14:creationId xmlns:p14="http://schemas.microsoft.com/office/powerpoint/2010/main" val="2412640025"/>
+        <p14:creationId xmlns:p14="http://schemas.microsoft.com/office/powerpoint/2010/main" val="2745471653"/>
       </p:ext>
     </p:extLst>
   </p:cSld>
-  <p:clrMap bg1="lt1" tx1="dk1" bg2="lt2" tx2="dk2" accent1="accent1" accent2="accent2" accent3="accent3" accent4="accent4" accent5="accent5" accent6="accent6" hlink="hlink" folHlink="folHlink"/>
+  <p:clrMap bg1="dk1" tx1="lt1" bg2="dk2" tx2="lt2" accent1="accent1" accent2="accent2" accent3="accent3" accent4="accent4" accent5="accent5" accent6="accent6" hlink="hlink" folHlink="folHlink"/>
   <p:sldLayoutIdLst>
-    <p:sldLayoutId id="2147483649" r:id="rId1"/>
-    <p:sldLayoutId id="2147483650" r:id="rId2"/>
-    <p:sldLayoutId id="2147483651" r:id="rId3"/>
-    <p:sldLayoutId id="2147483652" r:id="rId4"/>
-    <p:sldLayoutId id="2147483653" r:id="rId5"/>
-    <p:sldLayoutId id="2147483654" r:id="rId6"/>
-    <p:sldLayoutId id="2147483655" r:id="rId7"/>
-    <p:sldLayoutId id="2147483656" r:id="rId8"/>
-    <p:sldLayoutId id="2147483657" r:id="rId9"/>
-    <p:sldLayoutId id="2147483658" r:id="rId10"/>
-    <p:sldLayoutId id="2147483659" r:id="rId11"/>
+    <p:sldLayoutId id="2147483715" r:id="rId1"/>
+    <p:sldLayoutId id="2147483716" r:id="rId2"/>
+    <p:sldLayoutId id="2147483717" r:id="rId3"/>
+    <p:sldLayoutId id="2147483718" r:id="rId4"/>
+    <p:sldLayoutId id="2147483719" r:id="rId5"/>
+    <p:sldLayoutId id="2147483720" r:id="rId6"/>
+    <p:sldLayoutId id="2147483721" r:id="rId7"/>
+    <p:sldLayoutId id="2147483722" r:id="rId8"/>
+    <p:sldLayoutId id="2147483723" r:id="rId9"/>
+    <p:sldLayoutId id="2147483724" r:id="rId10"/>
+    <p:sldLayoutId id="2147483725" r:id="rId11"/>
+    <p:sldLayoutId id="2147483726" r:id="rId12"/>
+    <p:sldLayoutId id="2147483727" r:id="rId13"/>
+    <p:sldLayoutId id="2147483728" r:id="rId14"/>
+    <p:sldLayoutId id="2147483729" r:id="rId15"/>
+    <p:sldLayoutId id="2147483730" r:id="rId16"/>
+    <p:sldLayoutId id="2147483731" r:id="rId17"/>
   </p:sldLayoutIdLst>
   <p:txStyles>
     <p:titleStyle>
-      <a:lvl1pPr algn="l" defTabSz="914400" rtl="0" eaLnBrk="1" latinLnBrk="0" hangingPunct="1">
-        <a:lnSpc>
-          <a:spcPct val="90000"/>
-        </a:lnSpc>
+      <a:lvl1pPr algn="ctr" defTabSz="457200" rtl="0" eaLnBrk="1" latinLnBrk="0" hangingPunct="1">
         <a:spcBef>
           <a:spcPct val="0"/>
         </a:spcBef>
         <a:buNone/>
-        <a:defRPr sz="4400" kern="1200">
+        <a:defRPr sz="4000" kern="1200">
+          <a:ln>
+            <a:solidFill>
+              <a:schemeClr val="bg1">
+                <a:lumMod val="75000"/>
+                <a:lumOff val="25000"/>
+                <a:alpha val="10000"/>
+              </a:schemeClr>
+            </a:solidFill>
+          </a:ln>
           <a:solidFill>
-            <a:schemeClr val="tx1"/>
+            <a:schemeClr val="tx2"/>
           </a:solidFill>
+          <a:effectLst>
+            <a:outerShdw blurRad="9525" dist="25400" dir="14640000" algn="tl" rotWithShape="0">
+              <a:schemeClr val="bg1">
+                <a:alpha val="30000"/>
+              </a:schemeClr>
+            </a:outerShdw>
+          </a:effectLst>
           <a:latin typeface="+mj-lt"/>
           <a:ea typeface="+mj-ea"/>
-          <a:cs typeface="+mj-cs"/>
+          <a:cs typeface="Trebuchet MS"/>
         </a:defRPr>
       </a:lvl1pPr>
+      <a:lvl2pPr eaLnBrk="1" hangingPunct="1">
+        <a:defRPr>
+          <a:solidFill>
+            <a:schemeClr val="tx2"/>
+          </a:solidFill>
+        </a:defRPr>
+      </a:lvl2pPr>
+      <a:lvl3pPr eaLnBrk="1" hangingPunct="1">
+        <a:defRPr>
+          <a:solidFill>
+            <a:schemeClr val="tx2"/>
+          </a:solidFill>
+        </a:defRPr>
+      </a:lvl3pPr>
+      <a:lvl4pPr eaLnBrk="1" hangingPunct="1">
+        <a:defRPr>
+          <a:solidFill>
+            <a:schemeClr val="tx2"/>
+          </a:solidFill>
+        </a:defRPr>
+      </a:lvl4pPr>
+      <a:lvl5pPr eaLnBrk="1" hangingPunct="1">
+        <a:defRPr>
+          <a:solidFill>
+            <a:schemeClr val="tx2"/>
+          </a:solidFill>
+        </a:defRPr>
+      </a:lvl5pPr>
+      <a:lvl6pPr eaLnBrk="1" hangingPunct="1">
+        <a:defRPr>
+          <a:solidFill>
+            <a:schemeClr val="tx2"/>
+          </a:solidFill>
+        </a:defRPr>
+      </a:lvl6pPr>
+      <a:lvl7pPr eaLnBrk="1" hangingPunct="1">
+        <a:defRPr>
+          <a:solidFill>
+            <a:schemeClr val="tx2"/>
+          </a:solidFill>
+        </a:defRPr>
+      </a:lvl7pPr>
+      <a:lvl8pPr eaLnBrk="1" hangingPunct="1">
+        <a:defRPr>
+          <a:solidFill>
+            <a:schemeClr val="tx2"/>
+          </a:solidFill>
+        </a:defRPr>
+      </a:lvl8pPr>
+      <a:lvl9pPr eaLnBrk="1" hangingPunct="1">
+        <a:defRPr>
+          <a:solidFill>
+            <a:schemeClr val="tx2"/>
+          </a:solidFill>
+        </a:defRPr>
+      </a:lvl9pPr>
     </p:titleStyle>
     <p:bodyStyle>
-      <a:lvl1pPr marL="228600" indent="-228600" algn="l" defTabSz="914400" rtl="0" eaLnBrk="1" latinLnBrk="0" hangingPunct="1">
-        <a:lnSpc>
-          <a:spcPct val="90000"/>
-        </a:lnSpc>
+      <a:lvl1pPr marL="342900" indent="-306000" algn="l" defTabSz="457200" rtl="0" eaLnBrk="1" latinLnBrk="0" hangingPunct="1">
         <a:spcBef>
-          <a:spcPts val="1000"/>
+          <a:spcPct val="20000"/>
         </a:spcBef>
-        <a:buFont typeface="Arial" panose="020B0604020202020204" pitchFamily="34" charset="0"/>
-        <a:buChar char="•"/>
-        <a:defRPr sz="2800" kern="1200">
+        <a:spcAft>
+          <a:spcPts val="600"/>
+        </a:spcAft>
+        <a:buClr>
+          <a:schemeClr val="tx2"/>
+        </a:buClr>
+        <a:buSzPct val="70000"/>
+        <a:buFont typeface="Wingdings 2" charset="2"/>
+        <a:buChar char=""/>
+        <a:defRPr sz="2000" kern="1200">
+          <a:ln>
+            <a:solidFill>
+              <a:schemeClr val="bg1">
+                <a:lumMod val="75000"/>
+                <a:lumOff val="25000"/>
+                <a:alpha val="10000"/>
+              </a:schemeClr>
+            </a:solidFill>
+          </a:ln>
           <a:solidFill>
-            <a:schemeClr val="tx1"/>
+            <a:schemeClr val="tx2"/>
           </a:solidFill>
+          <a:effectLst>
+            <a:outerShdw blurRad="9525" dist="25400" dir="14640000" algn="tl" rotWithShape="0">
+              <a:schemeClr val="bg1">
+                <a:alpha val="30000"/>
+              </a:schemeClr>
+            </a:outerShdw>
+          </a:effectLst>
           <a:latin typeface="+mn-lt"/>
           <a:ea typeface="+mn-ea"/>
           <a:cs typeface="+mn-cs"/>
         </a:defRPr>
       </a:lvl1pPr>
-      <a:lvl2pPr marL="685800" indent="-228600" algn="l" defTabSz="914400" rtl="0" eaLnBrk="1" latinLnBrk="0" hangingPunct="1">
-        <a:lnSpc>
-          <a:spcPct val="90000"/>
-        </a:lnSpc>
+      <a:lvl2pPr marL="720000" indent="-270000" algn="l" defTabSz="457200" rtl="0" eaLnBrk="1" latinLnBrk="0" hangingPunct="1">
         <a:spcBef>
-          <a:spcPts val="500"/>
+          <a:spcPct val="20000"/>
         </a:spcBef>
-        <a:buFont typeface="Arial" panose="020B0604020202020204" pitchFamily="34" charset="0"/>
-        <a:buChar char="•"/>
-        <a:defRPr sz="2400" kern="1200">
+        <a:spcAft>
+          <a:spcPts val="600"/>
+        </a:spcAft>
+        <a:buClr>
+          <a:schemeClr val="tx2"/>
+        </a:buClr>
+        <a:buSzPct val="70000"/>
+        <a:buFont typeface="Wingdings 2" charset="2"/>
+        <a:buChar char=""/>
+        <a:defRPr sz="1800" kern="1200">
+          <a:ln>
+            <a:solidFill>
+              <a:schemeClr val="bg1">
+                <a:lumMod val="75000"/>
+                <a:lumOff val="25000"/>
+                <a:alpha val="10000"/>
+              </a:schemeClr>
+            </a:solidFill>
+          </a:ln>
           <a:solidFill>
-            <a:schemeClr val="tx1"/>
+            <a:schemeClr val="tx2"/>
           </a:solidFill>
+          <a:effectLst>
+            <a:outerShdw blurRad="9525" dist="25400" dir="14640000" algn="tl" rotWithShape="0">
+              <a:schemeClr val="bg1">
+                <a:alpha val="30000"/>
+              </a:schemeClr>
+            </a:outerShdw>
+          </a:effectLst>
           <a:latin typeface="+mn-lt"/>
           <a:ea typeface="+mn-ea"/>
           <a:cs typeface="+mn-cs"/>
         </a:defRPr>
       </a:lvl2pPr>
-      <a:lvl3pPr marL="1143000" indent="-228600" algn="l" defTabSz="914400" rtl="0" eaLnBrk="1" latinLnBrk="0" hangingPunct="1">
-        <a:lnSpc>
-          <a:spcPct val="90000"/>
-        </a:lnSpc>
+      <a:lvl3pPr marL="1026000" indent="-216000" algn="l" defTabSz="457200" rtl="0" eaLnBrk="1" latinLnBrk="0" hangingPunct="1">
         <a:spcBef>
-          <a:spcPts val="500"/>
+          <a:spcPct val="20000"/>
         </a:spcBef>
-        <a:buFont typeface="Arial" panose="020B0604020202020204" pitchFamily="34" charset="0"/>
-        <a:buChar char="•"/>
-        <a:defRPr sz="2000" kern="1200">
+        <a:spcAft>
+          <a:spcPts val="600"/>
+        </a:spcAft>
+        <a:buClr>
+          <a:schemeClr val="tx2"/>
+        </a:buClr>
+        <a:buSzPct val="70000"/>
+        <a:buFont typeface="Wingdings 2" charset="2"/>
+        <a:buChar char=""/>
+        <a:defRPr sz="1600" kern="1200">
+          <a:ln>
+            <a:solidFill>
+              <a:schemeClr val="bg1">
+                <a:lumMod val="75000"/>
+                <a:lumOff val="25000"/>
+                <a:alpha val="10000"/>
+              </a:schemeClr>
+            </a:solidFill>
+          </a:ln>
           <a:solidFill>
-            <a:schemeClr val="tx1"/>
+            <a:schemeClr val="tx2"/>
           </a:solidFill>
+          <a:effectLst>
+            <a:outerShdw blurRad="9525" dist="25400" dir="14640000" algn="tl" rotWithShape="0">
+              <a:schemeClr val="bg1">
+                <a:alpha val="30000"/>
+              </a:schemeClr>
+            </a:outerShdw>
+          </a:effectLst>
           <a:latin typeface="+mn-lt"/>
           <a:ea typeface="+mn-ea"/>
           <a:cs typeface="+mn-cs"/>
         </a:defRPr>
       </a:lvl3pPr>
-      <a:lvl4pPr marL="1600200" indent="-228600" algn="l" defTabSz="914400" rtl="0" eaLnBrk="1" latinLnBrk="0" hangingPunct="1">
-        <a:lnSpc>
-          <a:spcPct val="90000"/>
-        </a:lnSpc>
+      <a:lvl4pPr marL="1386000" indent="-216000" algn="l" defTabSz="457200" rtl="0" eaLnBrk="1" latinLnBrk="0" hangingPunct="1">
         <a:spcBef>
-          <a:spcPts val="500"/>
+          <a:spcPct val="20000"/>
         </a:spcBef>
-        <a:buFont typeface="Arial" panose="020B0604020202020204" pitchFamily="34" charset="0"/>
-        <a:buChar char="•"/>
-        <a:defRPr sz="1800" kern="1200">
+        <a:spcAft>
+          <a:spcPts val="600"/>
+        </a:spcAft>
+        <a:buClr>
+          <a:schemeClr val="tx2"/>
+        </a:buClr>
+        <a:buSzPct val="70000"/>
+        <a:buFont typeface="Wingdings 2" charset="2"/>
+        <a:buChar char=""/>
+        <a:defRPr sz="1400" kern="1200">
+          <a:ln>
+            <a:solidFill>
+              <a:schemeClr val="bg1">
+                <a:lumMod val="75000"/>
+                <a:lumOff val="25000"/>
+                <a:alpha val="10000"/>
+              </a:schemeClr>
+            </a:solidFill>
+          </a:ln>
           <a:solidFill>
-            <a:schemeClr val="tx1"/>
+            <a:schemeClr val="tx2"/>
           </a:solidFill>
+          <a:effectLst>
+            <a:outerShdw blurRad="9525" dist="25400" dir="14640000" algn="tl" rotWithShape="0">
+              <a:schemeClr val="bg1">
+                <a:alpha val="30000"/>
+              </a:schemeClr>
+            </a:outerShdw>
+          </a:effectLst>
           <a:latin typeface="+mn-lt"/>
           <a:ea typeface="+mn-ea"/>
           <a:cs typeface="+mn-cs"/>
         </a:defRPr>
       </a:lvl4pPr>
-      <a:lvl5pPr marL="2057400" indent="-228600" algn="l" defTabSz="914400" rtl="0" eaLnBrk="1" latinLnBrk="0" hangingPunct="1">
-        <a:lnSpc>
-          <a:spcPct val="90000"/>
-        </a:lnSpc>
+      <a:lvl5pPr marL="1674000" indent="-216000" algn="l" defTabSz="457200" rtl="0" eaLnBrk="1" latinLnBrk="0" hangingPunct="1">
         <a:spcBef>
-          <a:spcPts val="500"/>
+          <a:spcPct val="20000"/>
         </a:spcBef>
-        <a:buFont typeface="Arial" panose="020B0604020202020204" pitchFamily="34" charset="0"/>
-        <a:buChar char="•"/>
-        <a:defRPr sz="1800" kern="1200">
+        <a:spcAft>
+          <a:spcPts val="600"/>
+        </a:spcAft>
+        <a:buClr>
+          <a:schemeClr val="tx2"/>
+        </a:buClr>
+        <a:buSzPct val="70000"/>
+        <a:buFont typeface="Wingdings 2" charset="2"/>
+        <a:buChar char=""/>
+        <a:defRPr sz="1400" kern="1200">
+          <a:ln>
+            <a:solidFill>
+              <a:schemeClr val="bg1">
+                <a:lumMod val="75000"/>
+                <a:lumOff val="25000"/>
+                <a:alpha val="10000"/>
+              </a:schemeClr>
+            </a:solidFill>
+          </a:ln>
           <a:solidFill>
-            <a:schemeClr val="tx1"/>
+            <a:schemeClr val="tx2"/>
           </a:solidFill>
+          <a:effectLst>
+            <a:outerShdw blurRad="9525" dist="25400" dir="14640000" algn="tl" rotWithShape="0">
+              <a:schemeClr val="bg1">
+                <a:alpha val="30000"/>
+              </a:schemeClr>
+            </a:outerShdw>
+          </a:effectLst>
           <a:latin typeface="+mn-lt"/>
           <a:ea typeface="+mn-ea"/>
           <a:cs typeface="+mn-cs"/>
         </a:defRPr>
       </a:lvl5pPr>
-      <a:lvl6pPr marL="2514600" indent="-228600" algn="l" defTabSz="914400" rtl="0" eaLnBrk="1" latinLnBrk="0" hangingPunct="1">
-        <a:lnSpc>
-          <a:spcPct val="90000"/>
-        </a:lnSpc>
+      <a:lvl6pPr marL="2014600" indent="-228600" algn="l" defTabSz="457200" rtl="0" eaLnBrk="1" latinLnBrk="0" hangingPunct="1">
         <a:spcBef>
-          <a:spcPts val="500"/>
+          <a:spcPct val="20000"/>
         </a:spcBef>
-        <a:buFont typeface="Arial" panose="020B0604020202020204" pitchFamily="34" charset="0"/>
-        <a:buChar char="•"/>
-        <a:defRPr sz="1800" kern="1200">
+        <a:spcAft>
+          <a:spcPts val="600"/>
+        </a:spcAft>
+        <a:buClr>
+          <a:schemeClr val="tx2"/>
+        </a:buClr>
+        <a:buSzPct val="70000"/>
+        <a:buFont typeface="Wingdings 2" charset="2"/>
+        <a:buChar char=""/>
+        <a:defRPr sz="1400" kern="1200">
+          <a:ln>
+            <a:solidFill>
+              <a:schemeClr val="bg1">
+                <a:lumMod val="75000"/>
+                <a:lumOff val="25000"/>
+                <a:alpha val="10000"/>
+              </a:schemeClr>
+            </a:solidFill>
+          </a:ln>
           <a:solidFill>
-            <a:schemeClr val="tx1"/>
+            <a:schemeClr val="tx2"/>
           </a:solidFill>
+          <a:effectLst>
+            <a:outerShdw blurRad="9525" dist="25400" dir="14640000" algn="tl" rotWithShape="0">
+              <a:schemeClr val="bg1">
+                <a:alpha val="30000"/>
+              </a:schemeClr>
+            </a:outerShdw>
+          </a:effectLst>
           <a:latin typeface="+mn-lt"/>
           <a:ea typeface="+mn-ea"/>
           <a:cs typeface="+mn-cs"/>
         </a:defRPr>
       </a:lvl6pPr>
-      <a:lvl7pPr marL="2971800" indent="-228600" algn="l" defTabSz="914400" rtl="0" eaLnBrk="1" latinLnBrk="0" hangingPunct="1">
-        <a:lnSpc>
-          <a:spcPct val="90000"/>
-        </a:lnSpc>
+      <a:lvl7pPr marL="2401800" indent="-228600" algn="l" defTabSz="457200" rtl="0" eaLnBrk="1" latinLnBrk="0" hangingPunct="1">
         <a:spcBef>
-          <a:spcPts val="500"/>
+          <a:spcPct val="20000"/>
         </a:spcBef>
-        <a:buFont typeface="Arial" panose="020B0604020202020204" pitchFamily="34" charset="0"/>
-        <a:buChar char="•"/>
-        <a:defRPr sz="1800" kern="1200">
+        <a:spcAft>
+          <a:spcPts val="600"/>
+        </a:spcAft>
+        <a:buClr>
+          <a:schemeClr val="tx2"/>
+        </a:buClr>
+        <a:buSzPct val="70000"/>
+        <a:buFont typeface="Wingdings 2" charset="2"/>
+        <a:buChar char=""/>
+        <a:defRPr sz="1400" kern="1200">
+          <a:ln>
+            <a:solidFill>
+              <a:schemeClr val="bg1">
+                <a:lumMod val="75000"/>
+                <a:lumOff val="25000"/>
+                <a:alpha val="10000"/>
+              </a:schemeClr>
+            </a:solidFill>
+          </a:ln>
           <a:solidFill>
-            <a:schemeClr val="tx1"/>
+            <a:schemeClr val="tx2"/>
           </a:solidFill>
+          <a:effectLst>
+            <a:outerShdw blurRad="9525" dist="25400" dir="14640000" algn="tl" rotWithShape="0">
+              <a:schemeClr val="bg1">
+                <a:alpha val="30000"/>
+              </a:schemeClr>
+            </a:outerShdw>
+          </a:effectLst>
           <a:latin typeface="+mn-lt"/>
           <a:ea typeface="+mn-ea"/>
           <a:cs typeface="+mn-cs"/>
         </a:defRPr>
       </a:lvl7pPr>
-      <a:lvl8pPr marL="3429000" indent="-228600" algn="l" defTabSz="914400" rtl="0" eaLnBrk="1" latinLnBrk="0" hangingPunct="1">
-        <a:lnSpc>
-          <a:spcPct val="90000"/>
-        </a:lnSpc>
+      <a:lvl8pPr marL="2789000" indent="-228600" algn="l" defTabSz="457200" rtl="0" eaLnBrk="1" latinLnBrk="0" hangingPunct="1">
         <a:spcBef>
-          <a:spcPts val="500"/>
+          <a:spcPct val="20000"/>
         </a:spcBef>
-        <a:buFont typeface="Arial" panose="020B0604020202020204" pitchFamily="34" charset="0"/>
-        <a:buChar char="•"/>
-        <a:defRPr sz="1800" kern="1200">
+        <a:spcAft>
+          <a:spcPts val="600"/>
+        </a:spcAft>
+        <a:buClr>
+          <a:schemeClr val="tx2"/>
+        </a:buClr>
+        <a:buSzPct val="70000"/>
+        <a:buFont typeface="Wingdings 2" charset="2"/>
+        <a:buChar char=""/>
+        <a:defRPr sz="1400" kern="1200">
+          <a:ln>
+            <a:solidFill>
+              <a:schemeClr val="bg1">
+                <a:lumMod val="75000"/>
+                <a:lumOff val="25000"/>
+                <a:alpha val="10000"/>
+              </a:schemeClr>
+            </a:solidFill>
+          </a:ln>
           <a:solidFill>
-            <a:schemeClr val="tx1"/>
+            <a:schemeClr val="tx2"/>
           </a:solidFill>
+          <a:effectLst>
+            <a:outerShdw blurRad="9525" dist="25400" dir="14640000" algn="tl" rotWithShape="0">
+              <a:schemeClr val="bg1">
+                <a:alpha val="30000"/>
+              </a:schemeClr>
+            </a:outerShdw>
+          </a:effectLst>
           <a:latin typeface="+mn-lt"/>
           <a:ea typeface="+mn-ea"/>
           <a:cs typeface="+mn-cs"/>
         </a:defRPr>
       </a:lvl8pPr>
-      <a:lvl9pPr marL="3886200" indent="-228600" algn="l" defTabSz="914400" rtl="0" eaLnBrk="1" latinLnBrk="0" hangingPunct="1">
-        <a:lnSpc>
-          <a:spcPct val="90000"/>
-        </a:lnSpc>
+      <a:lvl9pPr marL="3106200" indent="-228600" algn="l" defTabSz="457200" rtl="0" eaLnBrk="1" latinLnBrk="0" hangingPunct="1">
         <a:spcBef>
-          <a:spcPts val="500"/>
+          <a:spcPct val="20000"/>
         </a:spcBef>
-        <a:buFont typeface="Arial" panose="020B0604020202020204" pitchFamily="34" charset="0"/>
-        <a:buChar char="•"/>
-        <a:defRPr sz="1800" kern="1200">
+        <a:spcAft>
+          <a:spcPts val="600"/>
+        </a:spcAft>
+        <a:buClr>
+          <a:schemeClr val="tx2"/>
+        </a:buClr>
+        <a:buSzPct val="70000"/>
+        <a:buFont typeface="Wingdings 2" charset="2"/>
+        <a:buChar char=""/>
+        <a:defRPr sz="1400" kern="1200">
+          <a:ln>
+            <a:solidFill>
+              <a:schemeClr val="bg1">
+                <a:lumMod val="75000"/>
+                <a:lumOff val="25000"/>
+                <a:alpha val="10000"/>
+              </a:schemeClr>
+            </a:solidFill>
+          </a:ln>
           <a:solidFill>
-            <a:schemeClr val="tx1"/>
+            <a:schemeClr val="tx2"/>
           </a:solidFill>
+          <a:effectLst>
+            <a:outerShdw blurRad="9525" dist="25400" dir="14640000" algn="tl" rotWithShape="0">
+              <a:schemeClr val="bg1">
+                <a:alpha val="30000"/>
+              </a:schemeClr>
+            </a:outerShdw>
+          </a:effectLst>
           <a:latin typeface="+mn-lt"/>
           <a:ea typeface="+mn-ea"/>
           <a:cs typeface="+mn-cs"/>
@@ -7368,7 +10510,7 @@
       <a:defPPr>
         <a:defRPr lang="en-US"/>
       </a:defPPr>
-      <a:lvl1pPr marL="0" algn="l" defTabSz="914400" rtl="0" eaLnBrk="1" latinLnBrk="0" hangingPunct="1">
+      <a:lvl1pPr marL="0" algn="l" defTabSz="457200" rtl="0" eaLnBrk="1" latinLnBrk="0" hangingPunct="1">
         <a:defRPr sz="1800" kern="1200">
           <a:solidFill>
             <a:schemeClr val="tx1"/>
@@ -7378,7 +10520,7 @@
           <a:cs typeface="+mn-cs"/>
         </a:defRPr>
       </a:lvl1pPr>
-      <a:lvl2pPr marL="457200" algn="l" defTabSz="914400" rtl="0" eaLnBrk="1" latinLnBrk="0" hangingPunct="1">
+      <a:lvl2pPr marL="457200" algn="l" defTabSz="457200" rtl="0" eaLnBrk="1" latinLnBrk="0" hangingPunct="1">
         <a:defRPr sz="1800" kern="1200">
           <a:solidFill>
             <a:schemeClr val="tx1"/>
@@ -7388,7 +10530,7 @@
           <a:cs typeface="+mn-cs"/>
         </a:defRPr>
       </a:lvl2pPr>
-      <a:lvl3pPr marL="914400" algn="l" defTabSz="914400" rtl="0" eaLnBrk="1" latinLnBrk="0" hangingPunct="1">
+      <a:lvl3pPr marL="914400" algn="l" defTabSz="457200" rtl="0" eaLnBrk="1" latinLnBrk="0" hangingPunct="1">
         <a:defRPr sz="1800" kern="1200">
           <a:solidFill>
             <a:schemeClr val="tx1"/>
@@ -7398,7 +10540,7 @@
           <a:cs typeface="+mn-cs"/>
         </a:defRPr>
       </a:lvl3pPr>
-      <a:lvl4pPr marL="1371600" algn="l" defTabSz="914400" rtl="0" eaLnBrk="1" latinLnBrk="0" hangingPunct="1">
+      <a:lvl4pPr marL="1371600" algn="l" defTabSz="457200" rtl="0" eaLnBrk="1" latinLnBrk="0" hangingPunct="1">
         <a:defRPr sz="1800" kern="1200">
           <a:solidFill>
             <a:schemeClr val="tx1"/>
@@ -7408,7 +10550,7 @@
           <a:cs typeface="+mn-cs"/>
         </a:defRPr>
       </a:lvl4pPr>
-      <a:lvl5pPr marL="1828800" algn="l" defTabSz="914400" rtl="0" eaLnBrk="1" latinLnBrk="0" hangingPunct="1">
+      <a:lvl5pPr marL="1828800" algn="l" defTabSz="457200" rtl="0" eaLnBrk="1" latinLnBrk="0" hangingPunct="1">
         <a:defRPr sz="1800" kern="1200">
           <a:solidFill>
             <a:schemeClr val="tx1"/>
@@ -7418,7 +10560,7 @@
           <a:cs typeface="+mn-cs"/>
         </a:defRPr>
       </a:lvl5pPr>
-      <a:lvl6pPr marL="2286000" algn="l" defTabSz="914400" rtl="0" eaLnBrk="1" latinLnBrk="0" hangingPunct="1">
+      <a:lvl6pPr marL="2286000" algn="l" defTabSz="457200" rtl="0" eaLnBrk="1" latinLnBrk="0" hangingPunct="1">
         <a:defRPr sz="1800" kern="1200">
           <a:solidFill>
             <a:schemeClr val="tx1"/>
@@ -7428,7 +10570,7 @@
           <a:cs typeface="+mn-cs"/>
         </a:defRPr>
       </a:lvl6pPr>
-      <a:lvl7pPr marL="2743200" algn="l" defTabSz="914400" rtl="0" eaLnBrk="1" latinLnBrk="0" hangingPunct="1">
+      <a:lvl7pPr marL="2743200" algn="l" defTabSz="457200" rtl="0" eaLnBrk="1" latinLnBrk="0" hangingPunct="1">
         <a:defRPr sz="1800" kern="1200">
           <a:solidFill>
             <a:schemeClr val="tx1"/>
@@ -7438,7 +10580,7 @@
           <a:cs typeface="+mn-cs"/>
         </a:defRPr>
       </a:lvl7pPr>
-      <a:lvl8pPr marL="3200400" algn="l" defTabSz="914400" rtl="0" eaLnBrk="1" latinLnBrk="0" hangingPunct="1">
+      <a:lvl8pPr marL="3200400" algn="l" defTabSz="457200" rtl="0" eaLnBrk="1" latinLnBrk="0" hangingPunct="1">
         <a:defRPr sz="1800" kern="1200">
           <a:solidFill>
             <a:schemeClr val="tx1"/>
@@ -7448,7 +10590,7 @@
           <a:cs typeface="+mn-cs"/>
         </a:defRPr>
       </a:lvl8pPr>
-      <a:lvl9pPr marL="3657600" algn="l" defTabSz="914400" rtl="0" eaLnBrk="1" latinLnBrk="0" hangingPunct="1">
+      <a:lvl9pPr marL="3657600" algn="l" defTabSz="457200" rtl="0" eaLnBrk="1" latinLnBrk="0" hangingPunct="1">
         <a:defRPr sz="1800" kern="1200">
           <a:solidFill>
             <a:schemeClr val="tx1"/>
@@ -7960,37 +11102,85 @@
           </a:bodyPr>
           <a:lstStyle/>
           <a:p>
-            <a:r>
-              <a:rPr lang="en-US" sz="2400" b="1" dirty="0"/>
+            <a:pPr>
+              <a:buFont typeface="Arial" panose="020B0604020202020204" pitchFamily="34" charset="0"/>
+              <a:buChar char="•"/>
+            </a:pPr>
+            <a:r>
+              <a:rPr lang="en-US" sz="2400" b="1" dirty="0">
+                <a:solidFill>
+                  <a:schemeClr val="bg1"/>
+                </a:solidFill>
+                <a:effectLst/>
+              </a:rPr>
               <a:t>M,L </a:t>
             </a:r>
             <a:r>
-              <a:rPr lang="en-US" sz="2400" dirty="0"/>
+              <a:rPr lang="en-US" sz="2400" dirty="0">
+                <a:solidFill>
+                  <a:schemeClr val="bg1"/>
+                </a:solidFill>
+                <a:effectLst/>
+              </a:rPr>
               <a:t>and </a:t>
             </a:r>
             <a:r>
-              <a:rPr lang="en-US" sz="2400" b="1" dirty="0"/>
+              <a:rPr lang="en-US" sz="2400" b="1" dirty="0">
+                <a:solidFill>
+                  <a:schemeClr val="bg1"/>
+                </a:solidFill>
+                <a:effectLst/>
+              </a:rPr>
               <a:t>XL</a:t>
             </a:r>
             <a:r>
-              <a:rPr lang="en-US" sz="2400" dirty="0"/>
+              <a:rPr lang="en-US" sz="2400" dirty="0">
+                <a:solidFill>
+                  <a:schemeClr val="bg1"/>
+                </a:solidFill>
+                <a:effectLst/>
+              </a:rPr>
               <a:t> are the most sold sizes.</a:t>
             </a:r>
           </a:p>
           <a:p>
-            <a:r>
-              <a:rPr lang="en-US" sz="2400" dirty="0"/>
+            <a:pPr>
+              <a:buFont typeface="Arial" panose="020B0604020202020204" pitchFamily="34" charset="0"/>
+              <a:buChar char="•"/>
+            </a:pPr>
+            <a:r>
+              <a:rPr lang="en-US" sz="2400" dirty="0">
+                <a:solidFill>
+                  <a:schemeClr val="bg1"/>
+                </a:solidFill>
+                <a:effectLst/>
+              </a:rPr>
               <a:t>Almost </a:t>
             </a:r>
             <a:r>
-              <a:rPr lang="en-US" sz="2400" b="1" dirty="0"/>
+              <a:rPr lang="en-US" sz="2400" b="1" dirty="0">
+                <a:solidFill>
+                  <a:schemeClr val="bg1"/>
+                </a:solidFill>
+                <a:effectLst/>
+              </a:rPr>
               <a:t>50% </a:t>
             </a:r>
             <a:r>
-              <a:rPr lang="en-US" sz="2400" dirty="0"/>
+              <a:rPr lang="en-US" sz="2400" dirty="0">
+                <a:solidFill>
+                  <a:schemeClr val="bg1"/>
+                </a:solidFill>
+                <a:effectLst/>
+              </a:rPr>
               <a:t>of Total Revenue is contributed by M,L and XL Sizes.</a:t>
             </a:r>
-            <a:endParaRPr lang="en-IN" sz="2400" dirty="0"/>
+            <a:endParaRPr lang="en-IN" sz="2400" dirty="0">
+              <a:solidFill>
+                <a:schemeClr val="bg1"/>
+              </a:solidFill>
+              <a:effectLst/>
+            </a:endParaRPr>
           </a:p>
         </p:txBody>
       </p:sp>
@@ -8125,35 +11315,67 @@
               <a:buChar char="•"/>
             </a:pPr>
             <a:r>
-              <a:rPr lang="en-US" sz="2000" b="1" dirty="0"/>
+              <a:rPr lang="en-US" sz="2000" b="1" dirty="0">
+                <a:solidFill>
+                  <a:schemeClr val="bg1"/>
+                </a:solidFill>
+              </a:rPr>
               <a:t>T- shirts </a:t>
             </a:r>
             <a:r>
-              <a:rPr lang="en-US" sz="2000" dirty="0"/>
+              <a:rPr lang="en-US" sz="2000" dirty="0">
+                <a:solidFill>
+                  <a:schemeClr val="bg1"/>
+                </a:solidFill>
+              </a:rPr>
               <a:t>and </a:t>
             </a:r>
             <a:r>
-              <a:rPr lang="en-US" sz="2000" b="1" dirty="0"/>
+              <a:rPr lang="en-US" sz="2000" b="1" dirty="0">
+                <a:solidFill>
+                  <a:schemeClr val="bg1"/>
+                </a:solidFill>
+              </a:rPr>
               <a:t>Shirts</a:t>
             </a:r>
             <a:r>
-              <a:rPr lang="en-US" sz="2000" dirty="0"/>
+              <a:rPr lang="en-US" sz="2000" dirty="0">
+                <a:solidFill>
+                  <a:schemeClr val="bg1"/>
+                </a:solidFill>
+              </a:rPr>
               <a:t> are the most sold among all categories with the total amount of </a:t>
             </a:r>
             <a:r>
-              <a:rPr lang="en-US" sz="2000" b="1" dirty="0"/>
+              <a:rPr lang="en-US" sz="2000" b="1" dirty="0">
+                <a:solidFill>
+                  <a:schemeClr val="bg1"/>
+                </a:solidFill>
+              </a:rPr>
               <a:t>₹39.2M </a:t>
             </a:r>
             <a:r>
-              <a:rPr lang="en-US" sz="2000" dirty="0"/>
+              <a:rPr lang="en-US" sz="2000" dirty="0">
+                <a:solidFill>
+                  <a:schemeClr val="bg1"/>
+                </a:solidFill>
+              </a:rPr>
               <a:t>and </a:t>
             </a:r>
             <a:r>
-              <a:rPr lang="en-US" sz="2000" b="1" dirty="0"/>
+              <a:rPr lang="en-US" sz="2000" b="1" dirty="0">
+                <a:solidFill>
+                  <a:schemeClr val="bg1"/>
+                </a:solidFill>
+              </a:rPr>
               <a:t>₹21.29M </a:t>
             </a:r>
             <a:r>
-              <a:rPr lang="en-US" sz="2000" dirty="0"/>
+              <a:rPr lang="en-US" sz="2000" dirty="0">
+                <a:solidFill>
+                  <a:schemeClr val="bg1"/>
+                </a:solidFill>
+              </a:rPr>
               <a:t>respectively.</a:t>
             </a:r>
           </a:p>
@@ -8163,19 +11385,35 @@
               <a:buChar char="•"/>
             </a:pPr>
             <a:r>
-              <a:rPr lang="en-US" sz="2000" dirty="0"/>
+              <a:rPr lang="en-US" sz="2000" dirty="0">
+                <a:solidFill>
+                  <a:schemeClr val="bg1"/>
+                </a:solidFill>
+              </a:rPr>
               <a:t>T-shirts and Shirts are contributing </a:t>
             </a:r>
             <a:r>
-              <a:rPr lang="en-US" sz="2000" b="1" dirty="0"/>
+              <a:rPr lang="en-US" sz="2000" b="1" dirty="0">
+                <a:solidFill>
+                  <a:schemeClr val="bg1"/>
+                </a:solidFill>
+              </a:rPr>
               <a:t>77% </a:t>
             </a:r>
             <a:r>
-              <a:rPr lang="en-US" sz="2000" dirty="0"/>
+              <a:rPr lang="en-US" sz="2000" dirty="0">
+                <a:solidFill>
+                  <a:schemeClr val="bg1"/>
+                </a:solidFill>
+              </a:rPr>
               <a:t>of Total Revenue</a:t>
             </a:r>
             <a:r>
-              <a:rPr lang="en-US" dirty="0"/>
+              <a:rPr lang="en-US" dirty="0">
+                <a:solidFill>
+                  <a:schemeClr val="bg1"/>
+                </a:solidFill>
+              </a:rPr>
               <a:t>.</a:t>
             </a:r>
           </a:p>
@@ -8233,7 +11471,7 @@
         </p:blipFill>
         <p:spPr>
           <a:xfrm>
-            <a:off x="3064264" y="1236792"/>
+            <a:off x="3035810" y="1456348"/>
             <a:ext cx="6075290" cy="3597687"/>
           </a:xfrm>
           <a:prstGeom prst="rect">
@@ -8300,8 +11538,8 @@
         </p:nvSpPr>
         <p:spPr>
           <a:xfrm>
-            <a:off x="661221" y="5220632"/>
-            <a:ext cx="11019502" cy="1219200"/>
+            <a:off x="661221" y="5542828"/>
+            <a:ext cx="11019502" cy="897004"/>
           </a:xfrm>
         </p:spPr>
         <p:txBody>
@@ -8309,7 +11547,14 @@
           <a:lstStyle/>
           <a:p>
             <a:r>
-              <a:rPr lang="en-US" b="1" dirty="0"/>
+              <a:rPr lang="en-US" b="1" dirty="0">
+                <a:solidFill>
+                  <a:schemeClr val="accent2">
+                    <a:lumMod val="60000"/>
+                    <a:lumOff val="40000"/>
+                  </a:schemeClr>
+                </a:solidFill>
+              </a:rPr>
               <a:t>76670</a:t>
             </a:r>
             <a:r>
@@ -8317,12 +11562,34 @@
               <a:t> orders </a:t>
             </a:r>
             <a:r>
-              <a:rPr lang="en-US" b="1" dirty="0"/>
+              <a:rPr lang="en-US" b="1" dirty="0">
+                <a:solidFill>
+                  <a:schemeClr val="accent2">
+                    <a:lumMod val="60000"/>
+                    <a:lumOff val="40000"/>
+                  </a:schemeClr>
+                </a:solidFill>
+              </a:rPr>
               <a:t>(69%) </a:t>
             </a:r>
             <a:r>
               <a:rPr lang="en-US" dirty="0"/>
-              <a:t>are fulfilled by Amazon and rest are fulfilled by their merchants.</a:t>
+              <a:t>are fulfilled by </a:t>
+            </a:r>
+            <a:r>
+              <a:rPr lang="en-US" b="1" dirty="0">
+                <a:solidFill>
+                  <a:schemeClr val="accent2">
+                    <a:lumMod val="60000"/>
+                    <a:lumOff val="40000"/>
+                  </a:schemeClr>
+                </a:solidFill>
+              </a:rPr>
+              <a:t>Amazon</a:t>
+            </a:r>
+            <a:r>
+              <a:rPr lang="en-US" dirty="0"/>
+              <a:t> and rest are fulfilled by their merchants.</a:t>
             </a:r>
           </a:p>
           <a:p>
@@ -8358,7 +11625,7 @@
         </p:blipFill>
         <p:spPr>
           <a:xfrm>
-            <a:off x="803192" y="1584409"/>
+            <a:off x="803192" y="1803965"/>
             <a:ext cx="2086350" cy="3250070"/>
           </a:xfrm>
           <a:prstGeom prst="rect">
@@ -8388,7 +11655,7 @@
         </p:blipFill>
         <p:spPr>
           <a:xfrm>
-            <a:off x="9269469" y="1655302"/>
+            <a:off x="9257368" y="1874858"/>
             <a:ext cx="2084331" cy="3179177"/>
           </a:xfrm>
           <a:prstGeom prst="rect">
@@ -8447,8 +11714,8 @@
         </p:nvSpPr>
         <p:spPr>
           <a:xfrm>
-            <a:off x="640286" y="972682"/>
-            <a:ext cx="2412162" cy="646331"/>
+            <a:off x="406536" y="967555"/>
+            <a:ext cx="2879662" cy="646331"/>
           </a:xfrm>
           <a:prstGeom prst="rect">
             <a:avLst/>
@@ -8570,7 +11837,14 @@
               <a:t>Almost </a:t>
             </a:r>
             <a:r>
-              <a:rPr lang="en-US" b="1" dirty="0"/>
+              <a:rPr lang="en-US" b="1" dirty="0">
+                <a:solidFill>
+                  <a:schemeClr val="accent2">
+                    <a:lumMod val="60000"/>
+                    <a:lumOff val="40000"/>
+                  </a:schemeClr>
+                </a:solidFill>
+              </a:rPr>
               <a:t>14% </a:t>
             </a:r>
             <a:r>
@@ -8578,7 +11852,14 @@
               <a:t>of orders are cancelled through the </a:t>
             </a:r>
             <a:r>
-              <a:rPr lang="en-US" b="1" dirty="0"/>
+              <a:rPr lang="en-US" b="1" dirty="0">
+                <a:solidFill>
+                  <a:schemeClr val="accent2">
+                    <a:lumMod val="60000"/>
+                    <a:lumOff val="40000"/>
+                  </a:schemeClr>
+                </a:solidFill>
+              </a:rPr>
               <a:t>Merchant</a:t>
             </a:r>
             <a:r>
@@ -8643,7 +11924,7 @@
         </p:blipFill>
         <p:spPr>
           <a:xfrm>
-            <a:off x="1125465" y="3429000"/>
+            <a:off x="981833" y="3429000"/>
             <a:ext cx="2717474" cy="1428135"/>
           </a:xfrm>
           <a:prstGeom prst="rect">
@@ -8697,7 +11978,12 @@
             <p:ph type="title"/>
           </p:nvPr>
         </p:nvSpPr>
-        <p:spPr/>
+        <p:spPr>
+          <a:xfrm>
+            <a:off x="913795" y="147484"/>
+            <a:ext cx="10353762" cy="936779"/>
+          </a:xfrm>
+        </p:spPr>
         <p:txBody>
           <a:bodyPr/>
           <a:lstStyle/>
@@ -8733,13 +12019,13 @@
         </p:nvSpPr>
         <p:spPr>
           <a:xfrm>
-            <a:off x="838200" y="1504335"/>
-            <a:ext cx="10515600" cy="4672628"/>
+            <a:off x="838200" y="1130709"/>
+            <a:ext cx="10515600" cy="3024740"/>
           </a:xfrm>
         </p:spPr>
         <p:txBody>
           <a:bodyPr>
-            <a:normAutofit/>
+            <a:normAutofit lnSpcReduction="10000"/>
           </a:bodyPr>
           <a:lstStyle/>
           <a:p>
@@ -8756,8 +12042,34 @@
           </a:p>
           <a:p>
             <a:r>
+              <a:rPr lang="en-US" sz="2400" b="1" dirty="0">
+                <a:solidFill>
+                  <a:schemeClr val="accent2">
+                    <a:lumMod val="60000"/>
+                    <a:lumOff val="40000"/>
+                  </a:schemeClr>
+                </a:solidFill>
+              </a:rPr>
+              <a:t>Hilly Regions </a:t>
+            </a:r>
+            <a:r>
               <a:rPr lang="en-US" sz="2400" dirty="0"/>
-              <a:t>Hilly Regions and Islands are getting more cancelled orders.</a:t>
+              <a:t>and </a:t>
+            </a:r>
+            <a:r>
+              <a:rPr lang="en-US" sz="2400" b="1" dirty="0">
+                <a:solidFill>
+                  <a:schemeClr val="accent2">
+                    <a:lumMod val="60000"/>
+                    <a:lumOff val="40000"/>
+                  </a:schemeClr>
+                </a:solidFill>
+              </a:rPr>
+              <a:t>Islands</a:t>
+            </a:r>
+            <a:r>
+              <a:rPr lang="en-US" sz="2400" dirty="0"/>
+              <a:t> are getting more cancelled orders.</a:t>
             </a:r>
           </a:p>
           <a:p>
@@ -8916,6 +12228,252 @@
 </p:sld>
 </file>
 
+<file path=ppt/slides/slide17.xml><?xml version="1.0" encoding="utf-8"?>
+<p:sld xmlns:a="http://schemas.openxmlformats.org/drawingml/2006/main" xmlns:r="http://schemas.openxmlformats.org/officeDocument/2006/relationships" xmlns:p="http://schemas.openxmlformats.org/presentationml/2006/main">
+  <p:cSld>
+    <p:spTree>
+      <p:nvGrpSpPr>
+        <p:cNvPr id="1" name=""/>
+        <p:cNvGrpSpPr/>
+        <p:nvPr/>
+      </p:nvGrpSpPr>
+      <p:grpSpPr>
+        <a:xfrm>
+          <a:off x="0" y="0"/>
+          <a:ext cx="0" cy="0"/>
+          <a:chOff x="0" y="0"/>
+          <a:chExt cx="0" cy="0"/>
+        </a:xfrm>
+      </p:grpSpPr>
+      <p:sp>
+        <p:nvSpPr>
+          <p:cNvPr id="2" name="Title 1">
+            <a:extLst>
+              <a:ext uri="{FF2B5EF4-FFF2-40B4-BE49-F238E27FC236}">
+                <a16:creationId xmlns:a16="http://schemas.microsoft.com/office/drawing/2014/main" id="{8130E0DE-D046-BCA9-397E-D31BBC3906E6}"/>
+              </a:ext>
+            </a:extLst>
+          </p:cNvPr>
+          <p:cNvSpPr>
+            <a:spLocks noGrp="1"/>
+          </p:cNvSpPr>
+          <p:nvPr>
+            <p:ph type="title"/>
+          </p:nvPr>
+        </p:nvSpPr>
+        <p:spPr>
+          <a:xfrm>
+            <a:off x="919119" y="334297"/>
+            <a:ext cx="10353762" cy="769069"/>
+          </a:xfrm>
+        </p:spPr>
+        <p:txBody>
+          <a:bodyPr/>
+          <a:lstStyle/>
+          <a:p>
+            <a:r>
+              <a:rPr lang="en-IN" dirty="0"/>
+              <a:t>Customer Segmentation</a:t>
+            </a:r>
+          </a:p>
+        </p:txBody>
+      </p:sp>
+      <p:sp>
+        <p:nvSpPr>
+          <p:cNvPr id="3" name="Content Placeholder 2">
+            <a:extLst>
+              <a:ext uri="{FF2B5EF4-FFF2-40B4-BE49-F238E27FC236}">
+                <a16:creationId xmlns:a16="http://schemas.microsoft.com/office/drawing/2014/main" id="{F2DF6D5E-9C88-5736-111A-72A68DA9BA42}"/>
+              </a:ext>
+            </a:extLst>
+          </p:cNvPr>
+          <p:cNvSpPr>
+            <a:spLocks noGrp="1"/>
+          </p:cNvSpPr>
+          <p:nvPr>
+            <p:ph idx="1"/>
+          </p:nvPr>
+        </p:nvSpPr>
+        <p:spPr>
+          <a:xfrm>
+            <a:off x="353961" y="1465005"/>
+            <a:ext cx="3873910" cy="4984955"/>
+          </a:xfrm>
+        </p:spPr>
+        <p:txBody>
+          <a:bodyPr/>
+          <a:lstStyle/>
+          <a:p>
+            <a:r>
+              <a:rPr lang="en-IN" dirty="0"/>
+              <a:t>Customers are mostly Preferring the clothes over accessories.</a:t>
+            </a:r>
+          </a:p>
+          <a:p>
+            <a:r>
+              <a:rPr lang="en-IN" dirty="0"/>
+              <a:t>Majority of the accessories are ordered from the Major Cities – </a:t>
+            </a:r>
+            <a:r>
+              <a:rPr lang="en-IN" b="1" dirty="0">
+                <a:solidFill>
+                  <a:schemeClr val="accent2">
+                    <a:lumMod val="60000"/>
+                    <a:lumOff val="40000"/>
+                  </a:schemeClr>
+                </a:solidFill>
+              </a:rPr>
+              <a:t>Bangalore, Mumbai, Chennai,  New Delhi, Hyderabad</a:t>
+            </a:r>
+            <a:r>
+              <a:rPr lang="en-IN" dirty="0"/>
+              <a:t> which is around </a:t>
+            </a:r>
+            <a:r>
+              <a:rPr lang="en-IN" b="1" dirty="0">
+                <a:solidFill>
+                  <a:schemeClr val="accent2">
+                    <a:lumMod val="60000"/>
+                    <a:lumOff val="40000"/>
+                  </a:schemeClr>
+                </a:solidFill>
+              </a:rPr>
+              <a:t>90%.</a:t>
+            </a:r>
+          </a:p>
+          <a:p>
+            <a:r>
+              <a:rPr lang="en-IN" dirty="0"/>
+              <a:t>Customers are placing more orders in the first week of every month.</a:t>
+            </a:r>
+          </a:p>
+        </p:txBody>
+      </p:sp>
+      <p:pic>
+        <p:nvPicPr>
+          <p:cNvPr id="7" name="Picture 6">
+            <a:extLst>
+              <a:ext uri="{FF2B5EF4-FFF2-40B4-BE49-F238E27FC236}">
+                <a16:creationId xmlns:a16="http://schemas.microsoft.com/office/drawing/2014/main" id="{E4B9F7D8-6638-ECF2-E45C-7B9F309923F5}"/>
+              </a:ext>
+            </a:extLst>
+          </p:cNvPr>
+          <p:cNvPicPr>
+            <a:picLocks noChangeAspect="1"/>
+          </p:cNvPicPr>
+          <p:nvPr/>
+        </p:nvPicPr>
+        <p:blipFill>
+          <a:blip r:embed="rId2"/>
+          <a:srcRect t="6759"/>
+          <a:stretch/>
+        </p:blipFill>
+        <p:spPr>
+          <a:xfrm>
+            <a:off x="4238806" y="1848466"/>
+            <a:ext cx="7815630" cy="3906168"/>
+          </a:xfrm>
+          <a:prstGeom prst="rect">
+            <a:avLst/>
+          </a:prstGeom>
+        </p:spPr>
+      </p:pic>
+    </p:spTree>
+    <p:extLst>
+      <p:ext uri="{BB962C8B-B14F-4D97-AF65-F5344CB8AC3E}">
+        <p14:creationId xmlns:p14="http://schemas.microsoft.com/office/powerpoint/2010/main" val="1127955343"/>
+      </p:ext>
+    </p:extLst>
+  </p:cSld>
+  <p:clrMapOvr>
+    <a:masterClrMapping/>
+  </p:clrMapOvr>
+</p:sld>
+</file>
+
+<file path=ppt/slides/slide18.xml><?xml version="1.0" encoding="utf-8"?>
+<p:sld xmlns:a="http://schemas.openxmlformats.org/drawingml/2006/main" xmlns:r="http://schemas.openxmlformats.org/officeDocument/2006/relationships" xmlns:p="http://schemas.openxmlformats.org/presentationml/2006/main">
+  <p:cSld>
+    <p:spTree>
+      <p:nvGrpSpPr>
+        <p:cNvPr id="1" name=""/>
+        <p:cNvGrpSpPr/>
+        <p:nvPr/>
+      </p:nvGrpSpPr>
+      <p:grpSpPr>
+        <a:xfrm>
+          <a:off x="0" y="0"/>
+          <a:ext cx="0" cy="0"/>
+          <a:chOff x="0" y="0"/>
+          <a:chExt cx="0" cy="0"/>
+        </a:xfrm>
+      </p:grpSpPr>
+      <p:sp>
+        <p:nvSpPr>
+          <p:cNvPr id="2" name="Title 1">
+            <a:extLst>
+              <a:ext uri="{FF2B5EF4-FFF2-40B4-BE49-F238E27FC236}">
+                <a16:creationId xmlns:a16="http://schemas.microsoft.com/office/drawing/2014/main" id="{CD17DED1-F28E-7219-14BE-763F3FF6144D}"/>
+              </a:ext>
+            </a:extLst>
+          </p:cNvPr>
+          <p:cNvSpPr>
+            <a:spLocks noGrp="1"/>
+          </p:cNvSpPr>
+          <p:nvPr>
+            <p:ph type="title"/>
+          </p:nvPr>
+        </p:nvSpPr>
+        <p:spPr/>
+        <p:txBody>
+          <a:bodyPr/>
+          <a:lstStyle/>
+          <a:p>
+            <a:r>
+              <a:rPr lang="en-IN" dirty="0"/>
+              <a:t>Geographical Analysis</a:t>
+            </a:r>
+          </a:p>
+        </p:txBody>
+      </p:sp>
+      <p:sp>
+        <p:nvSpPr>
+          <p:cNvPr id="3" name="Content Placeholder 2">
+            <a:extLst>
+              <a:ext uri="{FF2B5EF4-FFF2-40B4-BE49-F238E27FC236}">
+                <a16:creationId xmlns:a16="http://schemas.microsoft.com/office/drawing/2014/main" id="{74624110-7B75-6FEF-29AA-EA75A8B6D410}"/>
+              </a:ext>
+            </a:extLst>
+          </p:cNvPr>
+          <p:cNvSpPr>
+            <a:spLocks noGrp="1"/>
+          </p:cNvSpPr>
+          <p:nvPr>
+            <p:ph idx="1"/>
+          </p:nvPr>
+        </p:nvSpPr>
+        <p:spPr/>
+        <p:txBody>
+          <a:bodyPr/>
+          <a:lstStyle/>
+          <a:p>
+            <a:endParaRPr lang="en-IN" dirty="0"/>
+          </a:p>
+        </p:txBody>
+      </p:sp>
+    </p:spTree>
+    <p:extLst>
+      <p:ext uri="{BB962C8B-B14F-4D97-AF65-F5344CB8AC3E}">
+        <p14:creationId xmlns:p14="http://schemas.microsoft.com/office/powerpoint/2010/main" val="1888023626"/>
+      </p:ext>
+    </p:extLst>
+  </p:cSld>
+  <p:clrMapOvr>
+    <a:masterClrMapping/>
+  </p:clrMapOvr>
+</p:sld>
+</file>
+
 <file path=ppt/slides/slide2.xml><?xml version="1.0" encoding="utf-8"?>
 <p:sld xmlns:a="http://schemas.openxmlformats.org/drawingml/2006/main" xmlns:r="http://schemas.openxmlformats.org/officeDocument/2006/relationships" xmlns:p="http://schemas.openxmlformats.org/presentationml/2006/main">
   <p:cSld>
@@ -9120,8 +12678,11 @@
           </a:bodyPr>
           <a:lstStyle/>
           <a:p>
-            <a:r>
-              <a:rPr lang="en-US" dirty="0"/>
+            <a:pPr marL="36900" indent="0" algn="ctr">
+              <a:buNone/>
+            </a:pPr>
+            <a:r>
+              <a:rPr lang="en-US" sz="2800" dirty="0"/>
               <a:t>Welcome to our Amazon Sales Data Analysis presentation! In this session, we'll delve into the intricacies of our sales performance on Amazon, highlighting key metrics and trends that have shaped our business outcomes. Our goal is to uncover actionable insights that can drive future growth and enhance our market strategy.</a:t>
             </a:r>
           </a:p>
@@ -9204,17 +12765,19 @@
         </p:nvSpPr>
         <p:spPr/>
         <p:txBody>
-          <a:bodyPr/>
+          <a:bodyPr>
+            <a:normAutofit/>
+          </a:bodyPr>
           <a:lstStyle/>
           <a:p>
-            <a:pPr marL="0" indent="0" algn="l">
+            <a:pPr marL="0" indent="0" algn="ctr">
               <a:buNone/>
             </a:pPr>
             <a:r>
-              <a:rPr lang="en-US" dirty="0"/>
+              <a:rPr lang="en-US" sz="2800" dirty="0"/>
               <a:t>The provided dataset contains information about sales transactions on Amazon, including details such as order ID, date, status, fulfilment method, sales channel, product category, size, quantity, amount, shipping details and more. The objective is to conduct a comprehensive analysis of the data and extract actionable insights to support business decision-making.</a:t>
             </a:r>
-            <a:endParaRPr lang="en-IN" dirty="0"/>
+            <a:endParaRPr lang="en-IN" sz="2800" dirty="0"/>
           </a:p>
         </p:txBody>
       </p:sp>
@@ -9293,10 +12856,15 @@
             <p:ph idx="1"/>
           </p:nvPr>
         </p:nvSpPr>
-        <p:spPr/>
+        <p:spPr>
+          <a:xfrm>
+            <a:off x="913795" y="1732449"/>
+            <a:ext cx="10353762" cy="4697848"/>
+          </a:xfrm>
+        </p:spPr>
         <p:txBody>
           <a:bodyPr>
-            <a:normAutofit fontScale="85000" lnSpcReduction="20000"/>
+            <a:noAutofit/>
           </a:bodyPr>
           <a:lstStyle/>
           <a:p>
@@ -9436,13 +13004,13 @@
             <p:ph idx="1"/>
             <p:extLst>
               <p:ext uri="{D42A27DB-BD31-4B8C-83A1-F6EECF244321}">
-                <p14:modId xmlns:p14="http://schemas.microsoft.com/office/powerpoint/2010/main" val="3985794463"/>
+                <p14:modId xmlns:p14="http://schemas.microsoft.com/office/powerpoint/2010/main" val="3330991294"/>
               </p:ext>
             </p:extLst>
           </p:nvPr>
         </p:nvGraphicFramePr>
         <p:xfrm>
-          <a:off x="481781" y="1690688"/>
+          <a:off x="654666" y="1762125"/>
           <a:ext cx="10872019" cy="4486275"/>
         </p:xfrm>
         <a:graphic>
@@ -9729,9 +13297,9 @@
 </file>
 
 <file path=ppt/theme/theme1.xml><?xml version="1.0" encoding="utf-8"?>
-<a:theme xmlns:a="http://schemas.openxmlformats.org/drawingml/2006/main" name="Office Theme">
+<a:theme xmlns:a="http://schemas.openxmlformats.org/drawingml/2006/main" name="Slate">
   <a:themeElements>
-    <a:clrScheme name="Office">
+    <a:clrScheme name="Slate">
       <a:dk1>
         <a:sysClr val="windowText" lastClr="000000"/>
       </a:dk1>
@@ -9739,97 +13307,45 @@
         <a:sysClr val="window" lastClr="FFFFFF"/>
       </a:lt1>
       <a:dk2>
-        <a:srgbClr val="44546A"/>
+        <a:srgbClr val="212123"/>
       </a:dk2>
       <a:lt2>
-        <a:srgbClr val="E7E6E6"/>
+        <a:srgbClr val="DADADA"/>
       </a:lt2>
       <a:accent1>
-        <a:srgbClr val="4472C4"/>
+        <a:srgbClr val="BC451B"/>
       </a:accent1>
       <a:accent2>
-        <a:srgbClr val="ED7D31"/>
+        <a:srgbClr val="D3BA68"/>
       </a:accent2>
       <a:accent3>
-        <a:srgbClr val="A5A5A5"/>
+        <a:srgbClr val="BB8640"/>
       </a:accent3>
       <a:accent4>
-        <a:srgbClr val="FFC000"/>
+        <a:srgbClr val="AD9277"/>
       </a:accent4>
       <a:accent5>
-        <a:srgbClr val="5B9BD5"/>
+        <a:srgbClr val="A55A43"/>
       </a:accent5>
       <a:accent6>
-        <a:srgbClr val="70AD47"/>
+        <a:srgbClr val="AD9D7B"/>
       </a:accent6>
       <a:hlink>
-        <a:srgbClr val="0563C1"/>
+        <a:srgbClr val="E98052"/>
       </a:hlink>
       <a:folHlink>
-        <a:srgbClr val="954F72"/>
+        <a:srgbClr val="F4B69B"/>
       </a:folHlink>
     </a:clrScheme>
-    <a:fontScheme name="Office">
+    <a:fontScheme name="Slate">
       <a:majorFont>
-        <a:latin typeface="Calibri Light" panose="020F0302020204030204"/>
+        <a:latin typeface="Calisto MT" panose="02040603050505030304"/>
         <a:ea typeface=""/>
         <a:cs typeface=""/>
-        <a:font script="Jpan" typeface="游ゴシック Light"/>
-        <a:font script="Hang" typeface="맑은 고딕"/>
-        <a:font script="Hans" typeface="等线 Light"/>
-        <a:font script="Hant" typeface="新細明體"/>
-        <a:font script="Arab" typeface="Times New Roman"/>
-        <a:font script="Hebr" typeface="Times New Roman"/>
-        <a:font script="Thai" typeface="Angsana New"/>
-        <a:font script="Ethi" typeface="Nyala"/>
-        <a:font script="Beng" typeface="Vrinda"/>
-        <a:font script="Gujr" typeface="Shruti"/>
-        <a:font script="Khmr" typeface="MoolBoran"/>
-        <a:font script="Knda" typeface="Tunga"/>
-        <a:font script="Guru" typeface="Raavi"/>
-        <a:font script="Cans" typeface="Euphemia"/>
-        <a:font script="Cher" typeface="Plantagenet Cherokee"/>
-        <a:font script="Yiii" typeface="Microsoft Yi Baiti"/>
-        <a:font script="Tibt" typeface="Microsoft Himalaya"/>
-        <a:font script="Thaa" typeface="MV Boli"/>
-        <a:font script="Deva" typeface="Mangal"/>
-        <a:font script="Telu" typeface="Gautami"/>
-        <a:font script="Taml" typeface="Latha"/>
-        <a:font script="Syrc" typeface="Estrangelo Edessa"/>
-        <a:font script="Orya" typeface="Kalinga"/>
-        <a:font script="Mlym" typeface="Kartika"/>
-        <a:font script="Laoo" typeface="DokChampa"/>
-        <a:font script="Sinh" typeface="Iskoola Pota"/>
-        <a:font script="Mong" typeface="Mongolian Baiti"/>
-        <a:font script="Viet" typeface="Times New Roman"/>
-        <a:font script="Uigh" typeface="Microsoft Uighur"/>
-        <a:font script="Geor" typeface="Sylfaen"/>
-        <a:font script="Armn" typeface="Arial"/>
-        <a:font script="Bugi" typeface="Leelawadee UI"/>
-        <a:font script="Bopo" typeface="Microsoft JhengHei"/>
-        <a:font script="Java" typeface="Javanese Text"/>
-        <a:font script="Lisu" typeface="Segoe UI"/>
-        <a:font script="Mymr" typeface="Myanmar Text"/>
-        <a:font script="Nkoo" typeface="Ebrima"/>
-        <a:font script="Olck" typeface="Nirmala UI"/>
-        <a:font script="Osma" typeface="Ebrima"/>
-        <a:font script="Phag" typeface="Phagspa"/>
-        <a:font script="Syrn" typeface="Estrangelo Edessa"/>
-        <a:font script="Syrj" typeface="Estrangelo Edessa"/>
-        <a:font script="Syre" typeface="Estrangelo Edessa"/>
-        <a:font script="Sora" typeface="Nirmala UI"/>
-        <a:font script="Tale" typeface="Microsoft Tai Le"/>
-        <a:font script="Talu" typeface="Microsoft New Tai Lue"/>
-        <a:font script="Tfng" typeface="Ebrima"/>
-      </a:majorFont>
-      <a:minorFont>
-        <a:latin typeface="Calibri" panose="020F0502020204030204"/>
-        <a:ea typeface=""/>
-        <a:cs typeface=""/>
-        <a:font script="Jpan" typeface="游ゴシック"/>
-        <a:font script="Hang" typeface="맑은 고딕"/>
-        <a:font script="Hans" typeface="等线"/>
-        <a:font script="Hant" typeface="新細明體"/>
+        <a:font script="Jpan" typeface="ＭＳ Ｐゴシック"/>
+        <a:font script="Hang" typeface="돋움"/>
+        <a:font script="Hans" typeface="方正舒体"/>
+        <a:font script="Hant" typeface="微軟正黑體"/>
         <a:font script="Arab" typeface="Arial"/>
         <a:font script="Hebr" typeface="Arial"/>
         <a:font script="Thai" typeface="Cordia New"/>
@@ -9856,26 +13372,44 @@
         <a:font script="Viet" typeface="Arial"/>
         <a:font script="Uigh" typeface="Microsoft Uighur"/>
         <a:font script="Geor" typeface="Sylfaen"/>
-        <a:font script="Armn" typeface="Arial"/>
-        <a:font script="Bugi" typeface="Leelawadee UI"/>
-        <a:font script="Bopo" typeface="Microsoft JhengHei"/>
-        <a:font script="Java" typeface="Javanese Text"/>
-        <a:font script="Lisu" typeface="Segoe UI"/>
-        <a:font script="Mymr" typeface="Myanmar Text"/>
-        <a:font script="Nkoo" typeface="Ebrima"/>
-        <a:font script="Olck" typeface="Nirmala UI"/>
-        <a:font script="Osma" typeface="Ebrima"/>
-        <a:font script="Phag" typeface="Phagspa"/>
-        <a:font script="Syrn" typeface="Estrangelo Edessa"/>
-        <a:font script="Syrj" typeface="Estrangelo Edessa"/>
-        <a:font script="Syre" typeface="Estrangelo Edessa"/>
-        <a:font script="Sora" typeface="Nirmala UI"/>
-        <a:font script="Tale" typeface="Microsoft Tai Le"/>
-        <a:font script="Talu" typeface="Microsoft New Tai Lue"/>
-        <a:font script="Tfng" typeface="Ebrima"/>
+      </a:majorFont>
+      <a:minorFont>
+        <a:latin typeface="Calisto MT" panose="02040603050505030304"/>
+        <a:ea typeface=""/>
+        <a:cs typeface=""/>
+        <a:font script="Jpan" typeface="ＭＳ Ｐゴシック"/>
+        <a:font script="Hang" typeface="돋움"/>
+        <a:font script="Hans" typeface="方正舒体"/>
+        <a:font script="Hant" typeface="微軟正黑體"/>
+        <a:font script="Arab" typeface="Arial"/>
+        <a:font script="Hebr" typeface="Arial"/>
+        <a:font script="Thai" typeface="Cordia New"/>
+        <a:font script="Ethi" typeface="Nyala"/>
+        <a:font script="Beng" typeface="Vrinda"/>
+        <a:font script="Gujr" typeface="Shruti"/>
+        <a:font script="Khmr" typeface="DaunPenh"/>
+        <a:font script="Knda" typeface="Tunga"/>
+        <a:font script="Guru" typeface="Raavi"/>
+        <a:font script="Cans" typeface="Euphemia"/>
+        <a:font script="Cher" typeface="Plantagenet Cherokee"/>
+        <a:font script="Yiii" typeface="Microsoft Yi Baiti"/>
+        <a:font script="Tibt" typeface="Microsoft Himalaya"/>
+        <a:font script="Thaa" typeface="MV Boli"/>
+        <a:font script="Deva" typeface="Mangal"/>
+        <a:font script="Telu" typeface="Gautami"/>
+        <a:font script="Taml" typeface="Latha"/>
+        <a:font script="Syrc" typeface="Estrangelo Edessa"/>
+        <a:font script="Orya" typeface="Kalinga"/>
+        <a:font script="Mlym" typeface="Kartika"/>
+        <a:font script="Laoo" typeface="DokChampa"/>
+        <a:font script="Sinh" typeface="Iskoola Pota"/>
+        <a:font script="Mong" typeface="Mongolian Baiti"/>
+        <a:font script="Viet" typeface="Arial"/>
+        <a:font script="Uigh" typeface="Microsoft Uighur"/>
+        <a:font script="Geor" typeface="Sylfaen"/>
       </a:minorFont>
     </a:fontScheme>
-    <a:fmtScheme name="Office">
+    <a:fmtScheme name="Slate">
       <a:fillStyleLst>
         <a:solidFill>
           <a:schemeClr val="phClr"/>
@@ -9884,23 +13418,13 @@
           <a:gsLst>
             <a:gs pos="0">
               <a:schemeClr val="phClr">
+                <a:tint val="60000"/>
                 <a:lumMod val="110000"/>
-                <a:satMod val="105000"/>
-                <a:tint val="67000"/>
-              </a:schemeClr>
-            </a:gs>
-            <a:gs pos="50000">
-              <a:schemeClr val="phClr">
-                <a:lumMod val="105000"/>
-                <a:satMod val="103000"/>
-                <a:tint val="73000"/>
               </a:schemeClr>
             </a:gs>
             <a:gs pos="100000">
               <a:schemeClr val="phClr">
-                <a:lumMod val="105000"/>
-                <a:satMod val="109000"/>
-                <a:tint val="81000"/>
+                <a:tint val="88000"/>
               </a:schemeClr>
             </a:gs>
           </a:gsLst>
@@ -9910,23 +13434,14 @@
           <a:gsLst>
             <a:gs pos="0">
               <a:schemeClr val="phClr">
-                <a:satMod val="103000"/>
-                <a:lumMod val="102000"/>
-                <a:tint val="94000"/>
-              </a:schemeClr>
-            </a:gs>
-            <a:gs pos="50000">
-              <a:schemeClr val="phClr">
-                <a:satMod val="110000"/>
-                <a:lumMod val="100000"/>
-                <a:shade val="100000"/>
+                <a:tint val="96000"/>
+                <a:lumMod val="104000"/>
               </a:schemeClr>
             </a:gs>
             <a:gs pos="100000">
               <a:schemeClr val="phClr">
-                <a:lumMod val="99000"/>
-                <a:satMod val="120000"/>
-                <a:shade val="78000"/>
+                <a:shade val="90000"/>
+                <a:lumMod val="90000"/>
               </a:schemeClr>
             </a:gs>
           </a:gsLst>
@@ -9934,26 +13449,25 @@
         </a:gradFill>
       </a:fillStyleLst>
       <a:lnStyleLst>
-        <a:ln w="6350" cap="flat" cmpd="sng" algn="ctr">
+        <a:ln w="9525" cap="rnd" cmpd="sng" algn="ctr">
+          <a:solidFill>
+            <a:schemeClr val="phClr">
+              <a:shade val="90000"/>
+            </a:schemeClr>
+          </a:solidFill>
+          <a:prstDash val="solid"/>
+        </a:ln>
+        <a:ln w="15875" cap="rnd" cmpd="sng" algn="ctr">
           <a:solidFill>
             <a:schemeClr val="phClr"/>
           </a:solidFill>
           <a:prstDash val="solid"/>
-          <a:miter lim="800000"/>
         </a:ln>
-        <a:ln w="12700" cap="flat" cmpd="sng" algn="ctr">
+        <a:ln w="25400" cap="rnd" cmpd="sng" algn="ctr">
           <a:solidFill>
             <a:schemeClr val="phClr"/>
           </a:solidFill>
           <a:prstDash val="solid"/>
-          <a:miter lim="800000"/>
-        </a:ln>
-        <a:ln w="19050" cap="flat" cmpd="sng" algn="ctr">
-          <a:solidFill>
-            <a:schemeClr val="phClr"/>
-          </a:solidFill>
-          <a:prstDash val="solid"/>
-          <a:miter lim="800000"/>
         </a:ln>
       </a:lnStyleLst>
       <a:effectStyleLst>
@@ -9961,16 +13475,33 @@
           <a:effectLst/>
         </a:effectStyle>
         <a:effectStyle>
-          <a:effectLst/>
+          <a:effectLst>
+            <a:outerShdw blurRad="63500" dist="25400" dir="5400000" rotWithShape="0">
+              <a:srgbClr val="000000">
+                <a:alpha val="60000"/>
+              </a:srgbClr>
+            </a:outerShdw>
+          </a:effectLst>
         </a:effectStyle>
         <a:effectStyle>
           <a:effectLst>
-            <a:outerShdw blurRad="57150" dist="19050" dir="5400000" algn="ctr" rotWithShape="0">
+            <a:outerShdw blurRad="76200" dist="38100" dir="5400000" rotWithShape="0">
               <a:srgbClr val="000000">
-                <a:alpha val="63000"/>
+                <a:alpha val="75000"/>
               </a:srgbClr>
             </a:outerShdw>
           </a:effectLst>
+          <a:scene3d>
+            <a:camera prst="orthographicFront">
+              <a:rot lat="0" lon="0" rev="0"/>
+            </a:camera>
+            <a:lightRig rig="threePt" dir="t">
+              <a:rot lat="0" lon="0" rev="1200000"/>
+            </a:lightRig>
+          </a:scene3d>
+          <a:sp3d>
+            <a:bevelT w="63500" h="25400" prst="hardEdge"/>
+          </a:sp3d>
         </a:effectStyle>
       </a:effectStyleLst>
       <a:bgFillStyleLst>
@@ -9978,38 +13509,22 @@
           <a:schemeClr val="phClr"/>
         </a:solidFill>
         <a:solidFill>
-          <a:schemeClr val="phClr">
-            <a:tint val="95000"/>
-            <a:satMod val="170000"/>
-          </a:schemeClr>
+          <a:schemeClr val="phClr"/>
         </a:solidFill>
-        <a:gradFill rotWithShape="1">
-          <a:gsLst>
-            <a:gs pos="0">
+        <a:blipFill rotWithShape="1">
+          <a:blip xmlns:r="http://schemas.openxmlformats.org/officeDocument/2006/relationships" r:embed="rId1">
+            <a:duotone>
               <a:schemeClr val="phClr">
-                <a:tint val="93000"/>
-                <a:satMod val="150000"/>
-                <a:shade val="98000"/>
-                <a:lumMod val="102000"/>
+                <a:shade val="80000"/>
+                <a:lumMod val="80000"/>
               </a:schemeClr>
-            </a:gs>
-            <a:gs pos="50000">
               <a:schemeClr val="phClr">
                 <a:tint val="98000"/>
-                <a:satMod val="130000"/>
-                <a:shade val="90000"/>
-                <a:lumMod val="103000"/>
               </a:schemeClr>
-            </a:gs>
-            <a:gs pos="100000">
-              <a:schemeClr val="phClr">
-                <a:shade val="63000"/>
-                <a:satMod val="120000"/>
-              </a:schemeClr>
-            </a:gs>
-          </a:gsLst>
-          <a:lin ang="5400000" scaled="0"/>
-        </a:gradFill>
+            </a:duotone>
+          </a:blip>
+          <a:stretch/>
+        </a:blipFill>
       </a:bgFillStyleLst>
     </a:fmtScheme>
   </a:themeElements>
@@ -10017,7 +13532,7 @@
   <a:extraClrSchemeLst/>
   <a:extLst>
     <a:ext uri="{05A4C25C-085E-4340-85A3-A5531E510DB2}">
-      <thm15:themeFamily xmlns:thm15="http://schemas.microsoft.com/office/thememl/2012/main" name="Office Theme" id="{62F939B6-93AF-4DB8-9C6B-D6C7DFDC589F}" vid="{4A3C46E8-61CC-4603-A589-7422A47A8E4A}"/>
+      <thm15:themeFamily xmlns:thm15="http://schemas.microsoft.com/office/thememl/2012/main" name="Slate" id="{C3F70B94-7CE9-428E-ADC1-3269CC2C3385}" vid="{3F2DE9A5-64E6-437C-A389-CC4477E817E8}"/>
     </a:ext>
   </a:extLst>
 </a:theme>

--- a/Amazon Sales Analysis.pptx
+++ b/Amazon Sales Analysis.pptx
@@ -13,7 +13,7 @@
     <p:sldId id="261" r:id="rId7"/>
     <p:sldId id="262" r:id="rId8"/>
     <p:sldId id="263" r:id="rId9"/>
-    <p:sldId id="264" r:id="rId10"/>
+    <p:sldId id="278" r:id="rId10"/>
     <p:sldId id="265" r:id="rId11"/>
     <p:sldId id="266" r:id="rId12"/>
     <p:sldId id="267" r:id="rId13"/>
@@ -23,6 +23,10 @@
     <p:sldId id="271" r:id="rId17"/>
     <p:sldId id="272" r:id="rId18"/>
     <p:sldId id="273" r:id="rId19"/>
+    <p:sldId id="274" r:id="rId20"/>
+    <p:sldId id="275" r:id="rId21"/>
+    <p:sldId id="276" r:id="rId22"/>
+    <p:sldId id="277" r:id="rId23"/>
   </p:sldIdLst>
   <p:sldSz cx="12192000" cy="6858000"/>
   <p:notesSz cx="6858000" cy="9144000"/>
@@ -4900,7 +4904,7 @@
           <a:p>
             <a:fld id="{7DE75820-1E16-4B92-989B-B7184BA5CDFD}" type="datetimeFigureOut">
               <a:rPr lang="en-IN" smtClean="0"/>
-              <a:t>16-11-2024</a:t>
+              <a:t>18-11-2024</a:t>
             </a:fld>
             <a:endParaRPr lang="en-IN"/>
           </a:p>
@@ -5198,7 +5202,7 @@
           <a:p>
             <a:fld id="{7DE75820-1E16-4B92-989B-B7184BA5CDFD}" type="datetimeFigureOut">
               <a:rPr lang="en-IN" smtClean="0"/>
-              <a:t>16-11-2024</a:t>
+              <a:t>18-11-2024</a:t>
             </a:fld>
             <a:endParaRPr lang="en-IN"/>
           </a:p>
@@ -5390,7 +5394,7 @@
           <a:p>
             <a:fld id="{7DE75820-1E16-4B92-989B-B7184BA5CDFD}" type="datetimeFigureOut">
               <a:rPr lang="en-IN" smtClean="0"/>
-              <a:t>16-11-2024</a:t>
+              <a:t>18-11-2024</a:t>
             </a:fld>
             <a:endParaRPr lang="en-IN"/>
           </a:p>
@@ -5651,7 +5655,7 @@
           <a:p>
             <a:fld id="{7DE75820-1E16-4B92-989B-B7184BA5CDFD}" type="datetimeFigureOut">
               <a:rPr lang="en-IN" smtClean="0"/>
-              <a:t>16-11-2024</a:t>
+              <a:t>18-11-2024</a:t>
             </a:fld>
             <a:endParaRPr lang="en-IN"/>
           </a:p>
@@ -6075,7 +6079,7 @@
           <a:p>
             <a:fld id="{7DE75820-1E16-4B92-989B-B7184BA5CDFD}" type="datetimeFigureOut">
               <a:rPr lang="en-IN" smtClean="0"/>
-              <a:t>16-11-2024</a:t>
+              <a:t>18-11-2024</a:t>
             </a:fld>
             <a:endParaRPr lang="en-IN"/>
           </a:p>
@@ -6612,7 +6616,7 @@
           <a:p>
             <a:fld id="{7DE75820-1E16-4B92-989B-B7184BA5CDFD}" type="datetimeFigureOut">
               <a:rPr lang="en-IN" smtClean="0"/>
-              <a:t>16-11-2024</a:t>
+              <a:t>18-11-2024</a:t>
             </a:fld>
             <a:endParaRPr lang="en-IN"/>
           </a:p>
@@ -7476,7 +7480,7 @@
           <a:p>
             <a:fld id="{7DE75820-1E16-4B92-989B-B7184BA5CDFD}" type="datetimeFigureOut">
               <a:rPr lang="en-IN" smtClean="0"/>
-              <a:t>16-11-2024</a:t>
+              <a:t>18-11-2024</a:t>
             </a:fld>
             <a:endParaRPr lang="en-IN"/>
           </a:p>
@@ -7646,7 +7650,7 @@
           <a:p>
             <a:fld id="{7DE75820-1E16-4B92-989B-B7184BA5CDFD}" type="datetimeFigureOut">
               <a:rPr lang="en-IN" smtClean="0"/>
-              <a:t>16-11-2024</a:t>
+              <a:t>18-11-2024</a:t>
             </a:fld>
             <a:endParaRPr lang="en-IN"/>
           </a:p>
@@ -7830,7 +7834,7 @@
           <a:p>
             <a:fld id="{7DE75820-1E16-4B92-989B-B7184BA5CDFD}" type="datetimeFigureOut">
               <a:rPr lang="en-IN" smtClean="0"/>
-              <a:t>16-11-2024</a:t>
+              <a:t>18-11-2024</a:t>
             </a:fld>
             <a:endParaRPr lang="en-IN"/>
           </a:p>
@@ -8000,7 +8004,7 @@
           <a:p>
             <a:fld id="{7DE75820-1E16-4B92-989B-B7184BA5CDFD}" type="datetimeFigureOut">
               <a:rPr lang="en-IN" smtClean="0"/>
-              <a:t>16-11-2024</a:t>
+              <a:t>18-11-2024</a:t>
             </a:fld>
             <a:endParaRPr lang="en-IN"/>
           </a:p>
@@ -8244,7 +8248,7 @@
           <a:p>
             <a:fld id="{7DE75820-1E16-4B92-989B-B7184BA5CDFD}" type="datetimeFigureOut">
               <a:rPr lang="en-IN" smtClean="0"/>
-              <a:t>16-11-2024</a:t>
+              <a:t>18-11-2024</a:t>
             </a:fld>
             <a:endParaRPr lang="en-IN"/>
           </a:p>
@@ -8480,7 +8484,7 @@
           <a:p>
             <a:fld id="{7DE75820-1E16-4B92-989B-B7184BA5CDFD}" type="datetimeFigureOut">
               <a:rPr lang="en-IN" smtClean="0"/>
-              <a:t>16-11-2024</a:t>
+              <a:t>18-11-2024</a:t>
             </a:fld>
             <a:endParaRPr lang="en-IN"/>
           </a:p>
@@ -8946,7 +8950,7 @@
           <a:p>
             <a:fld id="{7DE75820-1E16-4B92-989B-B7184BA5CDFD}" type="datetimeFigureOut">
               <a:rPr lang="en-IN" smtClean="0"/>
-              <a:t>16-11-2024</a:t>
+              <a:t>18-11-2024</a:t>
             </a:fld>
             <a:endParaRPr lang="en-IN"/>
           </a:p>
@@ -9064,7 +9068,7 @@
           <a:p>
             <a:fld id="{7DE75820-1E16-4B92-989B-B7184BA5CDFD}" type="datetimeFigureOut">
               <a:rPr lang="en-IN" smtClean="0"/>
-              <a:t>16-11-2024</a:t>
+              <a:t>18-11-2024</a:t>
             </a:fld>
             <a:endParaRPr lang="en-IN"/>
           </a:p>
@@ -9159,7 +9163,7 @@
           <a:p>
             <a:fld id="{7DE75820-1E16-4B92-989B-B7184BA5CDFD}" type="datetimeFigureOut">
               <a:rPr lang="en-IN" smtClean="0"/>
-              <a:t>16-11-2024</a:t>
+              <a:t>18-11-2024</a:t>
             </a:fld>
             <a:endParaRPr lang="en-IN"/>
           </a:p>
@@ -9414,7 +9418,7 @@
           <a:p>
             <a:fld id="{7DE75820-1E16-4B92-989B-B7184BA5CDFD}" type="datetimeFigureOut">
               <a:rPr lang="en-IN" smtClean="0"/>
-              <a:t>16-11-2024</a:t>
+              <a:t>18-11-2024</a:t>
             </a:fld>
             <a:endParaRPr lang="en-IN"/>
           </a:p>
@@ -9714,7 +9718,7 @@
           <a:p>
             <a:fld id="{7DE75820-1E16-4B92-989B-B7184BA5CDFD}" type="datetimeFigureOut">
               <a:rPr lang="en-IN" smtClean="0"/>
-              <a:t>16-11-2024</a:t>
+              <a:t>18-11-2024</a:t>
             </a:fld>
             <a:endParaRPr lang="en-IN"/>
           </a:p>
@@ -9948,7 +9952,7 @@
           <a:p>
             <a:fld id="{7DE75820-1E16-4B92-989B-B7184BA5CDFD}" type="datetimeFigureOut">
               <a:rPr lang="en-IN" smtClean="0"/>
-              <a:t>16-11-2024</a:t>
+              <a:t>18-11-2024</a:t>
             </a:fld>
             <a:endParaRPr lang="en-IN"/>
           </a:p>
@@ -10649,10 +10653,26 @@
           <a:lstStyle/>
           <a:p>
             <a:r>
-              <a:rPr lang="en-US" dirty="0"/>
+              <a:rPr lang="en-US" b="1" dirty="0">
+                <a:solidFill>
+                  <a:schemeClr val="accent2">
+                    <a:lumMod val="60000"/>
+                    <a:lumOff val="40000"/>
+                  </a:schemeClr>
+                </a:solidFill>
+                <a:latin typeface="Aptos" panose="020B0004020202020204" pitchFamily="34" charset="0"/>
+              </a:rPr>
               <a:t>Amazon Sales Analysis</a:t>
             </a:r>
-            <a:endParaRPr lang="en-IN" dirty="0"/>
+            <a:endParaRPr lang="en-IN" b="1" dirty="0">
+              <a:solidFill>
+                <a:schemeClr val="accent2">
+                  <a:lumMod val="60000"/>
+                  <a:lumOff val="40000"/>
+                </a:schemeClr>
+              </a:solidFill>
+              <a:latin typeface="Aptos" panose="020B0004020202020204" pitchFamily="34" charset="0"/>
+            </a:endParaRPr>
           </a:p>
         </p:txBody>
       </p:sp>
@@ -10678,16 +10698,37 @@
           <a:lstStyle/>
           <a:p>
             <a:r>
-              <a:rPr lang="en-US" dirty="0"/>
+              <a:rPr lang="en-US" dirty="0">
+                <a:solidFill>
+                  <a:schemeClr val="accent2">
+                    <a:lumMod val="60000"/>
+                    <a:lumOff val="40000"/>
+                  </a:schemeClr>
+                </a:solidFill>
+              </a:rPr>
               <a:t>Presented by</a:t>
             </a:r>
           </a:p>
           <a:p>
             <a:r>
-              <a:rPr lang="en-US" dirty="0"/>
+              <a:rPr lang="en-US" dirty="0">
+                <a:solidFill>
+                  <a:schemeClr val="accent2">
+                    <a:lumMod val="60000"/>
+                    <a:lumOff val="40000"/>
+                  </a:schemeClr>
+                </a:solidFill>
+              </a:rPr>
               <a:t>Sai Krishna Tandasi</a:t>
             </a:r>
-            <a:endParaRPr lang="en-IN" dirty="0"/>
+            <a:endParaRPr lang="en-IN" dirty="0">
+              <a:solidFill>
+                <a:schemeClr val="accent2">
+                  <a:lumMod val="60000"/>
+                  <a:lumOff val="40000"/>
+                </a:schemeClr>
+              </a:solidFill>
+            </a:endParaRPr>
           </a:p>
         </p:txBody>
       </p:sp>
@@ -10744,15 +10785,33 @@
           </a:xfrm>
         </p:spPr>
         <p:txBody>
-          <a:bodyPr/>
+          <a:bodyPr>
+            <a:normAutofit/>
+          </a:bodyPr>
           <a:lstStyle/>
           <a:p>
             <a:pPr algn="ctr"/>
             <a:r>
-              <a:rPr lang="en-US" dirty="0"/>
+              <a:rPr lang="en-US" sz="7200" b="1" dirty="0">
+                <a:solidFill>
+                  <a:schemeClr val="accent2">
+                    <a:lumMod val="60000"/>
+                    <a:lumOff val="40000"/>
+                  </a:schemeClr>
+                </a:solidFill>
+                <a:latin typeface="Aptos" panose="020B0004020202020204" pitchFamily="34" charset="0"/>
+              </a:rPr>
               <a:t>Insights</a:t>
             </a:r>
-            <a:endParaRPr lang="en-IN" dirty="0"/>
+            <a:endParaRPr lang="en-IN" sz="7200" b="1" dirty="0">
+              <a:solidFill>
+                <a:schemeClr val="accent2">
+                  <a:lumMod val="60000"/>
+                  <a:lumOff val="40000"/>
+                </a:schemeClr>
+              </a:solidFill>
+              <a:latin typeface="Aptos" panose="020B0004020202020204" pitchFamily="34" charset="0"/>
+            </a:endParaRPr>
           </a:p>
         </p:txBody>
       </p:sp>
@@ -10810,11 +10869,23 @@
             <a:pPr algn="ctr"/>
             <a:r>
               <a:rPr lang="en-US" b="1" dirty="0">
+                <a:solidFill>
+                  <a:schemeClr val="accent2">
+                    <a:lumMod val="60000"/>
+                    <a:lumOff val="40000"/>
+                  </a:schemeClr>
+                </a:solidFill>
                 <a:latin typeface="Aptos" panose="020B0004020202020204" pitchFamily="34" charset="0"/>
               </a:rPr>
               <a:t>Sales Overview</a:t>
             </a:r>
             <a:endParaRPr lang="en-IN" b="1" dirty="0">
+              <a:solidFill>
+                <a:schemeClr val="accent2">
+                  <a:lumMod val="60000"/>
+                  <a:lumOff val="40000"/>
+                </a:schemeClr>
+              </a:solidFill>
               <a:latin typeface="Aptos" panose="020B0004020202020204" pitchFamily="34" charset="0"/>
             </a:endParaRPr>
           </a:p>
@@ -11064,11 +11135,23 @@
             <a:pPr algn="ctr"/>
             <a:r>
               <a:rPr lang="en-US" b="1" dirty="0">
+                <a:solidFill>
+                  <a:schemeClr val="accent2">
+                    <a:lumMod val="60000"/>
+                    <a:lumOff val="40000"/>
+                  </a:schemeClr>
+                </a:solidFill>
                 <a:latin typeface="Aptos" panose="020B0004020202020204" pitchFamily="34" charset="0"/>
               </a:rPr>
               <a:t>Product Analysis</a:t>
             </a:r>
             <a:endParaRPr lang="en-IN" b="1" dirty="0">
+              <a:solidFill>
+                <a:schemeClr val="accent2">
+                  <a:lumMod val="60000"/>
+                  <a:lumOff val="40000"/>
+                </a:schemeClr>
+              </a:solidFill>
               <a:latin typeface="Aptos" panose="020B0004020202020204" pitchFamily="34" charset="0"/>
             </a:endParaRPr>
           </a:p>
@@ -11243,11 +11326,23 @@
             <a:pPr algn="ctr"/>
             <a:r>
               <a:rPr lang="en-US" b="1" dirty="0">
+                <a:solidFill>
+                  <a:schemeClr val="accent2">
+                    <a:lumMod val="60000"/>
+                    <a:lumOff val="40000"/>
+                  </a:schemeClr>
+                </a:solidFill>
                 <a:latin typeface="Aptos" panose="020B0004020202020204" pitchFamily="34" charset="0"/>
               </a:rPr>
               <a:t>Product Analysis</a:t>
             </a:r>
             <a:endParaRPr lang="en-IN" b="1" dirty="0">
+              <a:solidFill>
+                <a:schemeClr val="accent2">
+                  <a:lumMod val="60000"/>
+                  <a:lumOff val="40000"/>
+                </a:schemeClr>
+              </a:solidFill>
               <a:latin typeface="Aptos" panose="020B0004020202020204" pitchFamily="34" charset="0"/>
             </a:endParaRPr>
           </a:p>
@@ -11510,11 +11605,23 @@
             <a:pPr algn="ctr"/>
             <a:r>
               <a:rPr lang="en-US" b="1" dirty="0">
+                <a:solidFill>
+                  <a:schemeClr val="accent2">
+                    <a:lumMod val="60000"/>
+                    <a:lumOff val="40000"/>
+                  </a:schemeClr>
+                </a:solidFill>
                 <a:latin typeface="Aptos" panose="020B0004020202020204" pitchFamily="34" charset="0"/>
               </a:rPr>
               <a:t>Fulfillment Analysis</a:t>
             </a:r>
             <a:endParaRPr lang="en-IN" b="1" dirty="0">
+              <a:solidFill>
+                <a:schemeClr val="accent2">
+                  <a:lumMod val="60000"/>
+                  <a:lumOff val="40000"/>
+                </a:schemeClr>
+              </a:solidFill>
               <a:latin typeface="Aptos" panose="020B0004020202020204" pitchFamily="34" charset="0"/>
             </a:endParaRPr>
           </a:p>
@@ -11796,11 +11903,23 @@
             <a:pPr algn="ctr"/>
             <a:r>
               <a:rPr lang="en-US" b="1" dirty="0">
+                <a:solidFill>
+                  <a:schemeClr val="accent2">
+                    <a:lumMod val="60000"/>
+                    <a:lumOff val="40000"/>
+                  </a:schemeClr>
+                </a:solidFill>
                 <a:latin typeface="Aptos" panose="020B0004020202020204" pitchFamily="34" charset="0"/>
               </a:rPr>
               <a:t>Fulfilment Analysis</a:t>
             </a:r>
             <a:endParaRPr lang="en-IN" b="1" dirty="0">
+              <a:solidFill>
+                <a:schemeClr val="accent2">
+                  <a:lumMod val="60000"/>
+                  <a:lumOff val="40000"/>
+                </a:schemeClr>
+              </a:solidFill>
               <a:latin typeface="Aptos" panose="020B0004020202020204" pitchFamily="34" charset="0"/>
             </a:endParaRPr>
           </a:p>
@@ -11991,11 +12110,23 @@
             <a:pPr algn="ctr"/>
             <a:r>
               <a:rPr lang="en-US" b="1" dirty="0">
+                <a:solidFill>
+                  <a:schemeClr val="accent2">
+                    <a:lumMod val="60000"/>
+                    <a:lumOff val="40000"/>
+                  </a:schemeClr>
+                </a:solidFill>
                 <a:latin typeface="Aptos" panose="020B0004020202020204" pitchFamily="34" charset="0"/>
               </a:rPr>
               <a:t>Cancelled orders by Fulfilment methods</a:t>
             </a:r>
             <a:endParaRPr lang="en-IN" b="1" dirty="0">
+              <a:solidFill>
+                <a:schemeClr val="accent2">
+                  <a:lumMod val="60000"/>
+                  <a:lumOff val="40000"/>
+                </a:schemeClr>
+              </a:solidFill>
               <a:latin typeface="Aptos" panose="020B0004020202020204" pitchFamily="34" charset="0"/>
             </a:endParaRPr>
           </a:p>
@@ -12019,7 +12150,7 @@
         </p:nvSpPr>
         <p:spPr>
           <a:xfrm>
-            <a:off x="838200" y="1130709"/>
+            <a:off x="832876" y="1317531"/>
             <a:ext cx="10515600" cy="3024740"/>
           </a:xfrm>
         </p:spPr>
@@ -12030,14 +12161,66 @@
           <a:lstStyle/>
           <a:p>
             <a:r>
+              <a:rPr lang="en-US" sz="2400" b="1" dirty="0">
+                <a:solidFill>
+                  <a:schemeClr val="accent2">
+                    <a:lumMod val="60000"/>
+                    <a:lumOff val="40000"/>
+                  </a:schemeClr>
+                </a:solidFill>
+              </a:rPr>
+              <a:t>Lakshadweep, Mizoram, Andaman &amp; Nicobar, Ladakh </a:t>
+            </a:r>
+            <a:r>
               <a:rPr lang="en-US" sz="2400" dirty="0"/>
-              <a:t>Lakshadweep, Mizoram, Andaman &amp; Nicobar, Ladakh and Dadra Nagar are getting more orders cancelled through Merchant Fulfilment.</a:t>
-            </a:r>
-          </a:p>
-          <a:p>
+              <a:t>and </a:t>
+            </a:r>
+            <a:r>
+              <a:rPr lang="en-US" sz="2400" b="1" dirty="0">
+                <a:solidFill>
+                  <a:schemeClr val="accent2">
+                    <a:lumMod val="60000"/>
+                    <a:lumOff val="40000"/>
+                  </a:schemeClr>
+                </a:solidFill>
+              </a:rPr>
+              <a:t>Dadra Nagar </a:t>
+            </a:r>
             <a:r>
               <a:rPr lang="en-US" sz="2400" dirty="0"/>
-              <a:t>Mizoram, Kerala, Ladakh, Arunachal Pradesh and Meghalaya are getting more cancelled orders through Amazon Fulfilment.</a:t>
+              <a:t>are getting more orders cancelled through Merchant Fulfilment.</a:t>
+            </a:r>
+          </a:p>
+          <a:p>
+            <a:r>
+              <a:rPr lang="en-US" sz="2400" b="1" dirty="0">
+                <a:solidFill>
+                  <a:schemeClr val="accent2">
+                    <a:lumMod val="60000"/>
+                    <a:lumOff val="40000"/>
+                  </a:schemeClr>
+                </a:solidFill>
+              </a:rPr>
+              <a:t>Mizoram, Kerala, Ladakh, Arunachal Pradesh</a:t>
+            </a:r>
+            <a:r>
+              <a:rPr lang="en-US" sz="2400" dirty="0"/>
+              <a:t> and </a:t>
+            </a:r>
+            <a:r>
+              <a:rPr lang="en-US" sz="2400" b="1" dirty="0">
+                <a:solidFill>
+                  <a:schemeClr val="accent2">
+                    <a:lumMod val="60000"/>
+                    <a:lumOff val="40000"/>
+                  </a:schemeClr>
+                </a:solidFill>
+              </a:rPr>
+              <a:t>Meghalaya</a:t>
+            </a:r>
+            <a:r>
+              <a:rPr lang="en-US" sz="2400" dirty="0"/>
+              <a:t> are getting more cancelled orders through Amazon Fulfilment.</a:t>
             </a:r>
           </a:p>
           <a:p>
@@ -12272,7 +12455,15 @@
           <a:lstStyle/>
           <a:p>
             <a:r>
-              <a:rPr lang="en-IN" dirty="0"/>
+              <a:rPr lang="en-IN" b="1" dirty="0">
+                <a:solidFill>
+                  <a:schemeClr val="accent2">
+                    <a:lumMod val="60000"/>
+                    <a:lumOff val="40000"/>
+                  </a:schemeClr>
+                </a:solidFill>
+                <a:latin typeface="Aptos" panose="020B0004020202020204" pitchFamily="34" charset="0"/>
+              </a:rPr>
               <a:t>Customer Segmentation</a:t>
             </a:r>
           </a:p>
@@ -12424,13 +12615,28 @@
             <p:ph type="title"/>
           </p:nvPr>
         </p:nvSpPr>
-        <p:spPr/>
-        <p:txBody>
-          <a:bodyPr/>
+        <p:spPr>
+          <a:xfrm>
+            <a:off x="835742" y="179547"/>
+            <a:ext cx="10353762" cy="641554"/>
+          </a:xfrm>
+        </p:spPr>
+        <p:txBody>
+          <a:bodyPr>
+            <a:normAutofit fontScale="90000"/>
+          </a:bodyPr>
           <a:lstStyle/>
           <a:p>
             <a:r>
-              <a:rPr lang="en-IN" dirty="0"/>
+              <a:rPr lang="en-IN" b="1" dirty="0">
+                <a:solidFill>
+                  <a:schemeClr val="accent2">
+                    <a:lumMod val="60000"/>
+                    <a:lumOff val="40000"/>
+                  </a:schemeClr>
+                </a:solidFill>
+                <a:latin typeface="Aptos" panose="020B0004020202020204" pitchFamily="34" charset="0"/>
+              </a:rPr>
               <a:t>Geographical Analysis</a:t>
             </a:r>
           </a:p>
@@ -12452,19 +12658,327 @@
             <p:ph idx="1"/>
           </p:nvPr>
         </p:nvSpPr>
-        <p:spPr/>
-        <p:txBody>
-          <a:bodyPr/>
+        <p:spPr>
+          <a:xfrm>
+            <a:off x="835742" y="5660815"/>
+            <a:ext cx="11021961" cy="1017638"/>
+          </a:xfrm>
+        </p:spPr>
+        <p:txBody>
+          <a:bodyPr>
+            <a:normAutofit fontScale="92500" lnSpcReduction="20000"/>
+          </a:bodyPr>
           <a:lstStyle/>
           <a:p>
+            <a:r>
+              <a:rPr lang="en-US" b="1" dirty="0">
+                <a:solidFill>
+                  <a:schemeClr val="accent2">
+                    <a:lumMod val="60000"/>
+                    <a:lumOff val="40000"/>
+                  </a:schemeClr>
+                </a:solidFill>
+              </a:rPr>
+              <a:t>Maharashtra, Karnataka, Telangana, Tamil Nadu</a:t>
+            </a:r>
+            <a:r>
+              <a:rPr lang="en-US" dirty="0"/>
+              <a:t> and </a:t>
+            </a:r>
+            <a:r>
+              <a:rPr lang="en-US" dirty="0">
+                <a:solidFill>
+                  <a:schemeClr val="accent2">
+                    <a:lumMod val="60000"/>
+                    <a:lumOff val="40000"/>
+                  </a:schemeClr>
+                </a:solidFill>
+              </a:rPr>
+              <a:t>Uttar Pradesh </a:t>
+            </a:r>
+            <a:r>
+              <a:rPr lang="en-US" dirty="0"/>
+              <a:t>are </a:t>
+            </a:r>
+            <a:r>
+              <a:rPr lang="en-US" b="1" dirty="0">
+                <a:solidFill>
+                  <a:schemeClr val="accent2">
+                    <a:lumMod val="60000"/>
+                    <a:lumOff val="40000"/>
+                  </a:schemeClr>
+                </a:solidFill>
+              </a:rPr>
+              <a:t>top 5 </a:t>
+            </a:r>
+            <a:r>
+              <a:rPr lang="en-US" dirty="0"/>
+              <a:t>states having the most no of orders and Amount.</a:t>
+            </a:r>
+          </a:p>
+          <a:p>
+            <a:r>
+              <a:rPr lang="en-US" dirty="0"/>
+              <a:t>The above 5 states cover </a:t>
+            </a:r>
+            <a:r>
+              <a:rPr lang="en-US" b="1" dirty="0">
+                <a:solidFill>
+                  <a:schemeClr val="accent2">
+                    <a:lumMod val="60000"/>
+                    <a:lumOff val="40000"/>
+                  </a:schemeClr>
+                </a:solidFill>
+              </a:rPr>
+              <a:t>56% </a:t>
+            </a:r>
+            <a:r>
+              <a:rPr lang="en-US" dirty="0"/>
+              <a:t>of the total revenue.</a:t>
+            </a:r>
+          </a:p>
+          <a:p>
             <a:endParaRPr lang="en-IN" dirty="0"/>
           </a:p>
         </p:txBody>
       </p:sp>
+      <p:pic>
+        <p:nvPicPr>
+          <p:cNvPr id="7" name="Picture 6">
+            <a:extLst>
+              <a:ext uri="{FF2B5EF4-FFF2-40B4-BE49-F238E27FC236}">
+                <a16:creationId xmlns:a16="http://schemas.microsoft.com/office/drawing/2014/main" id="{189A6880-5BB0-32D6-222E-0F0A21DB7F12}"/>
+              </a:ext>
+            </a:extLst>
+          </p:cNvPr>
+          <p:cNvPicPr>
+            <a:picLocks noChangeAspect="1"/>
+          </p:cNvPicPr>
+          <p:nvPr/>
+        </p:nvPicPr>
+        <p:blipFill>
+          <a:blip r:embed="rId2"/>
+          <a:srcRect t="1180"/>
+          <a:stretch/>
+        </p:blipFill>
+        <p:spPr>
+          <a:xfrm>
+            <a:off x="1521216" y="985684"/>
+            <a:ext cx="8982813" cy="4510548"/>
+          </a:xfrm>
+          <a:prstGeom prst="rect">
+            <a:avLst/>
+          </a:prstGeom>
+        </p:spPr>
+      </p:pic>
     </p:spTree>
     <p:extLst>
       <p:ext uri="{BB962C8B-B14F-4D97-AF65-F5344CB8AC3E}">
         <p14:creationId xmlns:p14="http://schemas.microsoft.com/office/powerpoint/2010/main" val="1888023626"/>
+      </p:ext>
+    </p:extLst>
+  </p:cSld>
+  <p:clrMapOvr>
+    <a:masterClrMapping/>
+  </p:clrMapOvr>
+</p:sld>
+</file>
+
+<file path=ppt/slides/slide19.xml><?xml version="1.0" encoding="utf-8"?>
+<p:sld xmlns:a="http://schemas.openxmlformats.org/drawingml/2006/main" xmlns:r="http://schemas.openxmlformats.org/officeDocument/2006/relationships" xmlns:p="http://schemas.openxmlformats.org/presentationml/2006/main">
+  <p:cSld>
+    <p:spTree>
+      <p:nvGrpSpPr>
+        <p:cNvPr id="1" name=""/>
+        <p:cNvGrpSpPr/>
+        <p:nvPr/>
+      </p:nvGrpSpPr>
+      <p:grpSpPr>
+        <a:xfrm>
+          <a:off x="0" y="0"/>
+          <a:ext cx="0" cy="0"/>
+          <a:chOff x="0" y="0"/>
+          <a:chExt cx="0" cy="0"/>
+        </a:xfrm>
+      </p:grpSpPr>
+      <p:sp>
+        <p:nvSpPr>
+          <p:cNvPr id="2" name="Title 1">
+            <a:extLst>
+              <a:ext uri="{FF2B5EF4-FFF2-40B4-BE49-F238E27FC236}">
+                <a16:creationId xmlns:a16="http://schemas.microsoft.com/office/drawing/2014/main" id="{42547C23-D484-90F8-92CE-A2AA61FB07BC}"/>
+              </a:ext>
+            </a:extLst>
+          </p:cNvPr>
+          <p:cNvSpPr>
+            <a:spLocks noGrp="1"/>
+          </p:cNvSpPr>
+          <p:nvPr>
+            <p:ph type="title"/>
+          </p:nvPr>
+        </p:nvSpPr>
+        <p:spPr/>
+        <p:txBody>
+          <a:bodyPr/>
+          <a:lstStyle/>
+          <a:p>
+            <a:r>
+              <a:rPr lang="en-US" b="1" dirty="0">
+                <a:solidFill>
+                  <a:schemeClr val="accent2">
+                    <a:lumMod val="60000"/>
+                    <a:lumOff val="40000"/>
+                  </a:schemeClr>
+                </a:solidFill>
+                <a:latin typeface="Aptos" panose="020B0004020202020204" pitchFamily="34" charset="0"/>
+              </a:rPr>
+              <a:t>Geographical Analysis</a:t>
+            </a:r>
+            <a:endParaRPr lang="en-IN" b="1" dirty="0">
+              <a:solidFill>
+                <a:schemeClr val="accent2">
+                  <a:lumMod val="60000"/>
+                  <a:lumOff val="40000"/>
+                </a:schemeClr>
+              </a:solidFill>
+              <a:latin typeface="Aptos" panose="020B0004020202020204" pitchFamily="34" charset="0"/>
+            </a:endParaRPr>
+          </a:p>
+        </p:txBody>
+      </p:sp>
+      <p:sp>
+        <p:nvSpPr>
+          <p:cNvPr id="3" name="Content Placeholder 2">
+            <a:extLst>
+              <a:ext uri="{FF2B5EF4-FFF2-40B4-BE49-F238E27FC236}">
+                <a16:creationId xmlns:a16="http://schemas.microsoft.com/office/drawing/2014/main" id="{7BC80248-14C1-8E24-4BE1-17B08D7A0017}"/>
+              </a:ext>
+            </a:extLst>
+          </p:cNvPr>
+          <p:cNvSpPr>
+            <a:spLocks noGrp="1"/>
+          </p:cNvSpPr>
+          <p:nvPr>
+            <p:ph idx="1"/>
+          </p:nvPr>
+        </p:nvSpPr>
+        <p:spPr/>
+        <p:txBody>
+          <a:bodyPr/>
+          <a:lstStyle/>
+          <a:p>
+            <a:r>
+              <a:rPr lang="en-US" b="1" dirty="0">
+                <a:solidFill>
+                  <a:schemeClr val="accent2">
+                    <a:lumMod val="60000"/>
+                    <a:lumOff val="40000"/>
+                  </a:schemeClr>
+                </a:solidFill>
+              </a:rPr>
+              <a:t>Bengaluru, Hyderabad, Mumbai, New Delhi</a:t>
+            </a:r>
+            <a:r>
+              <a:rPr lang="en-US" dirty="0"/>
+              <a:t> and </a:t>
+            </a:r>
+            <a:r>
+              <a:rPr lang="en-US" b="1" dirty="0">
+                <a:solidFill>
+                  <a:schemeClr val="accent2">
+                    <a:lumMod val="60000"/>
+                    <a:lumOff val="40000"/>
+                  </a:schemeClr>
+                </a:solidFill>
+              </a:rPr>
+              <a:t>Chennai</a:t>
+            </a:r>
+            <a:r>
+              <a:rPr lang="en-US" dirty="0"/>
+              <a:t> are the </a:t>
+            </a:r>
+            <a:r>
+              <a:rPr lang="en-US" b="1" dirty="0">
+                <a:solidFill>
+                  <a:schemeClr val="accent2">
+                    <a:lumMod val="60000"/>
+                    <a:lumOff val="40000"/>
+                  </a:schemeClr>
+                </a:solidFill>
+              </a:rPr>
+              <a:t>top 5 </a:t>
+            </a:r>
+            <a:r>
+              <a:rPr lang="en-US" dirty="0"/>
+              <a:t>cities having the most no of orders and Amount. </a:t>
+            </a:r>
+          </a:p>
+          <a:p>
+            <a:r>
+              <a:rPr lang="en-US" dirty="0"/>
+              <a:t>These 5 cities cover </a:t>
+            </a:r>
+            <a:r>
+              <a:rPr lang="en-US" b="1" dirty="0">
+                <a:solidFill>
+                  <a:schemeClr val="accent2">
+                    <a:lumMod val="60000"/>
+                    <a:lumOff val="40000"/>
+                  </a:schemeClr>
+                </a:solidFill>
+              </a:rPr>
+              <a:t>32% </a:t>
+            </a:r>
+            <a:r>
+              <a:rPr lang="en-US" dirty="0"/>
+              <a:t>of the total revenue.</a:t>
+            </a:r>
+          </a:p>
+          <a:p>
+            <a:endParaRPr lang="en-US" dirty="0"/>
+          </a:p>
+          <a:p>
+            <a:endParaRPr lang="en-US" dirty="0"/>
+          </a:p>
+          <a:p>
+            <a:endParaRPr lang="en-IN" dirty="0"/>
+          </a:p>
+        </p:txBody>
+      </p:sp>
+      <p:pic>
+        <p:nvPicPr>
+          <p:cNvPr id="5" name="Picture 4">
+            <a:extLst>
+              <a:ext uri="{FF2B5EF4-FFF2-40B4-BE49-F238E27FC236}">
+                <a16:creationId xmlns:a16="http://schemas.microsoft.com/office/drawing/2014/main" id="{7491DE6A-0153-3E08-12C0-6ADDD4068F1E}"/>
+              </a:ext>
+            </a:extLst>
+          </p:cNvPr>
+          <p:cNvPicPr>
+            <a:picLocks noChangeAspect="1"/>
+          </p:cNvPicPr>
+          <p:nvPr/>
+        </p:nvPicPr>
+        <p:blipFill>
+          <a:blip r:embed="rId2"/>
+          <a:stretch>
+            <a:fillRect/>
+          </a:stretch>
+        </p:blipFill>
+        <p:spPr>
+          <a:xfrm>
+            <a:off x="2145934" y="3104536"/>
+            <a:ext cx="7556628" cy="2362200"/>
+          </a:xfrm>
+          <a:prstGeom prst="rect">
+            <a:avLst/>
+          </a:prstGeom>
+        </p:spPr>
+      </p:pic>
+    </p:spTree>
+    <p:extLst>
+      <p:ext uri="{BB962C8B-B14F-4D97-AF65-F5344CB8AC3E}">
+        <p14:creationId xmlns:p14="http://schemas.microsoft.com/office/powerpoint/2010/main" val="788108320"/>
       </p:ext>
     </p:extLst>
   </p:cSld>
@@ -12514,10 +13028,26 @@
           <a:p>
             <a:pPr algn="ctr"/>
             <a:r>
-              <a:rPr lang="en-US" dirty="0"/>
+              <a:rPr lang="en-US" b="1" dirty="0">
+                <a:solidFill>
+                  <a:schemeClr val="accent2">
+                    <a:lumMod val="60000"/>
+                    <a:lumOff val="40000"/>
+                  </a:schemeClr>
+                </a:solidFill>
+                <a:latin typeface="Aptos" panose="020B0004020202020204" pitchFamily="34" charset="0"/>
+              </a:rPr>
               <a:t>Contents</a:t>
             </a:r>
-            <a:endParaRPr lang="en-IN" dirty="0"/>
+            <a:endParaRPr lang="en-IN" b="1" dirty="0">
+              <a:solidFill>
+                <a:schemeClr val="accent2">
+                  <a:lumMod val="60000"/>
+                  <a:lumOff val="40000"/>
+                </a:schemeClr>
+              </a:solidFill>
+              <a:latin typeface="Aptos" panose="020B0004020202020204" pitchFamily="34" charset="0"/>
+            </a:endParaRPr>
           </a:p>
         </p:txBody>
       </p:sp>
@@ -12590,6 +13120,417 @@
     <p:extLst>
       <p:ext uri="{BB962C8B-B14F-4D97-AF65-F5344CB8AC3E}">
         <p14:creationId xmlns:p14="http://schemas.microsoft.com/office/powerpoint/2010/main" val="3313596397"/>
+      </p:ext>
+    </p:extLst>
+  </p:cSld>
+  <p:clrMapOvr>
+    <a:masterClrMapping/>
+  </p:clrMapOvr>
+</p:sld>
+</file>
+
+<file path=ppt/slides/slide20.xml><?xml version="1.0" encoding="utf-8"?>
+<p:sld xmlns:a="http://schemas.openxmlformats.org/drawingml/2006/main" xmlns:r="http://schemas.openxmlformats.org/officeDocument/2006/relationships" xmlns:p="http://schemas.openxmlformats.org/presentationml/2006/main">
+  <p:cSld>
+    <p:spTree>
+      <p:nvGrpSpPr>
+        <p:cNvPr id="1" name=""/>
+        <p:cNvGrpSpPr/>
+        <p:nvPr/>
+      </p:nvGrpSpPr>
+      <p:grpSpPr>
+        <a:xfrm>
+          <a:off x="0" y="0"/>
+          <a:ext cx="0" cy="0"/>
+          <a:chOff x="0" y="0"/>
+          <a:chExt cx="0" cy="0"/>
+        </a:xfrm>
+      </p:grpSpPr>
+      <p:sp>
+        <p:nvSpPr>
+          <p:cNvPr id="2" name="Title 1">
+            <a:extLst>
+              <a:ext uri="{FF2B5EF4-FFF2-40B4-BE49-F238E27FC236}">
+                <a16:creationId xmlns:a16="http://schemas.microsoft.com/office/drawing/2014/main" id="{91404BFF-898C-291C-9EEC-81E5E6640EAB}"/>
+              </a:ext>
+            </a:extLst>
+          </p:cNvPr>
+          <p:cNvSpPr>
+            <a:spLocks noGrp="1"/>
+          </p:cNvSpPr>
+          <p:nvPr>
+            <p:ph type="title"/>
+          </p:nvPr>
+        </p:nvSpPr>
+        <p:spPr/>
+        <p:txBody>
+          <a:bodyPr/>
+          <a:lstStyle/>
+          <a:p>
+            <a:r>
+              <a:rPr lang="en-US" b="1" dirty="0">
+                <a:solidFill>
+                  <a:schemeClr val="accent2">
+                    <a:lumMod val="60000"/>
+                    <a:lumOff val="40000"/>
+                  </a:schemeClr>
+                </a:solidFill>
+                <a:latin typeface="Aptos" panose="020B0004020202020204" pitchFamily="34" charset="0"/>
+              </a:rPr>
+              <a:t>Business Insights</a:t>
+            </a:r>
+            <a:endParaRPr lang="en-IN" b="1" dirty="0">
+              <a:solidFill>
+                <a:schemeClr val="accent2">
+                  <a:lumMod val="60000"/>
+                  <a:lumOff val="40000"/>
+                </a:schemeClr>
+              </a:solidFill>
+              <a:latin typeface="Aptos" panose="020B0004020202020204" pitchFamily="34" charset="0"/>
+            </a:endParaRPr>
+          </a:p>
+        </p:txBody>
+      </p:sp>
+      <p:sp>
+        <p:nvSpPr>
+          <p:cNvPr id="3" name="Content Placeholder 2">
+            <a:extLst>
+              <a:ext uri="{FF2B5EF4-FFF2-40B4-BE49-F238E27FC236}">
+                <a16:creationId xmlns:a16="http://schemas.microsoft.com/office/drawing/2014/main" id="{552040BD-9D2B-6CF9-9640-6658F48A56BF}"/>
+              </a:ext>
+            </a:extLst>
+          </p:cNvPr>
+          <p:cNvSpPr>
+            <a:spLocks noGrp="1"/>
+          </p:cNvSpPr>
+          <p:nvPr>
+            <p:ph idx="1"/>
+          </p:nvPr>
+        </p:nvSpPr>
+        <p:spPr/>
+        <p:txBody>
+          <a:bodyPr>
+            <a:normAutofit lnSpcReduction="10000"/>
+          </a:bodyPr>
+          <a:lstStyle/>
+          <a:p>
+            <a:r>
+              <a:rPr lang="en-US" dirty="0"/>
+              <a:t>Customers are mostly ordering the Clothes.</a:t>
+            </a:r>
+          </a:p>
+          <a:p>
+            <a:r>
+              <a:rPr lang="en-US" dirty="0"/>
+              <a:t>Business is more active in Urban Areas than Rural Areas.</a:t>
+            </a:r>
+          </a:p>
+          <a:p>
+            <a:r>
+              <a:rPr lang="en-US" dirty="0"/>
+              <a:t>Most no of cancelled orders observed in Hilly regions and Islands.</a:t>
+            </a:r>
+          </a:p>
+          <a:p>
+            <a:r>
+              <a:rPr lang="en-US" dirty="0"/>
+              <a:t>Fulfillment through Merchant had more no. of shipping issues and cancelled orders.</a:t>
+            </a:r>
+          </a:p>
+          <a:p>
+            <a:r>
+              <a:rPr lang="en-US" dirty="0"/>
+              <a:t>Customers are mostly ordering in the first week rather than month end.</a:t>
+            </a:r>
+          </a:p>
+          <a:p>
+            <a:r>
+              <a:rPr lang="en-US" dirty="0"/>
+              <a:t>Accessories had registered less sales which are par below the average.</a:t>
+            </a:r>
+          </a:p>
+          <a:p>
+            <a:r>
+              <a:rPr lang="en-US" dirty="0"/>
+              <a:t>M, L and XL are mostly selling in size categories.</a:t>
+            </a:r>
+          </a:p>
+          <a:p>
+            <a:r>
+              <a:rPr lang="en-US" dirty="0"/>
+              <a:t>Urban areas are registering more orders than Rural Areas.</a:t>
+            </a:r>
+          </a:p>
+          <a:p>
+            <a:r>
+              <a:rPr lang="en-US" dirty="0"/>
+              <a:t>Power BI Link: </a:t>
+            </a:r>
+            <a:r>
+              <a:rPr lang="en-US" u="sng" dirty="0">
+                <a:solidFill>
+                  <a:srgbClr val="00B0F0"/>
+                </a:solidFill>
+              </a:rPr>
+              <a:t>https://app.powerbi.com/links/2fIelQqwSa?ctid=ce2cf43b-263b-4598-b84d-ed105bc3ebcc&amp;pbi_source=linkShare</a:t>
+            </a:r>
+          </a:p>
+          <a:p>
+            <a:endParaRPr lang="en-US" dirty="0"/>
+          </a:p>
+          <a:p>
+            <a:endParaRPr lang="en-US" dirty="0"/>
+          </a:p>
+          <a:p>
+            <a:endParaRPr lang="en-US" dirty="0"/>
+          </a:p>
+          <a:p>
+            <a:endParaRPr lang="en-IN" dirty="0"/>
+          </a:p>
+        </p:txBody>
+      </p:sp>
+    </p:spTree>
+    <p:extLst>
+      <p:ext uri="{BB962C8B-B14F-4D97-AF65-F5344CB8AC3E}">
+        <p14:creationId xmlns:p14="http://schemas.microsoft.com/office/powerpoint/2010/main" val="3793997342"/>
+      </p:ext>
+    </p:extLst>
+  </p:cSld>
+  <p:clrMapOvr>
+    <a:masterClrMapping/>
+  </p:clrMapOvr>
+</p:sld>
+</file>
+
+<file path=ppt/slides/slide21.xml><?xml version="1.0" encoding="utf-8"?>
+<p:sld xmlns:a="http://schemas.openxmlformats.org/drawingml/2006/main" xmlns:r="http://schemas.openxmlformats.org/officeDocument/2006/relationships" xmlns:p="http://schemas.openxmlformats.org/presentationml/2006/main">
+  <p:cSld>
+    <p:spTree>
+      <p:nvGrpSpPr>
+        <p:cNvPr id="1" name=""/>
+        <p:cNvGrpSpPr/>
+        <p:nvPr/>
+      </p:nvGrpSpPr>
+      <p:grpSpPr>
+        <a:xfrm>
+          <a:off x="0" y="0"/>
+          <a:ext cx="0" cy="0"/>
+          <a:chOff x="0" y="0"/>
+          <a:chExt cx="0" cy="0"/>
+        </a:xfrm>
+      </p:grpSpPr>
+      <p:sp>
+        <p:nvSpPr>
+          <p:cNvPr id="2" name="Title 1">
+            <a:extLst>
+              <a:ext uri="{FF2B5EF4-FFF2-40B4-BE49-F238E27FC236}">
+                <a16:creationId xmlns:a16="http://schemas.microsoft.com/office/drawing/2014/main" id="{EABFE13C-96AC-B067-03B7-997A96D375F6}"/>
+              </a:ext>
+            </a:extLst>
+          </p:cNvPr>
+          <p:cNvSpPr>
+            <a:spLocks noGrp="1"/>
+          </p:cNvSpPr>
+          <p:nvPr>
+            <p:ph type="title"/>
+          </p:nvPr>
+        </p:nvSpPr>
+        <p:spPr/>
+        <p:txBody>
+          <a:bodyPr/>
+          <a:lstStyle/>
+          <a:p>
+            <a:r>
+              <a:rPr lang="en-US" b="1" dirty="0">
+                <a:solidFill>
+                  <a:schemeClr val="accent2">
+                    <a:lumMod val="60000"/>
+                    <a:lumOff val="40000"/>
+                  </a:schemeClr>
+                </a:solidFill>
+                <a:latin typeface="Aptos" panose="020B0004020202020204" pitchFamily="34" charset="0"/>
+              </a:rPr>
+              <a:t>Conclusion</a:t>
+            </a:r>
+            <a:endParaRPr lang="en-IN" b="1" dirty="0">
+              <a:solidFill>
+                <a:schemeClr val="accent2">
+                  <a:lumMod val="60000"/>
+                  <a:lumOff val="40000"/>
+                </a:schemeClr>
+              </a:solidFill>
+              <a:latin typeface="Aptos" panose="020B0004020202020204" pitchFamily="34" charset="0"/>
+            </a:endParaRPr>
+          </a:p>
+        </p:txBody>
+      </p:sp>
+      <p:sp>
+        <p:nvSpPr>
+          <p:cNvPr id="3" name="Content Placeholder 2">
+            <a:extLst>
+              <a:ext uri="{FF2B5EF4-FFF2-40B4-BE49-F238E27FC236}">
+                <a16:creationId xmlns:a16="http://schemas.microsoft.com/office/drawing/2014/main" id="{ACAD576C-E1C2-E85E-2975-9D0FA354F0C3}"/>
+              </a:ext>
+            </a:extLst>
+          </p:cNvPr>
+          <p:cNvSpPr>
+            <a:spLocks noGrp="1"/>
+          </p:cNvSpPr>
+          <p:nvPr>
+            <p:ph idx="1"/>
+          </p:nvPr>
+        </p:nvSpPr>
+        <p:spPr/>
+        <p:txBody>
+          <a:bodyPr>
+            <a:normAutofit lnSpcReduction="10000"/>
+          </a:bodyPr>
+          <a:lstStyle/>
+          <a:p>
+            <a:r>
+              <a:rPr lang="en-US" dirty="0"/>
+              <a:t>Since clothes are ordering mostly, its better to increase the varieties in clothing.</a:t>
+            </a:r>
+          </a:p>
+          <a:p>
+            <a:r>
+              <a:rPr lang="en-US" dirty="0"/>
+              <a:t>Accessories need to get more stock and offers to increase the sales.</a:t>
+            </a:r>
+          </a:p>
+          <a:p>
+            <a:r>
+              <a:rPr lang="en-US" dirty="0"/>
+              <a:t>Fulfilment through the merchant need to increase their end user services to decrease the cancelled orders.</a:t>
+            </a:r>
+          </a:p>
+          <a:p>
+            <a:r>
+              <a:rPr lang="en-US" dirty="0"/>
+              <a:t>Need to redefine the delivery terms and conditions in the hilly areas due to their infrastructure issues, so that we can receive less complaints in shipping issues.</a:t>
+            </a:r>
+          </a:p>
+          <a:p>
+            <a:r>
+              <a:rPr lang="en-US" dirty="0"/>
+              <a:t>Need to increase the EMI options in all categories, customers are mostly ordering in the starting week of the month.</a:t>
+            </a:r>
+          </a:p>
+          <a:p>
+            <a:r>
+              <a:rPr lang="en-US" dirty="0"/>
+              <a:t>It is recommended to make sure that all sizes are available before the product is getting into sale, because mostly M, L, XL have more orders. </a:t>
+            </a:r>
+          </a:p>
+          <a:p>
+            <a:r>
+              <a:rPr lang="en-US" dirty="0"/>
+              <a:t>Rural areas are getting less orders, needed fast delivery and more advertisement.</a:t>
+            </a:r>
+          </a:p>
+          <a:p>
+            <a:endParaRPr lang="en-US" dirty="0"/>
+          </a:p>
+          <a:p>
+            <a:pPr marL="36900" indent="0">
+              <a:buNone/>
+            </a:pPr>
+            <a:endParaRPr lang="en-US" dirty="0"/>
+          </a:p>
+          <a:p>
+            <a:endParaRPr lang="en-US" dirty="0"/>
+          </a:p>
+          <a:p>
+            <a:endParaRPr lang="en-IN" dirty="0"/>
+          </a:p>
+        </p:txBody>
+      </p:sp>
+    </p:spTree>
+    <p:extLst>
+      <p:ext uri="{BB962C8B-B14F-4D97-AF65-F5344CB8AC3E}">
+        <p14:creationId xmlns:p14="http://schemas.microsoft.com/office/powerpoint/2010/main" val="193859015"/>
+      </p:ext>
+    </p:extLst>
+  </p:cSld>
+  <p:clrMapOvr>
+    <a:masterClrMapping/>
+  </p:clrMapOvr>
+</p:sld>
+</file>
+
+<file path=ppt/slides/slide22.xml><?xml version="1.0" encoding="utf-8"?>
+<p:sld xmlns:a="http://schemas.openxmlformats.org/drawingml/2006/main" xmlns:r="http://schemas.openxmlformats.org/officeDocument/2006/relationships" xmlns:p="http://schemas.openxmlformats.org/presentationml/2006/main">
+  <p:cSld>
+    <p:spTree>
+      <p:nvGrpSpPr>
+        <p:cNvPr id="1" name=""/>
+        <p:cNvGrpSpPr/>
+        <p:nvPr/>
+      </p:nvGrpSpPr>
+      <p:grpSpPr>
+        <a:xfrm>
+          <a:off x="0" y="0"/>
+          <a:ext cx="0" cy="0"/>
+          <a:chOff x="0" y="0"/>
+          <a:chExt cx="0" cy="0"/>
+        </a:xfrm>
+      </p:grpSpPr>
+      <p:sp>
+        <p:nvSpPr>
+          <p:cNvPr id="6" name="Title 5">
+            <a:extLst>
+              <a:ext uri="{FF2B5EF4-FFF2-40B4-BE49-F238E27FC236}">
+                <a16:creationId xmlns:a16="http://schemas.microsoft.com/office/drawing/2014/main" id="{C818EFA0-D419-5374-1902-F27BB25075F8}"/>
+              </a:ext>
+            </a:extLst>
+          </p:cNvPr>
+          <p:cNvSpPr>
+            <a:spLocks noGrp="1"/>
+          </p:cNvSpPr>
+          <p:nvPr>
+            <p:ph type="title"/>
+          </p:nvPr>
+        </p:nvSpPr>
+        <p:spPr>
+          <a:xfrm>
+            <a:off x="919119" y="2035277"/>
+            <a:ext cx="10353762" cy="1995948"/>
+          </a:xfrm>
+        </p:spPr>
+        <p:txBody>
+          <a:bodyPr>
+            <a:normAutofit/>
+          </a:bodyPr>
+          <a:lstStyle/>
+          <a:p>
+            <a:r>
+              <a:rPr lang="en-US" sz="6000" b="1" dirty="0">
+                <a:solidFill>
+                  <a:schemeClr val="accent2">
+                    <a:lumMod val="60000"/>
+                    <a:lumOff val="40000"/>
+                  </a:schemeClr>
+                </a:solidFill>
+                <a:latin typeface="Aptos" panose="020B0004020202020204" pitchFamily="34" charset="0"/>
+              </a:rPr>
+              <a:t>Thank You</a:t>
+            </a:r>
+            <a:endParaRPr lang="en-IN" sz="6000" b="1" dirty="0">
+              <a:solidFill>
+                <a:schemeClr val="accent2">
+                  <a:lumMod val="60000"/>
+                  <a:lumOff val="40000"/>
+                </a:schemeClr>
+              </a:solidFill>
+              <a:latin typeface="Aptos" panose="020B0004020202020204" pitchFamily="34" charset="0"/>
+            </a:endParaRPr>
+          </a:p>
+        </p:txBody>
+      </p:sp>
+    </p:spTree>
+    <p:extLst>
+      <p:ext uri="{BB962C8B-B14F-4D97-AF65-F5344CB8AC3E}">
+        <p14:creationId xmlns:p14="http://schemas.microsoft.com/office/powerpoint/2010/main" val="1848997962"/>
       </p:ext>
     </p:extLst>
   </p:cSld>
@@ -12643,10 +13584,26 @@
           <a:lstStyle/>
           <a:p>
             <a:r>
-              <a:rPr lang="en-US" dirty="0"/>
+              <a:rPr lang="en-US" b="1" dirty="0">
+                <a:solidFill>
+                  <a:schemeClr val="accent2">
+                    <a:lumMod val="60000"/>
+                    <a:lumOff val="40000"/>
+                  </a:schemeClr>
+                </a:solidFill>
+                <a:latin typeface="Aptos" panose="020B0004020202020204" pitchFamily="34" charset="0"/>
+              </a:rPr>
               <a:t>Introduction</a:t>
             </a:r>
-            <a:endParaRPr lang="en-IN" dirty="0"/>
+            <a:endParaRPr lang="en-IN" b="1" dirty="0">
+              <a:solidFill>
+                <a:schemeClr val="accent2">
+                  <a:lumMod val="60000"/>
+                  <a:lumOff val="40000"/>
+                </a:schemeClr>
+              </a:solidFill>
+              <a:latin typeface="Aptos" panose="020B0004020202020204" pitchFamily="34" charset="0"/>
+            </a:endParaRPr>
           </a:p>
         </p:txBody>
       </p:sp>
@@ -12740,10 +13697,26 @@
           <a:lstStyle/>
           <a:p>
             <a:r>
-              <a:rPr lang="en-US" dirty="0"/>
+              <a:rPr lang="en-US" b="1" dirty="0">
+                <a:solidFill>
+                  <a:schemeClr val="accent2">
+                    <a:lumMod val="60000"/>
+                    <a:lumOff val="40000"/>
+                  </a:schemeClr>
+                </a:solidFill>
+                <a:latin typeface="Aptos" panose="020B0004020202020204" pitchFamily="34" charset="0"/>
+              </a:rPr>
               <a:t>Problem Statement</a:t>
             </a:r>
-            <a:endParaRPr lang="en-IN" dirty="0"/>
+            <a:endParaRPr lang="en-IN" b="1" dirty="0">
+              <a:solidFill>
+                <a:schemeClr val="accent2">
+                  <a:lumMod val="60000"/>
+                  <a:lumOff val="40000"/>
+                </a:schemeClr>
+              </a:solidFill>
+              <a:latin typeface="Aptos" panose="020B0004020202020204" pitchFamily="34" charset="0"/>
+            </a:endParaRPr>
           </a:p>
         </p:txBody>
       </p:sp>
@@ -12833,10 +13806,26 @@
           <a:lstStyle/>
           <a:p>
             <a:r>
-              <a:rPr lang="en-US" dirty="0"/>
+              <a:rPr lang="en-US" b="1" dirty="0">
+                <a:solidFill>
+                  <a:schemeClr val="accent2">
+                    <a:lumMod val="60000"/>
+                    <a:lumOff val="40000"/>
+                  </a:schemeClr>
+                </a:solidFill>
+                <a:latin typeface="Aptos" panose="020B0004020202020204" pitchFamily="34" charset="0"/>
+              </a:rPr>
               <a:t>Key Objectives</a:t>
             </a:r>
-            <a:endParaRPr lang="en-IN" dirty="0"/>
+            <a:endParaRPr lang="en-IN" b="1" dirty="0">
+              <a:solidFill>
+                <a:schemeClr val="accent2">
+                  <a:lumMod val="60000"/>
+                  <a:lumOff val="40000"/>
+                </a:schemeClr>
+              </a:solidFill>
+              <a:latin typeface="Aptos" panose="020B0004020202020204" pitchFamily="34" charset="0"/>
+            </a:endParaRPr>
           </a:p>
         </p:txBody>
       </p:sp>
@@ -12869,8 +13858,19 @@
           <a:lstStyle/>
           <a:p>
             <a:r>
+              <a:rPr lang="en-IN" b="1" dirty="0">
+                <a:solidFill>
+                  <a:schemeClr val="accent2">
+                    <a:lumMod val="60000"/>
+                    <a:lumOff val="40000"/>
+                  </a:schemeClr>
+                </a:solidFill>
+              </a:rPr>
+              <a:t>Sales Overview</a:t>
+            </a:r>
+            <a:r>
               <a:rPr lang="en-IN" b="1" dirty="0"/>
-              <a:t>Sales Overview: </a:t>
+              <a:t>: </a:t>
             </a:r>
             <a:r>
               <a:rPr lang="en-IN" dirty="0"/>
@@ -12879,8 +13879,19 @@
           </a:p>
           <a:p>
             <a:r>
+              <a:rPr lang="en-IN" b="1" dirty="0">
+                <a:solidFill>
+                  <a:schemeClr val="accent2">
+                    <a:lumMod val="60000"/>
+                    <a:lumOff val="40000"/>
+                  </a:schemeClr>
+                </a:solidFill>
+              </a:rPr>
+              <a:t>Product Analysis</a:t>
+            </a:r>
+            <a:r>
               <a:rPr lang="en-IN" b="1" dirty="0"/>
-              <a:t>Product Analysis: </a:t>
+              <a:t>: </a:t>
             </a:r>
             <a:r>
               <a:rPr lang="en-IN" dirty="0"/>
@@ -12889,8 +13900,19 @@
           </a:p>
           <a:p>
             <a:r>
+              <a:rPr lang="en-IN" b="1" dirty="0">
+                <a:solidFill>
+                  <a:schemeClr val="accent2">
+                    <a:lumMod val="60000"/>
+                    <a:lumOff val="40000"/>
+                  </a:schemeClr>
+                </a:solidFill>
+              </a:rPr>
+              <a:t>Fulfilment Analysis</a:t>
+            </a:r>
+            <a:r>
               <a:rPr lang="en-IN" b="1" dirty="0"/>
-              <a:t>Fulfilment Analysis: </a:t>
+              <a:t>: </a:t>
             </a:r>
             <a:r>
               <a:rPr lang="en-IN" dirty="0"/>
@@ -12899,8 +13921,19 @@
           </a:p>
           <a:p>
             <a:r>
+              <a:rPr lang="en-IN" b="1" dirty="0">
+                <a:solidFill>
+                  <a:schemeClr val="accent2">
+                    <a:lumMod val="60000"/>
+                    <a:lumOff val="40000"/>
+                  </a:schemeClr>
+                </a:solidFill>
+              </a:rPr>
+              <a:t>Customer Segmentation</a:t>
+            </a:r>
+            <a:r>
               <a:rPr lang="en-IN" b="1" dirty="0"/>
-              <a:t>Customer Segmentation: </a:t>
+              <a:t>: </a:t>
             </a:r>
             <a:r>
               <a:rPr lang="en-IN" dirty="0"/>
@@ -12909,8 +13942,19 @@
           </a:p>
           <a:p>
             <a:r>
+              <a:rPr lang="en-IN" b="1" dirty="0">
+                <a:solidFill>
+                  <a:schemeClr val="accent2">
+                    <a:lumMod val="60000"/>
+                    <a:lumOff val="40000"/>
+                  </a:schemeClr>
+                </a:solidFill>
+              </a:rPr>
+              <a:t>Geographical Analysis</a:t>
+            </a:r>
+            <a:r>
               <a:rPr lang="en-IN" b="1" dirty="0"/>
-              <a:t>Geographical Analysis: </a:t>
+              <a:t>: </a:t>
             </a:r>
             <a:r>
               <a:rPr lang="en-IN" dirty="0"/>
@@ -12919,8 +13963,19 @@
           </a:p>
           <a:p>
             <a:r>
+              <a:rPr lang="en-IN" b="1" dirty="0">
+                <a:solidFill>
+                  <a:schemeClr val="accent2">
+                    <a:lumMod val="60000"/>
+                    <a:lumOff val="40000"/>
+                  </a:schemeClr>
+                </a:solidFill>
+              </a:rPr>
+              <a:t>Business Insights</a:t>
+            </a:r>
+            <a:r>
               <a:rPr lang="en-IN" b="1" dirty="0"/>
-              <a:t>Business Insights: </a:t>
+              <a:t>: </a:t>
             </a:r>
             <a:r>
               <a:rPr lang="en-IN" dirty="0"/>
@@ -12981,10 +14036,26 @@
           <a:lstStyle/>
           <a:p>
             <a:r>
-              <a:rPr lang="en-US" dirty="0"/>
+              <a:rPr lang="en-US" b="1" dirty="0">
+                <a:solidFill>
+                  <a:schemeClr val="accent2">
+                    <a:lumMod val="60000"/>
+                    <a:lumOff val="40000"/>
+                  </a:schemeClr>
+                </a:solidFill>
+                <a:latin typeface="Aptos" panose="020B0004020202020204" pitchFamily="34" charset="0"/>
+              </a:rPr>
               <a:t>Tech Stack</a:t>
             </a:r>
-            <a:endParaRPr lang="en-IN" dirty="0"/>
+            <a:endParaRPr lang="en-IN" b="1" dirty="0">
+              <a:solidFill>
+                <a:schemeClr val="accent2">
+                  <a:lumMod val="60000"/>
+                  <a:lumOff val="40000"/>
+                </a:schemeClr>
+              </a:solidFill>
+              <a:latin typeface="Aptos" panose="020B0004020202020204" pitchFamily="34" charset="0"/>
+            </a:endParaRPr>
           </a:p>
         </p:txBody>
       </p:sp>
@@ -13065,44 +14136,71 @@
             <p:ph type="title"/>
           </p:nvPr>
         </p:nvSpPr>
-        <p:spPr/>
-        <p:txBody>
-          <a:bodyPr/>
+        <p:spPr>
+          <a:xfrm>
+            <a:off x="919119" y="245806"/>
+            <a:ext cx="10353762" cy="816078"/>
+          </a:xfrm>
+        </p:spPr>
+        <p:txBody>
+          <a:bodyPr>
+            <a:normAutofit/>
+          </a:bodyPr>
           <a:lstStyle/>
           <a:p>
             <a:r>
-              <a:rPr lang="en-US" dirty="0"/>
+              <a:rPr lang="en-US" b="1" dirty="0">
+                <a:solidFill>
+                  <a:schemeClr val="accent2">
+                    <a:lumMod val="60000"/>
+                    <a:lumOff val="40000"/>
+                  </a:schemeClr>
+                </a:solidFill>
+                <a:latin typeface="Aptos" panose="020B0004020202020204" pitchFamily="34" charset="0"/>
+              </a:rPr>
               <a:t>Dashboards</a:t>
             </a:r>
-            <a:endParaRPr lang="en-IN" dirty="0"/>
-          </a:p>
-        </p:txBody>
-      </p:sp>
-      <p:sp>
-        <p:nvSpPr>
-          <p:cNvPr id="3" name="Content Placeholder 2">
+            <a:endParaRPr lang="en-IN" b="1" dirty="0">
+              <a:solidFill>
+                <a:schemeClr val="accent2">
+                  <a:lumMod val="60000"/>
+                  <a:lumOff val="40000"/>
+                </a:schemeClr>
+              </a:solidFill>
+              <a:latin typeface="Aptos" panose="020B0004020202020204" pitchFamily="34" charset="0"/>
+            </a:endParaRPr>
+          </a:p>
+        </p:txBody>
+      </p:sp>
+      <p:pic>
+        <p:nvPicPr>
+          <p:cNvPr id="5" name="Content Placeholder 4">
             <a:extLst>
               <a:ext uri="{FF2B5EF4-FFF2-40B4-BE49-F238E27FC236}">
-                <a16:creationId xmlns:a16="http://schemas.microsoft.com/office/drawing/2014/main" id="{ADAE4170-BFAE-B1A4-A0C6-B4C232428032}"/>
+                <a16:creationId xmlns:a16="http://schemas.microsoft.com/office/drawing/2014/main" id="{027CB906-2CBD-FA02-8A27-BCF4149A1CDD}"/>
               </a:ext>
             </a:extLst>
           </p:cNvPr>
-          <p:cNvSpPr>
-            <a:spLocks noGrp="1"/>
-          </p:cNvSpPr>
+          <p:cNvPicPr>
+            <a:picLocks noGrp="1" noChangeAspect="1"/>
+          </p:cNvPicPr>
           <p:nvPr>
             <p:ph idx="1"/>
           </p:nvPr>
-        </p:nvSpPr>
-        <p:spPr/>
-        <p:txBody>
-          <a:bodyPr/>
-          <a:lstStyle/>
-          <a:p>
-            <a:endParaRPr lang="en-IN" dirty="0"/>
-          </a:p>
-        </p:txBody>
-      </p:sp>
+        </p:nvPicPr>
+        <p:blipFill>
+          <a:blip r:embed="rId2"/>
+          <a:stretch>
+            <a:fillRect/>
+          </a:stretch>
+        </p:blipFill>
+        <p:spPr>
+          <a:xfrm>
+            <a:off x="1130708" y="1129344"/>
+            <a:ext cx="9733936" cy="5482850"/>
+          </a:xfrm>
+        </p:spPr>
+      </p:pic>
     </p:spTree>
     <p:extLst>
       <p:ext uri="{BB962C8B-B14F-4D97-AF65-F5344CB8AC3E}">
@@ -13155,44 +14253,71 @@
             <p:ph type="title"/>
           </p:nvPr>
         </p:nvSpPr>
-        <p:spPr/>
-        <p:txBody>
-          <a:bodyPr/>
+        <p:spPr>
+          <a:xfrm>
+            <a:off x="919119" y="0"/>
+            <a:ext cx="10353762" cy="957173"/>
+          </a:xfrm>
+        </p:spPr>
+        <p:txBody>
+          <a:bodyPr>
+            <a:normAutofit/>
+          </a:bodyPr>
           <a:lstStyle/>
           <a:p>
             <a:r>
-              <a:rPr lang="en-US" dirty="0"/>
+              <a:rPr lang="en-US" b="1" dirty="0">
+                <a:solidFill>
+                  <a:schemeClr val="accent2">
+                    <a:lumMod val="60000"/>
+                    <a:lumOff val="40000"/>
+                  </a:schemeClr>
+                </a:solidFill>
+                <a:latin typeface="Aptos" panose="020B0004020202020204" pitchFamily="34" charset="0"/>
+              </a:rPr>
               <a:t>Dashboards</a:t>
             </a:r>
-            <a:endParaRPr lang="en-IN" dirty="0"/>
-          </a:p>
-        </p:txBody>
-      </p:sp>
-      <p:sp>
-        <p:nvSpPr>
-          <p:cNvPr id="3" name="Content Placeholder 2">
+            <a:endParaRPr lang="en-IN" b="1" dirty="0">
+              <a:solidFill>
+                <a:schemeClr val="accent2">
+                  <a:lumMod val="60000"/>
+                  <a:lumOff val="40000"/>
+                </a:schemeClr>
+              </a:solidFill>
+              <a:latin typeface="Aptos" panose="020B0004020202020204" pitchFamily="34" charset="0"/>
+            </a:endParaRPr>
+          </a:p>
+        </p:txBody>
+      </p:sp>
+      <p:pic>
+        <p:nvPicPr>
+          <p:cNvPr id="7" name="Content Placeholder 6">
             <a:extLst>
               <a:ext uri="{FF2B5EF4-FFF2-40B4-BE49-F238E27FC236}">
-                <a16:creationId xmlns:a16="http://schemas.microsoft.com/office/drawing/2014/main" id="{AF7D0420-9416-A173-BA21-401BC3E6BF5D}"/>
+                <a16:creationId xmlns:a16="http://schemas.microsoft.com/office/drawing/2014/main" id="{CCAEBD53-F4EE-0446-D603-B85B6F780E38}"/>
               </a:ext>
             </a:extLst>
           </p:cNvPr>
-          <p:cNvSpPr>
-            <a:spLocks noGrp="1"/>
-          </p:cNvSpPr>
+          <p:cNvPicPr>
+            <a:picLocks noGrp="1" noChangeAspect="1"/>
+          </p:cNvPicPr>
           <p:nvPr>
             <p:ph idx="1"/>
           </p:nvPr>
-        </p:nvSpPr>
-        <p:spPr/>
-        <p:txBody>
-          <a:bodyPr/>
-          <a:lstStyle/>
-          <a:p>
-            <a:endParaRPr lang="en-IN" dirty="0"/>
-          </a:p>
-        </p:txBody>
-      </p:sp>
+        </p:nvPicPr>
+        <p:blipFill>
+          <a:blip r:embed="rId2"/>
+          <a:stretch>
+            <a:fillRect/>
+          </a:stretch>
+        </p:blipFill>
+        <p:spPr>
+          <a:xfrm>
+            <a:off x="1163700" y="957173"/>
+            <a:ext cx="9864599" cy="5492788"/>
+          </a:xfrm>
+        </p:spPr>
+      </p:pic>
     </p:spTree>
     <p:extLst>
       <p:ext uri="{BB962C8B-B14F-4D97-AF65-F5344CB8AC3E}">
@@ -13214,7 +14339,7 @@
         <p:cNvPr id="1" name="">
           <a:extLst>
             <a:ext uri="{FF2B5EF4-FFF2-40B4-BE49-F238E27FC236}">
-              <a16:creationId xmlns:a16="http://schemas.microsoft.com/office/drawing/2014/main" id="{3D9C89EB-6228-B8F9-8B12-640E6A930978}"/>
+              <a16:creationId xmlns:a16="http://schemas.microsoft.com/office/drawing/2014/main" id="{8AA1538E-7C07-1F18-46F7-E2A75282D429}"/>
             </a:ext>
           </a:extLst>
         </p:cNvPr>
@@ -13234,7 +14359,7 @@
           <p:cNvPr id="2" name="Title 1">
             <a:extLst>
               <a:ext uri="{FF2B5EF4-FFF2-40B4-BE49-F238E27FC236}">
-                <a16:creationId xmlns:a16="http://schemas.microsoft.com/office/drawing/2014/main" id="{8B4D6121-2208-2DE0-EB25-01062D09BF71}"/>
+                <a16:creationId xmlns:a16="http://schemas.microsoft.com/office/drawing/2014/main" id="{48A508FF-31CA-3AC4-2505-ADC7A452070F}"/>
               </a:ext>
             </a:extLst>
           </p:cNvPr>
@@ -13245,48 +14370,73 @@
             <p:ph type="title"/>
           </p:nvPr>
         </p:nvSpPr>
-        <p:spPr/>
+        <p:spPr>
+          <a:xfrm>
+            <a:off x="919119" y="275303"/>
+            <a:ext cx="10353762" cy="747252"/>
+          </a:xfrm>
+        </p:spPr>
         <p:txBody>
           <a:bodyPr/>
           <a:lstStyle/>
           <a:p>
             <a:r>
-              <a:rPr lang="en-US" dirty="0"/>
+              <a:rPr lang="en-US" b="1" dirty="0">
+                <a:solidFill>
+                  <a:schemeClr val="accent2">
+                    <a:lumMod val="60000"/>
+                    <a:lumOff val="40000"/>
+                  </a:schemeClr>
+                </a:solidFill>
+                <a:latin typeface="Aptos" panose="020B0004020202020204" pitchFamily="34" charset="0"/>
+              </a:rPr>
               <a:t>Dashboards</a:t>
             </a:r>
-            <a:endParaRPr lang="en-IN" dirty="0"/>
-          </a:p>
-        </p:txBody>
-      </p:sp>
-      <p:sp>
-        <p:nvSpPr>
-          <p:cNvPr id="3" name="Content Placeholder 2">
+            <a:endParaRPr lang="en-IN" b="1" dirty="0">
+              <a:solidFill>
+                <a:schemeClr val="accent2">
+                  <a:lumMod val="60000"/>
+                  <a:lumOff val="40000"/>
+                </a:schemeClr>
+              </a:solidFill>
+              <a:latin typeface="Aptos" panose="020B0004020202020204" pitchFamily="34" charset="0"/>
+            </a:endParaRPr>
+          </a:p>
+        </p:txBody>
+      </p:sp>
+      <p:pic>
+        <p:nvPicPr>
+          <p:cNvPr id="5" name="Content Placeholder 4">
             <a:extLst>
               <a:ext uri="{FF2B5EF4-FFF2-40B4-BE49-F238E27FC236}">
-                <a16:creationId xmlns:a16="http://schemas.microsoft.com/office/drawing/2014/main" id="{37266C71-A01B-0288-CA18-564B25674CC7}"/>
+                <a16:creationId xmlns:a16="http://schemas.microsoft.com/office/drawing/2014/main" id="{CDE30CEF-5B15-569E-7843-75E4211C6980}"/>
               </a:ext>
             </a:extLst>
           </p:cNvPr>
-          <p:cNvSpPr>
-            <a:spLocks noGrp="1"/>
-          </p:cNvSpPr>
+          <p:cNvPicPr>
+            <a:picLocks noGrp="1" noChangeAspect="1"/>
+          </p:cNvPicPr>
           <p:nvPr>
             <p:ph idx="1"/>
           </p:nvPr>
-        </p:nvSpPr>
-        <p:spPr/>
-        <p:txBody>
-          <a:bodyPr/>
-          <a:lstStyle/>
-          <a:p>
-            <a:endParaRPr lang="en-IN" dirty="0"/>
-          </a:p>
-        </p:txBody>
-      </p:sp>
+        </p:nvPicPr>
+        <p:blipFill>
+          <a:blip r:embed="rId2"/>
+          <a:stretch>
+            <a:fillRect/>
+          </a:stretch>
+        </p:blipFill>
+        <p:spPr>
+          <a:xfrm>
+            <a:off x="1346858" y="1195684"/>
+            <a:ext cx="9498284" cy="5264109"/>
+          </a:xfrm>
+        </p:spPr>
+      </p:pic>
     </p:spTree>
     <p:extLst>
       <p:ext uri="{BB962C8B-B14F-4D97-AF65-F5344CB8AC3E}">
-        <p14:creationId xmlns:p14="http://schemas.microsoft.com/office/powerpoint/2010/main" val="2938843551"/>
+        <p14:creationId xmlns:p14="http://schemas.microsoft.com/office/powerpoint/2010/main" val="3845396557"/>
       </p:ext>
     </p:extLst>
   </p:cSld>
